--- a/Other/Tmp/Main Slide.pptx
+++ b/Other/Tmp/Main Slide.pptx
@@ -5,10 +5,10 @@
     <p:sldMasterId id="2147483810" r:id="rId1"/>
   </p:sldMasterIdLst>
   <p:notesMasterIdLst>
-    <p:notesMasterId r:id="rId22"/>
+    <p:notesMasterId r:id="rId24"/>
   </p:notesMasterIdLst>
   <p:handoutMasterIdLst>
-    <p:handoutMasterId r:id="rId23"/>
+    <p:handoutMasterId r:id="rId25"/>
   </p:handoutMasterIdLst>
   <p:sldIdLst>
     <p:sldId id="256" r:id="rId2"/>
@@ -24,13 +24,15 @@
     <p:sldId id="263" r:id="rId12"/>
     <p:sldId id="272" r:id="rId13"/>
     <p:sldId id="275" r:id="rId14"/>
-    <p:sldId id="273" r:id="rId15"/>
-    <p:sldId id="276" r:id="rId16"/>
+    <p:sldId id="276" r:id="rId15"/>
+    <p:sldId id="273" r:id="rId16"/>
     <p:sldId id="266" r:id="rId17"/>
-    <p:sldId id="267" r:id="rId18"/>
-    <p:sldId id="265" r:id="rId19"/>
-    <p:sldId id="268" r:id="rId20"/>
-    <p:sldId id="269" r:id="rId21"/>
+    <p:sldId id="278" r:id="rId18"/>
+    <p:sldId id="267" r:id="rId19"/>
+    <p:sldId id="277" r:id="rId20"/>
+    <p:sldId id="265" r:id="rId21"/>
+    <p:sldId id="268" r:id="rId22"/>
+    <p:sldId id="269" r:id="rId23"/>
   </p:sldIdLst>
   <p:sldSz cx="9144000" cy="6858000" type="screen4x3"/>
   <p:notesSz cx="6858000" cy="9144000"/>
@@ -885,6 +887,753 @@
 </file>
 
 <file path=ppt/diagrams/colors10.xml><?xml version="1.0" encoding="utf-8"?>
+<dgm:colorsDef xmlns:dgm="http://schemas.openxmlformats.org/drawingml/2006/diagram" xmlns:a="http://schemas.openxmlformats.org/drawingml/2006/main" uniqueId="urn:microsoft.com/office/officeart/2005/8/colors/accent1_2">
+  <dgm:title val=""/>
+  <dgm:desc val=""/>
+  <dgm:catLst>
+    <dgm:cat type="accent1" pri="11200"/>
+  </dgm:catLst>
+  <dgm:styleLbl name="node0">
+    <dgm:fillClrLst meth="repeat">
+      <a:schemeClr val="accent1"/>
+    </dgm:fillClrLst>
+    <dgm:linClrLst meth="repeat">
+      <a:schemeClr val="lt1"/>
+    </dgm:linClrLst>
+    <dgm:effectClrLst/>
+    <dgm:txLinClrLst/>
+    <dgm:txFillClrLst/>
+    <dgm:txEffectClrLst/>
+  </dgm:styleLbl>
+  <dgm:styleLbl name="alignNode1">
+    <dgm:fillClrLst meth="repeat">
+      <a:schemeClr val="accent1"/>
+    </dgm:fillClrLst>
+    <dgm:linClrLst meth="repeat">
+      <a:schemeClr val="accent1"/>
+    </dgm:linClrLst>
+    <dgm:effectClrLst/>
+    <dgm:txLinClrLst/>
+    <dgm:txFillClrLst/>
+    <dgm:txEffectClrLst/>
+  </dgm:styleLbl>
+  <dgm:styleLbl name="node1">
+    <dgm:fillClrLst meth="repeat">
+      <a:schemeClr val="accent1"/>
+    </dgm:fillClrLst>
+    <dgm:linClrLst meth="repeat">
+      <a:schemeClr val="lt1"/>
+    </dgm:linClrLst>
+    <dgm:effectClrLst/>
+    <dgm:txLinClrLst/>
+    <dgm:txFillClrLst/>
+    <dgm:txEffectClrLst/>
+  </dgm:styleLbl>
+  <dgm:styleLbl name="lnNode1">
+    <dgm:fillClrLst meth="repeat">
+      <a:schemeClr val="accent1"/>
+    </dgm:fillClrLst>
+    <dgm:linClrLst meth="repeat">
+      <a:schemeClr val="lt1"/>
+    </dgm:linClrLst>
+    <dgm:effectClrLst/>
+    <dgm:txLinClrLst/>
+    <dgm:txFillClrLst/>
+    <dgm:txEffectClrLst/>
+  </dgm:styleLbl>
+  <dgm:styleLbl name="vennNode1">
+    <dgm:fillClrLst meth="repeat">
+      <a:schemeClr val="accent1">
+        <a:alpha val="50000"/>
+      </a:schemeClr>
+    </dgm:fillClrLst>
+    <dgm:linClrLst meth="repeat">
+      <a:schemeClr val="lt1"/>
+    </dgm:linClrLst>
+    <dgm:effectClrLst/>
+    <dgm:txLinClrLst/>
+    <dgm:txFillClrLst/>
+    <dgm:txEffectClrLst/>
+  </dgm:styleLbl>
+  <dgm:styleLbl name="node2">
+    <dgm:fillClrLst meth="repeat">
+      <a:schemeClr val="accent1"/>
+    </dgm:fillClrLst>
+    <dgm:linClrLst meth="repeat">
+      <a:schemeClr val="lt1"/>
+    </dgm:linClrLst>
+    <dgm:effectClrLst/>
+    <dgm:txLinClrLst/>
+    <dgm:txFillClrLst/>
+    <dgm:txEffectClrLst/>
+  </dgm:styleLbl>
+  <dgm:styleLbl name="node3">
+    <dgm:fillClrLst meth="repeat">
+      <a:schemeClr val="accent1"/>
+    </dgm:fillClrLst>
+    <dgm:linClrLst meth="repeat">
+      <a:schemeClr val="lt1"/>
+    </dgm:linClrLst>
+    <dgm:effectClrLst/>
+    <dgm:txLinClrLst/>
+    <dgm:txFillClrLst/>
+    <dgm:txEffectClrLst/>
+  </dgm:styleLbl>
+  <dgm:styleLbl name="node4">
+    <dgm:fillClrLst meth="repeat">
+      <a:schemeClr val="accent1"/>
+    </dgm:fillClrLst>
+    <dgm:linClrLst meth="repeat">
+      <a:schemeClr val="lt1"/>
+    </dgm:linClrLst>
+    <dgm:effectClrLst/>
+    <dgm:txLinClrLst/>
+    <dgm:txFillClrLst/>
+    <dgm:txEffectClrLst/>
+  </dgm:styleLbl>
+  <dgm:styleLbl name="fgImgPlace1">
+    <dgm:fillClrLst meth="repeat">
+      <a:schemeClr val="accent1">
+        <a:tint val="50000"/>
+      </a:schemeClr>
+    </dgm:fillClrLst>
+    <dgm:linClrLst meth="repeat">
+      <a:schemeClr val="lt1"/>
+    </dgm:linClrLst>
+    <dgm:effectClrLst/>
+    <dgm:txLinClrLst/>
+    <dgm:txFillClrLst meth="repeat">
+      <a:schemeClr val="lt1"/>
+    </dgm:txFillClrLst>
+    <dgm:txEffectClrLst/>
+  </dgm:styleLbl>
+  <dgm:styleLbl name="alignImgPlace1">
+    <dgm:fillClrLst meth="repeat">
+      <a:schemeClr val="accent1">
+        <a:tint val="50000"/>
+      </a:schemeClr>
+    </dgm:fillClrLst>
+    <dgm:linClrLst meth="repeat">
+      <a:schemeClr val="lt1"/>
+    </dgm:linClrLst>
+    <dgm:effectClrLst/>
+    <dgm:txLinClrLst/>
+    <dgm:txFillClrLst meth="repeat">
+      <a:schemeClr val="lt1"/>
+    </dgm:txFillClrLst>
+    <dgm:txEffectClrLst/>
+  </dgm:styleLbl>
+  <dgm:styleLbl name="bgImgPlace1">
+    <dgm:fillClrLst meth="repeat">
+      <a:schemeClr val="accent1">
+        <a:tint val="50000"/>
+      </a:schemeClr>
+    </dgm:fillClrLst>
+    <dgm:linClrLst meth="repeat">
+      <a:schemeClr val="lt1"/>
+    </dgm:linClrLst>
+    <dgm:effectClrLst/>
+    <dgm:txLinClrLst/>
+    <dgm:txFillClrLst meth="repeat">
+      <a:schemeClr val="lt1"/>
+    </dgm:txFillClrLst>
+    <dgm:txEffectClrLst/>
+  </dgm:styleLbl>
+  <dgm:styleLbl name="sibTrans2D1">
+    <dgm:fillClrLst meth="repeat">
+      <a:schemeClr val="accent1">
+        <a:tint val="60000"/>
+      </a:schemeClr>
+    </dgm:fillClrLst>
+    <dgm:linClrLst meth="repeat">
+      <a:schemeClr val="accent1">
+        <a:tint val="60000"/>
+      </a:schemeClr>
+    </dgm:linClrLst>
+    <dgm:effectClrLst/>
+    <dgm:txLinClrLst/>
+    <dgm:txFillClrLst/>
+    <dgm:txEffectClrLst/>
+  </dgm:styleLbl>
+  <dgm:styleLbl name="fgSibTrans2D1">
+    <dgm:fillClrLst meth="repeat">
+      <a:schemeClr val="accent1">
+        <a:tint val="60000"/>
+      </a:schemeClr>
+    </dgm:fillClrLst>
+    <dgm:linClrLst meth="repeat">
+      <a:schemeClr val="accent1">
+        <a:tint val="60000"/>
+      </a:schemeClr>
+    </dgm:linClrLst>
+    <dgm:effectClrLst/>
+    <dgm:txLinClrLst/>
+    <dgm:txFillClrLst/>
+    <dgm:txEffectClrLst/>
+  </dgm:styleLbl>
+  <dgm:styleLbl name="bgSibTrans2D1">
+    <dgm:fillClrLst meth="repeat">
+      <a:schemeClr val="accent1">
+        <a:tint val="60000"/>
+      </a:schemeClr>
+    </dgm:fillClrLst>
+    <dgm:linClrLst meth="repeat">
+      <a:schemeClr val="accent1">
+        <a:tint val="60000"/>
+      </a:schemeClr>
+    </dgm:linClrLst>
+    <dgm:effectClrLst/>
+    <dgm:txLinClrLst/>
+    <dgm:txFillClrLst/>
+    <dgm:txEffectClrLst/>
+  </dgm:styleLbl>
+  <dgm:styleLbl name="sibTrans1D1">
+    <dgm:fillClrLst meth="repeat">
+      <a:schemeClr val="accent1"/>
+    </dgm:fillClrLst>
+    <dgm:linClrLst meth="repeat">
+      <a:schemeClr val="accent1"/>
+    </dgm:linClrLst>
+    <dgm:effectClrLst/>
+    <dgm:txLinClrLst/>
+    <dgm:txFillClrLst meth="repeat">
+      <a:schemeClr val="tx1"/>
+    </dgm:txFillClrLst>
+    <dgm:txEffectClrLst/>
+  </dgm:styleLbl>
+  <dgm:styleLbl name="callout">
+    <dgm:fillClrLst meth="repeat">
+      <a:schemeClr val="accent1"/>
+    </dgm:fillClrLst>
+    <dgm:linClrLst meth="repeat">
+      <a:schemeClr val="accent1">
+        <a:tint val="50000"/>
+      </a:schemeClr>
+    </dgm:linClrLst>
+    <dgm:effectClrLst/>
+    <dgm:txLinClrLst/>
+    <dgm:txFillClrLst meth="repeat">
+      <a:schemeClr val="tx1"/>
+    </dgm:txFillClrLst>
+    <dgm:txEffectClrLst/>
+  </dgm:styleLbl>
+  <dgm:styleLbl name="asst0">
+    <dgm:fillClrLst meth="repeat">
+      <a:schemeClr val="accent1"/>
+    </dgm:fillClrLst>
+    <dgm:linClrLst meth="repeat">
+      <a:schemeClr val="lt1"/>
+    </dgm:linClrLst>
+    <dgm:effectClrLst/>
+    <dgm:txLinClrLst/>
+    <dgm:txFillClrLst/>
+    <dgm:txEffectClrLst/>
+  </dgm:styleLbl>
+  <dgm:styleLbl name="asst1">
+    <dgm:fillClrLst meth="repeat">
+      <a:schemeClr val="accent1"/>
+    </dgm:fillClrLst>
+    <dgm:linClrLst meth="repeat">
+      <a:schemeClr val="lt1"/>
+    </dgm:linClrLst>
+    <dgm:effectClrLst/>
+    <dgm:txLinClrLst/>
+    <dgm:txFillClrLst/>
+    <dgm:txEffectClrLst/>
+  </dgm:styleLbl>
+  <dgm:styleLbl name="asst2">
+    <dgm:fillClrLst meth="repeat">
+      <a:schemeClr val="accent1"/>
+    </dgm:fillClrLst>
+    <dgm:linClrLst meth="repeat">
+      <a:schemeClr val="lt1"/>
+    </dgm:linClrLst>
+    <dgm:effectClrLst/>
+    <dgm:txLinClrLst/>
+    <dgm:txFillClrLst/>
+    <dgm:txEffectClrLst/>
+  </dgm:styleLbl>
+  <dgm:styleLbl name="asst3">
+    <dgm:fillClrLst meth="repeat">
+      <a:schemeClr val="accent1"/>
+    </dgm:fillClrLst>
+    <dgm:linClrLst meth="repeat">
+      <a:schemeClr val="lt1"/>
+    </dgm:linClrLst>
+    <dgm:effectClrLst/>
+    <dgm:txLinClrLst/>
+    <dgm:txFillClrLst/>
+    <dgm:txEffectClrLst/>
+  </dgm:styleLbl>
+  <dgm:styleLbl name="asst4">
+    <dgm:fillClrLst meth="repeat">
+      <a:schemeClr val="accent1"/>
+    </dgm:fillClrLst>
+    <dgm:linClrLst meth="repeat">
+      <a:schemeClr val="lt1"/>
+    </dgm:linClrLst>
+    <dgm:effectClrLst/>
+    <dgm:txLinClrLst/>
+    <dgm:txFillClrLst/>
+    <dgm:txEffectClrLst/>
+  </dgm:styleLbl>
+  <dgm:styleLbl name="parChTrans2D1">
+    <dgm:fillClrLst meth="repeat">
+      <a:schemeClr val="accent1">
+        <a:tint val="60000"/>
+      </a:schemeClr>
+    </dgm:fillClrLst>
+    <dgm:linClrLst meth="repeat">
+      <a:schemeClr val="accent1">
+        <a:tint val="60000"/>
+      </a:schemeClr>
+    </dgm:linClrLst>
+    <dgm:effectClrLst/>
+    <dgm:txLinClrLst/>
+    <dgm:txFillClrLst meth="repeat">
+      <a:schemeClr val="lt1"/>
+    </dgm:txFillClrLst>
+    <dgm:txEffectClrLst/>
+  </dgm:styleLbl>
+  <dgm:styleLbl name="parChTrans2D2">
+    <dgm:fillClrLst meth="repeat">
+      <a:schemeClr val="accent1"/>
+    </dgm:fillClrLst>
+    <dgm:linClrLst meth="repeat">
+      <a:schemeClr val="accent1"/>
+    </dgm:linClrLst>
+    <dgm:effectClrLst/>
+    <dgm:txLinClrLst/>
+    <dgm:txFillClrLst meth="repeat">
+      <a:schemeClr val="lt1"/>
+    </dgm:txFillClrLst>
+    <dgm:txEffectClrLst/>
+  </dgm:styleLbl>
+  <dgm:styleLbl name="parChTrans2D3">
+    <dgm:fillClrLst meth="repeat">
+      <a:schemeClr val="accent1"/>
+    </dgm:fillClrLst>
+    <dgm:linClrLst meth="repeat">
+      <a:schemeClr val="accent1"/>
+    </dgm:linClrLst>
+    <dgm:effectClrLst/>
+    <dgm:txLinClrLst/>
+    <dgm:txFillClrLst meth="repeat">
+      <a:schemeClr val="lt1"/>
+    </dgm:txFillClrLst>
+    <dgm:txEffectClrLst/>
+  </dgm:styleLbl>
+  <dgm:styleLbl name="parChTrans2D4">
+    <dgm:fillClrLst meth="repeat">
+      <a:schemeClr val="accent1"/>
+    </dgm:fillClrLst>
+    <dgm:linClrLst meth="repeat">
+      <a:schemeClr val="accent1"/>
+    </dgm:linClrLst>
+    <dgm:effectClrLst/>
+    <dgm:txLinClrLst/>
+    <dgm:txFillClrLst meth="repeat">
+      <a:schemeClr val="lt1"/>
+    </dgm:txFillClrLst>
+    <dgm:txEffectClrLst/>
+  </dgm:styleLbl>
+  <dgm:styleLbl name="parChTrans1D1">
+    <dgm:fillClrLst meth="repeat">
+      <a:schemeClr val="accent1"/>
+    </dgm:fillClrLst>
+    <dgm:linClrLst meth="repeat">
+      <a:schemeClr val="accent1">
+        <a:shade val="60000"/>
+      </a:schemeClr>
+    </dgm:linClrLst>
+    <dgm:effectClrLst/>
+    <dgm:txLinClrLst/>
+    <dgm:txFillClrLst meth="repeat">
+      <a:schemeClr val="tx1"/>
+    </dgm:txFillClrLst>
+    <dgm:txEffectClrLst/>
+  </dgm:styleLbl>
+  <dgm:styleLbl name="parChTrans1D2">
+    <dgm:fillClrLst meth="repeat">
+      <a:schemeClr val="accent1"/>
+    </dgm:fillClrLst>
+    <dgm:linClrLst meth="repeat">
+      <a:schemeClr val="accent1">
+        <a:shade val="60000"/>
+      </a:schemeClr>
+    </dgm:linClrLst>
+    <dgm:effectClrLst/>
+    <dgm:txLinClrLst/>
+    <dgm:txFillClrLst meth="repeat">
+      <a:schemeClr val="tx1"/>
+    </dgm:txFillClrLst>
+    <dgm:txEffectClrLst/>
+  </dgm:styleLbl>
+  <dgm:styleLbl name="parChTrans1D3">
+    <dgm:fillClrLst meth="repeat">
+      <a:schemeClr val="accent1"/>
+    </dgm:fillClrLst>
+    <dgm:linClrLst meth="repeat">
+      <a:schemeClr val="accent1">
+        <a:shade val="80000"/>
+      </a:schemeClr>
+    </dgm:linClrLst>
+    <dgm:effectClrLst/>
+    <dgm:txLinClrLst/>
+    <dgm:txFillClrLst meth="repeat">
+      <a:schemeClr val="tx1"/>
+    </dgm:txFillClrLst>
+    <dgm:txEffectClrLst/>
+  </dgm:styleLbl>
+  <dgm:styleLbl name="parChTrans1D4">
+    <dgm:fillClrLst meth="repeat">
+      <a:schemeClr val="accent1"/>
+    </dgm:fillClrLst>
+    <dgm:linClrLst meth="repeat">
+      <a:schemeClr val="accent1">
+        <a:shade val="80000"/>
+      </a:schemeClr>
+    </dgm:linClrLst>
+    <dgm:effectClrLst/>
+    <dgm:txLinClrLst/>
+    <dgm:txFillClrLst meth="repeat">
+      <a:schemeClr val="tx1"/>
+    </dgm:txFillClrLst>
+    <dgm:txEffectClrLst/>
+  </dgm:styleLbl>
+  <dgm:styleLbl name="fgAcc1">
+    <dgm:fillClrLst meth="repeat">
+      <a:schemeClr val="lt1">
+        <a:alpha val="90000"/>
+      </a:schemeClr>
+    </dgm:fillClrLst>
+    <dgm:linClrLst meth="repeat">
+      <a:schemeClr val="accent1"/>
+    </dgm:linClrLst>
+    <dgm:effectClrLst/>
+    <dgm:txLinClrLst/>
+    <dgm:txFillClrLst meth="repeat">
+      <a:schemeClr val="dk1"/>
+    </dgm:txFillClrLst>
+    <dgm:txEffectClrLst/>
+  </dgm:styleLbl>
+  <dgm:styleLbl name="conFgAcc1">
+    <dgm:fillClrLst meth="repeat">
+      <a:schemeClr val="lt1">
+        <a:alpha val="90000"/>
+      </a:schemeClr>
+    </dgm:fillClrLst>
+    <dgm:linClrLst meth="repeat">
+      <a:schemeClr val="accent1"/>
+    </dgm:linClrLst>
+    <dgm:effectClrLst/>
+    <dgm:txLinClrLst/>
+    <dgm:txFillClrLst meth="repeat">
+      <a:schemeClr val="dk1"/>
+    </dgm:txFillClrLst>
+    <dgm:txEffectClrLst/>
+  </dgm:styleLbl>
+  <dgm:styleLbl name="alignAcc1">
+    <dgm:fillClrLst meth="repeat">
+      <a:schemeClr val="lt1">
+        <a:alpha val="90000"/>
+      </a:schemeClr>
+    </dgm:fillClrLst>
+    <dgm:linClrLst meth="repeat">
+      <a:schemeClr val="accent1"/>
+    </dgm:linClrLst>
+    <dgm:effectClrLst/>
+    <dgm:txLinClrLst/>
+    <dgm:txFillClrLst meth="repeat">
+      <a:schemeClr val="dk1"/>
+    </dgm:txFillClrLst>
+    <dgm:txEffectClrLst/>
+  </dgm:styleLbl>
+  <dgm:styleLbl name="trAlignAcc1">
+    <dgm:fillClrLst meth="repeat">
+      <a:schemeClr val="lt1">
+        <a:alpha val="40000"/>
+      </a:schemeClr>
+    </dgm:fillClrLst>
+    <dgm:linClrLst meth="repeat">
+      <a:schemeClr val="accent1"/>
+    </dgm:linClrLst>
+    <dgm:effectClrLst/>
+    <dgm:txLinClrLst/>
+    <dgm:txFillClrLst meth="repeat">
+      <a:schemeClr val="dk1"/>
+    </dgm:txFillClrLst>
+    <dgm:txEffectClrLst/>
+  </dgm:styleLbl>
+  <dgm:styleLbl name="bgAcc1">
+    <dgm:fillClrLst meth="repeat">
+      <a:schemeClr val="lt1">
+        <a:alpha val="90000"/>
+      </a:schemeClr>
+    </dgm:fillClrLst>
+    <dgm:linClrLst meth="repeat">
+      <a:schemeClr val="accent1"/>
+    </dgm:linClrLst>
+    <dgm:effectClrLst/>
+    <dgm:txLinClrLst/>
+    <dgm:txFillClrLst meth="repeat">
+      <a:schemeClr val="dk1"/>
+    </dgm:txFillClrLst>
+    <dgm:txEffectClrLst/>
+  </dgm:styleLbl>
+  <dgm:styleLbl name="solidFgAcc1">
+    <dgm:fillClrLst meth="repeat">
+      <a:schemeClr val="lt1"/>
+    </dgm:fillClrLst>
+    <dgm:linClrLst meth="repeat">
+      <a:schemeClr val="accent1"/>
+    </dgm:linClrLst>
+    <dgm:effectClrLst/>
+    <dgm:txLinClrLst/>
+    <dgm:txFillClrLst meth="repeat">
+      <a:schemeClr val="dk1"/>
+    </dgm:txFillClrLst>
+    <dgm:txEffectClrLst/>
+  </dgm:styleLbl>
+  <dgm:styleLbl name="solidAlignAcc1">
+    <dgm:fillClrLst meth="repeat">
+      <a:schemeClr val="lt1"/>
+    </dgm:fillClrLst>
+    <dgm:linClrLst meth="repeat">
+      <a:schemeClr val="accent1"/>
+    </dgm:linClrLst>
+    <dgm:effectClrLst/>
+    <dgm:txLinClrLst/>
+    <dgm:txFillClrLst meth="repeat">
+      <a:schemeClr val="dk1"/>
+    </dgm:txFillClrLst>
+    <dgm:txEffectClrLst/>
+  </dgm:styleLbl>
+  <dgm:styleLbl name="solidBgAcc1">
+    <dgm:fillClrLst meth="repeat">
+      <a:schemeClr val="lt1"/>
+    </dgm:fillClrLst>
+    <dgm:linClrLst meth="repeat">
+      <a:schemeClr val="accent1"/>
+    </dgm:linClrLst>
+    <dgm:effectClrLst/>
+    <dgm:txLinClrLst/>
+    <dgm:txFillClrLst meth="repeat">
+      <a:schemeClr val="dk1"/>
+    </dgm:txFillClrLst>
+    <dgm:txEffectClrLst/>
+  </dgm:styleLbl>
+  <dgm:styleLbl name="fgAccFollowNode1">
+    <dgm:fillClrLst meth="repeat">
+      <a:schemeClr val="accent1">
+        <a:alpha val="90000"/>
+        <a:tint val="40000"/>
+      </a:schemeClr>
+    </dgm:fillClrLst>
+    <dgm:linClrLst meth="repeat">
+      <a:schemeClr val="accent1">
+        <a:alpha val="90000"/>
+        <a:tint val="40000"/>
+      </a:schemeClr>
+    </dgm:linClrLst>
+    <dgm:effectClrLst/>
+    <dgm:txLinClrLst/>
+    <dgm:txFillClrLst meth="repeat">
+      <a:schemeClr val="dk1"/>
+    </dgm:txFillClrLst>
+    <dgm:txEffectClrLst/>
+  </dgm:styleLbl>
+  <dgm:styleLbl name="alignAccFollowNode1">
+    <dgm:fillClrLst meth="repeat">
+      <a:schemeClr val="accent1">
+        <a:alpha val="90000"/>
+        <a:tint val="40000"/>
+      </a:schemeClr>
+    </dgm:fillClrLst>
+    <dgm:linClrLst meth="repeat">
+      <a:schemeClr val="accent1">
+        <a:alpha val="90000"/>
+        <a:tint val="40000"/>
+      </a:schemeClr>
+    </dgm:linClrLst>
+    <dgm:effectClrLst/>
+    <dgm:txLinClrLst/>
+    <dgm:txFillClrLst meth="repeat">
+      <a:schemeClr val="dk1"/>
+    </dgm:txFillClrLst>
+    <dgm:txEffectClrLst/>
+  </dgm:styleLbl>
+  <dgm:styleLbl name="bgAccFollowNode1">
+    <dgm:fillClrLst meth="repeat">
+      <a:schemeClr val="accent1">
+        <a:alpha val="90000"/>
+        <a:tint val="40000"/>
+      </a:schemeClr>
+    </dgm:fillClrLst>
+    <dgm:linClrLst meth="repeat">
+      <a:schemeClr val="accent1">
+        <a:alpha val="90000"/>
+        <a:tint val="40000"/>
+      </a:schemeClr>
+    </dgm:linClrLst>
+    <dgm:effectClrLst/>
+    <dgm:txLinClrLst/>
+    <dgm:txFillClrLst meth="repeat">
+      <a:schemeClr val="dk1"/>
+    </dgm:txFillClrLst>
+    <dgm:txEffectClrLst/>
+  </dgm:styleLbl>
+  <dgm:styleLbl name="fgAcc0">
+    <dgm:fillClrLst meth="repeat">
+      <a:schemeClr val="lt1">
+        <a:alpha val="90000"/>
+      </a:schemeClr>
+    </dgm:fillClrLst>
+    <dgm:linClrLst meth="repeat">
+      <a:schemeClr val="accent1"/>
+    </dgm:linClrLst>
+    <dgm:effectClrLst/>
+    <dgm:txLinClrLst/>
+    <dgm:txFillClrLst meth="repeat">
+      <a:schemeClr val="dk1"/>
+    </dgm:txFillClrLst>
+    <dgm:txEffectClrLst/>
+  </dgm:styleLbl>
+  <dgm:styleLbl name="fgAcc2">
+    <dgm:fillClrLst meth="repeat">
+      <a:schemeClr val="lt1">
+        <a:alpha val="90000"/>
+      </a:schemeClr>
+    </dgm:fillClrLst>
+    <dgm:linClrLst meth="repeat">
+      <a:schemeClr val="accent1"/>
+    </dgm:linClrLst>
+    <dgm:effectClrLst/>
+    <dgm:txLinClrLst/>
+    <dgm:txFillClrLst meth="repeat">
+      <a:schemeClr val="dk1"/>
+    </dgm:txFillClrLst>
+    <dgm:txEffectClrLst/>
+  </dgm:styleLbl>
+  <dgm:styleLbl name="fgAcc3">
+    <dgm:fillClrLst meth="repeat">
+      <a:schemeClr val="lt1">
+        <a:alpha val="90000"/>
+      </a:schemeClr>
+    </dgm:fillClrLst>
+    <dgm:linClrLst meth="repeat">
+      <a:schemeClr val="accent1"/>
+    </dgm:linClrLst>
+    <dgm:effectClrLst/>
+    <dgm:txLinClrLst/>
+    <dgm:txFillClrLst meth="repeat">
+      <a:schemeClr val="dk1"/>
+    </dgm:txFillClrLst>
+    <dgm:txEffectClrLst/>
+  </dgm:styleLbl>
+  <dgm:styleLbl name="fgAcc4">
+    <dgm:fillClrLst meth="repeat">
+      <a:schemeClr val="lt1">
+        <a:alpha val="90000"/>
+      </a:schemeClr>
+    </dgm:fillClrLst>
+    <dgm:linClrLst meth="repeat">
+      <a:schemeClr val="accent1"/>
+    </dgm:linClrLst>
+    <dgm:effectClrLst/>
+    <dgm:txLinClrLst/>
+    <dgm:txFillClrLst meth="repeat">
+      <a:schemeClr val="dk1"/>
+    </dgm:txFillClrLst>
+    <dgm:txEffectClrLst/>
+  </dgm:styleLbl>
+  <dgm:styleLbl name="bgShp">
+    <dgm:fillClrLst meth="repeat">
+      <a:schemeClr val="accent1">
+        <a:tint val="40000"/>
+      </a:schemeClr>
+    </dgm:fillClrLst>
+    <dgm:linClrLst meth="repeat">
+      <a:schemeClr val="accent1"/>
+    </dgm:linClrLst>
+    <dgm:effectClrLst/>
+    <dgm:txLinClrLst/>
+    <dgm:txFillClrLst meth="repeat">
+      <a:schemeClr val="dk1"/>
+    </dgm:txFillClrLst>
+    <dgm:txEffectClrLst/>
+  </dgm:styleLbl>
+  <dgm:styleLbl name="dkBgShp">
+    <dgm:fillClrLst meth="repeat">
+      <a:schemeClr val="accent1">
+        <a:shade val="80000"/>
+      </a:schemeClr>
+    </dgm:fillClrLst>
+    <dgm:linClrLst meth="repeat">
+      <a:schemeClr val="accent1"/>
+    </dgm:linClrLst>
+    <dgm:effectClrLst/>
+    <dgm:txLinClrLst/>
+    <dgm:txFillClrLst meth="repeat">
+      <a:schemeClr val="lt1"/>
+    </dgm:txFillClrLst>
+    <dgm:txEffectClrLst/>
+  </dgm:styleLbl>
+  <dgm:styleLbl name="trBgShp">
+    <dgm:fillClrLst meth="repeat">
+      <a:schemeClr val="accent1">
+        <a:tint val="50000"/>
+        <a:alpha val="40000"/>
+      </a:schemeClr>
+    </dgm:fillClrLst>
+    <dgm:linClrLst meth="repeat">
+      <a:schemeClr val="accent1"/>
+    </dgm:linClrLst>
+    <dgm:effectClrLst/>
+    <dgm:txLinClrLst/>
+    <dgm:txFillClrLst meth="repeat">
+      <a:schemeClr val="lt1"/>
+    </dgm:txFillClrLst>
+    <dgm:txEffectClrLst/>
+  </dgm:styleLbl>
+  <dgm:styleLbl name="fgShp">
+    <dgm:fillClrLst meth="repeat">
+      <a:schemeClr val="accent1">
+        <a:tint val="60000"/>
+      </a:schemeClr>
+    </dgm:fillClrLst>
+    <dgm:linClrLst meth="repeat">
+      <a:schemeClr val="lt1"/>
+    </dgm:linClrLst>
+    <dgm:effectClrLst/>
+    <dgm:txLinClrLst/>
+    <dgm:txFillClrLst meth="repeat">
+      <a:schemeClr val="dk1"/>
+    </dgm:txFillClrLst>
+    <dgm:txEffectClrLst/>
+  </dgm:styleLbl>
+  <dgm:styleLbl name="revTx">
+    <dgm:fillClrLst meth="repeat">
+      <a:schemeClr val="lt1">
+        <a:alpha val="0"/>
+      </a:schemeClr>
+    </dgm:fillClrLst>
+    <dgm:linClrLst meth="repeat">
+      <a:schemeClr val="dk1">
+        <a:alpha val="0"/>
+      </a:schemeClr>
+    </dgm:linClrLst>
+    <dgm:effectClrLst/>
+    <dgm:txLinClrLst/>
+    <dgm:txFillClrLst meth="repeat">
+      <a:schemeClr val="tx1"/>
+    </dgm:txFillClrLst>
+    <dgm:txEffectClrLst/>
+  </dgm:styleLbl>
+</dgm:colorsDef>
+</file>
+
+<file path=ppt/diagrams/colors11.xml><?xml version="1.0" encoding="utf-8"?>
 <dgm:colorsDef xmlns:dgm="http://schemas.openxmlformats.org/drawingml/2006/diagram" xmlns:a="http://schemas.openxmlformats.org/drawingml/2006/main" uniqueId="urn:microsoft.com/office/officeart/2005/8/colors/accent1_2">
   <dgm:title val=""/>
   <dgm:desc val=""/>
@@ -8553,9 +9302,9 @@
     <dgm:cxn modelId="{EEB86E28-F141-4027-9F05-99303895F1EA}" srcId="{D779D713-23C1-4C6A-91A6-8255CD37F33D}" destId="{67A3017F-00B1-4666-AA1A-1593816C5AD8}" srcOrd="0" destOrd="0" parTransId="{843C4E78-EF3D-4BFC-BEB9-F41B68D2861C}" sibTransId="{FE6A7D7B-7D92-44A5-8204-509E008FE416}"/>
     <dgm:cxn modelId="{AB6DBB2D-96FD-45D2-811D-87380140308F}" srcId="{C48915BD-4F32-4AB9-A6B8-6ADAACC7D7C9}" destId="{81CB462E-DE1A-4473-A886-987D12A5B5B1}" srcOrd="0" destOrd="0" parTransId="{C1BD1181-28B4-43F8-BD59-78E9B9A4D59E}" sibTransId="{E9547D32-A3F9-4769-8BBE-34071DABCC79}"/>
     <dgm:cxn modelId="{C277E6F3-3150-49C3-A28C-466EAEFF4480}" type="presOf" srcId="{F2D08D5E-6BA1-435C-8873-9B17E4E8D3C2}" destId="{0E4E9B01-56C4-4A0F-ACB2-7A344554573B}" srcOrd="0" destOrd="0" presId="urn:microsoft.com/office/officeart/2005/8/layout/chevron2"/>
+    <dgm:cxn modelId="{0065A203-439A-43D9-8390-2C940275F55B}" srcId="{098B8B68-050C-4C8D-BDD5-9FD267B81D5C}" destId="{746292BA-7DFC-48DD-A4D8-7600FC7ABBB7}" srcOrd="0" destOrd="0" parTransId="{5B3413F0-24DD-4D80-A73A-A74F7ECF001F}" sibTransId="{D5C45B51-7501-4736-9452-76876ACEFD39}"/>
+    <dgm:cxn modelId="{DC0141F9-CA74-4B9E-A92B-66C1D31C9C86}" srcId="{D779D713-23C1-4C6A-91A6-8255CD37F33D}" destId="{C1D9983E-926E-48DC-92D4-1131E58A863A}" srcOrd="3" destOrd="0" parTransId="{B6139B12-51A8-4A08-93E9-7D8F01BF8A14}" sibTransId="{ED02EA9E-47AC-48DD-B15B-34B077A789A2}"/>
     <dgm:cxn modelId="{9A4B8272-0D7C-4480-9218-0F8C0183AE13}" srcId="{4D670F15-8379-4AD8-BDB0-E824ED8CD3CE}" destId="{4C83956D-0E7E-42C2-8999-31F10ADD4122}" srcOrd="0" destOrd="0" parTransId="{DE3DFC50-5DF5-4E4E-84C5-42A59C437954}" sibTransId="{C19F3D1E-C12F-4568-858A-AA9F1EE69C4D}"/>
-    <dgm:cxn modelId="{DC0141F9-CA74-4B9E-A92B-66C1D31C9C86}" srcId="{D779D713-23C1-4C6A-91A6-8255CD37F33D}" destId="{C1D9983E-926E-48DC-92D4-1131E58A863A}" srcOrd="3" destOrd="0" parTransId="{B6139B12-51A8-4A08-93E9-7D8F01BF8A14}" sibTransId="{ED02EA9E-47AC-48DD-B15B-34B077A789A2}"/>
-    <dgm:cxn modelId="{0065A203-439A-43D9-8390-2C940275F55B}" srcId="{098B8B68-050C-4C8D-BDD5-9FD267B81D5C}" destId="{746292BA-7DFC-48DD-A4D8-7600FC7ABBB7}" srcOrd="0" destOrd="0" parTransId="{5B3413F0-24DD-4D80-A73A-A74F7ECF001F}" sibTransId="{D5C45B51-7501-4736-9452-76876ACEFD39}"/>
     <dgm:cxn modelId="{AEF71FAD-75BB-4E10-B75F-DB3333D2D964}" type="presParOf" srcId="{DFA773E7-44D5-4AB5-98B5-C6160B26EA89}" destId="{91D09EC1-C475-40FB-ADE2-4B9A7BA219B2}" srcOrd="0" destOrd="0" presId="urn:microsoft.com/office/officeart/2005/8/layout/chevron2"/>
     <dgm:cxn modelId="{0A0A676D-A761-4090-A296-5A1FE1A5F9EB}" type="presParOf" srcId="{91D09EC1-C475-40FB-ADE2-4B9A7BA219B2}" destId="{D2012687-56AC-43FE-AF4A-35FCA85D7971}" srcOrd="0" destOrd="0" presId="urn:microsoft.com/office/officeart/2005/8/layout/chevron2"/>
     <dgm:cxn modelId="{4A927F23-690D-4C86-A667-F4C2BC6BCDAB}" type="presParOf" srcId="{91D09EC1-C475-40FB-ADE2-4B9A7BA219B2}" destId="{0E4E9B01-56C4-4A0F-ACB2-7A344554573B}" srcOrd="1" destOrd="0" presId="urn:microsoft.com/office/officeart/2005/8/layout/chevron2"/>
@@ -8587,6 +9336,238 @@
 </file>
 
 <file path=ppt/diagrams/data10.xml><?xml version="1.0" encoding="utf-8"?>
+<dgm:dataModel xmlns:dgm="http://schemas.openxmlformats.org/drawingml/2006/diagram" xmlns:a="http://schemas.openxmlformats.org/drawingml/2006/main">
+  <dgm:ptLst>
+    <dgm:pt modelId="{5B5D87F6-07A0-4863-AE0E-F230FD33A80F}" type="doc">
+      <dgm:prSet loTypeId="urn:microsoft.com/office/officeart/2009/3/layout/PlusandMinus" loCatId="relationship" qsTypeId="urn:microsoft.com/office/officeart/2005/8/quickstyle/simple2" qsCatId="simple" csTypeId="urn:microsoft.com/office/officeart/2005/8/colors/accent1_2" csCatId="accent1" phldr="1"/>
+      <dgm:spPr/>
+      <dgm:t>
+        <a:bodyPr/>
+        <a:lstStyle/>
+        <a:p>
+          <a:endParaRPr lang="en-US"/>
+        </a:p>
+      </dgm:t>
+    </dgm:pt>
+    <dgm:pt modelId="{4387E039-6B63-42B2-B2A6-CA1765C33836}">
+      <dgm:prSet phldrT="[Text]" custT="1"/>
+      <dgm:spPr/>
+      <dgm:t>
+        <a:bodyPr/>
+        <a:lstStyle/>
+        <a:p>
+          <a:r>
+            <a:rPr lang="en-US" sz="2400" dirty="0" smtClean="0">
+              <a:latin typeface="Cambria" panose="02040503050406030204" pitchFamily="18" charset="0"/>
+            </a:rPr>
+            <a:t> </a:t>
+          </a:r>
+        </a:p>
+      </dgm:t>
+    </dgm:pt>
+    <dgm:pt modelId="{F912D430-71BF-4E75-96E9-FB2AB4AB1AF6}" type="parTrans" cxnId="{1527F492-851C-47ED-8102-25C33ED5362E}">
+      <dgm:prSet/>
+      <dgm:spPr/>
+      <dgm:t>
+        <a:bodyPr/>
+        <a:lstStyle/>
+        <a:p>
+          <a:endParaRPr lang="en-US" sz="2400">
+            <a:latin typeface="Cambria" panose="02040503050406030204" pitchFamily="18" charset="0"/>
+          </a:endParaRPr>
+        </a:p>
+      </dgm:t>
+    </dgm:pt>
+    <dgm:pt modelId="{7A7AC73E-9958-470F-848C-E53182E425BC}" type="sibTrans" cxnId="{1527F492-851C-47ED-8102-25C33ED5362E}">
+      <dgm:prSet/>
+      <dgm:spPr/>
+      <dgm:t>
+        <a:bodyPr/>
+        <a:lstStyle/>
+        <a:p>
+          <a:endParaRPr lang="en-US" sz="2400">
+            <a:latin typeface="Cambria" panose="02040503050406030204" pitchFamily="18" charset="0"/>
+          </a:endParaRPr>
+        </a:p>
+      </dgm:t>
+    </dgm:pt>
+    <dgm:pt modelId="{B594AC91-2CB8-4899-85BE-C4E80F897D39}">
+      <dgm:prSet phldrT="[Text]" custT="1"/>
+      <dgm:spPr/>
+      <dgm:t>
+        <a:bodyPr/>
+        <a:lstStyle/>
+        <a:p>
+          <a:endParaRPr lang="en-US" sz="2400" dirty="0">
+            <a:latin typeface="Cambria" panose="02040503050406030204" pitchFamily="18" charset="0"/>
+          </a:endParaRPr>
+        </a:p>
+      </dgm:t>
+    </dgm:pt>
+    <dgm:pt modelId="{B4DF76A2-DCB6-467C-81AF-2F66EED15BE7}" type="parTrans" cxnId="{1E3E9297-884F-4B96-8CC9-10EB7B929966}">
+      <dgm:prSet/>
+      <dgm:spPr/>
+      <dgm:t>
+        <a:bodyPr/>
+        <a:lstStyle/>
+        <a:p>
+          <a:endParaRPr lang="en-US" sz="2400">
+            <a:latin typeface="Cambria" panose="02040503050406030204" pitchFamily="18" charset="0"/>
+          </a:endParaRPr>
+        </a:p>
+      </dgm:t>
+    </dgm:pt>
+    <dgm:pt modelId="{9D9F7D4C-4C3C-457A-9E66-FA0C14BD9B5A}" type="sibTrans" cxnId="{1E3E9297-884F-4B96-8CC9-10EB7B929966}">
+      <dgm:prSet/>
+      <dgm:spPr/>
+      <dgm:t>
+        <a:bodyPr/>
+        <a:lstStyle/>
+        <a:p>
+          <a:endParaRPr lang="en-US" sz="2400">
+            <a:latin typeface="Cambria" panose="02040503050406030204" pitchFamily="18" charset="0"/>
+          </a:endParaRPr>
+        </a:p>
+      </dgm:t>
+    </dgm:pt>
+    <dgm:pt modelId="{21546B0C-1873-4101-B9F1-B074DD7D231D}" type="pres">
+      <dgm:prSet presAssocID="{5B5D87F6-07A0-4863-AE0E-F230FD33A80F}" presName="Name0" presStyleCnt="0">
+        <dgm:presLayoutVars>
+          <dgm:chMax val="2"/>
+          <dgm:chPref val="2"/>
+          <dgm:dir/>
+          <dgm:animOne/>
+          <dgm:resizeHandles val="exact"/>
+        </dgm:presLayoutVars>
+      </dgm:prSet>
+      <dgm:spPr/>
+      <dgm:t>
+        <a:bodyPr/>
+        <a:lstStyle/>
+        <a:p>
+          <a:endParaRPr lang="en-US"/>
+        </a:p>
+      </dgm:t>
+    </dgm:pt>
+    <dgm:pt modelId="{73C19F2A-043A-4CF1-8BBC-CDB07368863A}" type="pres">
+      <dgm:prSet presAssocID="{5B5D87F6-07A0-4863-AE0E-F230FD33A80F}" presName="Background" presStyleLbl="bgImgPlace1" presStyleIdx="0" presStyleCnt="1" custLinFactNeighborX="1893" custLinFactNeighborY="418"/>
+      <dgm:spPr/>
+    </dgm:pt>
+    <dgm:pt modelId="{ACA5A3C2-4501-44E9-A7E4-51A1DCCF33ED}" type="pres">
+      <dgm:prSet presAssocID="{5B5D87F6-07A0-4863-AE0E-F230FD33A80F}" presName="ParentText1" presStyleLbl="revTx" presStyleIdx="0" presStyleCnt="2">
+        <dgm:presLayoutVars>
+          <dgm:chMax val="0"/>
+          <dgm:chPref val="0"/>
+          <dgm:bulletEnabled val="1"/>
+        </dgm:presLayoutVars>
+      </dgm:prSet>
+      <dgm:spPr/>
+      <dgm:t>
+        <a:bodyPr/>
+        <a:lstStyle/>
+        <a:p>
+          <a:endParaRPr lang="en-US"/>
+        </a:p>
+      </dgm:t>
+    </dgm:pt>
+    <dgm:pt modelId="{A177844E-CD64-4D1C-B08C-3EBC138B7A2B}" type="pres">
+      <dgm:prSet presAssocID="{5B5D87F6-07A0-4863-AE0E-F230FD33A80F}" presName="ParentText2" presStyleLbl="revTx" presStyleIdx="1" presStyleCnt="2">
+        <dgm:presLayoutVars>
+          <dgm:chMax val="0"/>
+          <dgm:chPref val="0"/>
+          <dgm:bulletEnabled val="1"/>
+        </dgm:presLayoutVars>
+      </dgm:prSet>
+      <dgm:spPr/>
+      <dgm:t>
+        <a:bodyPr/>
+        <a:lstStyle/>
+        <a:p>
+          <a:endParaRPr lang="en-US"/>
+        </a:p>
+      </dgm:t>
+    </dgm:pt>
+    <dgm:pt modelId="{319A43D9-B41D-4B06-B656-4D1C40E4BAA6}" type="pres">
+      <dgm:prSet presAssocID="{5B5D87F6-07A0-4863-AE0E-F230FD33A80F}" presName="Plus" presStyleLbl="alignNode1" presStyleIdx="0" presStyleCnt="2">
+        <dgm:style>
+          <a:lnRef idx="1">
+            <a:schemeClr val="accent2"/>
+          </a:lnRef>
+          <a:fillRef idx="3">
+            <a:schemeClr val="accent2"/>
+          </a:fillRef>
+          <a:effectRef idx="2">
+            <a:schemeClr val="accent2"/>
+          </a:effectRef>
+          <a:fontRef idx="minor">
+            <a:schemeClr val="lt1"/>
+          </a:fontRef>
+        </dgm:style>
+      </dgm:prSet>
+      <dgm:spPr/>
+      <dgm:t>
+        <a:bodyPr/>
+        <a:lstStyle/>
+        <a:p>
+          <a:endParaRPr lang="en-US"/>
+        </a:p>
+      </dgm:t>
+    </dgm:pt>
+    <dgm:pt modelId="{4F579154-C094-46EF-AECB-D0FCFEED5A52}" type="pres">
+      <dgm:prSet presAssocID="{5B5D87F6-07A0-4863-AE0E-F230FD33A80F}" presName="Minus" presStyleLbl="alignNode1" presStyleIdx="1" presStyleCnt="2">
+        <dgm:style>
+          <a:lnRef idx="1">
+            <a:schemeClr val="accent4"/>
+          </a:lnRef>
+          <a:fillRef idx="3">
+            <a:schemeClr val="accent4"/>
+          </a:fillRef>
+          <a:effectRef idx="2">
+            <a:schemeClr val="accent4"/>
+          </a:effectRef>
+          <a:fontRef idx="minor">
+            <a:schemeClr val="lt1"/>
+          </a:fontRef>
+        </dgm:style>
+      </dgm:prSet>
+      <dgm:spPr/>
+      <dgm:t>
+        <a:bodyPr/>
+        <a:lstStyle/>
+        <a:p>
+          <a:endParaRPr lang="en-US"/>
+        </a:p>
+      </dgm:t>
+    </dgm:pt>
+    <dgm:pt modelId="{6ED2E672-AC4E-4E8D-86EB-593C630AEAA2}" type="pres">
+      <dgm:prSet presAssocID="{5B5D87F6-07A0-4863-AE0E-F230FD33A80F}" presName="Divider" presStyleLbl="parChTrans1D1" presStyleIdx="0" presStyleCnt="1"/>
+      <dgm:spPr/>
+    </dgm:pt>
+  </dgm:ptLst>
+  <dgm:cxnLst>
+    <dgm:cxn modelId="{1E3E9297-884F-4B96-8CC9-10EB7B929966}" srcId="{5B5D87F6-07A0-4863-AE0E-F230FD33A80F}" destId="{B594AC91-2CB8-4899-85BE-C4E80F897D39}" srcOrd="1" destOrd="0" parTransId="{B4DF76A2-DCB6-467C-81AF-2F66EED15BE7}" sibTransId="{9D9F7D4C-4C3C-457A-9E66-FA0C14BD9B5A}"/>
+    <dgm:cxn modelId="{BC6E2AC4-3FBA-4CE2-8E55-1B81B1DCD143}" type="presOf" srcId="{4387E039-6B63-42B2-B2A6-CA1765C33836}" destId="{ACA5A3C2-4501-44E9-A7E4-51A1DCCF33ED}" srcOrd="0" destOrd="0" presId="urn:microsoft.com/office/officeart/2009/3/layout/PlusandMinus"/>
+    <dgm:cxn modelId="{1527F492-851C-47ED-8102-25C33ED5362E}" srcId="{5B5D87F6-07A0-4863-AE0E-F230FD33A80F}" destId="{4387E039-6B63-42B2-B2A6-CA1765C33836}" srcOrd="0" destOrd="0" parTransId="{F912D430-71BF-4E75-96E9-FB2AB4AB1AF6}" sibTransId="{7A7AC73E-9958-470F-848C-E53182E425BC}"/>
+    <dgm:cxn modelId="{9C8BF1A9-15E5-4559-B569-FAEAAF226B47}" type="presOf" srcId="{5B5D87F6-07A0-4863-AE0E-F230FD33A80F}" destId="{21546B0C-1873-4101-B9F1-B074DD7D231D}" srcOrd="0" destOrd="0" presId="urn:microsoft.com/office/officeart/2009/3/layout/PlusandMinus"/>
+    <dgm:cxn modelId="{50A2CEB9-569A-4EC3-81BF-7763A2615D83}" type="presOf" srcId="{B594AC91-2CB8-4899-85BE-C4E80F897D39}" destId="{A177844E-CD64-4D1C-B08C-3EBC138B7A2B}" srcOrd="0" destOrd="0" presId="urn:microsoft.com/office/officeart/2009/3/layout/PlusandMinus"/>
+    <dgm:cxn modelId="{6650F97C-65AC-4E7E-B513-E2E39AE3BBD9}" type="presParOf" srcId="{21546B0C-1873-4101-B9F1-B074DD7D231D}" destId="{73C19F2A-043A-4CF1-8BBC-CDB07368863A}" srcOrd="0" destOrd="0" presId="urn:microsoft.com/office/officeart/2009/3/layout/PlusandMinus"/>
+    <dgm:cxn modelId="{B1477A35-9D4D-4188-9561-6EC5CCFEFE6B}" type="presParOf" srcId="{21546B0C-1873-4101-B9F1-B074DD7D231D}" destId="{ACA5A3C2-4501-44E9-A7E4-51A1DCCF33ED}" srcOrd="1" destOrd="0" presId="urn:microsoft.com/office/officeart/2009/3/layout/PlusandMinus"/>
+    <dgm:cxn modelId="{4CB35F9C-3220-4ADF-A00F-B67701B29674}" type="presParOf" srcId="{21546B0C-1873-4101-B9F1-B074DD7D231D}" destId="{A177844E-CD64-4D1C-B08C-3EBC138B7A2B}" srcOrd="2" destOrd="0" presId="urn:microsoft.com/office/officeart/2009/3/layout/PlusandMinus"/>
+    <dgm:cxn modelId="{5E5505FC-F570-4766-8216-808977F49017}" type="presParOf" srcId="{21546B0C-1873-4101-B9F1-B074DD7D231D}" destId="{319A43D9-B41D-4B06-B656-4D1C40E4BAA6}" srcOrd="3" destOrd="0" presId="urn:microsoft.com/office/officeart/2009/3/layout/PlusandMinus"/>
+    <dgm:cxn modelId="{99DB03E0-11F0-4F57-87E1-D51B9B798218}" type="presParOf" srcId="{21546B0C-1873-4101-B9F1-B074DD7D231D}" destId="{4F579154-C094-46EF-AECB-D0FCFEED5A52}" srcOrd="4" destOrd="0" presId="urn:microsoft.com/office/officeart/2009/3/layout/PlusandMinus"/>
+    <dgm:cxn modelId="{4E2509C9-546D-4AEF-8551-D0A8BF2C09DD}" type="presParOf" srcId="{21546B0C-1873-4101-B9F1-B074DD7D231D}" destId="{6ED2E672-AC4E-4E8D-86EB-593C630AEAA2}" srcOrd="5" destOrd="0" presId="urn:microsoft.com/office/officeart/2009/3/layout/PlusandMinus"/>
+  </dgm:cxnLst>
+  <dgm:bg/>
+  <dgm:whole/>
+  <dgm:extLst>
+    <a:ext uri="http://schemas.microsoft.com/office/drawing/2008/diagram">
+      <dsp:dataModelExt xmlns:dsp="http://schemas.microsoft.com/office/drawing/2008/diagram" relId="rId6" minVer="http://schemas.openxmlformats.org/drawingml/2006/diagram"/>
+    </a:ext>
+  </dgm:extLst>
+</dgm:dataModel>
+</file>
+
+<file path=ppt/diagrams/data11.xml><?xml version="1.0" encoding="utf-8"?>
 <dgm:dataModel xmlns:dgm="http://schemas.openxmlformats.org/drawingml/2006/diagram" xmlns:a="http://schemas.openxmlformats.org/drawingml/2006/main">
   <dgm:ptLst>
     <dgm:pt modelId="{2ADE983F-AF55-4E71-8348-979167738310}" type="doc">
@@ -10314,14 +11295,6 @@
             <a:rPr lang="en-US" sz="1200" dirty="0" smtClean="0">
               <a:latin typeface="Cambria" panose="02040503050406030204" pitchFamily="18" charset="0"/>
             </a:rPr>
-            <a:t>- Clearly</a:t>
-          </a:r>
-        </a:p>
-        <a:p>
-          <a:r>
-            <a:rPr lang="en-US" sz="1200" dirty="0" smtClean="0">
-              <a:latin typeface="Cambria" panose="02040503050406030204" pitchFamily="18" charset="0"/>
-            </a:rPr>
             <a:t>- Accurate information</a:t>
           </a:r>
           <a:endParaRPr lang="en-US" sz="1200" dirty="0">
@@ -11027,6 +12000,13 @@
         </dgm:presLayoutVars>
       </dgm:prSet>
       <dgm:spPr/>
+      <dgm:t>
+        <a:bodyPr/>
+        <a:lstStyle/>
+        <a:p>
+          <a:endParaRPr lang="en-US"/>
+        </a:p>
+      </dgm:t>
     </dgm:pt>
     <dgm:pt modelId="{8E73EB21-DB17-4D10-BDA9-C1634A205667}" type="pres">
       <dgm:prSet presAssocID="{F09CF2E7-2AF2-43CB-92D7-364540098F7D}" presName="bullet2b" presStyleLbl="node1" presStyleIdx="1" presStyleCnt="2"/>
@@ -11708,7 +12688,7 @@
         <a:bodyPr/>
         <a:lstStyle/>
         <a:p>
-          <a:endParaRPr lang="en-US">
+          <a:endParaRPr lang="en-US" dirty="0">
             <a:latin typeface="Cambria" panose="02040503050406030204" pitchFamily="18" charset="0"/>
           </a:endParaRPr>
         </a:p>
@@ -11815,7 +12795,7 @@
             <a:rPr lang="en-US" dirty="0" smtClean="0">
               <a:latin typeface="Cambria" panose="02040503050406030204" pitchFamily="18" charset="0"/>
             </a:rPr>
-            <a:t>Offline search</a:t>
+            <a:t>Sync favorite</a:t>
           </a:r>
           <a:endParaRPr lang="en-US" dirty="0">
             <a:latin typeface="Cambria" panose="02040503050406030204" pitchFamily="18" charset="0"/>
@@ -11860,7 +12840,7 @@
             <a:rPr lang="en-US" dirty="0" smtClean="0">
               <a:latin typeface="Cambria" panose="02040503050406030204" pitchFamily="18" charset="0"/>
             </a:rPr>
-            <a:t>Sync favorite</a:t>
+            <a:t>Offline search</a:t>
           </a:r>
           <a:endParaRPr lang="en-US" dirty="0">
             <a:latin typeface="Cambria" panose="02040503050406030204" pitchFamily="18" charset="0"/>
@@ -12125,41 +13105,41 @@
     </dgm:pt>
   </dgm:ptLst>
   <dgm:cxnLst>
-    <dgm:cxn modelId="{EAD33B49-1904-43A7-948B-A26798580082}" type="presOf" srcId="{03E5478E-60CE-4E80-910C-D4F81E6C4D4D}" destId="{9BA3438D-13B4-4C62-A04C-4EC5A42FF332}" srcOrd="0" destOrd="0" presId="urn:microsoft.com/office/officeart/2005/8/layout/vProcess5"/>
-    <dgm:cxn modelId="{0A7B3B90-14B5-4C9C-8A8A-2F5B330AC7FD}" type="presOf" srcId="{8B0E8582-3980-42C5-B26D-538A7FD21C9E}" destId="{A268AB2D-20F9-441F-A49F-3443EB82F49C}" srcOrd="1" destOrd="0" presId="urn:microsoft.com/office/officeart/2005/8/layout/vProcess5"/>
-    <dgm:cxn modelId="{02625CF8-010A-4B62-BE83-C32217A39E00}" type="presOf" srcId="{A9C7362D-BB33-4BF6-9F38-D5A08AD6752F}" destId="{5BBFF4D5-944B-41D3-A05D-42CE6B0FEE46}" srcOrd="1" destOrd="0" presId="urn:microsoft.com/office/officeart/2005/8/layout/vProcess5"/>
-    <dgm:cxn modelId="{3FAA6BB2-24F0-4723-979D-2BD1BA88FA17}" type="presOf" srcId="{726EB9D5-A413-488B-8373-184770997AA1}" destId="{88315E7D-9400-42B0-A73E-4886836205F0}" srcOrd="0" destOrd="0" presId="urn:microsoft.com/office/officeart/2005/8/layout/vProcess5"/>
-    <dgm:cxn modelId="{E7D0F3B6-F39F-4549-99DC-AB1179785A28}" type="presOf" srcId="{8B0E8582-3980-42C5-B26D-538A7FD21C9E}" destId="{B608854C-5D96-4C1A-BCAB-FE71F8A024AB}" srcOrd="0" destOrd="0" presId="urn:microsoft.com/office/officeart/2005/8/layout/vProcess5"/>
-    <dgm:cxn modelId="{54CA4492-E226-491E-896B-FDBAE7425DB8}" type="presOf" srcId="{30333FBA-CA00-4CCF-AE92-24BCB7B3DEEA}" destId="{EB065398-9C37-4F94-9D59-DA82D72594F3}" srcOrd="0" destOrd="0" presId="urn:microsoft.com/office/officeart/2005/8/layout/vProcess5"/>
-    <dgm:cxn modelId="{4A3459EB-63F3-40C3-9CC1-25F4BC50EE54}" type="presOf" srcId="{30333FBA-CA00-4CCF-AE92-24BCB7B3DEEA}" destId="{70AD49ED-D780-4302-82F9-370C8D6BD68C}" srcOrd="1" destOrd="0" presId="urn:microsoft.com/office/officeart/2005/8/layout/vProcess5"/>
+    <dgm:cxn modelId="{B8A3E040-3150-4086-8B72-2F0BA0CEB028}" type="presOf" srcId="{F387FC94-6EC6-4E62-BFE1-8543DEA2398C}" destId="{ECC1B4D3-F138-465F-B4BE-8A906F7A87C2}" srcOrd="0" destOrd="0" presId="urn:microsoft.com/office/officeart/2005/8/layout/vProcess5"/>
+    <dgm:cxn modelId="{83944BB1-B864-4B31-A4EE-326329ABA316}" type="presOf" srcId="{39550D78-2B86-4389-84C9-D55C2254FE0D}" destId="{4BB465ED-D5C7-4D89-8C32-85715B6EFD1A}" srcOrd="0" destOrd="0" presId="urn:microsoft.com/office/officeart/2005/8/layout/vProcess5"/>
+    <dgm:cxn modelId="{1AA5DF03-F5F7-4B37-A772-17D8F82DEDBE}" type="presOf" srcId="{E1C247DF-DEBA-4F4B-84C1-8A5023DE29E4}" destId="{8EB5DA64-5BE3-4406-99AC-C539581B500B}" srcOrd="0" destOrd="0" presId="urn:microsoft.com/office/officeart/2005/8/layout/vProcess5"/>
+    <dgm:cxn modelId="{7B869F05-EB5D-4EAB-86CA-EEF9C7F91BD5}" type="presOf" srcId="{3DC0229A-236C-4179-A2F6-171A6817ABB2}" destId="{CA69C83E-C20C-4295-8230-B8BE0BA94C76}" srcOrd="0" destOrd="0" presId="urn:microsoft.com/office/officeart/2005/8/layout/vProcess5"/>
+    <dgm:cxn modelId="{CE8BAAA1-3675-457A-94C7-9F46A71345CE}" type="presOf" srcId="{03E5478E-60CE-4E80-910C-D4F81E6C4D4D}" destId="{9BA3438D-13B4-4C62-A04C-4EC5A42FF332}" srcOrd="0" destOrd="0" presId="urn:microsoft.com/office/officeart/2005/8/layout/vProcess5"/>
     <dgm:cxn modelId="{C033DBC6-DBA5-4741-ACDC-1661DFE37DE3}" srcId="{D2424C5F-F585-4795-AF34-A37001C95B17}" destId="{39550D78-2B86-4389-84C9-D55C2254FE0D}" srcOrd="4" destOrd="0" parTransId="{01D18259-C37F-4B84-9473-03C8BA143A8C}" sibTransId="{8BF5F542-5C7E-441C-AD86-D0F5A7DB5641}"/>
-    <dgm:cxn modelId="{B6306542-C19B-4DA1-9E25-DDCCCEC92E96}" type="presOf" srcId="{D2424C5F-F585-4795-AF34-A37001C95B17}" destId="{77736E54-77E9-4C99-AF7E-CC58705CEB99}" srcOrd="0" destOrd="0" presId="urn:microsoft.com/office/officeart/2005/8/layout/vProcess5"/>
     <dgm:cxn modelId="{F7BE299D-1EB1-40C8-8A77-32944AD8C12C}" srcId="{D2424C5F-F585-4795-AF34-A37001C95B17}" destId="{A9C7362D-BB33-4BF6-9F38-D5A08AD6752F}" srcOrd="2" destOrd="0" parTransId="{412E29B7-C8F7-426D-A7A8-73760B4B31E0}" sibTransId="{3DC0229A-236C-4179-A2F6-171A6817ABB2}"/>
-    <dgm:cxn modelId="{D8989D25-EC7D-4E2C-9EF2-9E3A8AD7B21F}" type="presOf" srcId="{39550D78-2B86-4389-84C9-D55C2254FE0D}" destId="{4BB465ED-D5C7-4D89-8C32-85715B6EFD1A}" srcOrd="0" destOrd="0" presId="urn:microsoft.com/office/officeart/2005/8/layout/vProcess5"/>
+    <dgm:cxn modelId="{6F3B2816-7567-454C-A002-AFC12CC85735}" type="presOf" srcId="{726EB9D5-A413-488B-8373-184770997AA1}" destId="{88315E7D-9400-42B0-A73E-4886836205F0}" srcOrd="0" destOrd="0" presId="urn:microsoft.com/office/officeart/2005/8/layout/vProcess5"/>
     <dgm:cxn modelId="{83EAFFD6-2361-4E28-8A97-12C4D37C132A}" srcId="{D2424C5F-F585-4795-AF34-A37001C95B17}" destId="{30333FBA-CA00-4CCF-AE92-24BCB7B3DEEA}" srcOrd="0" destOrd="0" parTransId="{6C2663D3-C7E8-4195-BAD5-1202C3847754}" sibTransId="{03E5478E-60CE-4E80-910C-D4F81E6C4D4D}"/>
-    <dgm:cxn modelId="{BEC5CD08-1B37-4F2C-BC3E-31EAD70D0CAE}" type="presOf" srcId="{F387FC94-6EC6-4E62-BFE1-8543DEA2398C}" destId="{ECC1B4D3-F138-465F-B4BE-8A906F7A87C2}" srcOrd="0" destOrd="0" presId="urn:microsoft.com/office/officeart/2005/8/layout/vProcess5"/>
-    <dgm:cxn modelId="{8700BD18-1CA0-4527-8D90-42AFA365232A}" type="presOf" srcId="{A9C7362D-BB33-4BF6-9F38-D5A08AD6752F}" destId="{3A558C0A-6E46-4BAF-B4B6-983EBD5C2BA0}" srcOrd="0" destOrd="0" presId="urn:microsoft.com/office/officeart/2005/8/layout/vProcess5"/>
-    <dgm:cxn modelId="{B11428C9-94C5-4DD0-B074-379C5903554E}" type="presOf" srcId="{3DC0229A-236C-4179-A2F6-171A6817ABB2}" destId="{CA69C83E-C20C-4295-8230-B8BE0BA94C76}" srcOrd="0" destOrd="0" presId="urn:microsoft.com/office/officeart/2005/8/layout/vProcess5"/>
+    <dgm:cxn modelId="{E12E3092-15D6-42A9-BF4A-AA53B5317A21}" type="presOf" srcId="{A9C7362D-BB33-4BF6-9F38-D5A08AD6752F}" destId="{3A558C0A-6E46-4BAF-B4B6-983EBD5C2BA0}" srcOrd="0" destOrd="0" presId="urn:microsoft.com/office/officeart/2005/8/layout/vProcess5"/>
+    <dgm:cxn modelId="{D2C389FE-A001-490C-A022-F046D5080757}" type="presOf" srcId="{30333FBA-CA00-4CCF-AE92-24BCB7B3DEEA}" destId="{EB065398-9C37-4F94-9D59-DA82D72594F3}" srcOrd="0" destOrd="0" presId="urn:microsoft.com/office/officeart/2005/8/layout/vProcess5"/>
+    <dgm:cxn modelId="{F017AB87-9288-4A5E-949B-1EC8B27DF230}" type="presOf" srcId="{8B0E8582-3980-42C5-B26D-538A7FD21C9E}" destId="{A268AB2D-20F9-441F-A49F-3443EB82F49C}" srcOrd="1" destOrd="0" presId="urn:microsoft.com/office/officeart/2005/8/layout/vProcess5"/>
+    <dgm:cxn modelId="{D181877D-0EE5-43C9-B3B5-118AC83CBB2A}" type="presOf" srcId="{39550D78-2B86-4389-84C9-D55C2254FE0D}" destId="{EBB52983-47DE-4904-B73C-747C7290DAE4}" srcOrd="1" destOrd="0" presId="urn:microsoft.com/office/officeart/2005/8/layout/vProcess5"/>
     <dgm:cxn modelId="{1A636ABB-CC78-4C26-9142-CF5AA119330E}" srcId="{D2424C5F-F585-4795-AF34-A37001C95B17}" destId="{8B0E8582-3980-42C5-B26D-538A7FD21C9E}" srcOrd="1" destOrd="0" parTransId="{8A082726-0FF6-4126-99EA-68436A55B371}" sibTransId="{E1C247DF-DEBA-4F4B-84C1-8A5023DE29E4}"/>
+    <dgm:cxn modelId="{E7D5A06B-B224-42C1-9016-7B017FF52C5F}" type="presOf" srcId="{8B0E8582-3980-42C5-B26D-538A7FD21C9E}" destId="{B608854C-5D96-4C1A-BCAB-FE71F8A024AB}" srcOrd="0" destOrd="0" presId="urn:microsoft.com/office/officeart/2005/8/layout/vProcess5"/>
     <dgm:cxn modelId="{EBAE3A06-5025-42E1-8F41-D6E77DCA5483}" srcId="{D2424C5F-F585-4795-AF34-A37001C95B17}" destId="{F387FC94-6EC6-4E62-BFE1-8543DEA2398C}" srcOrd="3" destOrd="0" parTransId="{3EA0EAB2-074F-4E8A-8CCD-46FBCE66E13C}" sibTransId="{726EB9D5-A413-488B-8373-184770997AA1}"/>
-    <dgm:cxn modelId="{942CA832-F7C7-4426-A064-1E30F5E0175D}" type="presOf" srcId="{39550D78-2B86-4389-84C9-D55C2254FE0D}" destId="{EBB52983-47DE-4904-B73C-747C7290DAE4}" srcOrd="1" destOrd="0" presId="urn:microsoft.com/office/officeart/2005/8/layout/vProcess5"/>
-    <dgm:cxn modelId="{1118E0E3-B2B5-4920-8BA4-42EE90380B22}" type="presOf" srcId="{F387FC94-6EC6-4E62-BFE1-8543DEA2398C}" destId="{032BB25A-FE44-49D4-8F11-CD55C964B0E7}" srcOrd="1" destOrd="0" presId="urn:microsoft.com/office/officeart/2005/8/layout/vProcess5"/>
-    <dgm:cxn modelId="{F014E3BA-D3B1-4905-A7D9-6C3C7D32CE63}" type="presOf" srcId="{E1C247DF-DEBA-4F4B-84C1-8A5023DE29E4}" destId="{8EB5DA64-5BE3-4406-99AC-C539581B500B}" srcOrd="0" destOrd="0" presId="urn:microsoft.com/office/officeart/2005/8/layout/vProcess5"/>
-    <dgm:cxn modelId="{DF6765C7-2211-4C95-BD87-9AB101CE21B5}" type="presParOf" srcId="{77736E54-77E9-4C99-AF7E-CC58705CEB99}" destId="{5D964042-B865-4EC5-BA8F-6A44DA807CD4}" srcOrd="0" destOrd="0" presId="urn:microsoft.com/office/officeart/2005/8/layout/vProcess5"/>
-    <dgm:cxn modelId="{061F55D2-AB5E-466B-A325-A911A7902D04}" type="presParOf" srcId="{77736E54-77E9-4C99-AF7E-CC58705CEB99}" destId="{EB065398-9C37-4F94-9D59-DA82D72594F3}" srcOrd="1" destOrd="0" presId="urn:microsoft.com/office/officeart/2005/8/layout/vProcess5"/>
-    <dgm:cxn modelId="{4C4A9005-A0C3-4360-A61D-6C485FF24E6B}" type="presParOf" srcId="{77736E54-77E9-4C99-AF7E-CC58705CEB99}" destId="{B608854C-5D96-4C1A-BCAB-FE71F8A024AB}" srcOrd="2" destOrd="0" presId="urn:microsoft.com/office/officeart/2005/8/layout/vProcess5"/>
-    <dgm:cxn modelId="{657C97D2-BF53-4FD6-A3EC-B14BAD09350B}" type="presParOf" srcId="{77736E54-77E9-4C99-AF7E-CC58705CEB99}" destId="{3A558C0A-6E46-4BAF-B4B6-983EBD5C2BA0}" srcOrd="3" destOrd="0" presId="urn:microsoft.com/office/officeart/2005/8/layout/vProcess5"/>
-    <dgm:cxn modelId="{F8C08781-E5D3-4A4A-9E09-AD40E730EABC}" type="presParOf" srcId="{77736E54-77E9-4C99-AF7E-CC58705CEB99}" destId="{ECC1B4D3-F138-465F-B4BE-8A906F7A87C2}" srcOrd="4" destOrd="0" presId="urn:microsoft.com/office/officeart/2005/8/layout/vProcess5"/>
-    <dgm:cxn modelId="{683DB09A-72CF-4D28-A6BB-E5454669EA47}" type="presParOf" srcId="{77736E54-77E9-4C99-AF7E-CC58705CEB99}" destId="{4BB465ED-D5C7-4D89-8C32-85715B6EFD1A}" srcOrd="5" destOrd="0" presId="urn:microsoft.com/office/officeart/2005/8/layout/vProcess5"/>
-    <dgm:cxn modelId="{2B3C6EE8-FA88-4127-8F1A-4F15EB38FBBC}" type="presParOf" srcId="{77736E54-77E9-4C99-AF7E-CC58705CEB99}" destId="{9BA3438D-13B4-4C62-A04C-4EC5A42FF332}" srcOrd="6" destOrd="0" presId="urn:microsoft.com/office/officeart/2005/8/layout/vProcess5"/>
-    <dgm:cxn modelId="{9C947350-8A19-4D85-A2C8-1207ECE4DDDE}" type="presParOf" srcId="{77736E54-77E9-4C99-AF7E-CC58705CEB99}" destId="{8EB5DA64-5BE3-4406-99AC-C539581B500B}" srcOrd="7" destOrd="0" presId="urn:microsoft.com/office/officeart/2005/8/layout/vProcess5"/>
-    <dgm:cxn modelId="{6E997A6E-C843-4F30-B510-C58E858D056D}" type="presParOf" srcId="{77736E54-77E9-4C99-AF7E-CC58705CEB99}" destId="{CA69C83E-C20C-4295-8230-B8BE0BA94C76}" srcOrd="8" destOrd="0" presId="urn:microsoft.com/office/officeart/2005/8/layout/vProcess5"/>
-    <dgm:cxn modelId="{865A30B6-B946-45FD-A414-5826912F2144}" type="presParOf" srcId="{77736E54-77E9-4C99-AF7E-CC58705CEB99}" destId="{88315E7D-9400-42B0-A73E-4886836205F0}" srcOrd="9" destOrd="0" presId="urn:microsoft.com/office/officeart/2005/8/layout/vProcess5"/>
-    <dgm:cxn modelId="{588C89CF-2371-4969-891E-1422A75DAE21}" type="presParOf" srcId="{77736E54-77E9-4C99-AF7E-CC58705CEB99}" destId="{70AD49ED-D780-4302-82F9-370C8D6BD68C}" srcOrd="10" destOrd="0" presId="urn:microsoft.com/office/officeart/2005/8/layout/vProcess5"/>
-    <dgm:cxn modelId="{16AEA9A9-EFA0-48D6-8B32-82A2879C06E8}" type="presParOf" srcId="{77736E54-77E9-4C99-AF7E-CC58705CEB99}" destId="{A268AB2D-20F9-441F-A49F-3443EB82F49C}" srcOrd="11" destOrd="0" presId="urn:microsoft.com/office/officeart/2005/8/layout/vProcess5"/>
-    <dgm:cxn modelId="{D616BC89-50BD-49F9-9A51-C173614C3A96}" type="presParOf" srcId="{77736E54-77E9-4C99-AF7E-CC58705CEB99}" destId="{5BBFF4D5-944B-41D3-A05D-42CE6B0FEE46}" srcOrd="12" destOrd="0" presId="urn:microsoft.com/office/officeart/2005/8/layout/vProcess5"/>
-    <dgm:cxn modelId="{5850FEE6-421D-4F5B-B889-06234EC7E28C}" type="presParOf" srcId="{77736E54-77E9-4C99-AF7E-CC58705CEB99}" destId="{032BB25A-FE44-49D4-8F11-CD55C964B0E7}" srcOrd="13" destOrd="0" presId="urn:microsoft.com/office/officeart/2005/8/layout/vProcess5"/>
-    <dgm:cxn modelId="{ED7F393A-7DF6-48EB-A959-7758957E3F3E}" type="presParOf" srcId="{77736E54-77E9-4C99-AF7E-CC58705CEB99}" destId="{EBB52983-47DE-4904-B73C-747C7290DAE4}" srcOrd="14" destOrd="0" presId="urn:microsoft.com/office/officeart/2005/8/layout/vProcess5"/>
+    <dgm:cxn modelId="{25CC69F6-467E-4EE4-BF53-A44ED45F660C}" type="presOf" srcId="{A9C7362D-BB33-4BF6-9F38-D5A08AD6752F}" destId="{5BBFF4D5-944B-41D3-A05D-42CE6B0FEE46}" srcOrd="1" destOrd="0" presId="urn:microsoft.com/office/officeart/2005/8/layout/vProcess5"/>
+    <dgm:cxn modelId="{6E92623B-7A74-4FBD-B93A-2F2C51958111}" type="presOf" srcId="{D2424C5F-F585-4795-AF34-A37001C95B17}" destId="{77736E54-77E9-4C99-AF7E-CC58705CEB99}" srcOrd="0" destOrd="0" presId="urn:microsoft.com/office/officeart/2005/8/layout/vProcess5"/>
+    <dgm:cxn modelId="{8190260F-113A-4DCB-A755-074C253FA0F5}" type="presOf" srcId="{30333FBA-CA00-4CCF-AE92-24BCB7B3DEEA}" destId="{70AD49ED-D780-4302-82F9-370C8D6BD68C}" srcOrd="1" destOrd="0" presId="urn:microsoft.com/office/officeart/2005/8/layout/vProcess5"/>
+    <dgm:cxn modelId="{085EE2B6-D941-4E80-AF51-285254A725BD}" type="presOf" srcId="{F387FC94-6EC6-4E62-BFE1-8543DEA2398C}" destId="{032BB25A-FE44-49D4-8F11-CD55C964B0E7}" srcOrd="1" destOrd="0" presId="urn:microsoft.com/office/officeart/2005/8/layout/vProcess5"/>
+    <dgm:cxn modelId="{F31D91B1-760E-4574-8FA7-585008681BBC}" type="presParOf" srcId="{77736E54-77E9-4C99-AF7E-CC58705CEB99}" destId="{5D964042-B865-4EC5-BA8F-6A44DA807CD4}" srcOrd="0" destOrd="0" presId="urn:microsoft.com/office/officeart/2005/8/layout/vProcess5"/>
+    <dgm:cxn modelId="{7D14DB06-C4EC-47A8-8F8F-82A7C8125501}" type="presParOf" srcId="{77736E54-77E9-4C99-AF7E-CC58705CEB99}" destId="{EB065398-9C37-4F94-9D59-DA82D72594F3}" srcOrd="1" destOrd="0" presId="urn:microsoft.com/office/officeart/2005/8/layout/vProcess5"/>
+    <dgm:cxn modelId="{58D4DF7A-EA4B-420B-9483-5A276385A992}" type="presParOf" srcId="{77736E54-77E9-4C99-AF7E-CC58705CEB99}" destId="{B608854C-5D96-4C1A-BCAB-FE71F8A024AB}" srcOrd="2" destOrd="0" presId="urn:microsoft.com/office/officeart/2005/8/layout/vProcess5"/>
+    <dgm:cxn modelId="{BC8BC60B-67D2-486D-9607-DB28AD6D8415}" type="presParOf" srcId="{77736E54-77E9-4C99-AF7E-CC58705CEB99}" destId="{3A558C0A-6E46-4BAF-B4B6-983EBD5C2BA0}" srcOrd="3" destOrd="0" presId="urn:microsoft.com/office/officeart/2005/8/layout/vProcess5"/>
+    <dgm:cxn modelId="{C986BF09-E163-4BBC-B411-05721A71B60D}" type="presParOf" srcId="{77736E54-77E9-4C99-AF7E-CC58705CEB99}" destId="{ECC1B4D3-F138-465F-B4BE-8A906F7A87C2}" srcOrd="4" destOrd="0" presId="urn:microsoft.com/office/officeart/2005/8/layout/vProcess5"/>
+    <dgm:cxn modelId="{7D6A194D-6732-4BD0-B9DF-D2636FA62082}" type="presParOf" srcId="{77736E54-77E9-4C99-AF7E-CC58705CEB99}" destId="{4BB465ED-D5C7-4D89-8C32-85715B6EFD1A}" srcOrd="5" destOrd="0" presId="urn:microsoft.com/office/officeart/2005/8/layout/vProcess5"/>
+    <dgm:cxn modelId="{3DD3E782-F02A-458E-9A2A-562AEB57A679}" type="presParOf" srcId="{77736E54-77E9-4C99-AF7E-CC58705CEB99}" destId="{9BA3438D-13B4-4C62-A04C-4EC5A42FF332}" srcOrd="6" destOrd="0" presId="urn:microsoft.com/office/officeart/2005/8/layout/vProcess5"/>
+    <dgm:cxn modelId="{B643709A-8147-458B-9582-BCC7AE8F3BD5}" type="presParOf" srcId="{77736E54-77E9-4C99-AF7E-CC58705CEB99}" destId="{8EB5DA64-5BE3-4406-99AC-C539581B500B}" srcOrd="7" destOrd="0" presId="urn:microsoft.com/office/officeart/2005/8/layout/vProcess5"/>
+    <dgm:cxn modelId="{C173452F-323F-4C24-8FD8-9B2447C0DEA9}" type="presParOf" srcId="{77736E54-77E9-4C99-AF7E-CC58705CEB99}" destId="{CA69C83E-C20C-4295-8230-B8BE0BA94C76}" srcOrd="8" destOrd="0" presId="urn:microsoft.com/office/officeart/2005/8/layout/vProcess5"/>
+    <dgm:cxn modelId="{22416FD3-8A26-4BC9-BDA9-8F2C57377E23}" type="presParOf" srcId="{77736E54-77E9-4C99-AF7E-CC58705CEB99}" destId="{88315E7D-9400-42B0-A73E-4886836205F0}" srcOrd="9" destOrd="0" presId="urn:microsoft.com/office/officeart/2005/8/layout/vProcess5"/>
+    <dgm:cxn modelId="{989575F8-4F70-497F-AD3C-1F29C56752BA}" type="presParOf" srcId="{77736E54-77E9-4C99-AF7E-CC58705CEB99}" destId="{70AD49ED-D780-4302-82F9-370C8D6BD68C}" srcOrd="10" destOrd="0" presId="urn:microsoft.com/office/officeart/2005/8/layout/vProcess5"/>
+    <dgm:cxn modelId="{78922065-CF1F-41C7-BDA9-18728851EFBD}" type="presParOf" srcId="{77736E54-77E9-4C99-AF7E-CC58705CEB99}" destId="{A268AB2D-20F9-441F-A49F-3443EB82F49C}" srcOrd="11" destOrd="0" presId="urn:microsoft.com/office/officeart/2005/8/layout/vProcess5"/>
+    <dgm:cxn modelId="{E76BE62E-8179-494B-AF9B-844A0F38F4BE}" type="presParOf" srcId="{77736E54-77E9-4C99-AF7E-CC58705CEB99}" destId="{5BBFF4D5-944B-41D3-A05D-42CE6B0FEE46}" srcOrd="12" destOrd="0" presId="urn:microsoft.com/office/officeart/2005/8/layout/vProcess5"/>
+    <dgm:cxn modelId="{8A91B293-00E7-4095-98BA-610759C9F359}" type="presParOf" srcId="{77736E54-77E9-4C99-AF7E-CC58705CEB99}" destId="{032BB25A-FE44-49D4-8F11-CD55C964B0E7}" srcOrd="13" destOrd="0" presId="urn:microsoft.com/office/officeart/2005/8/layout/vProcess5"/>
+    <dgm:cxn modelId="{F0D79089-3633-48E6-9DFB-65881AD35139}" type="presParOf" srcId="{77736E54-77E9-4C99-AF7E-CC58705CEB99}" destId="{EBB52983-47DE-4904-B73C-747C7290DAE4}" srcOrd="14" destOrd="0" presId="urn:microsoft.com/office/officeart/2005/8/layout/vProcess5"/>
   </dgm:cxnLst>
   <dgm:bg/>
   <dgm:whole/>
@@ -13523,6 +14503,346 @@
 </file>
 
 <file path=ppt/diagrams/drawing10.xml><?xml version="1.0" encoding="utf-8"?>
+<dsp:drawing xmlns:dgm="http://schemas.openxmlformats.org/drawingml/2006/diagram" xmlns:dsp="http://schemas.microsoft.com/office/drawing/2008/diagram" xmlns:a="http://schemas.openxmlformats.org/drawingml/2006/main">
+  <dsp:spTree>
+    <dsp:nvGrpSpPr>
+      <dsp:cNvPr id="0" name=""/>
+      <dsp:cNvGrpSpPr/>
+    </dsp:nvGrpSpPr>
+    <dsp:grpSpPr/>
+    <dsp:sp modelId="{73C19F2A-043A-4CF1-8BBC-CDB07368863A}">
+      <dsp:nvSpPr>
+        <dsp:cNvPr id="0" name=""/>
+        <dsp:cNvSpPr/>
+      </dsp:nvSpPr>
+      <dsp:spPr>
+        <a:xfrm>
+          <a:off x="787560" y="1083323"/>
+          <a:ext cx="6435463" cy="3325808"/>
+        </a:xfrm>
+        <a:prstGeom prst="rect">
+          <a:avLst/>
+        </a:prstGeom>
+        <a:solidFill>
+          <a:schemeClr val="accent1">
+            <a:tint val="50000"/>
+            <a:hueOff val="0"/>
+            <a:satOff val="0"/>
+            <a:lumOff val="0"/>
+            <a:alphaOff val="0"/>
+          </a:schemeClr>
+        </a:solidFill>
+        <a:ln w="22225" cap="rnd" cmpd="sng" algn="ctr">
+          <a:solidFill>
+            <a:schemeClr val="lt1">
+              <a:hueOff val="0"/>
+              <a:satOff val="0"/>
+              <a:lumOff val="0"/>
+              <a:alphaOff val="0"/>
+            </a:schemeClr>
+          </a:solidFill>
+          <a:prstDash val="solid"/>
+        </a:ln>
+        <a:effectLst/>
+      </dsp:spPr>
+      <dsp:style>
+        <a:lnRef idx="3">
+          <a:scrgbClr r="0" g="0" b="0"/>
+        </a:lnRef>
+        <a:fillRef idx="1">
+          <a:scrgbClr r="0" g="0" b="0"/>
+        </a:fillRef>
+        <a:effectRef idx="1">
+          <a:scrgbClr r="0" g="0" b="0"/>
+        </a:effectRef>
+        <a:fontRef idx="minor"/>
+      </dsp:style>
+    </dsp:sp>
+    <dsp:sp modelId="{ACA5A3C2-4501-44E9-A7E4-51A1DCCF33ED}">
+      <dsp:nvSpPr>
+        <dsp:cNvPr id="0" name=""/>
+        <dsp:cNvSpPr/>
+      </dsp:nvSpPr>
+      <dsp:spPr>
+        <a:xfrm>
+          <a:off x="858061" y="1458378"/>
+          <a:ext cx="2988422" cy="2845188"/>
+        </a:xfrm>
+        <a:prstGeom prst="rect">
+          <a:avLst/>
+        </a:prstGeom>
+        <a:noFill/>
+        <a:ln>
+          <a:noFill/>
+        </a:ln>
+        <a:effectLst/>
+      </dsp:spPr>
+      <dsp:style>
+        <a:lnRef idx="0">
+          <a:scrgbClr r="0" g="0" b="0"/>
+        </a:lnRef>
+        <a:fillRef idx="0">
+          <a:scrgbClr r="0" g="0" b="0"/>
+        </a:fillRef>
+        <a:effectRef idx="0">
+          <a:scrgbClr r="0" g="0" b="0"/>
+        </a:effectRef>
+        <a:fontRef idx="minor"/>
+      </dsp:style>
+      <dsp:txBody>
+        <a:bodyPr spcFirstLastPara="0" vert="horz" wrap="square" lIns="45720" tIns="45720" rIns="45720" bIns="45720" numCol="1" spcCol="1270" anchor="t" anchorCtr="0">
+          <a:noAutofit/>
+        </a:bodyPr>
+        <a:lstStyle/>
+        <a:p>
+          <a:pPr lvl="0" algn="l" defTabSz="1066800">
+            <a:lnSpc>
+              <a:spcPct val="90000"/>
+            </a:lnSpc>
+            <a:spcBef>
+              <a:spcPct val="0"/>
+            </a:spcBef>
+            <a:spcAft>
+              <a:spcPct val="35000"/>
+            </a:spcAft>
+          </a:pPr>
+          <a:r>
+            <a:rPr lang="en-US" sz="2400" kern="1200" dirty="0" smtClean="0">
+              <a:latin typeface="Cambria" panose="02040503050406030204" pitchFamily="18" charset="0"/>
+            </a:rPr>
+            <a:t> </a:t>
+          </a:r>
+        </a:p>
+      </dsp:txBody>
+      <dsp:txXfrm>
+        <a:off x="858061" y="1458378"/>
+        <a:ext cx="2988422" cy="2845188"/>
+      </dsp:txXfrm>
+    </dsp:sp>
+    <dsp:sp modelId="{A177844E-CD64-4D1C-B08C-3EBC138B7A2B}">
+      <dsp:nvSpPr>
+        <dsp:cNvPr id="0" name=""/>
+        <dsp:cNvSpPr/>
+      </dsp:nvSpPr>
+      <dsp:spPr>
+        <a:xfrm>
+          <a:off x="3913057" y="1458378"/>
+          <a:ext cx="2988422" cy="2845188"/>
+        </a:xfrm>
+        <a:prstGeom prst="rect">
+          <a:avLst/>
+        </a:prstGeom>
+        <a:noFill/>
+        <a:ln>
+          <a:noFill/>
+        </a:ln>
+        <a:effectLst/>
+      </dsp:spPr>
+      <dsp:style>
+        <a:lnRef idx="0">
+          <a:scrgbClr r="0" g="0" b="0"/>
+        </a:lnRef>
+        <a:fillRef idx="0">
+          <a:scrgbClr r="0" g="0" b="0"/>
+        </a:fillRef>
+        <a:effectRef idx="0">
+          <a:scrgbClr r="0" g="0" b="0"/>
+        </a:effectRef>
+        <a:fontRef idx="minor"/>
+      </dsp:style>
+      <dsp:txBody>
+        <a:bodyPr spcFirstLastPara="0" vert="horz" wrap="square" lIns="45720" tIns="45720" rIns="45720" bIns="45720" numCol="1" spcCol="1270" anchor="t" anchorCtr="0">
+          <a:noAutofit/>
+        </a:bodyPr>
+        <a:lstStyle/>
+        <a:p>
+          <a:pPr lvl="0" algn="l" defTabSz="1066800">
+            <a:lnSpc>
+              <a:spcPct val="90000"/>
+            </a:lnSpc>
+            <a:spcBef>
+              <a:spcPct val="0"/>
+            </a:spcBef>
+            <a:spcAft>
+              <a:spcPct val="35000"/>
+            </a:spcAft>
+          </a:pPr>
+          <a:endParaRPr lang="en-US" sz="2400" kern="1200" dirty="0">
+            <a:latin typeface="Cambria" panose="02040503050406030204" pitchFamily="18" charset="0"/>
+          </a:endParaRPr>
+        </a:p>
+      </dsp:txBody>
+      <dsp:txXfrm>
+        <a:off x="3913057" y="1458378"/>
+        <a:ext cx="2988422" cy="2845188"/>
+      </dsp:txXfrm>
+    </dsp:sp>
+    <dsp:sp modelId="{319A43D9-B41D-4B06-B656-4D1C40E4BAA6}">
+      <dsp:nvSpPr>
+        <dsp:cNvPr id="0" name=""/>
+        <dsp:cNvSpPr/>
+      </dsp:nvSpPr>
+      <dsp:spPr>
+        <a:xfrm>
+          <a:off x="0" y="403854"/>
+          <a:ext cx="1257504" cy="1257504"/>
+        </a:xfrm>
+        <a:prstGeom prst="plus">
+          <a:avLst>
+            <a:gd name="adj" fmla="val 32810"/>
+          </a:avLst>
+        </a:prstGeom>
+        <a:gradFill rotWithShape="1">
+          <a:gsLst>
+            <a:gs pos="0">
+              <a:schemeClr val="accent2">
+                <a:tint val="96000"/>
+                <a:lumMod val="102000"/>
+              </a:schemeClr>
+            </a:gs>
+            <a:gs pos="100000">
+              <a:schemeClr val="accent2">
+                <a:shade val="88000"/>
+                <a:lumMod val="94000"/>
+              </a:schemeClr>
+            </a:gs>
+          </a:gsLst>
+          <a:path path="circle">
+            <a:fillToRect l="50000" t="100000" r="100000" b="50000"/>
+          </a:path>
+        </a:gradFill>
+        <a:ln w="9525" cap="rnd" cmpd="sng" algn="ctr">
+          <a:solidFill>
+            <a:schemeClr val="accent2">
+              <a:tint val="60000"/>
+            </a:schemeClr>
+          </a:solidFill>
+          <a:prstDash val="solid"/>
+        </a:ln>
+        <a:effectLst>
+          <a:reflection blurRad="12700" stA="26000" endPos="32000" dist="12700" dir="5400000" sy="-100000" rotWithShape="0"/>
+        </a:effectLst>
+      </dsp:spPr>
+      <dsp:style>
+        <a:lnRef idx="1">
+          <a:schemeClr val="accent2"/>
+        </a:lnRef>
+        <a:fillRef idx="3">
+          <a:schemeClr val="accent2"/>
+        </a:fillRef>
+        <a:effectRef idx="2">
+          <a:schemeClr val="accent2"/>
+        </a:effectRef>
+        <a:fontRef idx="minor">
+          <a:schemeClr val="lt1"/>
+        </a:fontRef>
+      </dsp:style>
+    </dsp:sp>
+    <dsp:sp modelId="{4F579154-C094-46EF-AECB-D0FCFEED5A52}">
+      <dsp:nvSpPr>
+        <dsp:cNvPr id="0" name=""/>
+        <dsp:cNvSpPr/>
+      </dsp:nvSpPr>
+      <dsp:spPr>
+        <a:xfrm>
+          <a:off x="6213551" y="856082"/>
+          <a:ext cx="1183533" cy="405586"/>
+        </a:xfrm>
+        <a:prstGeom prst="rect">
+          <a:avLst/>
+        </a:prstGeom>
+        <a:gradFill rotWithShape="1">
+          <a:gsLst>
+            <a:gs pos="0">
+              <a:schemeClr val="accent4">
+                <a:tint val="96000"/>
+                <a:lumMod val="102000"/>
+              </a:schemeClr>
+            </a:gs>
+            <a:gs pos="100000">
+              <a:schemeClr val="accent4">
+                <a:shade val="88000"/>
+                <a:lumMod val="94000"/>
+              </a:schemeClr>
+            </a:gs>
+          </a:gsLst>
+          <a:path path="circle">
+            <a:fillToRect l="50000" t="100000" r="100000" b="50000"/>
+          </a:path>
+        </a:gradFill>
+        <a:ln w="9525" cap="rnd" cmpd="sng" algn="ctr">
+          <a:solidFill>
+            <a:schemeClr val="accent4">
+              <a:tint val="60000"/>
+            </a:schemeClr>
+          </a:solidFill>
+          <a:prstDash val="solid"/>
+        </a:ln>
+        <a:effectLst>
+          <a:reflection blurRad="12700" stA="26000" endPos="32000" dist="12700" dir="5400000" sy="-100000" rotWithShape="0"/>
+        </a:effectLst>
+      </dsp:spPr>
+      <dsp:style>
+        <a:lnRef idx="1">
+          <a:schemeClr val="accent4"/>
+        </a:lnRef>
+        <a:fillRef idx="3">
+          <a:schemeClr val="accent4"/>
+        </a:fillRef>
+        <a:effectRef idx="2">
+          <a:schemeClr val="accent4"/>
+        </a:effectRef>
+        <a:fontRef idx="minor">
+          <a:schemeClr val="lt1"/>
+        </a:fontRef>
+      </dsp:style>
+    </dsp:sp>
+    <dsp:sp modelId="{6ED2E672-AC4E-4E8D-86EB-593C630AEAA2}">
+      <dsp:nvSpPr>
+        <dsp:cNvPr id="0" name=""/>
+        <dsp:cNvSpPr/>
+      </dsp:nvSpPr>
+      <dsp:spPr>
+        <a:xfrm>
+          <a:off x="3883469" y="1464462"/>
+          <a:ext cx="739" cy="2717428"/>
+        </a:xfrm>
+        <a:prstGeom prst="line">
+          <a:avLst/>
+        </a:prstGeom>
+        <a:noFill/>
+        <a:ln w="15875" cap="rnd" cmpd="sng" algn="ctr">
+          <a:solidFill>
+            <a:schemeClr val="accent1">
+              <a:shade val="60000"/>
+              <a:hueOff val="0"/>
+              <a:satOff val="0"/>
+              <a:lumOff val="0"/>
+              <a:alphaOff val="0"/>
+            </a:schemeClr>
+          </a:solidFill>
+          <a:prstDash val="solid"/>
+        </a:ln>
+        <a:effectLst/>
+      </dsp:spPr>
+      <dsp:style>
+        <a:lnRef idx="2">
+          <a:scrgbClr r="0" g="0" b="0"/>
+        </a:lnRef>
+        <a:fillRef idx="0">
+          <a:scrgbClr r="0" g="0" b="0"/>
+        </a:fillRef>
+        <a:effectRef idx="0">
+          <a:scrgbClr r="0" g="0" b="0"/>
+        </a:effectRef>
+        <a:fontRef idx="minor"/>
+      </dsp:style>
+    </dsp:sp>
+  </dsp:spTree>
+</dsp:drawing>
+</file>
+
+<file path=ppt/diagrams/drawing11.xml><?xml version="1.0" encoding="utf-8"?>
 <dsp:drawing xmlns:dgm="http://schemas.openxmlformats.org/drawingml/2006/diagram" xmlns:dsp="http://schemas.microsoft.com/office/drawing/2008/diagram" xmlns:a="http://schemas.openxmlformats.org/drawingml/2006/main">
   <dsp:spTree>
     <dsp:nvGrpSpPr>
@@ -15843,25 +17163,6 @@
             <a:rPr lang="en-US" sz="1200" kern="1200" dirty="0" smtClean="0">
               <a:latin typeface="Cambria" panose="02040503050406030204" pitchFamily="18" charset="0"/>
             </a:rPr>
-            <a:t>- Clearly</a:t>
-          </a:r>
-        </a:p>
-        <a:p>
-          <a:pPr lvl="0" algn="l" defTabSz="533400">
-            <a:lnSpc>
-              <a:spcPct val="90000"/>
-            </a:lnSpc>
-            <a:spcBef>
-              <a:spcPct val="0"/>
-            </a:spcBef>
-            <a:spcAft>
-              <a:spcPct val="35000"/>
-            </a:spcAft>
-          </a:pPr>
-          <a:r>
-            <a:rPr lang="en-US" sz="1200" kern="1200" dirty="0" smtClean="0">
-              <a:latin typeface="Cambria" panose="02040503050406030204" pitchFamily="18" charset="0"/>
-            </a:rPr>
             <a:t>- Accurate information</a:t>
           </a:r>
           <a:endParaRPr lang="en-US" sz="1200" kern="1200" dirty="0">
@@ -18034,7 +19335,7 @@
             <a:rPr lang="en-US" sz="2900" kern="1200" dirty="0" smtClean="0">
               <a:latin typeface="Cambria" panose="02040503050406030204" pitchFamily="18" charset="0"/>
             </a:rPr>
-            <a:t>Offline search</a:t>
+            <a:t>Sync favorite</a:t>
           </a:r>
           <a:endParaRPr lang="en-US" sz="2900" kern="1200" dirty="0">
             <a:latin typeface="Cambria" panose="02040503050406030204" pitchFamily="18" charset="0"/>
@@ -18117,7 +19418,7 @@
             <a:rPr lang="en-US" sz="2900" kern="1200" dirty="0" smtClean="0">
               <a:latin typeface="Cambria" panose="02040503050406030204" pitchFamily="18" charset="0"/>
             </a:rPr>
-            <a:t>Sync favorite</a:t>
+            <a:t>Offline search</a:t>
           </a:r>
           <a:endParaRPr lang="en-US" sz="2900" kern="1200" dirty="0">
             <a:latin typeface="Cambria" panose="02040503050406030204" pitchFamily="18" charset="0"/>
@@ -18199,7 +19500,7 @@
               <a:spcPct val="35000"/>
             </a:spcAft>
           </a:pPr>
-          <a:endParaRPr lang="en-US" sz="2000" kern="1200">
+          <a:endParaRPr lang="en-US" sz="2000" kern="1200" dirty="0">
             <a:latin typeface="Cambria" panose="02040503050406030204" pitchFamily="18" charset="0"/>
           </a:endParaRPr>
         </a:p>
@@ -19071,6 +20372,226 @@
 </file>
 
 <file path=ppt/diagrams/layout10.xml><?xml version="1.0" encoding="utf-8"?>
+<dgm:layoutDef xmlns:dgm="http://schemas.openxmlformats.org/drawingml/2006/diagram" xmlns:a="http://schemas.openxmlformats.org/drawingml/2006/main" uniqueId="urn:microsoft.com/office/officeart/2009/3/layout/PlusandMinus">
+  <dgm:title val=""/>
+  <dgm:desc val=""/>
+  <dgm:catLst>
+    <dgm:cat type="relationship" pri="3600"/>
+  </dgm:catLst>
+  <dgm:sampData>
+    <dgm:dataModel>
+      <dgm:ptLst>
+        <dgm:pt modelId="0" type="doc"/>
+        <dgm:pt modelId="10">
+          <dgm:prSet phldr="1"/>
+        </dgm:pt>
+        <dgm:pt modelId="20">
+          <dgm:prSet phldr="1"/>
+        </dgm:pt>
+      </dgm:ptLst>
+      <dgm:cxnLst>
+        <dgm:cxn modelId="30" srcId="0" destId="10" srcOrd="0" destOrd="0"/>
+        <dgm:cxn modelId="40" srcId="0" destId="20" srcOrd="1" destOrd="0"/>
+      </dgm:cxnLst>
+      <dgm:bg/>
+      <dgm:whole/>
+    </dgm:dataModel>
+  </dgm:sampData>
+  <dgm:styleData>
+    <dgm:dataModel>
+      <dgm:ptLst>
+        <dgm:pt modelId="0" type="doc"/>
+        <dgm:pt modelId="10">
+          <dgm:prSet phldr="1"/>
+        </dgm:pt>
+        <dgm:pt modelId="20">
+          <dgm:prSet phldr="1"/>
+        </dgm:pt>
+      </dgm:ptLst>
+      <dgm:cxnLst>
+        <dgm:cxn modelId="30" srcId="0" destId="10" srcOrd="0" destOrd="0"/>
+        <dgm:cxn modelId="40" srcId="0" destId="20" srcOrd="1" destOrd="0"/>
+      </dgm:cxnLst>
+      <dgm:bg/>
+      <dgm:whole/>
+    </dgm:dataModel>
+  </dgm:styleData>
+  <dgm:clrData>
+    <dgm:dataModel>
+      <dgm:ptLst>
+        <dgm:pt modelId="0" type="doc"/>
+        <dgm:pt modelId="10">
+          <dgm:prSet phldr="1"/>
+        </dgm:pt>
+        <dgm:pt modelId="20">
+          <dgm:prSet phldr="1"/>
+        </dgm:pt>
+      </dgm:ptLst>
+      <dgm:cxnLst>
+        <dgm:cxn modelId="30" srcId="0" destId="10" srcOrd="0" destOrd="0"/>
+        <dgm:cxn modelId="40" srcId="0" destId="20" srcOrd="1" destOrd="0"/>
+      </dgm:cxnLst>
+      <dgm:bg/>
+      <dgm:whole/>
+    </dgm:dataModel>
+  </dgm:clrData>
+  <dgm:layoutNode name="Name0">
+    <dgm:varLst>
+      <dgm:chMax val="2"/>
+      <dgm:chPref val="2"/>
+      <dgm:dir/>
+      <dgm:animOne/>
+      <dgm:resizeHandles val="exact"/>
+    </dgm:varLst>
+    <dgm:alg type="composite">
+      <dgm:param type="ar" val="1.8238"/>
+    </dgm:alg>
+    <dgm:shape xmlns:r="http://schemas.openxmlformats.org/officeDocument/2006/relationships" r:blip="">
+      <dgm:adjLst/>
+    </dgm:shape>
+    <dgm:choose name="Name1">
+      <dgm:if name="Name2" func="var" arg="dir" op="equ" val="norm">
+        <dgm:constrLst>
+          <dgm:constr type="primFontSz" for="des" ptType="node" op="equ" val="65"/>
+          <dgm:constr type="l" for="ch" forName="Background" refType="w" fact="0.09"/>
+          <dgm:constr type="t" for="ch" forName="Background" refType="h" fact="0.1641"/>
+          <dgm:constr type="w" for="ch" forName="Background" refType="w" fact="0.87"/>
+          <dgm:constr type="h" for="ch" forName="Background" refType="h" fact="0.82"/>
+          <dgm:constr type="l" for="ch" forName="ParentText1" refType="w" fact="0.116"/>
+          <dgm:constr type="t" for="ch" forName="ParentText1" refType="h" fact="0.26"/>
+          <dgm:constr type="w" for="ch" forName="ParentText1" refType="w" fact="0.404"/>
+          <dgm:constr type="h" for="ch" forName="ParentText1" refType="h" fact="0.7015"/>
+          <dgm:constr type="l" for="ch" forName="ParentText2" refType="w" fact="0.529"/>
+          <dgm:constr type="t" for="ch" forName="ParentText2" refType="h" fact="0.26"/>
+          <dgm:constr type="w" for="ch" forName="ParentText2" refType="w" fact="0.404"/>
+          <dgm:constr type="h" for="ch" forName="ParentText2" refType="h" fact="0.7015"/>
+          <dgm:constr type="l" for="ch" forName="Plus" refType="w" fact="0"/>
+          <dgm:constr type="t" for="ch" forName="Plus" refType="h" fact="0"/>
+          <dgm:constr type="w" for="ch" forName="Plus" refType="w" fact="0.17"/>
+          <dgm:constr type="h" for="ch" forName="Plus" refType="w" refFor="ch" refForName="Plus"/>
+          <dgm:constr type="l" for="ch" forName="Minus" refType="w" fact="0.84"/>
+          <dgm:constr type="t" for="ch" forName="Minus" refType="h" fact="0.1115"/>
+          <dgm:constr type="w" for="ch" forName="Minus" refType="w" fact="0.16"/>
+          <dgm:constr type="h" for="ch" forName="Minus" refType="h" fact="0.1"/>
+          <dgm:constr type="l" for="ch" forName="Divider" refType="w" fact="0.525"/>
+          <dgm:constr type="t" for="ch" forName="Divider" refType="h" fact="0.2615"/>
+          <dgm:constr type="w" for="ch" forName="Divider" refType="w" fact="0.0001"/>
+          <dgm:constr type="h" for="ch" forName="Divider" refType="h" fact="0.67"/>
+        </dgm:constrLst>
+      </dgm:if>
+      <dgm:else name="Name3">
+        <dgm:constrLst>
+          <dgm:constr type="primFontSz" for="des" ptType="node" op="equ" val="65"/>
+          <dgm:constr type="r" for="ch" forName="Background" refType="w" fact="-0.09"/>
+          <dgm:constr type="t" for="ch" forName="Background" refType="h" fact="0.1641"/>
+          <dgm:constr type="w" for="ch" forName="Background" refType="w" fact="0.87"/>
+          <dgm:constr type="h" for="ch" forName="Background" refType="h" fact="0.82"/>
+          <dgm:constr type="r" for="ch" forName="ParentText1" refType="w" fact="-0.116"/>
+          <dgm:constr type="t" for="ch" forName="ParentText1" refType="h" fact="0.26"/>
+          <dgm:constr type="w" for="ch" forName="ParentText1" refType="w" fact="0.404"/>
+          <dgm:constr type="h" for="ch" forName="ParentText1" refType="h" fact="0.7015"/>
+          <dgm:constr type="r" for="ch" forName="ParentText2" refType="w" fact="-0.529"/>
+          <dgm:constr type="t" for="ch" forName="ParentText2" refType="h" fact="0.26"/>
+          <dgm:constr type="w" for="ch" forName="ParentText2" refType="w" fact="0.404"/>
+          <dgm:constr type="h" for="ch" forName="ParentText2" refType="h" fact="0.7015"/>
+          <dgm:constr type="r" for="ch" forName="Plus" refType="w" fact="0"/>
+          <dgm:constr type="t" for="ch" forName="Plus" refType="h" fact="0"/>
+          <dgm:constr type="w" for="ch" forName="Plus" refType="w" fact="0.17"/>
+          <dgm:constr type="h" for="ch" forName="Plus" refType="w" refFor="ch" refForName="Plus"/>
+          <dgm:constr type="r" for="ch" forName="Minus" refType="w" fact="-0.84"/>
+          <dgm:constr type="t" for="ch" forName="Minus" refType="h" fact="0.1115"/>
+          <dgm:constr type="w" for="ch" forName="Minus" refType="w" fact="0.16"/>
+          <dgm:constr type="h" for="ch" forName="Minus" refType="h" fact="0.1"/>
+          <dgm:constr type="r" for="ch" forName="Divider" refType="w" fact="-0.525"/>
+          <dgm:constr type="t" for="ch" forName="Divider" refType="h" fact="0.2615"/>
+          <dgm:constr type="w" for="ch" forName="Divider" refType="w" fact="0.0001"/>
+          <dgm:constr type="h" for="ch" forName="Divider" refType="h" fact="0.67"/>
+        </dgm:constrLst>
+      </dgm:else>
+    </dgm:choose>
+    <dgm:layoutNode name="Background" styleLbl="bgImgPlace1">
+      <dgm:alg type="sp"/>
+      <dgm:shape xmlns:r="http://schemas.openxmlformats.org/officeDocument/2006/relationships" type="rect" r:blip="">
+        <dgm:adjLst/>
+      </dgm:shape>
+      <dgm:presOf/>
+    </dgm:layoutNode>
+    <dgm:layoutNode name="ParentText1" styleLbl="revTx">
+      <dgm:varLst>
+        <dgm:chMax val="0"/>
+        <dgm:chPref val="0"/>
+        <dgm:bulletEnabled val="1"/>
+      </dgm:varLst>
+      <dgm:alg type="tx">
+        <dgm:param type="parTxLTRAlign" val="l"/>
+        <dgm:param type="txAnchorVert" val="t"/>
+      </dgm:alg>
+      <dgm:shape xmlns:r="http://schemas.openxmlformats.org/officeDocument/2006/relationships" type="rect" r:blip="">
+        <dgm:adjLst/>
+      </dgm:shape>
+      <dgm:presOf axis="ch desOrSelf" ptType="node node" st="1 1" cnt="1 0"/>
+      <dgm:constrLst>
+        <dgm:constr type="lMarg" refType="primFontSz" fact="0.15"/>
+        <dgm:constr type="rMarg" refType="primFontSz" fact="0.15"/>
+        <dgm:constr type="tMarg" refType="primFontSz" fact="0.15"/>
+        <dgm:constr type="bMarg" refType="primFontSz" fact="0.15"/>
+      </dgm:constrLst>
+      <dgm:ruleLst>
+        <dgm:rule type="primFontSz" val="5" fact="NaN" max="NaN"/>
+      </dgm:ruleLst>
+    </dgm:layoutNode>
+    <dgm:layoutNode name="ParentText2" styleLbl="revTx">
+      <dgm:varLst>
+        <dgm:chMax val="0"/>
+        <dgm:chPref val="0"/>
+        <dgm:bulletEnabled val="1"/>
+      </dgm:varLst>
+      <dgm:alg type="tx">
+        <dgm:param type="parTxLTRAlign" val="l"/>
+        <dgm:param type="txAnchorVert" val="t"/>
+      </dgm:alg>
+      <dgm:shape xmlns:r="http://schemas.openxmlformats.org/officeDocument/2006/relationships" type="rect" r:blip="">
+        <dgm:adjLst/>
+      </dgm:shape>
+      <dgm:presOf axis="ch desOrSelf" ptType="node node" st="2 1" cnt="1 0"/>
+      <dgm:constrLst>
+        <dgm:constr type="lMarg" refType="primFontSz" fact="0.15"/>
+        <dgm:constr type="rMarg" refType="primFontSz" fact="0.15"/>
+        <dgm:constr type="tMarg" refType="primFontSz" fact="0.15"/>
+        <dgm:constr type="bMarg" refType="primFontSz" fact="0.15"/>
+      </dgm:constrLst>
+      <dgm:ruleLst>
+        <dgm:rule type="primFontSz" val="5" fact="NaN" max="NaN"/>
+      </dgm:ruleLst>
+    </dgm:layoutNode>
+    <dgm:layoutNode name="Plus" styleLbl="alignNode1">
+      <dgm:alg type="sp"/>
+      <dgm:shape xmlns:r="http://schemas.openxmlformats.org/officeDocument/2006/relationships" type="plus" r:blip="">
+        <dgm:adjLst>
+          <dgm:adj idx="1" val="0.3281"/>
+        </dgm:adjLst>
+      </dgm:shape>
+      <dgm:presOf/>
+    </dgm:layoutNode>
+    <dgm:layoutNode name="Minus" styleLbl="alignNode1">
+      <dgm:alg type="sp"/>
+      <dgm:shape xmlns:r="http://schemas.openxmlformats.org/officeDocument/2006/relationships" type="rect" r:blip="">
+        <dgm:adjLst/>
+      </dgm:shape>
+      <dgm:presOf/>
+    </dgm:layoutNode>
+    <dgm:layoutNode name="Divider" styleLbl="parChTrans1D1">
+      <dgm:alg type="sp"/>
+      <dgm:shape xmlns:r="http://schemas.openxmlformats.org/officeDocument/2006/relationships" type="line" r:blip="">
+        <dgm:adjLst/>
+      </dgm:shape>
+      <dgm:presOf/>
+    </dgm:layoutNode>
+  </dgm:layoutNode>
+</dgm:layoutDef>
+</file>
+
+<file path=ppt/diagrams/layout11.xml><?xml version="1.0" encoding="utf-8"?>
 <dgm:layoutDef xmlns:dgm="http://schemas.openxmlformats.org/drawingml/2006/diagram" xmlns:a="http://schemas.openxmlformats.org/drawingml/2006/main" uniqueId="urn:microsoft.com/office/officeart/2005/8/layout/pList1">
   <dgm:title val=""/>
   <dgm:desc val=""/>
@@ -25574,6 +27095,1040 @@
 </file>
 
 <file path=ppt/diagrams/quickStyle10.xml><?xml version="1.0" encoding="utf-8"?>
+<dgm:styleDef xmlns:dgm="http://schemas.openxmlformats.org/drawingml/2006/diagram" xmlns:a="http://schemas.openxmlformats.org/drawingml/2006/main" uniqueId="urn:microsoft.com/office/officeart/2005/8/quickstyle/simple2">
+  <dgm:title val=""/>
+  <dgm:desc val=""/>
+  <dgm:catLst>
+    <dgm:cat type="simple" pri="10200"/>
+  </dgm:catLst>
+  <dgm:scene3d>
+    <a:camera prst="orthographicFront"/>
+    <a:lightRig rig="threePt" dir="t"/>
+  </dgm:scene3d>
+  <dgm:styleLbl name="node0">
+    <dgm:scene3d>
+      <a:camera prst="orthographicFront"/>
+      <a:lightRig rig="threePt" dir="t"/>
+    </dgm:scene3d>
+    <dgm:sp3d/>
+    <dgm:txPr/>
+    <dgm:style>
+      <a:lnRef idx="3">
+        <a:scrgbClr r="0" g="0" b="0"/>
+      </a:lnRef>
+      <a:fillRef idx="1">
+        <a:scrgbClr r="0" g="0" b="0"/>
+      </a:fillRef>
+      <a:effectRef idx="1">
+        <a:scrgbClr r="0" g="0" b="0"/>
+      </a:effectRef>
+      <a:fontRef idx="minor">
+        <a:schemeClr val="lt1"/>
+      </a:fontRef>
+    </dgm:style>
+  </dgm:styleLbl>
+  <dgm:styleLbl name="lnNode1">
+    <dgm:scene3d>
+      <a:camera prst="orthographicFront"/>
+      <a:lightRig rig="threePt" dir="t"/>
+    </dgm:scene3d>
+    <dgm:sp3d/>
+    <dgm:txPr/>
+    <dgm:style>
+      <a:lnRef idx="3">
+        <a:scrgbClr r="0" g="0" b="0"/>
+      </a:lnRef>
+      <a:fillRef idx="1">
+        <a:scrgbClr r="0" g="0" b="0"/>
+      </a:fillRef>
+      <a:effectRef idx="1">
+        <a:scrgbClr r="0" g="0" b="0"/>
+      </a:effectRef>
+      <a:fontRef idx="minor">
+        <a:schemeClr val="lt1"/>
+      </a:fontRef>
+    </dgm:style>
+  </dgm:styleLbl>
+  <dgm:styleLbl name="vennNode1">
+    <dgm:scene3d>
+      <a:camera prst="orthographicFront"/>
+      <a:lightRig rig="threePt" dir="t"/>
+    </dgm:scene3d>
+    <dgm:sp3d/>
+    <dgm:txPr/>
+    <dgm:style>
+      <a:lnRef idx="3">
+        <a:scrgbClr r="0" g="0" b="0"/>
+      </a:lnRef>
+      <a:fillRef idx="1">
+        <a:scrgbClr r="0" g="0" b="0"/>
+      </a:fillRef>
+      <a:effectRef idx="0">
+        <a:scrgbClr r="0" g="0" b="0"/>
+      </a:effectRef>
+      <a:fontRef idx="minor">
+        <a:schemeClr val="tx1"/>
+      </a:fontRef>
+    </dgm:style>
+  </dgm:styleLbl>
+  <dgm:styleLbl name="alignNode1">
+    <dgm:scene3d>
+      <a:camera prst="orthographicFront"/>
+      <a:lightRig rig="threePt" dir="t"/>
+    </dgm:scene3d>
+    <dgm:sp3d/>
+    <dgm:txPr/>
+    <dgm:style>
+      <a:lnRef idx="2">
+        <a:scrgbClr r="0" g="0" b="0"/>
+      </a:lnRef>
+      <a:fillRef idx="1">
+        <a:scrgbClr r="0" g="0" b="0"/>
+      </a:fillRef>
+      <a:effectRef idx="1">
+        <a:scrgbClr r="0" g="0" b="0"/>
+      </a:effectRef>
+      <a:fontRef idx="minor">
+        <a:schemeClr val="lt1"/>
+      </a:fontRef>
+    </dgm:style>
+  </dgm:styleLbl>
+  <dgm:styleLbl name="node1">
+    <dgm:scene3d>
+      <a:camera prst="orthographicFront"/>
+      <a:lightRig rig="threePt" dir="t"/>
+    </dgm:scene3d>
+    <dgm:sp3d/>
+    <dgm:txPr/>
+    <dgm:style>
+      <a:lnRef idx="3">
+        <a:scrgbClr r="0" g="0" b="0"/>
+      </a:lnRef>
+      <a:fillRef idx="1">
+        <a:scrgbClr r="0" g="0" b="0"/>
+      </a:fillRef>
+      <a:effectRef idx="1">
+        <a:scrgbClr r="0" g="0" b="0"/>
+      </a:effectRef>
+      <a:fontRef idx="minor">
+        <a:schemeClr val="lt1"/>
+      </a:fontRef>
+    </dgm:style>
+  </dgm:styleLbl>
+  <dgm:styleLbl name="node2">
+    <dgm:scene3d>
+      <a:camera prst="orthographicFront"/>
+      <a:lightRig rig="threePt" dir="t"/>
+    </dgm:scene3d>
+    <dgm:sp3d/>
+    <dgm:txPr/>
+    <dgm:style>
+      <a:lnRef idx="3">
+        <a:scrgbClr r="0" g="0" b="0"/>
+      </a:lnRef>
+      <a:fillRef idx="1">
+        <a:scrgbClr r="0" g="0" b="0"/>
+      </a:fillRef>
+      <a:effectRef idx="1">
+        <a:scrgbClr r="0" g="0" b="0"/>
+      </a:effectRef>
+      <a:fontRef idx="minor">
+        <a:schemeClr val="lt1"/>
+      </a:fontRef>
+    </dgm:style>
+  </dgm:styleLbl>
+  <dgm:styleLbl name="node3">
+    <dgm:scene3d>
+      <a:camera prst="orthographicFront"/>
+      <a:lightRig rig="threePt" dir="t"/>
+    </dgm:scene3d>
+    <dgm:sp3d/>
+    <dgm:txPr/>
+    <dgm:style>
+      <a:lnRef idx="3">
+        <a:scrgbClr r="0" g="0" b="0"/>
+      </a:lnRef>
+      <a:fillRef idx="1">
+        <a:scrgbClr r="0" g="0" b="0"/>
+      </a:fillRef>
+      <a:effectRef idx="1">
+        <a:scrgbClr r="0" g="0" b="0"/>
+      </a:effectRef>
+      <a:fontRef idx="minor">
+        <a:schemeClr val="lt1"/>
+      </a:fontRef>
+    </dgm:style>
+  </dgm:styleLbl>
+  <dgm:styleLbl name="node4">
+    <dgm:scene3d>
+      <a:camera prst="orthographicFront"/>
+      <a:lightRig rig="threePt" dir="t"/>
+    </dgm:scene3d>
+    <dgm:sp3d/>
+    <dgm:txPr/>
+    <dgm:style>
+      <a:lnRef idx="3">
+        <a:scrgbClr r="0" g="0" b="0"/>
+      </a:lnRef>
+      <a:fillRef idx="1">
+        <a:scrgbClr r="0" g="0" b="0"/>
+      </a:fillRef>
+      <a:effectRef idx="1">
+        <a:scrgbClr r="0" g="0" b="0"/>
+      </a:effectRef>
+      <a:fontRef idx="minor">
+        <a:schemeClr val="lt1"/>
+      </a:fontRef>
+    </dgm:style>
+  </dgm:styleLbl>
+  <dgm:styleLbl name="fgImgPlace1">
+    <dgm:scene3d>
+      <a:camera prst="orthographicFront"/>
+      <a:lightRig rig="threePt" dir="t"/>
+    </dgm:scene3d>
+    <dgm:sp3d/>
+    <dgm:txPr/>
+    <dgm:style>
+      <a:lnRef idx="3">
+        <a:scrgbClr r="0" g="0" b="0"/>
+      </a:lnRef>
+      <a:fillRef idx="1">
+        <a:scrgbClr r="0" g="0" b="0"/>
+      </a:fillRef>
+      <a:effectRef idx="1">
+        <a:scrgbClr r="0" g="0" b="0"/>
+      </a:effectRef>
+      <a:fontRef idx="minor"/>
+    </dgm:style>
+  </dgm:styleLbl>
+  <dgm:styleLbl name="alignImgPlace1">
+    <dgm:scene3d>
+      <a:camera prst="orthographicFront"/>
+      <a:lightRig rig="threePt" dir="t"/>
+    </dgm:scene3d>
+    <dgm:sp3d/>
+    <dgm:txPr/>
+    <dgm:style>
+      <a:lnRef idx="3">
+        <a:scrgbClr r="0" g="0" b="0"/>
+      </a:lnRef>
+      <a:fillRef idx="1">
+        <a:scrgbClr r="0" g="0" b="0"/>
+      </a:fillRef>
+      <a:effectRef idx="1">
+        <a:scrgbClr r="0" g="0" b="0"/>
+      </a:effectRef>
+      <a:fontRef idx="minor"/>
+    </dgm:style>
+  </dgm:styleLbl>
+  <dgm:styleLbl name="bgImgPlace1">
+    <dgm:scene3d>
+      <a:camera prst="orthographicFront"/>
+      <a:lightRig rig="threePt" dir="t"/>
+    </dgm:scene3d>
+    <dgm:sp3d/>
+    <dgm:txPr/>
+    <dgm:style>
+      <a:lnRef idx="3">
+        <a:scrgbClr r="0" g="0" b="0"/>
+      </a:lnRef>
+      <a:fillRef idx="1">
+        <a:scrgbClr r="0" g="0" b="0"/>
+      </a:fillRef>
+      <a:effectRef idx="1">
+        <a:scrgbClr r="0" g="0" b="0"/>
+      </a:effectRef>
+      <a:fontRef idx="minor"/>
+    </dgm:style>
+  </dgm:styleLbl>
+  <dgm:styleLbl name="sibTrans2D1">
+    <dgm:scene3d>
+      <a:camera prst="orthographicFront"/>
+      <a:lightRig rig="threePt" dir="t"/>
+    </dgm:scene3d>
+    <dgm:sp3d/>
+    <dgm:txPr/>
+    <dgm:style>
+      <a:lnRef idx="0">
+        <a:scrgbClr r="0" g="0" b="0"/>
+      </a:lnRef>
+      <a:fillRef idx="1">
+        <a:scrgbClr r="0" g="0" b="0"/>
+      </a:fillRef>
+      <a:effectRef idx="1">
+        <a:scrgbClr r="0" g="0" b="0"/>
+      </a:effectRef>
+      <a:fontRef idx="minor">
+        <a:schemeClr val="lt1"/>
+      </a:fontRef>
+    </dgm:style>
+  </dgm:styleLbl>
+  <dgm:styleLbl name="fgSibTrans2D1">
+    <dgm:scene3d>
+      <a:camera prst="orthographicFront"/>
+      <a:lightRig rig="threePt" dir="t"/>
+    </dgm:scene3d>
+    <dgm:sp3d/>
+    <dgm:txPr/>
+    <dgm:style>
+      <a:lnRef idx="0">
+        <a:scrgbClr r="0" g="0" b="0"/>
+      </a:lnRef>
+      <a:fillRef idx="1">
+        <a:scrgbClr r="0" g="0" b="0"/>
+      </a:fillRef>
+      <a:effectRef idx="1">
+        <a:scrgbClr r="0" g="0" b="0"/>
+      </a:effectRef>
+      <a:fontRef idx="minor">
+        <a:schemeClr val="lt1"/>
+      </a:fontRef>
+    </dgm:style>
+  </dgm:styleLbl>
+  <dgm:styleLbl name="bgSibTrans2D1">
+    <dgm:scene3d>
+      <a:camera prst="orthographicFront"/>
+      <a:lightRig rig="threePt" dir="t"/>
+    </dgm:scene3d>
+    <dgm:sp3d/>
+    <dgm:txPr/>
+    <dgm:style>
+      <a:lnRef idx="0">
+        <a:scrgbClr r="0" g="0" b="0"/>
+      </a:lnRef>
+      <a:fillRef idx="1">
+        <a:scrgbClr r="0" g="0" b="0"/>
+      </a:fillRef>
+      <a:effectRef idx="1">
+        <a:scrgbClr r="0" g="0" b="0"/>
+      </a:effectRef>
+      <a:fontRef idx="minor">
+        <a:schemeClr val="lt1"/>
+      </a:fontRef>
+    </dgm:style>
+  </dgm:styleLbl>
+  <dgm:styleLbl name="sibTrans1D1">
+    <dgm:scene3d>
+      <a:camera prst="orthographicFront"/>
+      <a:lightRig rig="threePt" dir="t"/>
+    </dgm:scene3d>
+    <dgm:sp3d/>
+    <dgm:txPr/>
+    <dgm:style>
+      <a:lnRef idx="1">
+        <a:scrgbClr r="0" g="0" b="0"/>
+      </a:lnRef>
+      <a:fillRef idx="0">
+        <a:scrgbClr r="0" g="0" b="0"/>
+      </a:fillRef>
+      <a:effectRef idx="0">
+        <a:scrgbClr r="0" g="0" b="0"/>
+      </a:effectRef>
+      <a:fontRef idx="minor"/>
+    </dgm:style>
+  </dgm:styleLbl>
+  <dgm:styleLbl name="callout">
+    <dgm:scene3d>
+      <a:camera prst="orthographicFront"/>
+      <a:lightRig rig="threePt" dir="t"/>
+    </dgm:scene3d>
+    <dgm:sp3d/>
+    <dgm:txPr/>
+    <dgm:style>
+      <a:lnRef idx="2">
+        <a:scrgbClr r="0" g="0" b="0"/>
+      </a:lnRef>
+      <a:fillRef idx="1">
+        <a:scrgbClr r="0" g="0" b="0"/>
+      </a:fillRef>
+      <a:effectRef idx="1">
+        <a:scrgbClr r="0" g="0" b="0"/>
+      </a:effectRef>
+      <a:fontRef idx="minor"/>
+    </dgm:style>
+  </dgm:styleLbl>
+  <dgm:styleLbl name="asst0">
+    <dgm:scene3d>
+      <a:camera prst="orthographicFront"/>
+      <a:lightRig rig="threePt" dir="t"/>
+    </dgm:scene3d>
+    <dgm:sp3d/>
+    <dgm:txPr/>
+    <dgm:style>
+      <a:lnRef idx="3">
+        <a:scrgbClr r="0" g="0" b="0"/>
+      </a:lnRef>
+      <a:fillRef idx="1">
+        <a:scrgbClr r="0" g="0" b="0"/>
+      </a:fillRef>
+      <a:effectRef idx="1">
+        <a:scrgbClr r="0" g="0" b="0"/>
+      </a:effectRef>
+      <a:fontRef idx="minor">
+        <a:schemeClr val="lt1"/>
+      </a:fontRef>
+    </dgm:style>
+  </dgm:styleLbl>
+  <dgm:styleLbl name="asst1">
+    <dgm:scene3d>
+      <a:camera prst="orthographicFront"/>
+      <a:lightRig rig="threePt" dir="t"/>
+    </dgm:scene3d>
+    <dgm:sp3d/>
+    <dgm:txPr/>
+    <dgm:style>
+      <a:lnRef idx="3">
+        <a:scrgbClr r="0" g="0" b="0"/>
+      </a:lnRef>
+      <a:fillRef idx="1">
+        <a:scrgbClr r="0" g="0" b="0"/>
+      </a:fillRef>
+      <a:effectRef idx="1">
+        <a:scrgbClr r="0" g="0" b="0"/>
+      </a:effectRef>
+      <a:fontRef idx="minor">
+        <a:schemeClr val="lt1"/>
+      </a:fontRef>
+    </dgm:style>
+  </dgm:styleLbl>
+  <dgm:styleLbl name="asst2">
+    <dgm:scene3d>
+      <a:camera prst="orthographicFront"/>
+      <a:lightRig rig="threePt" dir="t"/>
+    </dgm:scene3d>
+    <dgm:sp3d/>
+    <dgm:txPr/>
+    <dgm:style>
+      <a:lnRef idx="3">
+        <a:scrgbClr r="0" g="0" b="0"/>
+      </a:lnRef>
+      <a:fillRef idx="1">
+        <a:scrgbClr r="0" g="0" b="0"/>
+      </a:fillRef>
+      <a:effectRef idx="1">
+        <a:scrgbClr r="0" g="0" b="0"/>
+      </a:effectRef>
+      <a:fontRef idx="minor">
+        <a:schemeClr val="lt1"/>
+      </a:fontRef>
+    </dgm:style>
+  </dgm:styleLbl>
+  <dgm:styleLbl name="asst3">
+    <dgm:scene3d>
+      <a:camera prst="orthographicFront"/>
+      <a:lightRig rig="threePt" dir="t"/>
+    </dgm:scene3d>
+    <dgm:sp3d/>
+    <dgm:txPr/>
+    <dgm:style>
+      <a:lnRef idx="3">
+        <a:scrgbClr r="0" g="0" b="0"/>
+      </a:lnRef>
+      <a:fillRef idx="1">
+        <a:scrgbClr r="0" g="0" b="0"/>
+      </a:fillRef>
+      <a:effectRef idx="1">
+        <a:scrgbClr r="0" g="0" b="0"/>
+      </a:effectRef>
+      <a:fontRef idx="minor">
+        <a:schemeClr val="lt1"/>
+      </a:fontRef>
+    </dgm:style>
+  </dgm:styleLbl>
+  <dgm:styleLbl name="asst4">
+    <dgm:scene3d>
+      <a:camera prst="orthographicFront"/>
+      <a:lightRig rig="threePt" dir="t"/>
+    </dgm:scene3d>
+    <dgm:sp3d/>
+    <dgm:txPr/>
+    <dgm:style>
+      <a:lnRef idx="3">
+        <a:scrgbClr r="0" g="0" b="0"/>
+      </a:lnRef>
+      <a:fillRef idx="1">
+        <a:scrgbClr r="0" g="0" b="0"/>
+      </a:fillRef>
+      <a:effectRef idx="1">
+        <a:scrgbClr r="0" g="0" b="0"/>
+      </a:effectRef>
+      <a:fontRef idx="minor">
+        <a:schemeClr val="lt1"/>
+      </a:fontRef>
+    </dgm:style>
+  </dgm:styleLbl>
+  <dgm:styleLbl name="parChTrans2D1">
+    <dgm:scene3d>
+      <a:camera prst="orthographicFront"/>
+      <a:lightRig rig="threePt" dir="t"/>
+    </dgm:scene3d>
+    <dgm:sp3d/>
+    <dgm:txPr/>
+    <dgm:style>
+      <a:lnRef idx="3">
+        <a:scrgbClr r="0" g="0" b="0"/>
+      </a:lnRef>
+      <a:fillRef idx="1">
+        <a:scrgbClr r="0" g="0" b="0"/>
+      </a:fillRef>
+      <a:effectRef idx="1">
+        <a:scrgbClr r="0" g="0" b="0"/>
+      </a:effectRef>
+      <a:fontRef idx="minor">
+        <a:schemeClr val="lt1"/>
+      </a:fontRef>
+    </dgm:style>
+  </dgm:styleLbl>
+  <dgm:styleLbl name="parChTrans2D2">
+    <dgm:scene3d>
+      <a:camera prst="orthographicFront"/>
+      <a:lightRig rig="threePt" dir="t"/>
+    </dgm:scene3d>
+    <dgm:sp3d/>
+    <dgm:txPr/>
+    <dgm:style>
+      <a:lnRef idx="3">
+        <a:scrgbClr r="0" g="0" b="0"/>
+      </a:lnRef>
+      <a:fillRef idx="1">
+        <a:scrgbClr r="0" g="0" b="0"/>
+      </a:fillRef>
+      <a:effectRef idx="1">
+        <a:scrgbClr r="0" g="0" b="0"/>
+      </a:effectRef>
+      <a:fontRef idx="minor">
+        <a:schemeClr val="lt1"/>
+      </a:fontRef>
+    </dgm:style>
+  </dgm:styleLbl>
+  <dgm:styleLbl name="parChTrans2D3">
+    <dgm:scene3d>
+      <a:camera prst="orthographicFront"/>
+      <a:lightRig rig="threePt" dir="t"/>
+    </dgm:scene3d>
+    <dgm:sp3d/>
+    <dgm:txPr/>
+    <dgm:style>
+      <a:lnRef idx="3">
+        <a:scrgbClr r="0" g="0" b="0"/>
+      </a:lnRef>
+      <a:fillRef idx="1">
+        <a:scrgbClr r="0" g="0" b="0"/>
+      </a:fillRef>
+      <a:effectRef idx="1">
+        <a:scrgbClr r="0" g="0" b="0"/>
+      </a:effectRef>
+      <a:fontRef idx="minor">
+        <a:schemeClr val="lt1"/>
+      </a:fontRef>
+    </dgm:style>
+  </dgm:styleLbl>
+  <dgm:styleLbl name="parChTrans2D4">
+    <dgm:scene3d>
+      <a:camera prst="orthographicFront"/>
+      <a:lightRig rig="threePt" dir="t"/>
+    </dgm:scene3d>
+    <dgm:sp3d/>
+    <dgm:txPr/>
+    <dgm:style>
+      <a:lnRef idx="3">
+        <a:scrgbClr r="0" g="0" b="0"/>
+      </a:lnRef>
+      <a:fillRef idx="1">
+        <a:scrgbClr r="0" g="0" b="0"/>
+      </a:fillRef>
+      <a:effectRef idx="1">
+        <a:scrgbClr r="0" g="0" b="0"/>
+      </a:effectRef>
+      <a:fontRef idx="minor">
+        <a:schemeClr val="lt1"/>
+      </a:fontRef>
+    </dgm:style>
+  </dgm:styleLbl>
+  <dgm:styleLbl name="parChTrans1D1">
+    <dgm:scene3d>
+      <a:camera prst="orthographicFront"/>
+      <a:lightRig rig="threePt" dir="t"/>
+    </dgm:scene3d>
+    <dgm:sp3d/>
+    <dgm:txPr/>
+    <dgm:style>
+      <a:lnRef idx="2">
+        <a:scrgbClr r="0" g="0" b="0"/>
+      </a:lnRef>
+      <a:fillRef idx="0">
+        <a:scrgbClr r="0" g="0" b="0"/>
+      </a:fillRef>
+      <a:effectRef idx="0">
+        <a:scrgbClr r="0" g="0" b="0"/>
+      </a:effectRef>
+      <a:fontRef idx="minor"/>
+    </dgm:style>
+  </dgm:styleLbl>
+  <dgm:styleLbl name="parChTrans1D2">
+    <dgm:scene3d>
+      <a:camera prst="orthographicFront"/>
+      <a:lightRig rig="threePt" dir="t"/>
+    </dgm:scene3d>
+    <dgm:sp3d/>
+    <dgm:txPr/>
+    <dgm:style>
+      <a:lnRef idx="2">
+        <a:scrgbClr r="0" g="0" b="0"/>
+      </a:lnRef>
+      <a:fillRef idx="0">
+        <a:scrgbClr r="0" g="0" b="0"/>
+      </a:fillRef>
+      <a:effectRef idx="0">
+        <a:scrgbClr r="0" g="0" b="0"/>
+      </a:effectRef>
+      <a:fontRef idx="minor"/>
+    </dgm:style>
+  </dgm:styleLbl>
+  <dgm:styleLbl name="parChTrans1D3">
+    <dgm:scene3d>
+      <a:camera prst="orthographicFront"/>
+      <a:lightRig rig="threePt" dir="t"/>
+    </dgm:scene3d>
+    <dgm:sp3d/>
+    <dgm:txPr/>
+    <dgm:style>
+      <a:lnRef idx="2">
+        <a:scrgbClr r="0" g="0" b="0"/>
+      </a:lnRef>
+      <a:fillRef idx="0">
+        <a:scrgbClr r="0" g="0" b="0"/>
+      </a:fillRef>
+      <a:effectRef idx="0">
+        <a:scrgbClr r="0" g="0" b="0"/>
+      </a:effectRef>
+      <a:fontRef idx="minor"/>
+    </dgm:style>
+  </dgm:styleLbl>
+  <dgm:styleLbl name="parChTrans1D4">
+    <dgm:scene3d>
+      <a:camera prst="orthographicFront"/>
+      <a:lightRig rig="threePt" dir="t"/>
+    </dgm:scene3d>
+    <dgm:sp3d/>
+    <dgm:txPr/>
+    <dgm:style>
+      <a:lnRef idx="2">
+        <a:scrgbClr r="0" g="0" b="0"/>
+      </a:lnRef>
+      <a:fillRef idx="0">
+        <a:scrgbClr r="0" g="0" b="0"/>
+      </a:fillRef>
+      <a:effectRef idx="0">
+        <a:scrgbClr r="0" g="0" b="0"/>
+      </a:effectRef>
+      <a:fontRef idx="minor"/>
+    </dgm:style>
+  </dgm:styleLbl>
+  <dgm:styleLbl name="fgAcc1">
+    <dgm:scene3d>
+      <a:camera prst="orthographicFront"/>
+      <a:lightRig rig="threePt" dir="t"/>
+    </dgm:scene3d>
+    <dgm:sp3d/>
+    <dgm:txPr/>
+    <dgm:style>
+      <a:lnRef idx="2">
+        <a:scrgbClr r="0" g="0" b="0"/>
+      </a:lnRef>
+      <a:fillRef idx="1">
+        <a:scrgbClr r="0" g="0" b="0"/>
+      </a:fillRef>
+      <a:effectRef idx="0">
+        <a:scrgbClr r="0" g="0" b="0"/>
+      </a:effectRef>
+      <a:fontRef idx="minor"/>
+    </dgm:style>
+  </dgm:styleLbl>
+  <dgm:styleLbl name="conFgAcc1">
+    <dgm:scene3d>
+      <a:camera prst="orthographicFront"/>
+      <a:lightRig rig="threePt" dir="t"/>
+    </dgm:scene3d>
+    <dgm:sp3d/>
+    <dgm:txPr/>
+    <dgm:style>
+      <a:lnRef idx="2">
+        <a:scrgbClr r="0" g="0" b="0"/>
+      </a:lnRef>
+      <a:fillRef idx="1">
+        <a:scrgbClr r="0" g="0" b="0"/>
+      </a:fillRef>
+      <a:effectRef idx="0">
+        <a:scrgbClr r="0" g="0" b="0"/>
+      </a:effectRef>
+      <a:fontRef idx="minor"/>
+    </dgm:style>
+  </dgm:styleLbl>
+  <dgm:styleLbl name="alignAcc1">
+    <dgm:scene3d>
+      <a:camera prst="orthographicFront"/>
+      <a:lightRig rig="threePt" dir="t"/>
+    </dgm:scene3d>
+    <dgm:sp3d/>
+    <dgm:txPr/>
+    <dgm:style>
+      <a:lnRef idx="2">
+        <a:scrgbClr r="0" g="0" b="0"/>
+      </a:lnRef>
+      <a:fillRef idx="1">
+        <a:scrgbClr r="0" g="0" b="0"/>
+      </a:fillRef>
+      <a:effectRef idx="0">
+        <a:scrgbClr r="0" g="0" b="0"/>
+      </a:effectRef>
+      <a:fontRef idx="minor"/>
+    </dgm:style>
+  </dgm:styleLbl>
+  <dgm:styleLbl name="trAlignAcc1">
+    <dgm:scene3d>
+      <a:camera prst="orthographicFront"/>
+      <a:lightRig rig="threePt" dir="t"/>
+    </dgm:scene3d>
+    <dgm:sp3d/>
+    <dgm:txPr/>
+    <dgm:style>
+      <a:lnRef idx="1">
+        <a:scrgbClr r="0" g="0" b="0"/>
+      </a:lnRef>
+      <a:fillRef idx="1">
+        <a:scrgbClr r="0" g="0" b="0"/>
+      </a:fillRef>
+      <a:effectRef idx="0">
+        <a:scrgbClr r="0" g="0" b="0"/>
+      </a:effectRef>
+      <a:fontRef idx="minor"/>
+    </dgm:style>
+  </dgm:styleLbl>
+  <dgm:styleLbl name="bgAcc1">
+    <dgm:scene3d>
+      <a:camera prst="orthographicFront"/>
+      <a:lightRig rig="threePt" dir="t"/>
+    </dgm:scene3d>
+    <dgm:sp3d/>
+    <dgm:txPr/>
+    <dgm:style>
+      <a:lnRef idx="2">
+        <a:scrgbClr r="0" g="0" b="0"/>
+      </a:lnRef>
+      <a:fillRef idx="1">
+        <a:scrgbClr r="0" g="0" b="0"/>
+      </a:fillRef>
+      <a:effectRef idx="0">
+        <a:scrgbClr r="0" g="0" b="0"/>
+      </a:effectRef>
+      <a:fontRef idx="minor"/>
+    </dgm:style>
+  </dgm:styleLbl>
+  <dgm:styleLbl name="solidFgAcc1">
+    <dgm:scene3d>
+      <a:camera prst="orthographicFront"/>
+      <a:lightRig rig="threePt" dir="t"/>
+    </dgm:scene3d>
+    <dgm:sp3d/>
+    <dgm:txPr/>
+    <dgm:style>
+      <a:lnRef idx="2">
+        <a:scrgbClr r="0" g="0" b="0"/>
+      </a:lnRef>
+      <a:fillRef idx="1">
+        <a:scrgbClr r="0" g="0" b="0"/>
+      </a:fillRef>
+      <a:effectRef idx="0">
+        <a:scrgbClr r="0" g="0" b="0"/>
+      </a:effectRef>
+      <a:fontRef idx="minor"/>
+    </dgm:style>
+  </dgm:styleLbl>
+  <dgm:styleLbl name="solidAlignAcc1">
+    <dgm:scene3d>
+      <a:camera prst="orthographicFront"/>
+      <a:lightRig rig="threePt" dir="t"/>
+    </dgm:scene3d>
+    <dgm:sp3d/>
+    <dgm:txPr/>
+    <dgm:style>
+      <a:lnRef idx="2">
+        <a:scrgbClr r="0" g="0" b="0"/>
+      </a:lnRef>
+      <a:fillRef idx="1">
+        <a:scrgbClr r="0" g="0" b="0"/>
+      </a:fillRef>
+      <a:effectRef idx="0">
+        <a:scrgbClr r="0" g="0" b="0"/>
+      </a:effectRef>
+      <a:fontRef idx="minor"/>
+    </dgm:style>
+  </dgm:styleLbl>
+  <dgm:styleLbl name="solidBgAcc1">
+    <dgm:scene3d>
+      <a:camera prst="orthographicFront"/>
+      <a:lightRig rig="threePt" dir="t"/>
+    </dgm:scene3d>
+    <dgm:sp3d/>
+    <dgm:txPr/>
+    <dgm:style>
+      <a:lnRef idx="2">
+        <a:scrgbClr r="0" g="0" b="0"/>
+      </a:lnRef>
+      <a:fillRef idx="1">
+        <a:scrgbClr r="0" g="0" b="0"/>
+      </a:fillRef>
+      <a:effectRef idx="0">
+        <a:scrgbClr r="0" g="0" b="0"/>
+      </a:effectRef>
+      <a:fontRef idx="minor"/>
+    </dgm:style>
+  </dgm:styleLbl>
+  <dgm:styleLbl name="fgAccFollowNode1">
+    <dgm:scene3d>
+      <a:camera prst="orthographicFront"/>
+      <a:lightRig rig="threePt" dir="t"/>
+    </dgm:scene3d>
+    <dgm:sp3d/>
+    <dgm:txPr/>
+    <dgm:style>
+      <a:lnRef idx="2">
+        <a:scrgbClr r="0" g="0" b="0"/>
+      </a:lnRef>
+      <a:fillRef idx="1">
+        <a:scrgbClr r="0" g="0" b="0"/>
+      </a:fillRef>
+      <a:effectRef idx="0">
+        <a:scrgbClr r="0" g="0" b="0"/>
+      </a:effectRef>
+      <a:fontRef idx="minor"/>
+    </dgm:style>
+  </dgm:styleLbl>
+  <dgm:styleLbl name="alignAccFollowNode1">
+    <dgm:scene3d>
+      <a:camera prst="orthographicFront"/>
+      <a:lightRig rig="threePt" dir="t"/>
+    </dgm:scene3d>
+    <dgm:sp3d/>
+    <dgm:txPr/>
+    <dgm:style>
+      <a:lnRef idx="2">
+        <a:scrgbClr r="0" g="0" b="0"/>
+      </a:lnRef>
+      <a:fillRef idx="1">
+        <a:scrgbClr r="0" g="0" b="0"/>
+      </a:fillRef>
+      <a:effectRef idx="0">
+        <a:scrgbClr r="0" g="0" b="0"/>
+      </a:effectRef>
+      <a:fontRef idx="minor"/>
+    </dgm:style>
+  </dgm:styleLbl>
+  <dgm:styleLbl name="bgAccFollowNode1">
+    <dgm:scene3d>
+      <a:camera prst="orthographicFront"/>
+      <a:lightRig rig="threePt" dir="t"/>
+    </dgm:scene3d>
+    <dgm:sp3d/>
+    <dgm:txPr/>
+    <dgm:style>
+      <a:lnRef idx="2">
+        <a:scrgbClr r="0" g="0" b="0"/>
+      </a:lnRef>
+      <a:fillRef idx="1">
+        <a:scrgbClr r="0" g="0" b="0"/>
+      </a:fillRef>
+      <a:effectRef idx="0">
+        <a:scrgbClr r="0" g="0" b="0"/>
+      </a:effectRef>
+      <a:fontRef idx="minor"/>
+    </dgm:style>
+  </dgm:styleLbl>
+  <dgm:styleLbl name="fgAcc0">
+    <dgm:scene3d>
+      <a:camera prst="orthographicFront"/>
+      <a:lightRig rig="threePt" dir="t"/>
+    </dgm:scene3d>
+    <dgm:sp3d/>
+    <dgm:txPr/>
+    <dgm:style>
+      <a:lnRef idx="2">
+        <a:scrgbClr r="0" g="0" b="0"/>
+      </a:lnRef>
+      <a:fillRef idx="1">
+        <a:scrgbClr r="0" g="0" b="0"/>
+      </a:fillRef>
+      <a:effectRef idx="0">
+        <a:scrgbClr r="0" g="0" b="0"/>
+      </a:effectRef>
+      <a:fontRef idx="minor"/>
+    </dgm:style>
+  </dgm:styleLbl>
+  <dgm:styleLbl name="fgAcc2">
+    <dgm:scene3d>
+      <a:camera prst="orthographicFront"/>
+      <a:lightRig rig="threePt" dir="t"/>
+    </dgm:scene3d>
+    <dgm:sp3d/>
+    <dgm:txPr/>
+    <dgm:style>
+      <a:lnRef idx="2">
+        <a:scrgbClr r="0" g="0" b="0"/>
+      </a:lnRef>
+      <a:fillRef idx="1">
+        <a:scrgbClr r="0" g="0" b="0"/>
+      </a:fillRef>
+      <a:effectRef idx="0">
+        <a:scrgbClr r="0" g="0" b="0"/>
+      </a:effectRef>
+      <a:fontRef idx="minor"/>
+    </dgm:style>
+  </dgm:styleLbl>
+  <dgm:styleLbl name="fgAcc3">
+    <dgm:scene3d>
+      <a:camera prst="orthographicFront"/>
+      <a:lightRig rig="threePt" dir="t"/>
+    </dgm:scene3d>
+    <dgm:sp3d/>
+    <dgm:txPr/>
+    <dgm:style>
+      <a:lnRef idx="2">
+        <a:scrgbClr r="0" g="0" b="0"/>
+      </a:lnRef>
+      <a:fillRef idx="1">
+        <a:scrgbClr r="0" g="0" b="0"/>
+      </a:fillRef>
+      <a:effectRef idx="0">
+        <a:scrgbClr r="0" g="0" b="0"/>
+      </a:effectRef>
+      <a:fontRef idx="minor"/>
+    </dgm:style>
+  </dgm:styleLbl>
+  <dgm:styleLbl name="fgAcc4">
+    <dgm:scene3d>
+      <a:camera prst="orthographicFront"/>
+      <a:lightRig rig="threePt" dir="t"/>
+    </dgm:scene3d>
+    <dgm:sp3d/>
+    <dgm:txPr/>
+    <dgm:style>
+      <a:lnRef idx="2">
+        <a:scrgbClr r="0" g="0" b="0"/>
+      </a:lnRef>
+      <a:fillRef idx="1">
+        <a:scrgbClr r="0" g="0" b="0"/>
+      </a:fillRef>
+      <a:effectRef idx="0">
+        <a:scrgbClr r="0" g="0" b="0"/>
+      </a:effectRef>
+      <a:fontRef idx="minor"/>
+    </dgm:style>
+  </dgm:styleLbl>
+  <dgm:styleLbl name="bgShp">
+    <dgm:scene3d>
+      <a:camera prst="orthographicFront"/>
+      <a:lightRig rig="threePt" dir="t"/>
+    </dgm:scene3d>
+    <dgm:sp3d/>
+    <dgm:txPr/>
+    <dgm:style>
+      <a:lnRef idx="0">
+        <a:scrgbClr r="0" g="0" b="0"/>
+      </a:lnRef>
+      <a:fillRef idx="1">
+        <a:scrgbClr r="0" g="0" b="0"/>
+      </a:fillRef>
+      <a:effectRef idx="0">
+        <a:scrgbClr r="0" g="0" b="0"/>
+      </a:effectRef>
+      <a:fontRef idx="minor"/>
+    </dgm:style>
+  </dgm:styleLbl>
+  <dgm:styleLbl name="dkBgShp">
+    <dgm:scene3d>
+      <a:camera prst="orthographicFront"/>
+      <a:lightRig rig="threePt" dir="t"/>
+    </dgm:scene3d>
+    <dgm:sp3d/>
+    <dgm:txPr/>
+    <dgm:style>
+      <a:lnRef idx="0">
+        <a:scrgbClr r="0" g="0" b="0"/>
+      </a:lnRef>
+      <a:fillRef idx="1">
+        <a:scrgbClr r="0" g="0" b="0"/>
+      </a:fillRef>
+      <a:effectRef idx="0">
+        <a:scrgbClr r="0" g="0" b="0"/>
+      </a:effectRef>
+      <a:fontRef idx="minor"/>
+    </dgm:style>
+  </dgm:styleLbl>
+  <dgm:styleLbl name="trBgShp">
+    <dgm:scene3d>
+      <a:camera prst="orthographicFront"/>
+      <a:lightRig rig="threePt" dir="t"/>
+    </dgm:scene3d>
+    <dgm:sp3d/>
+    <dgm:txPr/>
+    <dgm:style>
+      <a:lnRef idx="0">
+        <a:scrgbClr r="0" g="0" b="0"/>
+      </a:lnRef>
+      <a:fillRef idx="1">
+        <a:scrgbClr r="0" g="0" b="0"/>
+      </a:fillRef>
+      <a:effectRef idx="0">
+        <a:scrgbClr r="0" g="0" b="0"/>
+      </a:effectRef>
+      <a:fontRef idx="minor"/>
+    </dgm:style>
+  </dgm:styleLbl>
+  <dgm:styleLbl name="fgShp">
+    <dgm:scene3d>
+      <a:camera prst="orthographicFront"/>
+      <a:lightRig rig="threePt" dir="t"/>
+    </dgm:scene3d>
+    <dgm:sp3d/>
+    <dgm:txPr/>
+    <dgm:style>
+      <a:lnRef idx="3">
+        <a:scrgbClr r="0" g="0" b="0"/>
+      </a:lnRef>
+      <a:fillRef idx="1">
+        <a:scrgbClr r="0" g="0" b="0"/>
+      </a:fillRef>
+      <a:effectRef idx="1">
+        <a:scrgbClr r="0" g="0" b="0"/>
+      </a:effectRef>
+      <a:fontRef idx="minor"/>
+    </dgm:style>
+  </dgm:styleLbl>
+  <dgm:styleLbl name="revTx">
+    <dgm:scene3d>
+      <a:camera prst="orthographicFront"/>
+      <a:lightRig rig="threePt" dir="t"/>
+    </dgm:scene3d>
+    <dgm:sp3d/>
+    <dgm:txPr/>
+    <dgm:style>
+      <a:lnRef idx="0">
+        <a:scrgbClr r="0" g="0" b="0"/>
+      </a:lnRef>
+      <a:fillRef idx="0">
+        <a:scrgbClr r="0" g="0" b="0"/>
+      </a:fillRef>
+      <a:effectRef idx="0">
+        <a:scrgbClr r="0" g="0" b="0"/>
+      </a:effectRef>
+      <a:fontRef idx="minor"/>
+    </dgm:style>
+  </dgm:styleLbl>
+</dgm:styleDef>
+</file>
+
+<file path=ppt/diagrams/quickStyle11.xml><?xml version="1.0" encoding="utf-8"?>
 <dgm:styleDef xmlns:dgm="http://schemas.openxmlformats.org/drawingml/2006/diagram" xmlns:a="http://schemas.openxmlformats.org/drawingml/2006/main" uniqueId="urn:microsoft.com/office/officeart/2005/8/quickstyle/simple1">
   <dgm:title val=""/>
   <dgm:desc val=""/>
@@ -35111,7 +37666,7 @@
         </p:nvSpPr>
         <p:spPr>
           <a:xfrm>
-            <a:off x="0" y="0"/>
+            <a:off x="0" y="1"/>
             <a:ext cx="2971800" cy="458788"/>
           </a:xfrm>
           <a:prstGeom prst="rect">
@@ -35142,7 +37697,7 @@
         </p:nvSpPr>
         <p:spPr>
           <a:xfrm>
-            <a:off x="3884613" y="0"/>
+            <a:off x="3884613" y="1"/>
             <a:ext cx="2971800" cy="458788"/>
           </a:xfrm>
           <a:prstGeom prst="rect">
@@ -35159,7 +37714,7 @@
           <a:p>
             <a:fld id="{450D95FA-7AD9-4AC8-A47C-2CB87237E074}" type="datetimeFigureOut">
               <a:rPr lang="en-US" smtClean="0"/>
-              <a:t>4/18/2014</a:t>
+              <a:t>4/21/2014</a:t>
             </a:fld>
             <a:endParaRPr lang="en-US"/>
           </a:p>
@@ -35276,7 +37831,7 @@
         </p:nvSpPr>
         <p:spPr>
           <a:xfrm>
-            <a:off x="0" y="0"/>
+            <a:off x="0" y="1"/>
             <a:ext cx="2971800" cy="458788"/>
           </a:xfrm>
           <a:prstGeom prst="rect">
@@ -35307,7 +37862,7 @@
         </p:nvSpPr>
         <p:spPr>
           <a:xfrm>
-            <a:off x="3884613" y="0"/>
+            <a:off x="3884613" y="1"/>
             <a:ext cx="2971800" cy="458788"/>
           </a:xfrm>
           <a:prstGeom prst="rect">
@@ -35324,7 +37879,7 @@
           <a:p>
             <a:fld id="{F8DFC040-E6DF-4A08-9298-FD407A9AC470}" type="datetimeFigureOut">
               <a:rPr lang="en-US" smtClean="0"/>
-              <a:t>4/18/2014</a:t>
+              <a:t>4/21/2014</a:t>
             </a:fld>
             <a:endParaRPr lang="en-US"/>
           </a:p>
@@ -35375,8 +37930,8 @@
         </p:nvSpPr>
         <p:spPr>
           <a:xfrm>
-            <a:off x="685800" y="4400550"/>
-            <a:ext cx="5486400" cy="3600450"/>
+            <a:off x="685800" y="4400549"/>
+            <a:ext cx="5486400" cy="3600451"/>
           </a:xfrm>
           <a:prstGeom prst="rect">
             <a:avLst/>
@@ -36192,7 +38747,7 @@
           <a:p>
             <a:fld id="{4C4A2A27-6F46-4BD4-8A6F-67D525C3EF67}" type="datetime1">
               <a:rPr lang="en-US" smtClean="0"/>
-              <a:t>4/18/2014</a:t>
+              <a:t>4/21/2014</a:t>
             </a:fld>
             <a:endParaRPr lang="en-US"/>
           </a:p>
@@ -36304,7 +38859,7 @@
           </a:ln>
           <a:extLst>
             <a:ext uri="{91240B29-F687-4f45-9708-019B960494DF}">
-              <a14:hiddenLine xmlns="" xmlns:a14="http://schemas.microsoft.com/office/drawing/2010/main" w="9525">
+              <a14:hiddenLine xmlns:a14="http://schemas.microsoft.com/office/drawing/2010/main" xmlns="" w="9525">
                 <a:solidFill>
                   <a:srgbClr val="000000"/>
                 </a:solidFill>
@@ -36359,7 +38914,7 @@
           </a:ln>
           <a:extLst>
             <a:ext uri="{91240B29-F687-4f45-9708-019B960494DF}">
-              <a14:hiddenLine xmlns="" xmlns:a14="http://schemas.microsoft.com/office/drawing/2010/main" w="9525">
+              <a14:hiddenLine xmlns:a14="http://schemas.microsoft.com/office/drawing/2010/main" xmlns="" w="9525">
                 <a:solidFill>
                   <a:srgbClr val="000000"/>
                 </a:solidFill>
@@ -36381,6 +38936,9 @@
   <p:clrMapOvr>
     <a:masterClrMapping/>
   </p:clrMapOvr>
+  <p:transition spd="slow">
+    <p:wipe dir="r"/>
+  </p:transition>
   <p:timing>
     <p:tnLst>
       <p:par>
@@ -36621,7 +39179,7 @@
           <a:p>
             <a:fld id="{94239642-EAA7-49BC-91EF-D5EFAF6C2181}" type="datetime1">
               <a:rPr lang="en-US" smtClean="0"/>
-              <a:t>4/18/2014</a:t>
+              <a:t>4/21/2014</a:t>
             </a:fld>
             <a:endParaRPr lang="en-US"/>
           </a:p>
@@ -36679,6 +39237,9 @@
   <p:clrMapOvr>
     <a:masterClrMapping/>
   </p:clrMapOvr>
+  <p:transition spd="slow">
+    <p:wipe dir="r"/>
+  </p:transition>
 </p:sldLayout>
 </file>
 
@@ -36869,7 +39430,7 @@
           <a:p>
             <a:fld id="{2B8EF722-69FF-4CC4-BDBE-604C68C62495}" type="datetime1">
               <a:rPr lang="en-US" smtClean="0"/>
-              <a:t>4/18/2014</a:t>
+              <a:t>4/21/2014</a:t>
             </a:fld>
             <a:endParaRPr lang="en-US"/>
           </a:p>
@@ -36927,6 +39488,9 @@
   <p:clrMapOvr>
     <a:masterClrMapping/>
   </p:clrMapOvr>
+  <p:transition spd="slow">
+    <p:wipe dir="r"/>
+  </p:transition>
 </p:sldLayout>
 </file>
 
@@ -37409,7 +39973,7 @@
           <a:p>
             <a:fld id="{5ED60494-3A3E-464C-B237-B935E14D2733}" type="datetime1">
               <a:rPr lang="en-US" smtClean="0"/>
-              <a:t>4/18/2014</a:t>
+              <a:t>4/21/2014</a:t>
             </a:fld>
             <a:endParaRPr lang="en-US"/>
           </a:p>
@@ -37467,6 +40031,9 @@
   <p:clrMapOvr>
     <a:masterClrMapping/>
   </p:clrMapOvr>
+  <p:transition spd="slow">
+    <p:wipe dir="r"/>
+  </p:transition>
 </p:sldLayout>
 </file>
 
@@ -37657,7 +40224,7 @@
           <a:p>
             <a:fld id="{3D0C4917-A75B-494C-8F85-AF760C74CB83}" type="datetime1">
               <a:rPr lang="en-US" smtClean="0"/>
-              <a:t>4/18/2014</a:t>
+              <a:t>4/21/2014</a:t>
             </a:fld>
             <a:endParaRPr lang="en-US"/>
           </a:p>
@@ -37715,6 +40282,9 @@
   <p:clrMapOvr>
     <a:masterClrMapping/>
   </p:clrMapOvr>
+  <p:transition spd="slow">
+    <p:wipe dir="r"/>
+  </p:transition>
 </p:sldLayout>
 </file>
 
@@ -38189,7 +40759,7 @@
           <a:p>
             <a:fld id="{44980BFC-370E-4C32-8C20-C07049CB4A38}" type="datetime1">
               <a:rPr lang="en-US" smtClean="0"/>
-              <a:t>4/18/2014</a:t>
+              <a:t>4/21/2014</a:t>
             </a:fld>
             <a:endParaRPr lang="en-US"/>
           </a:p>
@@ -38247,6 +40817,9 @@
   <p:clrMapOvr>
     <a:masterClrMapping/>
   </p:clrMapOvr>
+  <p:transition spd="slow">
+    <p:wipe dir="r"/>
+  </p:transition>
 </p:sldLayout>
 </file>
 
@@ -38486,7 +41059,7 @@
           <a:p>
             <a:fld id="{53FF20A6-B5C7-4EC5-B1CF-05D07A5AE515}" type="datetime1">
               <a:rPr lang="en-US" smtClean="0"/>
-              <a:t>4/18/2014</a:t>
+              <a:t>4/21/2014</a:t>
             </a:fld>
             <a:endParaRPr lang="en-US"/>
           </a:p>
@@ -38544,6 +41117,9 @@
   <p:clrMapOvr>
     <a:masterClrMapping/>
   </p:clrMapOvr>
+  <p:transition spd="slow">
+    <p:wipe dir="r"/>
+  </p:transition>
 </p:sldLayout>
 </file>
 
@@ -38660,7 +41236,7 @@
           <a:p>
             <a:fld id="{198D0EAF-E773-47B0-8BCA-22C101610594}" type="datetime1">
               <a:rPr lang="en-US" smtClean="0"/>
-              <a:t>4/18/2014</a:t>
+              <a:t>4/21/2014</a:t>
             </a:fld>
             <a:endParaRPr lang="en-US"/>
           </a:p>
@@ -38718,6 +41294,9 @@
   <p:clrMapOvr>
     <a:masterClrMapping/>
   </p:clrMapOvr>
+  <p:transition spd="slow">
+    <p:wipe dir="r"/>
+  </p:transition>
 </p:sldLayout>
 </file>
 
@@ -38840,7 +41419,7 @@
           <a:p>
             <a:fld id="{1B672D9A-731C-4B17-B5CC-C287D3614998}" type="datetime1">
               <a:rPr lang="en-US" smtClean="0"/>
-              <a:t>4/18/2014</a:t>
+              <a:t>4/21/2014</a:t>
             </a:fld>
             <a:endParaRPr lang="en-US"/>
           </a:p>
@@ -38898,6 +41477,9 @@
   <p:clrMapOvr>
     <a:masterClrMapping/>
   </p:clrMapOvr>
+  <p:transition spd="slow">
+    <p:wipe dir="r"/>
+  </p:transition>
 </p:sldLayout>
 </file>
 
@@ -39025,7 +41607,7 @@
           <a:p>
             <a:fld id="{5E0B9076-F3A9-441B-8B02-BFF9AAE93032}" type="datetime1">
               <a:rPr lang="en-US" smtClean="0"/>
-              <a:t>4/18/2014</a:t>
+              <a:t>4/21/2014</a:t>
             </a:fld>
             <a:endParaRPr lang="en-US"/>
           </a:p>
@@ -39118,6 +41700,9 @@
   <p:clrMapOvr>
     <a:masterClrMapping/>
   </p:clrMapOvr>
+  <p:transition spd="slow">
+    <p:wipe dir="r"/>
+  </p:transition>
   <p:timing>
     <p:tnLst>
       <p:par>
@@ -39313,7 +41898,7 @@
           <a:p>
             <a:fld id="{D1A868A7-87DF-4D82-9758-6FDB5BF92059}" type="datetime1">
               <a:rPr lang="en-US" smtClean="0"/>
-              <a:t>4/18/2014</a:t>
+              <a:t>4/21/2014</a:t>
             </a:fld>
             <a:endParaRPr lang="en-US"/>
           </a:p>
@@ -39491,6 +42076,9 @@
   <p:clrMapOvr>
     <a:masterClrMapping/>
   </p:clrMapOvr>
+  <p:transition spd="slow">
+    <p:wipe dir="r"/>
+  </p:transition>
   <p:timing>
     <p:tnLst>
       <p:par>
@@ -39737,7 +42325,7 @@
           <a:p>
             <a:fld id="{F89C25AF-2BAE-491F-B102-4398B7CA62AC}" type="datetime1">
               <a:rPr lang="en-US" smtClean="0"/>
-              <a:t>4/18/2014</a:t>
+              <a:t>4/21/2014</a:t>
             </a:fld>
             <a:endParaRPr lang="en-US"/>
           </a:p>
@@ -39795,6 +42383,9 @@
   <p:clrMapOvr>
     <a:masterClrMapping/>
   </p:clrMapOvr>
+  <p:transition spd="slow">
+    <p:wipe dir="r"/>
+  </p:transition>
   <p:timing>
     <p:tnLst>
       <p:par>
@@ -40186,7 +42777,7 @@
           <a:p>
             <a:fld id="{20DAC587-BFD7-4693-BE3E-82AB6C41DC71}" type="datetime1">
               <a:rPr lang="en-US" smtClean="0"/>
-              <a:t>4/18/2014</a:t>
+              <a:t>4/21/2014</a:t>
             </a:fld>
             <a:endParaRPr lang="en-US"/>
           </a:p>
@@ -40244,6 +42835,9 @@
   <p:clrMapOvr>
     <a:masterClrMapping/>
   </p:clrMapOvr>
+  <p:transition spd="slow">
+    <p:wipe dir="r"/>
+  </p:transition>
 </p:sldLayout>
 </file>
 
@@ -40304,7 +42898,7 @@
           <a:p>
             <a:fld id="{6FB8DE7E-2244-4056-A6E2-CDC7E25C06F5}" type="datetime1">
               <a:rPr lang="en-US" smtClean="0"/>
-              <a:t>4/18/2014</a:t>
+              <a:t>4/21/2014</a:t>
             </a:fld>
             <a:endParaRPr lang="en-US"/>
           </a:p>
@@ -40362,6 +42956,9 @@
   <p:clrMapOvr>
     <a:masterClrMapping/>
   </p:clrMapOvr>
+  <p:transition spd="slow">
+    <p:wipe dir="r"/>
+  </p:transition>
 </p:sldLayout>
 </file>
 
@@ -40399,7 +42996,7 @@
           <a:p>
             <a:fld id="{A53E9536-73AF-470C-98D2-9A8C29922C98}" type="datetime1">
               <a:rPr lang="en-US" smtClean="0"/>
-              <a:t>4/18/2014</a:t>
+              <a:t>4/21/2014</a:t>
             </a:fld>
             <a:endParaRPr lang="en-US"/>
           </a:p>
@@ -40457,6 +43054,9 @@
   <p:clrMapOvr>
     <a:masterClrMapping/>
   </p:clrMapOvr>
+  <p:transition spd="slow">
+    <p:wipe dir="r"/>
+  </p:transition>
 </p:sldLayout>
 </file>
 
@@ -40682,7 +43282,7 @@
           <a:p>
             <a:fld id="{529AA04C-6F6E-4E69-BB9C-F7BA595572B4}" type="datetime1">
               <a:rPr lang="en-US" smtClean="0"/>
-              <a:t>4/18/2014</a:t>
+              <a:t>4/21/2014</a:t>
             </a:fld>
             <a:endParaRPr lang="en-US"/>
           </a:p>
@@ -40740,6 +43340,9 @@
   <p:clrMapOvr>
     <a:masterClrMapping/>
   </p:clrMapOvr>
+  <p:transition spd="slow">
+    <p:wipe dir="r"/>
+  </p:transition>
 </p:sldLayout>
 </file>
 
@@ -40973,7 +43576,7 @@
           <a:p>
             <a:fld id="{92985208-2FE9-491A-AFFF-BE8023A7C222}" type="datetime1">
               <a:rPr lang="en-US" smtClean="0"/>
-              <a:t>4/18/2014</a:t>
+              <a:t>4/21/2014</a:t>
             </a:fld>
             <a:endParaRPr lang="en-US"/>
           </a:p>
@@ -41031,6 +43634,9 @@
   <p:clrMapOvr>
     <a:masterClrMapping/>
   </p:clrMapOvr>
+  <p:transition spd="slow">
+    <p:wipe dir="r"/>
+  </p:transition>
 </p:sldLayout>
 </file>
 
@@ -41497,7 +44103,7 @@
           <a:p>
             <a:fld id="{B9910A96-6333-426D-AD9A-B814C6DA34E0}" type="datetime1">
               <a:rPr lang="en-US" smtClean="0"/>
-              <a:t>4/18/2014</a:t>
+              <a:t>4/21/2014</a:t>
             </a:fld>
             <a:endParaRPr lang="en-US"/>
           </a:p>
@@ -41608,6 +44214,9 @@
     <p:sldLayoutId id="2147483826" r:id="rId16"/>
     <p:sldLayoutId id="2147483827" r:id="rId17"/>
   </p:sldLayoutIdLst>
+  <p:transition spd="slow">
+    <p:wipe dir="r"/>
+  </p:transition>
   <p:timing>
     <p:tnLst>
       <p:par>
@@ -42223,6 +44832,9 @@
   <p:clrMapOvr>
     <a:masterClrMapping/>
   </p:clrMapOvr>
+  <p:transition spd="slow">
+    <p:wipe dir="r"/>
+  </p:transition>
   <p:timing>
     <p:tnLst>
       <p:par>
@@ -42383,6 +44995,9 @@
   <p:clrMapOvr>
     <a:masterClrMapping/>
   </p:clrMapOvr>
+  <p:transition spd="slow">
+    <p:wipe dir="r"/>
+  </p:transition>
   <p:timing>
     <p:tnLst>
       <p:par>
@@ -42417,13 +45032,13 @@
           <p:nvPr>
             <p:extLst>
               <p:ext uri="{D42A27DB-BD31-4B8C-83A1-F6EECF244321}">
-                <p14:modId xmlns:p14="http://schemas.microsoft.com/office/powerpoint/2010/main" val="1558773621"/>
+                <p14:modId xmlns:p14="http://schemas.microsoft.com/office/powerpoint/2010/main" val="4215310504"/>
               </p:ext>
             </p:extLst>
           </p:nvPr>
         </p:nvGraphicFramePr>
         <p:xfrm>
-          <a:off x="791570" y="1738192"/>
+          <a:off x="603311" y="1994501"/>
           <a:ext cx="8325134" cy="3679967"/>
         </p:xfrm>
         <a:graphic>
@@ -42503,6 +45118,9 @@
   <p:clrMapOvr>
     <a:masterClrMapping/>
   </p:clrMapOvr>
+  <p:transition spd="slow">
+    <p:wipe dir="r"/>
+  </p:transition>
   <p:timing>
     <p:tnLst>
       <p:par>
@@ -43112,6 +45730,9 @@
   <p:clrMapOvr>
     <a:masterClrMapping/>
   </p:clrMapOvr>
+  <p:transition spd="slow">
+    <p:wipe dir="r"/>
+  </p:transition>
   <p:timing>
     <p:tnLst>
       <p:par>
@@ -43506,7 +46127,7 @@
         </p:blipFill>
         <p:spPr>
           <a:xfrm>
-            <a:off x="3726998" y="3391819"/>
+            <a:off x="3701104" y="2396736"/>
             <a:ext cx="854307" cy="858262"/>
           </a:xfrm>
           <a:prstGeom prst="rect">
@@ -43530,7 +46151,7 @@
         </p:blipFill>
         <p:spPr>
           <a:xfrm>
-            <a:off x="2048610" y="3487011"/>
+            <a:off x="2022716" y="2491928"/>
             <a:ext cx="866667" cy="704762"/>
           </a:xfrm>
           <a:prstGeom prst="rect">
@@ -43561,7 +46182,7 @@
         </p:blipFill>
         <p:spPr bwMode="auto">
           <a:xfrm>
-            <a:off x="5393026" y="3391819"/>
+            <a:off x="5367132" y="2396736"/>
             <a:ext cx="906804" cy="895145"/>
           </a:xfrm>
           <a:prstGeom prst="rect">
@@ -43590,7 +46211,7 @@
         </p:nvCxnSpPr>
         <p:spPr>
           <a:xfrm flipV="1">
-            <a:off x="2915277" y="3820950"/>
+            <a:off x="2889383" y="2825867"/>
             <a:ext cx="811721" cy="18442"/>
           </a:xfrm>
           <a:prstGeom prst="straightConnector1">
@@ -43623,7 +46244,7 @@
         </p:nvCxnSpPr>
         <p:spPr>
           <a:xfrm flipV="1">
-            <a:off x="4581305" y="3830170"/>
+            <a:off x="4555411" y="2835087"/>
             <a:ext cx="811721" cy="18442"/>
           </a:xfrm>
           <a:prstGeom prst="straightConnector1">
@@ -43656,7 +46277,7 @@
         </p:nvCxnSpPr>
         <p:spPr>
           <a:xfrm flipV="1">
-            <a:off x="6349102" y="3814426"/>
+            <a:off x="6323208" y="2819343"/>
             <a:ext cx="811721" cy="18442"/>
           </a:xfrm>
           <a:prstGeom prst="straightConnector1">
@@ -43704,7 +46325,7 @@
         </p:blipFill>
         <p:spPr bwMode="auto">
           <a:xfrm>
-            <a:off x="7150752" y="3281808"/>
+            <a:off x="7124858" y="2286725"/>
             <a:ext cx="903871" cy="1115166"/>
           </a:xfrm>
           <a:prstGeom prst="rect">
@@ -43733,7 +46354,7 @@
         </p:nvCxnSpPr>
         <p:spPr>
           <a:xfrm rot="5400000" flipH="1">
-            <a:off x="4939715" y="1734002"/>
+            <a:off x="4913821" y="738919"/>
             <a:ext cx="205201" cy="5120744"/>
           </a:xfrm>
           <a:prstGeom prst="curvedConnector3">
@@ -43760,6 +46381,56 @@
           </a:fontRef>
         </p:style>
       </p:cxnSp>
+      <p:sp>
+        <p:nvSpPr>
+          <p:cNvPr id="3" name="TextBox 2"/>
+          <p:cNvSpPr txBox="1"/>
+          <p:nvPr/>
+        </p:nvSpPr>
+        <p:spPr>
+          <a:xfrm>
+            <a:off x="3190555" y="5029201"/>
+            <a:ext cx="3442447" cy="830997"/>
+          </a:xfrm>
+          <a:prstGeom prst="rect">
+            <a:avLst/>
+          </a:prstGeom>
+          <a:noFill/>
+        </p:spPr>
+        <p:txBody>
+          <a:bodyPr wrap="square" rtlCol="0">
+            <a:spAutoFit/>
+          </a:bodyPr>
+          <a:lstStyle/>
+          <a:p>
+            <a:pPr marL="285750" indent="-285750">
+              <a:buFontTx/>
+              <a:buChar char="-"/>
+            </a:pPr>
+            <a:r>
+              <a:rPr lang="en-US" sz="2400" dirty="0" smtClean="0">
+                <a:latin typeface="Cambria" panose="02040503050406030204" pitchFamily="18" charset="0"/>
+              </a:rPr>
+              <a:t>User’s report</a:t>
+            </a:r>
+          </a:p>
+          <a:p>
+            <a:pPr marL="285750" indent="-285750">
+              <a:buFontTx/>
+              <a:buChar char="-"/>
+            </a:pPr>
+            <a:r>
+              <a:rPr lang="en-US" sz="2400" dirty="0" smtClean="0">
+                <a:latin typeface="Cambria" panose="02040503050406030204" pitchFamily="18" charset="0"/>
+              </a:rPr>
+              <a:t>System log</a:t>
+            </a:r>
+            <a:endParaRPr lang="en-US" sz="2400" dirty="0">
+              <a:latin typeface="Cambria" panose="02040503050406030204" pitchFamily="18" charset="0"/>
+            </a:endParaRPr>
+          </a:p>
+        </p:txBody>
+      </p:sp>
     </p:spTree>
     <p:extLst>
       <p:ext uri="{BB962C8B-B14F-4D97-AF65-F5344CB8AC3E}">
@@ -43770,6 +46441,9 @@
   <p:clrMapOvr>
     <a:masterClrMapping/>
   </p:clrMapOvr>
+  <p:transition spd="slow">
+    <p:wipe dir="r"/>
+  </p:transition>
   <p:timing>
     <p:tnLst>
       <p:par>
@@ -44203,382 +46877,33 @@
                       </p:childTnLst>
                     </p:cTn>
                   </p:par>
-                </p:childTnLst>
-              </p:cTn>
-              <p:prevCondLst>
-                <p:cond evt="onPrev" delay="0">
-                  <p:tgtEl>
-                    <p:sldTgt/>
-                  </p:tgtEl>
-                </p:cond>
-              </p:prevCondLst>
-              <p:nextCondLst>
-                <p:cond evt="onNext" delay="0">
-                  <p:tgtEl>
-                    <p:sldTgt/>
-                  </p:tgtEl>
-                </p:cond>
-              </p:nextCondLst>
-            </p:seq>
-          </p:childTnLst>
-        </p:cTn>
-      </p:par>
-    </p:tnLst>
-  </p:timing>
-</p:sld>
-</file>
-
-<file path=ppt/slides/slide14.xml><?xml version="1.0" encoding="utf-8"?>
-<p:sld xmlns:a="http://schemas.openxmlformats.org/drawingml/2006/main" xmlns:r="http://schemas.openxmlformats.org/officeDocument/2006/relationships" xmlns:p="http://schemas.openxmlformats.org/presentationml/2006/main">
-  <p:cSld>
-    <p:spTree>
-      <p:nvGrpSpPr>
-        <p:cNvPr id="1" name=""/>
-        <p:cNvGrpSpPr/>
-        <p:nvPr/>
-      </p:nvGrpSpPr>
-      <p:grpSpPr>
-        <a:xfrm>
-          <a:off x="0" y="0"/>
-          <a:ext cx="0" cy="0"/>
-          <a:chOff x="0" y="0"/>
-          <a:chExt cx="0" cy="0"/>
-        </a:xfrm>
-      </p:grpSpPr>
-      <p:sp>
-        <p:nvSpPr>
-          <p:cNvPr id="2" name="Title 1"/>
-          <p:cNvSpPr>
-            <a:spLocks noGrp="1"/>
-          </p:cNvSpPr>
-          <p:nvPr>
-            <p:ph type="title"/>
-          </p:nvPr>
-        </p:nvSpPr>
-        <p:spPr>
-          <a:xfrm>
-            <a:off x="1059446" y="151559"/>
-            <a:ext cx="7704667" cy="1981200"/>
-          </a:xfrm>
-        </p:spPr>
-        <p:txBody>
-          <a:bodyPr/>
-          <a:lstStyle/>
-          <a:p>
-            <a:pPr lvl="0"/>
-            <a:r>
-              <a:rPr lang="en-US" dirty="0">
-                <a:latin typeface="Cambria" panose="02040503050406030204" pitchFamily="18" charset="0"/>
-              </a:rPr>
-              <a:t>Offline search</a:t>
-            </a:r>
-          </a:p>
-        </p:txBody>
-      </p:sp>
-      <p:pic>
-        <p:nvPicPr>
-          <p:cNvPr id="3082" name="Picture 10" descr="http://blog.scoopz.com/wp-content/uploads/2008/01/airport_wifi_broken.thumbnail.jpg"/>
-          <p:cNvPicPr>
-            <a:picLocks noChangeAspect="1" noChangeArrowheads="1"/>
-          </p:cNvPicPr>
-          <p:nvPr/>
-        </p:nvPicPr>
-        <p:blipFill>
-          <a:blip r:embed="rId2">
-            <a:extLst>
-              <a:ext uri="{28A0092B-C50C-407E-A947-70E740481C1C}">
-                <a14:useLocalDpi xmlns:a14="http://schemas.microsoft.com/office/drawing/2010/main" val="0"/>
-              </a:ext>
-            </a:extLst>
-          </a:blip>
-          <a:srcRect/>
-          <a:stretch>
-            <a:fillRect/>
-          </a:stretch>
-        </p:blipFill>
-        <p:spPr bwMode="auto">
-          <a:xfrm>
-            <a:off x="939346" y="2787876"/>
-            <a:ext cx="1219200" cy="1219201"/>
-          </a:xfrm>
-          <a:prstGeom prst="rect">
-            <a:avLst/>
-          </a:prstGeom>
-          <a:noFill/>
-          <a:extLst>
-            <a:ext uri="{909E8E84-426E-40DD-AFC4-6F175D3DCCD1}">
-              <a14:hiddenFill xmlns:a14="http://schemas.microsoft.com/office/drawing/2010/main">
-                <a:solidFill>
-                  <a:srgbClr val="FFFFFF"/>
-                </a:solidFill>
-              </a14:hiddenFill>
-            </a:ext>
-          </a:extLst>
-        </p:spPr>
-      </p:pic>
-      <p:pic>
-        <p:nvPicPr>
-          <p:cNvPr id="28" name="Picture 27"/>
-          <p:cNvPicPr>
-            <a:picLocks noChangeAspect="1"/>
-          </p:cNvPicPr>
-          <p:nvPr/>
-        </p:nvPicPr>
-        <p:blipFill>
-          <a:blip r:embed="rId3"/>
-          <a:stretch>
-            <a:fillRect/>
-          </a:stretch>
-        </p:blipFill>
-        <p:spPr>
-          <a:xfrm>
-            <a:off x="2991498" y="2859880"/>
-            <a:ext cx="1182978" cy="1075191"/>
-          </a:xfrm>
-          <a:prstGeom prst="rect">
-            <a:avLst/>
-          </a:prstGeom>
-        </p:spPr>
-      </p:pic>
-      <p:pic>
-        <p:nvPicPr>
-          <p:cNvPr id="3084" name="Picture 12" descr="http://static.trustedreviews.com/94/3ad5e2/5f9b/14882-wirelessconnectionicon.jpg"/>
-          <p:cNvPicPr>
-            <a:picLocks noChangeAspect="1" noChangeArrowheads="1"/>
-          </p:cNvPicPr>
-          <p:nvPr/>
-        </p:nvPicPr>
-        <p:blipFill>
-          <a:blip r:embed="rId4" cstate="print">
-            <a:extLst>
-              <a:ext uri="{28A0092B-C50C-407E-A947-70E740481C1C}">
-                <a14:useLocalDpi xmlns:a14="http://schemas.microsoft.com/office/drawing/2010/main" val="0"/>
-              </a:ext>
-            </a:extLst>
-          </a:blip>
-          <a:srcRect/>
-          <a:stretch>
-            <a:fillRect/>
-          </a:stretch>
-        </p:blipFill>
-        <p:spPr bwMode="auto">
-          <a:xfrm>
-            <a:off x="5005543" y="2876886"/>
-            <a:ext cx="1362472" cy="1089978"/>
-          </a:xfrm>
-          <a:prstGeom prst="rect">
-            <a:avLst/>
-          </a:prstGeom>
-          <a:noFill/>
-          <a:extLst>
-            <a:ext uri="{909E8E84-426E-40DD-AFC4-6F175D3DCCD1}">
-              <a14:hiddenFill xmlns:a14="http://schemas.microsoft.com/office/drawing/2010/main">
-                <a:solidFill>
-                  <a:srgbClr val="FFFFFF"/>
-                </a:solidFill>
-              </a14:hiddenFill>
-            </a:ext>
-          </a:extLst>
-        </p:spPr>
-      </p:pic>
-      <p:pic>
-        <p:nvPicPr>
-          <p:cNvPr id="20" name="Picture 19"/>
-          <p:cNvPicPr>
-            <a:picLocks noChangeAspect="1"/>
-          </p:cNvPicPr>
-          <p:nvPr/>
-        </p:nvPicPr>
-        <p:blipFill>
-          <a:blip r:embed="rId5"/>
-          <a:stretch>
-            <a:fillRect/>
-          </a:stretch>
-        </p:blipFill>
-        <p:spPr>
-          <a:xfrm>
-            <a:off x="7199082" y="2859880"/>
-            <a:ext cx="1290319" cy="1026391"/>
-          </a:xfrm>
-          <a:prstGeom prst="rect">
-            <a:avLst/>
-          </a:prstGeom>
-        </p:spPr>
-      </p:pic>
-      <p:cxnSp>
-        <p:nvCxnSpPr>
-          <p:cNvPr id="31" name="Straight Arrow Connector 30"/>
-          <p:cNvCxnSpPr>
-            <a:endCxn id="28" idx="1"/>
-          </p:cNvCxnSpPr>
-          <p:nvPr/>
-        </p:nvCxnSpPr>
-        <p:spPr>
-          <a:xfrm>
-            <a:off x="2158546" y="3397475"/>
-            <a:ext cx="832952" cy="1"/>
-          </a:xfrm>
-          <a:prstGeom prst="straightConnector1">
-            <a:avLst/>
-          </a:prstGeom>
-          <a:ln>
-            <a:tailEnd type="triangle"/>
-          </a:ln>
-        </p:spPr>
-        <p:style>
-          <a:lnRef idx="2">
-            <a:schemeClr val="accent1"/>
-          </a:lnRef>
-          <a:fillRef idx="0">
-            <a:schemeClr val="accent1"/>
-          </a:fillRef>
-          <a:effectRef idx="1">
-            <a:schemeClr val="accent1"/>
-          </a:effectRef>
-          <a:fontRef idx="minor">
-            <a:schemeClr val="tx1"/>
-          </a:fontRef>
-        </p:style>
-      </p:cxnSp>
-      <p:cxnSp>
-        <p:nvCxnSpPr>
-          <p:cNvPr id="33" name="Straight Arrow Connector 32"/>
-          <p:cNvCxnSpPr/>
-          <p:nvPr/>
-        </p:nvCxnSpPr>
-        <p:spPr>
-          <a:xfrm>
-            <a:off x="4172591" y="3397475"/>
-            <a:ext cx="832952" cy="1"/>
-          </a:xfrm>
-          <a:prstGeom prst="straightConnector1">
-            <a:avLst/>
-          </a:prstGeom>
-          <a:ln>
-            <a:tailEnd type="triangle"/>
-          </a:ln>
-        </p:spPr>
-        <p:style>
-          <a:lnRef idx="2">
-            <a:schemeClr val="accent1"/>
-          </a:lnRef>
-          <a:fillRef idx="0">
-            <a:schemeClr val="accent1"/>
-          </a:fillRef>
-          <a:effectRef idx="1">
-            <a:schemeClr val="accent1"/>
-          </a:effectRef>
-          <a:fontRef idx="minor">
-            <a:schemeClr val="tx1"/>
-          </a:fontRef>
-        </p:style>
-      </p:cxnSp>
-      <p:cxnSp>
-        <p:nvCxnSpPr>
-          <p:cNvPr id="34" name="Straight Arrow Connector 33"/>
-          <p:cNvCxnSpPr/>
-          <p:nvPr/>
-        </p:nvCxnSpPr>
-        <p:spPr>
-          <a:xfrm>
-            <a:off x="6428788" y="3379464"/>
-            <a:ext cx="832952" cy="1"/>
-          </a:xfrm>
-          <a:prstGeom prst="straightConnector1">
-            <a:avLst/>
-          </a:prstGeom>
-          <a:ln>
-            <a:tailEnd type="triangle"/>
-          </a:ln>
-        </p:spPr>
-        <p:style>
-          <a:lnRef idx="2">
-            <a:schemeClr val="accent1"/>
-          </a:lnRef>
-          <a:fillRef idx="0">
-            <a:schemeClr val="accent1"/>
-          </a:fillRef>
-          <a:effectRef idx="1">
-            <a:schemeClr val="accent1"/>
-          </a:effectRef>
-          <a:fontRef idx="minor">
-            <a:schemeClr val="tx1"/>
-          </a:fontRef>
-        </p:style>
-      </p:cxnSp>
-      <p:sp>
-        <p:nvSpPr>
-          <p:cNvPr id="35" name="Slide Number Placeholder 3"/>
-          <p:cNvSpPr>
-            <a:spLocks noGrp="1"/>
-          </p:cNvSpPr>
-          <p:nvPr>
-            <p:ph type="sldNum" sz="quarter" idx="12"/>
-          </p:nvPr>
-        </p:nvSpPr>
-        <p:spPr>
-          <a:xfrm>
-            <a:off x="7576794" y="6414169"/>
-            <a:ext cx="1010294" cy="365125"/>
-          </a:xfrm>
-        </p:spPr>
-        <p:txBody>
-          <a:bodyPr/>
-          <a:lstStyle/>
-          <a:p>
-            <a:r>
-              <a:rPr lang="en-US" dirty="0" smtClean="0"/>
-              <a:t>Slide 14</a:t>
-            </a:r>
-            <a:endParaRPr lang="en-US" dirty="0"/>
-          </a:p>
-        </p:txBody>
-      </p:sp>
-    </p:spTree>
-    <p:extLst>
-      <p:ext uri="{BB962C8B-B14F-4D97-AF65-F5344CB8AC3E}">
-        <p14:creationId xmlns:p14="http://schemas.microsoft.com/office/powerpoint/2010/main" val="2978682591"/>
-      </p:ext>
-    </p:extLst>
-  </p:cSld>
-  <p:clrMapOvr>
-    <a:masterClrMapping/>
-  </p:clrMapOvr>
-  <p:timing>
-    <p:tnLst>
-      <p:par>
-        <p:cTn id="1" dur="indefinite" restart="never" nodeType="tmRoot">
-          <p:childTnLst>
-            <p:seq concurrent="1" nextAc="seek">
-              <p:cTn id="2" dur="indefinite" nodeType="mainSeq">
-                <p:childTnLst>
                   <p:par>
-                    <p:cTn id="3" fill="hold">
+                    <p:cTn id="40" fill="hold">
                       <p:stCondLst>
                         <p:cond delay="indefinite"/>
                       </p:stCondLst>
                       <p:childTnLst>
                         <p:par>
-                          <p:cTn id="4" fill="hold">
+                          <p:cTn id="41" fill="hold">
                             <p:stCondLst>
                               <p:cond delay="0"/>
                             </p:stCondLst>
                             <p:childTnLst>
                               <p:par>
-                                <p:cTn id="5" presetID="10" presetClass="entr" presetSubtype="0" fill="hold" nodeType="clickEffect">
+                                <p:cTn id="42" presetID="22" presetClass="entr" presetSubtype="4" fill="hold" grpId="0" nodeType="clickEffect">
                                   <p:stCondLst>
                                     <p:cond delay="0"/>
                                   </p:stCondLst>
                                   <p:childTnLst>
                                     <p:set>
                                       <p:cBhvr>
-                                        <p:cTn id="6" dur="1" fill="hold">
+                                        <p:cTn id="43" dur="1" fill="hold">
                                           <p:stCondLst>
                                             <p:cond delay="0"/>
                                           </p:stCondLst>
                                         </p:cTn>
                                         <p:tgtEl>
-                                          <p:spTgt spid="3082"/>
+                                          <p:spTgt spid="3"/>
                                         </p:tgtEl>
                                         <p:attrNameLst>
                                           <p:attrName>style.visibility</p:attrName>
@@ -44588,275 +46913,11 @@
                                         <p:strVal val="visible"/>
                                       </p:to>
                                     </p:set>
-                                    <p:animEffect transition="in" filter="fade">
+                                    <p:animEffect transition="in" filter="wipe(down)">
                                       <p:cBhvr>
-                                        <p:cTn id="7" dur="500"/>
+                                        <p:cTn id="44" dur="500"/>
                                         <p:tgtEl>
-                                          <p:spTgt spid="3082"/>
-                                        </p:tgtEl>
-                                      </p:cBhvr>
-                                    </p:animEffect>
-                                  </p:childTnLst>
-                                </p:cTn>
-                              </p:par>
-                            </p:childTnLst>
-                          </p:cTn>
-                        </p:par>
-                      </p:childTnLst>
-                    </p:cTn>
-                  </p:par>
-                  <p:par>
-                    <p:cTn id="8" fill="hold">
-                      <p:stCondLst>
-                        <p:cond delay="indefinite"/>
-                      </p:stCondLst>
-                      <p:childTnLst>
-                        <p:par>
-                          <p:cTn id="9" fill="hold">
-                            <p:stCondLst>
-                              <p:cond delay="0"/>
-                            </p:stCondLst>
-                            <p:childTnLst>
-                              <p:par>
-                                <p:cTn id="10" presetID="10" presetClass="entr" presetSubtype="0" fill="hold" nodeType="clickEffect">
-                                  <p:stCondLst>
-                                    <p:cond delay="0"/>
-                                  </p:stCondLst>
-                                  <p:childTnLst>
-                                    <p:set>
-                                      <p:cBhvr>
-                                        <p:cTn id="11" dur="1" fill="hold">
-                                          <p:stCondLst>
-                                            <p:cond delay="0"/>
-                                          </p:stCondLst>
-                                        </p:cTn>
-                                        <p:tgtEl>
-                                          <p:spTgt spid="31"/>
-                                        </p:tgtEl>
-                                        <p:attrNameLst>
-                                          <p:attrName>style.visibility</p:attrName>
-                                        </p:attrNameLst>
-                                      </p:cBhvr>
-                                      <p:to>
-                                        <p:strVal val="visible"/>
-                                      </p:to>
-                                    </p:set>
-                                    <p:animEffect transition="in" filter="fade">
-                                      <p:cBhvr>
-                                        <p:cTn id="12" dur="500"/>
-                                        <p:tgtEl>
-                                          <p:spTgt spid="31"/>
-                                        </p:tgtEl>
-                                      </p:cBhvr>
-                                    </p:animEffect>
-                                  </p:childTnLst>
-                                </p:cTn>
-                              </p:par>
-                              <p:par>
-                                <p:cTn id="13" presetID="10" presetClass="entr" presetSubtype="0" fill="hold" nodeType="withEffect">
-                                  <p:stCondLst>
-                                    <p:cond delay="0"/>
-                                  </p:stCondLst>
-                                  <p:childTnLst>
-                                    <p:set>
-                                      <p:cBhvr>
-                                        <p:cTn id="14" dur="1" fill="hold">
-                                          <p:stCondLst>
-                                            <p:cond delay="0"/>
-                                          </p:stCondLst>
-                                        </p:cTn>
-                                        <p:tgtEl>
-                                          <p:spTgt spid="28"/>
-                                        </p:tgtEl>
-                                        <p:attrNameLst>
-                                          <p:attrName>style.visibility</p:attrName>
-                                        </p:attrNameLst>
-                                      </p:cBhvr>
-                                      <p:to>
-                                        <p:strVal val="visible"/>
-                                      </p:to>
-                                    </p:set>
-                                    <p:animEffect transition="in" filter="fade">
-                                      <p:cBhvr>
-                                        <p:cTn id="15" dur="500"/>
-                                        <p:tgtEl>
-                                          <p:spTgt spid="28"/>
-                                        </p:tgtEl>
-                                      </p:cBhvr>
-                                    </p:animEffect>
-                                  </p:childTnLst>
-                                </p:cTn>
-                              </p:par>
-                            </p:childTnLst>
-                          </p:cTn>
-                        </p:par>
-                      </p:childTnLst>
-                    </p:cTn>
-                  </p:par>
-                  <p:par>
-                    <p:cTn id="16" fill="hold">
-                      <p:stCondLst>
-                        <p:cond delay="indefinite"/>
-                      </p:stCondLst>
-                      <p:childTnLst>
-                        <p:par>
-                          <p:cTn id="17" fill="hold">
-                            <p:stCondLst>
-                              <p:cond delay="0"/>
-                            </p:stCondLst>
-                            <p:childTnLst>
-                              <p:par>
-                                <p:cTn id="18" presetID="10" presetClass="entr" presetSubtype="0" fill="hold" nodeType="clickEffect">
-                                  <p:stCondLst>
-                                    <p:cond delay="0"/>
-                                  </p:stCondLst>
-                                  <p:childTnLst>
-                                    <p:set>
-                                      <p:cBhvr>
-                                        <p:cTn id="19" dur="1" fill="hold">
-                                          <p:stCondLst>
-                                            <p:cond delay="0"/>
-                                          </p:stCondLst>
-                                        </p:cTn>
-                                        <p:tgtEl>
-                                          <p:spTgt spid="33"/>
-                                        </p:tgtEl>
-                                        <p:attrNameLst>
-                                          <p:attrName>style.visibility</p:attrName>
-                                        </p:attrNameLst>
-                                      </p:cBhvr>
-                                      <p:to>
-                                        <p:strVal val="visible"/>
-                                      </p:to>
-                                    </p:set>
-                                    <p:animEffect transition="in" filter="fade">
-                                      <p:cBhvr>
-                                        <p:cTn id="20" dur="500"/>
-                                        <p:tgtEl>
-                                          <p:spTgt spid="33"/>
-                                        </p:tgtEl>
-                                      </p:cBhvr>
-                                    </p:animEffect>
-                                  </p:childTnLst>
-                                </p:cTn>
-                              </p:par>
-                              <p:par>
-                                <p:cTn id="21" presetID="10" presetClass="entr" presetSubtype="0" fill="hold" nodeType="withEffect">
-                                  <p:stCondLst>
-                                    <p:cond delay="0"/>
-                                  </p:stCondLst>
-                                  <p:childTnLst>
-                                    <p:set>
-                                      <p:cBhvr>
-                                        <p:cTn id="22" dur="1" fill="hold">
-                                          <p:stCondLst>
-                                            <p:cond delay="0"/>
-                                          </p:stCondLst>
-                                        </p:cTn>
-                                        <p:tgtEl>
-                                          <p:spTgt spid="3084"/>
-                                        </p:tgtEl>
-                                        <p:attrNameLst>
-                                          <p:attrName>style.visibility</p:attrName>
-                                        </p:attrNameLst>
-                                      </p:cBhvr>
-                                      <p:to>
-                                        <p:strVal val="visible"/>
-                                      </p:to>
-                                    </p:set>
-                                    <p:animEffect transition="in" filter="fade">
-                                      <p:cBhvr>
-                                        <p:cTn id="23" dur="500"/>
-                                        <p:tgtEl>
-                                          <p:spTgt spid="3084"/>
-                                        </p:tgtEl>
-                                      </p:cBhvr>
-                                    </p:animEffect>
-                                  </p:childTnLst>
-                                </p:cTn>
-                              </p:par>
-                            </p:childTnLst>
-                          </p:cTn>
-                        </p:par>
-                      </p:childTnLst>
-                    </p:cTn>
-                  </p:par>
-                  <p:par>
-                    <p:cTn id="24" fill="hold">
-                      <p:stCondLst>
-                        <p:cond delay="indefinite"/>
-                      </p:stCondLst>
-                      <p:childTnLst>
-                        <p:par>
-                          <p:cTn id="25" fill="hold">
-                            <p:stCondLst>
-                              <p:cond delay="0"/>
-                            </p:stCondLst>
-                            <p:childTnLst>
-                              <p:par>
-                                <p:cTn id="26" presetID="10" presetClass="entr" presetSubtype="0" fill="hold" nodeType="clickEffect">
-                                  <p:stCondLst>
-                                    <p:cond delay="0"/>
-                                  </p:stCondLst>
-                                  <p:childTnLst>
-                                    <p:set>
-                                      <p:cBhvr>
-                                        <p:cTn id="27" dur="1" fill="hold">
-                                          <p:stCondLst>
-                                            <p:cond delay="0"/>
-                                          </p:stCondLst>
-                                        </p:cTn>
-                                        <p:tgtEl>
-                                          <p:spTgt spid="34"/>
-                                        </p:tgtEl>
-                                        <p:attrNameLst>
-                                          <p:attrName>style.visibility</p:attrName>
-                                        </p:attrNameLst>
-                                      </p:cBhvr>
-                                      <p:to>
-                                        <p:strVal val="visible"/>
-                                      </p:to>
-                                    </p:set>
-                                    <p:animEffect transition="in" filter="fade">
-                                      <p:cBhvr>
-                                        <p:cTn id="28" dur="500"/>
-                                        <p:tgtEl>
-                                          <p:spTgt spid="34"/>
-                                        </p:tgtEl>
-                                      </p:cBhvr>
-                                    </p:animEffect>
-                                  </p:childTnLst>
-                                </p:cTn>
-                              </p:par>
-                              <p:par>
-                                <p:cTn id="29" presetID="10" presetClass="entr" presetSubtype="0" fill="hold" nodeType="withEffect">
-                                  <p:stCondLst>
-                                    <p:cond delay="0"/>
-                                  </p:stCondLst>
-                                  <p:childTnLst>
-                                    <p:set>
-                                      <p:cBhvr>
-                                        <p:cTn id="30" dur="1" fill="hold">
-                                          <p:stCondLst>
-                                            <p:cond delay="0"/>
-                                          </p:stCondLst>
-                                        </p:cTn>
-                                        <p:tgtEl>
-                                          <p:spTgt spid="20"/>
-                                        </p:tgtEl>
-                                        <p:attrNameLst>
-                                          <p:attrName>style.visibility</p:attrName>
-                                        </p:attrNameLst>
-                                      </p:cBhvr>
-                                      <p:to>
-                                        <p:strVal val="visible"/>
-                                      </p:to>
-                                    </p:set>
-                                    <p:animEffect transition="in" filter="fade">
-                                      <p:cBhvr>
-                                        <p:cTn id="31" dur="500"/>
-                                        <p:tgtEl>
-                                          <p:spTgt spid="20"/>
+                                          <p:spTgt spid="3"/>
                                         </p:tgtEl>
                                       </p:cBhvr>
                                     </p:animEffect>
@@ -44890,11 +46951,14 @@
         </p:cTn>
       </p:par>
     </p:tnLst>
+    <p:bldLst>
+      <p:bldP spid="3" grpId="0"/>
+    </p:bldLst>
   </p:timing>
 </p:sld>
 </file>
 
-<file path=ppt/slides/slide15.xml><?xml version="1.0" encoding="utf-8"?>
+<file path=ppt/slides/slide14.xml><?xml version="1.0" encoding="utf-8"?>
 <p:sld xmlns:a="http://schemas.openxmlformats.org/drawingml/2006/main" xmlns:r="http://schemas.openxmlformats.org/officeDocument/2006/relationships" xmlns:p="http://schemas.openxmlformats.org/presentationml/2006/main">
   <p:cSld>
     <p:spTree>
@@ -45311,6 +47375,9 @@
   <p:clrMapOvr>
     <a:masterClrMapping/>
   </p:clrMapOvr>
+  <p:transition spd="slow">
+    <p:wipe dir="r"/>
+  </p:transition>
   <p:timing>
     <p:tnLst>
       <p:par>
@@ -45734,8 +47801,677 @@
 </p:sld>
 </file>
 
+<file path=ppt/slides/slide15.xml><?xml version="1.0" encoding="utf-8"?>
+<p:sld xmlns:a="http://schemas.openxmlformats.org/drawingml/2006/main" xmlns:r="http://schemas.openxmlformats.org/officeDocument/2006/relationships" xmlns:p="http://schemas.openxmlformats.org/presentationml/2006/main">
+  <p:cSld>
+    <p:spTree>
+      <p:nvGrpSpPr>
+        <p:cNvPr id="1" name=""/>
+        <p:cNvGrpSpPr/>
+        <p:nvPr/>
+      </p:nvGrpSpPr>
+      <p:grpSpPr>
+        <a:xfrm>
+          <a:off x="0" y="0"/>
+          <a:ext cx="0" cy="0"/>
+          <a:chOff x="0" y="0"/>
+          <a:chExt cx="0" cy="0"/>
+        </a:xfrm>
+      </p:grpSpPr>
+      <p:sp>
+        <p:nvSpPr>
+          <p:cNvPr id="2" name="Title 1"/>
+          <p:cNvSpPr>
+            <a:spLocks noGrp="1"/>
+          </p:cNvSpPr>
+          <p:nvPr>
+            <p:ph type="title"/>
+          </p:nvPr>
+        </p:nvSpPr>
+        <p:spPr>
+          <a:xfrm>
+            <a:off x="1059446" y="151559"/>
+            <a:ext cx="7704667" cy="1981200"/>
+          </a:xfrm>
+        </p:spPr>
+        <p:txBody>
+          <a:bodyPr/>
+          <a:lstStyle/>
+          <a:p>
+            <a:pPr lvl="0"/>
+            <a:r>
+              <a:rPr lang="en-US" dirty="0">
+                <a:latin typeface="Cambria" panose="02040503050406030204" pitchFamily="18" charset="0"/>
+              </a:rPr>
+              <a:t>Offline search</a:t>
+            </a:r>
+          </a:p>
+        </p:txBody>
+      </p:sp>
+      <p:pic>
+        <p:nvPicPr>
+          <p:cNvPr id="3082" name="Picture 10" descr="http://blog.scoopz.com/wp-content/uploads/2008/01/airport_wifi_broken.thumbnail.jpg"/>
+          <p:cNvPicPr>
+            <a:picLocks noChangeAspect="1" noChangeArrowheads="1"/>
+          </p:cNvPicPr>
+          <p:nvPr/>
+        </p:nvPicPr>
+        <p:blipFill>
+          <a:blip r:embed="rId2">
+            <a:extLst>
+              <a:ext uri="{28A0092B-C50C-407E-A947-70E740481C1C}">
+                <a14:useLocalDpi xmlns:a14="http://schemas.microsoft.com/office/drawing/2010/main" val="0"/>
+              </a:ext>
+            </a:extLst>
+          </a:blip>
+          <a:srcRect/>
+          <a:stretch>
+            <a:fillRect/>
+          </a:stretch>
+        </p:blipFill>
+        <p:spPr bwMode="auto">
+          <a:xfrm>
+            <a:off x="939346" y="2787876"/>
+            <a:ext cx="1219200" cy="1219201"/>
+          </a:xfrm>
+          <a:prstGeom prst="rect">
+            <a:avLst/>
+          </a:prstGeom>
+          <a:noFill/>
+          <a:extLst>
+            <a:ext uri="{909E8E84-426E-40DD-AFC4-6F175D3DCCD1}">
+              <a14:hiddenFill xmlns:a14="http://schemas.microsoft.com/office/drawing/2010/main">
+                <a:solidFill>
+                  <a:srgbClr val="FFFFFF"/>
+                </a:solidFill>
+              </a14:hiddenFill>
+            </a:ext>
+          </a:extLst>
+        </p:spPr>
+      </p:pic>
+      <p:pic>
+        <p:nvPicPr>
+          <p:cNvPr id="28" name="Picture 27"/>
+          <p:cNvPicPr>
+            <a:picLocks noChangeAspect="1"/>
+          </p:cNvPicPr>
+          <p:nvPr/>
+        </p:nvPicPr>
+        <p:blipFill>
+          <a:blip r:embed="rId3"/>
+          <a:stretch>
+            <a:fillRect/>
+          </a:stretch>
+        </p:blipFill>
+        <p:spPr>
+          <a:xfrm>
+            <a:off x="2991498" y="2859880"/>
+            <a:ext cx="1182978" cy="1075191"/>
+          </a:xfrm>
+          <a:prstGeom prst="rect">
+            <a:avLst/>
+          </a:prstGeom>
+        </p:spPr>
+      </p:pic>
+      <p:pic>
+        <p:nvPicPr>
+          <p:cNvPr id="3084" name="Picture 12" descr="http://static.trustedreviews.com/94/3ad5e2/5f9b/14882-wirelessconnectionicon.jpg"/>
+          <p:cNvPicPr>
+            <a:picLocks noChangeAspect="1" noChangeArrowheads="1"/>
+          </p:cNvPicPr>
+          <p:nvPr/>
+        </p:nvPicPr>
+        <p:blipFill>
+          <a:blip r:embed="rId4" cstate="print">
+            <a:extLst>
+              <a:ext uri="{28A0092B-C50C-407E-A947-70E740481C1C}">
+                <a14:useLocalDpi xmlns:a14="http://schemas.microsoft.com/office/drawing/2010/main" val="0"/>
+              </a:ext>
+            </a:extLst>
+          </a:blip>
+          <a:srcRect/>
+          <a:stretch>
+            <a:fillRect/>
+          </a:stretch>
+        </p:blipFill>
+        <p:spPr bwMode="auto">
+          <a:xfrm>
+            <a:off x="5005543" y="2876886"/>
+            <a:ext cx="1362472" cy="1089978"/>
+          </a:xfrm>
+          <a:prstGeom prst="rect">
+            <a:avLst/>
+          </a:prstGeom>
+          <a:noFill/>
+          <a:extLst>
+            <a:ext uri="{909E8E84-426E-40DD-AFC4-6F175D3DCCD1}">
+              <a14:hiddenFill xmlns:a14="http://schemas.microsoft.com/office/drawing/2010/main">
+                <a:solidFill>
+                  <a:srgbClr val="FFFFFF"/>
+                </a:solidFill>
+              </a14:hiddenFill>
+            </a:ext>
+          </a:extLst>
+        </p:spPr>
+      </p:pic>
+      <p:pic>
+        <p:nvPicPr>
+          <p:cNvPr id="20" name="Picture 19"/>
+          <p:cNvPicPr>
+            <a:picLocks noChangeAspect="1"/>
+          </p:cNvPicPr>
+          <p:nvPr/>
+        </p:nvPicPr>
+        <p:blipFill>
+          <a:blip r:embed="rId5"/>
+          <a:stretch>
+            <a:fillRect/>
+          </a:stretch>
+        </p:blipFill>
+        <p:spPr>
+          <a:xfrm>
+            <a:off x="7199082" y="2859880"/>
+            <a:ext cx="1290319" cy="1026391"/>
+          </a:xfrm>
+          <a:prstGeom prst="rect">
+            <a:avLst/>
+          </a:prstGeom>
+        </p:spPr>
+      </p:pic>
+      <p:cxnSp>
+        <p:nvCxnSpPr>
+          <p:cNvPr id="31" name="Straight Arrow Connector 30"/>
+          <p:cNvCxnSpPr>
+            <a:endCxn id="28" idx="1"/>
+          </p:cNvCxnSpPr>
+          <p:nvPr/>
+        </p:nvCxnSpPr>
+        <p:spPr>
+          <a:xfrm>
+            <a:off x="2158546" y="3397475"/>
+            <a:ext cx="832952" cy="1"/>
+          </a:xfrm>
+          <a:prstGeom prst="straightConnector1">
+            <a:avLst/>
+          </a:prstGeom>
+          <a:ln>
+            <a:tailEnd type="triangle"/>
+          </a:ln>
+        </p:spPr>
+        <p:style>
+          <a:lnRef idx="2">
+            <a:schemeClr val="accent1"/>
+          </a:lnRef>
+          <a:fillRef idx="0">
+            <a:schemeClr val="accent1"/>
+          </a:fillRef>
+          <a:effectRef idx="1">
+            <a:schemeClr val="accent1"/>
+          </a:effectRef>
+          <a:fontRef idx="minor">
+            <a:schemeClr val="tx1"/>
+          </a:fontRef>
+        </p:style>
+      </p:cxnSp>
+      <p:cxnSp>
+        <p:nvCxnSpPr>
+          <p:cNvPr id="33" name="Straight Arrow Connector 32"/>
+          <p:cNvCxnSpPr/>
+          <p:nvPr/>
+        </p:nvCxnSpPr>
+        <p:spPr>
+          <a:xfrm>
+            <a:off x="4172591" y="3397475"/>
+            <a:ext cx="832952" cy="1"/>
+          </a:xfrm>
+          <a:prstGeom prst="straightConnector1">
+            <a:avLst/>
+          </a:prstGeom>
+          <a:ln>
+            <a:tailEnd type="triangle"/>
+          </a:ln>
+        </p:spPr>
+        <p:style>
+          <a:lnRef idx="2">
+            <a:schemeClr val="accent1"/>
+          </a:lnRef>
+          <a:fillRef idx="0">
+            <a:schemeClr val="accent1"/>
+          </a:fillRef>
+          <a:effectRef idx="1">
+            <a:schemeClr val="accent1"/>
+          </a:effectRef>
+          <a:fontRef idx="minor">
+            <a:schemeClr val="tx1"/>
+          </a:fontRef>
+        </p:style>
+      </p:cxnSp>
+      <p:cxnSp>
+        <p:nvCxnSpPr>
+          <p:cNvPr id="34" name="Straight Arrow Connector 33"/>
+          <p:cNvCxnSpPr/>
+          <p:nvPr/>
+        </p:nvCxnSpPr>
+        <p:spPr>
+          <a:xfrm>
+            <a:off x="6428788" y="3379464"/>
+            <a:ext cx="832952" cy="1"/>
+          </a:xfrm>
+          <a:prstGeom prst="straightConnector1">
+            <a:avLst/>
+          </a:prstGeom>
+          <a:ln>
+            <a:tailEnd type="triangle"/>
+          </a:ln>
+        </p:spPr>
+        <p:style>
+          <a:lnRef idx="2">
+            <a:schemeClr val="accent1"/>
+          </a:lnRef>
+          <a:fillRef idx="0">
+            <a:schemeClr val="accent1"/>
+          </a:fillRef>
+          <a:effectRef idx="1">
+            <a:schemeClr val="accent1"/>
+          </a:effectRef>
+          <a:fontRef idx="minor">
+            <a:schemeClr val="tx1"/>
+          </a:fontRef>
+        </p:style>
+      </p:cxnSp>
+      <p:sp>
+        <p:nvSpPr>
+          <p:cNvPr id="35" name="Slide Number Placeholder 3"/>
+          <p:cNvSpPr>
+            <a:spLocks noGrp="1"/>
+          </p:cNvSpPr>
+          <p:nvPr>
+            <p:ph type="sldNum" sz="quarter" idx="12"/>
+          </p:nvPr>
+        </p:nvSpPr>
+        <p:spPr>
+          <a:xfrm>
+            <a:off x="7576794" y="6414169"/>
+            <a:ext cx="1010294" cy="365125"/>
+          </a:xfrm>
+        </p:spPr>
+        <p:txBody>
+          <a:bodyPr/>
+          <a:lstStyle/>
+          <a:p>
+            <a:r>
+              <a:rPr lang="en-US" dirty="0" smtClean="0"/>
+              <a:t>Slide 14</a:t>
+            </a:r>
+            <a:endParaRPr lang="en-US" dirty="0"/>
+          </a:p>
+        </p:txBody>
+      </p:sp>
+    </p:spTree>
+    <p:extLst>
+      <p:ext uri="{BB962C8B-B14F-4D97-AF65-F5344CB8AC3E}">
+        <p14:creationId xmlns:p14="http://schemas.microsoft.com/office/powerpoint/2010/main" val="2978682591"/>
+      </p:ext>
+    </p:extLst>
+  </p:cSld>
+  <p:clrMapOvr>
+    <a:masterClrMapping/>
+  </p:clrMapOvr>
+  <p:transition spd="slow">
+    <p:wipe dir="r"/>
+  </p:transition>
+  <p:timing>
+    <p:tnLst>
+      <p:par>
+        <p:cTn id="1" dur="indefinite" restart="never" nodeType="tmRoot">
+          <p:childTnLst>
+            <p:seq concurrent="1" nextAc="seek">
+              <p:cTn id="2" dur="indefinite" nodeType="mainSeq">
+                <p:childTnLst>
+                  <p:par>
+                    <p:cTn id="3" fill="hold">
+                      <p:stCondLst>
+                        <p:cond delay="indefinite"/>
+                      </p:stCondLst>
+                      <p:childTnLst>
+                        <p:par>
+                          <p:cTn id="4" fill="hold">
+                            <p:stCondLst>
+                              <p:cond delay="0"/>
+                            </p:stCondLst>
+                            <p:childTnLst>
+                              <p:par>
+                                <p:cTn id="5" presetID="10" presetClass="entr" presetSubtype="0" fill="hold" nodeType="clickEffect">
+                                  <p:stCondLst>
+                                    <p:cond delay="0"/>
+                                  </p:stCondLst>
+                                  <p:childTnLst>
+                                    <p:set>
+                                      <p:cBhvr>
+                                        <p:cTn id="6" dur="1" fill="hold">
+                                          <p:stCondLst>
+                                            <p:cond delay="0"/>
+                                          </p:stCondLst>
+                                        </p:cTn>
+                                        <p:tgtEl>
+                                          <p:spTgt spid="3082"/>
+                                        </p:tgtEl>
+                                        <p:attrNameLst>
+                                          <p:attrName>style.visibility</p:attrName>
+                                        </p:attrNameLst>
+                                      </p:cBhvr>
+                                      <p:to>
+                                        <p:strVal val="visible"/>
+                                      </p:to>
+                                    </p:set>
+                                    <p:animEffect transition="in" filter="fade">
+                                      <p:cBhvr>
+                                        <p:cTn id="7" dur="500"/>
+                                        <p:tgtEl>
+                                          <p:spTgt spid="3082"/>
+                                        </p:tgtEl>
+                                      </p:cBhvr>
+                                    </p:animEffect>
+                                  </p:childTnLst>
+                                </p:cTn>
+                              </p:par>
+                            </p:childTnLst>
+                          </p:cTn>
+                        </p:par>
+                      </p:childTnLst>
+                    </p:cTn>
+                  </p:par>
+                  <p:par>
+                    <p:cTn id="8" fill="hold">
+                      <p:stCondLst>
+                        <p:cond delay="indefinite"/>
+                      </p:stCondLst>
+                      <p:childTnLst>
+                        <p:par>
+                          <p:cTn id="9" fill="hold">
+                            <p:stCondLst>
+                              <p:cond delay="0"/>
+                            </p:stCondLst>
+                            <p:childTnLst>
+                              <p:par>
+                                <p:cTn id="10" presetID="10" presetClass="entr" presetSubtype="0" fill="hold" nodeType="clickEffect">
+                                  <p:stCondLst>
+                                    <p:cond delay="0"/>
+                                  </p:stCondLst>
+                                  <p:childTnLst>
+                                    <p:set>
+                                      <p:cBhvr>
+                                        <p:cTn id="11" dur="1" fill="hold">
+                                          <p:stCondLst>
+                                            <p:cond delay="0"/>
+                                          </p:stCondLst>
+                                        </p:cTn>
+                                        <p:tgtEl>
+                                          <p:spTgt spid="31"/>
+                                        </p:tgtEl>
+                                        <p:attrNameLst>
+                                          <p:attrName>style.visibility</p:attrName>
+                                        </p:attrNameLst>
+                                      </p:cBhvr>
+                                      <p:to>
+                                        <p:strVal val="visible"/>
+                                      </p:to>
+                                    </p:set>
+                                    <p:animEffect transition="in" filter="fade">
+                                      <p:cBhvr>
+                                        <p:cTn id="12" dur="500"/>
+                                        <p:tgtEl>
+                                          <p:spTgt spid="31"/>
+                                        </p:tgtEl>
+                                      </p:cBhvr>
+                                    </p:animEffect>
+                                  </p:childTnLst>
+                                </p:cTn>
+                              </p:par>
+                              <p:par>
+                                <p:cTn id="13" presetID="10" presetClass="entr" presetSubtype="0" fill="hold" nodeType="withEffect">
+                                  <p:stCondLst>
+                                    <p:cond delay="0"/>
+                                  </p:stCondLst>
+                                  <p:childTnLst>
+                                    <p:set>
+                                      <p:cBhvr>
+                                        <p:cTn id="14" dur="1" fill="hold">
+                                          <p:stCondLst>
+                                            <p:cond delay="0"/>
+                                          </p:stCondLst>
+                                        </p:cTn>
+                                        <p:tgtEl>
+                                          <p:spTgt spid="28"/>
+                                        </p:tgtEl>
+                                        <p:attrNameLst>
+                                          <p:attrName>style.visibility</p:attrName>
+                                        </p:attrNameLst>
+                                      </p:cBhvr>
+                                      <p:to>
+                                        <p:strVal val="visible"/>
+                                      </p:to>
+                                    </p:set>
+                                    <p:animEffect transition="in" filter="fade">
+                                      <p:cBhvr>
+                                        <p:cTn id="15" dur="500"/>
+                                        <p:tgtEl>
+                                          <p:spTgt spid="28"/>
+                                        </p:tgtEl>
+                                      </p:cBhvr>
+                                    </p:animEffect>
+                                  </p:childTnLst>
+                                </p:cTn>
+                              </p:par>
+                            </p:childTnLst>
+                          </p:cTn>
+                        </p:par>
+                      </p:childTnLst>
+                    </p:cTn>
+                  </p:par>
+                  <p:par>
+                    <p:cTn id="16" fill="hold">
+                      <p:stCondLst>
+                        <p:cond delay="indefinite"/>
+                      </p:stCondLst>
+                      <p:childTnLst>
+                        <p:par>
+                          <p:cTn id="17" fill="hold">
+                            <p:stCondLst>
+                              <p:cond delay="0"/>
+                            </p:stCondLst>
+                            <p:childTnLst>
+                              <p:par>
+                                <p:cTn id="18" presetID="10" presetClass="entr" presetSubtype="0" fill="hold" nodeType="clickEffect">
+                                  <p:stCondLst>
+                                    <p:cond delay="0"/>
+                                  </p:stCondLst>
+                                  <p:childTnLst>
+                                    <p:set>
+                                      <p:cBhvr>
+                                        <p:cTn id="19" dur="1" fill="hold">
+                                          <p:stCondLst>
+                                            <p:cond delay="0"/>
+                                          </p:stCondLst>
+                                        </p:cTn>
+                                        <p:tgtEl>
+                                          <p:spTgt spid="33"/>
+                                        </p:tgtEl>
+                                        <p:attrNameLst>
+                                          <p:attrName>style.visibility</p:attrName>
+                                        </p:attrNameLst>
+                                      </p:cBhvr>
+                                      <p:to>
+                                        <p:strVal val="visible"/>
+                                      </p:to>
+                                    </p:set>
+                                    <p:animEffect transition="in" filter="fade">
+                                      <p:cBhvr>
+                                        <p:cTn id="20" dur="500"/>
+                                        <p:tgtEl>
+                                          <p:spTgt spid="33"/>
+                                        </p:tgtEl>
+                                      </p:cBhvr>
+                                    </p:animEffect>
+                                  </p:childTnLst>
+                                </p:cTn>
+                              </p:par>
+                              <p:par>
+                                <p:cTn id="21" presetID="10" presetClass="entr" presetSubtype="0" fill="hold" nodeType="withEffect">
+                                  <p:stCondLst>
+                                    <p:cond delay="0"/>
+                                  </p:stCondLst>
+                                  <p:childTnLst>
+                                    <p:set>
+                                      <p:cBhvr>
+                                        <p:cTn id="22" dur="1" fill="hold">
+                                          <p:stCondLst>
+                                            <p:cond delay="0"/>
+                                          </p:stCondLst>
+                                        </p:cTn>
+                                        <p:tgtEl>
+                                          <p:spTgt spid="3084"/>
+                                        </p:tgtEl>
+                                        <p:attrNameLst>
+                                          <p:attrName>style.visibility</p:attrName>
+                                        </p:attrNameLst>
+                                      </p:cBhvr>
+                                      <p:to>
+                                        <p:strVal val="visible"/>
+                                      </p:to>
+                                    </p:set>
+                                    <p:animEffect transition="in" filter="fade">
+                                      <p:cBhvr>
+                                        <p:cTn id="23" dur="500"/>
+                                        <p:tgtEl>
+                                          <p:spTgt spid="3084"/>
+                                        </p:tgtEl>
+                                      </p:cBhvr>
+                                    </p:animEffect>
+                                  </p:childTnLst>
+                                </p:cTn>
+                              </p:par>
+                            </p:childTnLst>
+                          </p:cTn>
+                        </p:par>
+                      </p:childTnLst>
+                    </p:cTn>
+                  </p:par>
+                  <p:par>
+                    <p:cTn id="24" fill="hold">
+                      <p:stCondLst>
+                        <p:cond delay="indefinite"/>
+                      </p:stCondLst>
+                      <p:childTnLst>
+                        <p:par>
+                          <p:cTn id="25" fill="hold">
+                            <p:stCondLst>
+                              <p:cond delay="0"/>
+                            </p:stCondLst>
+                            <p:childTnLst>
+                              <p:par>
+                                <p:cTn id="26" presetID="10" presetClass="entr" presetSubtype="0" fill="hold" nodeType="clickEffect">
+                                  <p:stCondLst>
+                                    <p:cond delay="0"/>
+                                  </p:stCondLst>
+                                  <p:childTnLst>
+                                    <p:set>
+                                      <p:cBhvr>
+                                        <p:cTn id="27" dur="1" fill="hold">
+                                          <p:stCondLst>
+                                            <p:cond delay="0"/>
+                                          </p:stCondLst>
+                                        </p:cTn>
+                                        <p:tgtEl>
+                                          <p:spTgt spid="34"/>
+                                        </p:tgtEl>
+                                        <p:attrNameLst>
+                                          <p:attrName>style.visibility</p:attrName>
+                                        </p:attrNameLst>
+                                      </p:cBhvr>
+                                      <p:to>
+                                        <p:strVal val="visible"/>
+                                      </p:to>
+                                    </p:set>
+                                    <p:animEffect transition="in" filter="fade">
+                                      <p:cBhvr>
+                                        <p:cTn id="28" dur="500"/>
+                                        <p:tgtEl>
+                                          <p:spTgt spid="34"/>
+                                        </p:tgtEl>
+                                      </p:cBhvr>
+                                    </p:animEffect>
+                                  </p:childTnLst>
+                                </p:cTn>
+                              </p:par>
+                              <p:par>
+                                <p:cTn id="29" presetID="10" presetClass="entr" presetSubtype="0" fill="hold" nodeType="withEffect">
+                                  <p:stCondLst>
+                                    <p:cond delay="0"/>
+                                  </p:stCondLst>
+                                  <p:childTnLst>
+                                    <p:set>
+                                      <p:cBhvr>
+                                        <p:cTn id="30" dur="1" fill="hold">
+                                          <p:stCondLst>
+                                            <p:cond delay="0"/>
+                                          </p:stCondLst>
+                                        </p:cTn>
+                                        <p:tgtEl>
+                                          <p:spTgt spid="20"/>
+                                        </p:tgtEl>
+                                        <p:attrNameLst>
+                                          <p:attrName>style.visibility</p:attrName>
+                                        </p:attrNameLst>
+                                      </p:cBhvr>
+                                      <p:to>
+                                        <p:strVal val="visible"/>
+                                      </p:to>
+                                    </p:set>
+                                    <p:animEffect transition="in" filter="fade">
+                                      <p:cBhvr>
+                                        <p:cTn id="31" dur="500"/>
+                                        <p:tgtEl>
+                                          <p:spTgt spid="20"/>
+                                        </p:tgtEl>
+                                      </p:cBhvr>
+                                    </p:animEffect>
+                                  </p:childTnLst>
+                                </p:cTn>
+                              </p:par>
+                            </p:childTnLst>
+                          </p:cTn>
+                        </p:par>
+                      </p:childTnLst>
+                    </p:cTn>
+                  </p:par>
+                </p:childTnLst>
+              </p:cTn>
+              <p:prevCondLst>
+                <p:cond evt="onPrev" delay="0">
+                  <p:tgtEl>
+                    <p:sldTgt/>
+                  </p:tgtEl>
+                </p:cond>
+              </p:prevCondLst>
+              <p:nextCondLst>
+                <p:cond evt="onNext" delay="0">
+                  <p:tgtEl>
+                    <p:sldTgt/>
+                  </p:tgtEl>
+                </p:cond>
+              </p:nextCondLst>
+            </p:seq>
+          </p:childTnLst>
+        </p:cTn>
+      </p:par>
+    </p:tnLst>
+  </p:timing>
+</p:sld>
+</file>
+
 <file path=ppt/slides/slide16.xml><?xml version="1.0" encoding="utf-8"?>
-<p:sld xmlns:a="http://schemas.openxmlformats.org/drawingml/2006/main" xmlns:r="http://schemas.openxmlformats.org/officeDocument/2006/relationships" xmlns:p="http://schemas.openxmlformats.org/presentationml/2006/main">
+<p:sld xmlns:a="http://schemas.openxmlformats.org/drawingml/2006/main" xmlns:r="http://schemas.openxmlformats.org/officeDocument/2006/relationships" xmlns:p="http://schemas.openxmlformats.org/presentationml/2006/main" show="0">
   <p:cSld>
     <p:spTree>
       <p:nvGrpSpPr>
@@ -45849,6 +48585,9 @@
   <p:clrMapOvr>
     <a:masterClrMapping/>
   </p:clrMapOvr>
+  <p:transition spd="slow">
+    <p:wipe dir="r"/>
+  </p:transition>
   <p:timing>
     <p:tnLst>
       <p:par>
@@ -45860,6 +48599,659 @@
 </file>
 
 <file path=ppt/slides/slide17.xml><?xml version="1.0" encoding="utf-8"?>
+<p:sld xmlns:a="http://schemas.openxmlformats.org/drawingml/2006/main" xmlns:r="http://schemas.openxmlformats.org/officeDocument/2006/relationships" xmlns:p="http://schemas.openxmlformats.org/presentationml/2006/main">
+  <p:cSld>
+    <p:spTree>
+      <p:nvGrpSpPr>
+        <p:cNvPr id="1" name=""/>
+        <p:cNvGrpSpPr/>
+        <p:nvPr/>
+      </p:nvGrpSpPr>
+      <p:grpSpPr>
+        <a:xfrm>
+          <a:off x="0" y="0"/>
+          <a:ext cx="0" cy="0"/>
+          <a:chOff x="0" y="0"/>
+          <a:chExt cx="0" cy="0"/>
+        </a:xfrm>
+      </p:grpSpPr>
+      <p:sp>
+        <p:nvSpPr>
+          <p:cNvPr id="4" name="Title 1"/>
+          <p:cNvSpPr>
+            <a:spLocks noGrp="1"/>
+          </p:cNvSpPr>
+          <p:nvPr>
+            <p:ph type="title"/>
+          </p:nvPr>
+        </p:nvSpPr>
+        <p:spPr>
+          <a:xfrm>
+            <a:off x="1009429" y="170593"/>
+            <a:ext cx="7704667" cy="1153235"/>
+          </a:xfrm>
+        </p:spPr>
+        <p:txBody>
+          <a:bodyPr>
+            <a:normAutofit/>
+          </a:bodyPr>
+          <a:lstStyle/>
+          <a:p>
+            <a:r>
+              <a:rPr lang="en-US" dirty="0">
+                <a:latin typeface="Cambria" panose="02040503050406030204" pitchFamily="18" charset="0"/>
+              </a:rPr>
+              <a:t>Advantages and </a:t>
+            </a:r>
+            <a:r>
+              <a:rPr lang="en-US" dirty="0" smtClean="0">
+                <a:latin typeface="Cambria" panose="02040503050406030204" pitchFamily="18" charset="0"/>
+              </a:rPr>
+              <a:t>Disadvantages</a:t>
+            </a:r>
+            <a:endParaRPr lang="en-US" dirty="0"/>
+          </a:p>
+        </p:txBody>
+      </p:sp>
+      <p:graphicFrame>
+        <p:nvGraphicFramePr>
+          <p:cNvPr id="5" name="Diagram 4"/>
+          <p:cNvGraphicFramePr/>
+          <p:nvPr>
+            <p:extLst>
+              <p:ext uri="{D42A27DB-BD31-4B8C-83A1-F6EECF244321}">
+                <p14:modId xmlns:p14="http://schemas.microsoft.com/office/powerpoint/2010/main" val="2412398558"/>
+              </p:ext>
+            </p:extLst>
+          </p:nvPr>
+        </p:nvGraphicFramePr>
+        <p:xfrm>
+          <a:off x="1310188" y="1424294"/>
+          <a:ext cx="7397085" cy="4799084"/>
+        </p:xfrm>
+        <a:graphic>
+          <a:graphicData uri="http://schemas.openxmlformats.org/drawingml/2006/diagram">
+            <dgm:relIds xmlns:dgm="http://schemas.openxmlformats.org/drawingml/2006/diagram" xmlns:r="http://schemas.openxmlformats.org/officeDocument/2006/relationships" r:dm="rId2" r:lo="rId3" r:qs="rId4" r:cs="rId5"/>
+          </a:graphicData>
+        </a:graphic>
+      </p:graphicFrame>
+      <p:sp>
+        <p:nvSpPr>
+          <p:cNvPr id="9" name="Slide Number Placeholder 8"/>
+          <p:cNvSpPr>
+            <a:spLocks noGrp="1"/>
+          </p:cNvSpPr>
+          <p:nvPr>
+            <p:ph type="sldNum" sz="quarter" idx="12"/>
+          </p:nvPr>
+        </p:nvSpPr>
+        <p:spPr/>
+        <p:txBody>
+          <a:bodyPr/>
+          <a:lstStyle/>
+          <a:p>
+            <a:r>
+              <a:rPr lang="en-US" smtClean="0"/>
+              <a:t>Slide </a:t>
+            </a:r>
+            <a:fld id="{6F0A14D7-2ECC-402F-87CE-D99C4236F396}" type="slidenum">
+              <a:rPr lang="en-US" smtClean="0"/>
+              <a:pPr/>
+              <a:t>17</a:t>
+            </a:fld>
+            <a:endParaRPr lang="en-US" dirty="0"/>
+          </a:p>
+        </p:txBody>
+      </p:sp>
+      <p:grpSp>
+        <p:nvGrpSpPr>
+          <p:cNvPr id="3" name="Group 2"/>
+          <p:cNvGrpSpPr/>
+          <p:nvPr/>
+        </p:nvGrpSpPr>
+        <p:grpSpPr>
+          <a:xfrm>
+            <a:off x="2097741" y="3729506"/>
+            <a:ext cx="1331259" cy="1175370"/>
+            <a:chOff x="0" y="3702611"/>
+            <a:chExt cx="1331259" cy="1175370"/>
+          </a:xfrm>
+        </p:grpSpPr>
+        <p:pic>
+          <p:nvPicPr>
+            <p:cNvPr id="1026" name="Picture 2" descr="http://media.tumblr.com/ea269d8b31cdf848d7d15b196bdbc2a0/tumblr_inline_mglsmgU2DY1rsgdbj.png"/>
+            <p:cNvPicPr>
+              <a:picLocks noChangeAspect="1" noChangeArrowheads="1"/>
+            </p:cNvPicPr>
+            <p:nvPr/>
+          </p:nvPicPr>
+          <p:blipFill>
+            <a:blip r:embed="rId7" cstate="print">
+              <a:extLst>
+                <a:ext uri="{28A0092B-C50C-407E-A947-70E740481C1C}">
+                  <a14:useLocalDpi xmlns:a14="http://schemas.microsoft.com/office/drawing/2010/main" val="0"/>
+                </a:ext>
+              </a:extLst>
+            </a:blip>
+            <a:srcRect/>
+            <a:stretch>
+              <a:fillRect/>
+            </a:stretch>
+          </p:blipFill>
+          <p:spPr bwMode="auto">
+            <a:xfrm>
+              <a:off x="277999" y="3702611"/>
+              <a:ext cx="775260" cy="775260"/>
+            </a:xfrm>
+            <a:prstGeom prst="rect">
+              <a:avLst/>
+            </a:prstGeom>
+            <a:noFill/>
+            <a:extLst>
+              <a:ext uri="{909E8E84-426E-40DD-AFC4-6F175D3DCCD1}">
+                <a14:hiddenFill xmlns:a14="http://schemas.microsoft.com/office/drawing/2010/main">
+                  <a:solidFill>
+                    <a:srgbClr val="FFFFFF"/>
+                  </a:solidFill>
+                </a14:hiddenFill>
+              </a:ext>
+            </a:extLst>
+          </p:spPr>
+        </p:pic>
+        <p:sp>
+          <p:nvSpPr>
+            <p:cNvPr id="2" name="TextBox 1"/>
+            <p:cNvSpPr txBox="1"/>
+            <p:nvPr/>
+          </p:nvSpPr>
+          <p:spPr>
+            <a:xfrm>
+              <a:off x="0" y="4477871"/>
+              <a:ext cx="1331259" cy="400110"/>
+            </a:xfrm>
+            <a:prstGeom prst="rect">
+              <a:avLst/>
+            </a:prstGeom>
+            <a:noFill/>
+          </p:spPr>
+          <p:txBody>
+            <a:bodyPr wrap="square" rtlCol="0">
+              <a:spAutoFit/>
+            </a:bodyPr>
+            <a:lstStyle/>
+            <a:p>
+              <a:r>
+                <a:rPr lang="en-US" sz="2000" dirty="0" smtClean="0">
+                  <a:latin typeface="Cambria" panose="02040503050406030204" pitchFamily="18" charset="0"/>
+                </a:rPr>
+                <a:t>Automatic</a:t>
+              </a:r>
+              <a:endParaRPr lang="en-US" sz="2000" dirty="0">
+                <a:latin typeface="Cambria" panose="02040503050406030204" pitchFamily="18" charset="0"/>
+              </a:endParaRPr>
+            </a:p>
+          </p:txBody>
+        </p:sp>
+      </p:grpSp>
+      <p:grpSp>
+        <p:nvGrpSpPr>
+          <p:cNvPr id="7" name="Group 6"/>
+          <p:cNvGrpSpPr/>
+          <p:nvPr/>
+        </p:nvGrpSpPr>
+        <p:grpSpPr>
+          <a:xfrm>
+            <a:off x="3700867" y="3554695"/>
+            <a:ext cx="1160895" cy="1336733"/>
+            <a:chOff x="336176" y="4132918"/>
+            <a:chExt cx="1160895" cy="1336733"/>
+          </a:xfrm>
+        </p:grpSpPr>
+        <p:sp>
+          <p:nvSpPr>
+            <p:cNvPr id="8" name="Rectangle 7"/>
+            <p:cNvSpPr/>
+            <p:nvPr/>
+          </p:nvSpPr>
+          <p:spPr>
+            <a:xfrm>
+              <a:off x="400220" y="4132918"/>
+              <a:ext cx="1032807" cy="936623"/>
+            </a:xfrm>
+            <a:prstGeom prst="rect">
+              <a:avLst/>
+            </a:prstGeom>
+            <a:blipFill rotWithShape="1">
+              <a:blip r:embed="rId8"/>
+              <a:stretch>
+                <a:fillRect/>
+              </a:stretch>
+            </a:blipFill>
+          </p:spPr>
+          <p:style>
+            <a:lnRef idx="2">
+              <a:schemeClr val="lt1">
+                <a:hueOff val="0"/>
+                <a:satOff val="0"/>
+                <a:lumOff val="0"/>
+                <a:alphaOff val="0"/>
+              </a:schemeClr>
+            </a:lnRef>
+            <a:fillRef idx="1">
+              <a:scrgbClr r="0" g="0" b="0"/>
+            </a:fillRef>
+            <a:effectRef idx="0">
+              <a:schemeClr val="accent1">
+                <a:tint val="50000"/>
+                <a:hueOff val="0"/>
+                <a:satOff val="0"/>
+                <a:lumOff val="0"/>
+                <a:alphaOff val="0"/>
+              </a:schemeClr>
+            </a:effectRef>
+            <a:fontRef idx="minor">
+              <a:schemeClr val="lt1">
+                <a:hueOff val="0"/>
+                <a:satOff val="0"/>
+                <a:lumOff val="0"/>
+                <a:alphaOff val="0"/>
+              </a:schemeClr>
+            </a:fontRef>
+          </p:style>
+        </p:sp>
+        <p:sp>
+          <p:nvSpPr>
+            <p:cNvPr id="6" name="TextBox 5"/>
+            <p:cNvSpPr txBox="1"/>
+            <p:nvPr/>
+          </p:nvSpPr>
+          <p:spPr>
+            <a:xfrm>
+              <a:off x="336176" y="5069541"/>
+              <a:ext cx="1160895" cy="400110"/>
+            </a:xfrm>
+            <a:prstGeom prst="rect">
+              <a:avLst/>
+            </a:prstGeom>
+            <a:noFill/>
+          </p:spPr>
+          <p:txBody>
+            <a:bodyPr wrap="none" rtlCol="0">
+              <a:spAutoFit/>
+            </a:bodyPr>
+            <a:lstStyle/>
+            <a:p>
+              <a:r>
+                <a:rPr lang="en-US" sz="2000" dirty="0" smtClean="0">
+                  <a:latin typeface="Cambria" panose="02040503050406030204" pitchFamily="18" charset="0"/>
+                </a:rPr>
+                <a:t>Learning</a:t>
+              </a:r>
+              <a:endParaRPr lang="en-US" sz="2000" dirty="0">
+                <a:latin typeface="Cambria" panose="02040503050406030204" pitchFamily="18" charset="0"/>
+              </a:endParaRPr>
+            </a:p>
+          </p:txBody>
+        </p:sp>
+      </p:grpSp>
+      <p:grpSp>
+        <p:nvGrpSpPr>
+          <p:cNvPr id="15" name="Group 14"/>
+          <p:cNvGrpSpPr/>
+          <p:nvPr/>
+        </p:nvGrpSpPr>
+        <p:grpSpPr>
+          <a:xfrm>
+            <a:off x="5188540" y="2842300"/>
+            <a:ext cx="2978188" cy="2101415"/>
+            <a:chOff x="-680285" y="2805796"/>
+            <a:chExt cx="2978188" cy="2101415"/>
+          </a:xfrm>
+        </p:grpSpPr>
+        <p:grpSp>
+          <p:nvGrpSpPr>
+            <p:cNvPr id="12" name="Group 11"/>
+            <p:cNvGrpSpPr/>
+            <p:nvPr/>
+          </p:nvGrpSpPr>
+          <p:grpSpPr>
+            <a:xfrm>
+              <a:off x="-227138" y="2805796"/>
+              <a:ext cx="1988967" cy="2101415"/>
+              <a:chOff x="-325276" y="3454058"/>
+              <a:chExt cx="1988967" cy="2101415"/>
+            </a:xfrm>
+          </p:grpSpPr>
+          <p:pic>
+            <p:nvPicPr>
+              <p:cNvPr id="1028" name="Picture 4" descr="http://www.gfa.org.nz/wp-content/uploads/2013/04/GFA-icons2011-100percent-300x302.png"/>
+              <p:cNvPicPr>
+                <a:picLocks noChangeAspect="1" noChangeArrowheads="1"/>
+              </p:cNvPicPr>
+              <p:nvPr/>
+            </p:nvPicPr>
+            <p:blipFill>
+              <a:blip r:embed="rId9" cstate="print">
+                <a:duotone>
+                  <a:schemeClr val="accent1">
+                    <a:shade val="45000"/>
+                    <a:satMod val="135000"/>
+                  </a:schemeClr>
+                  <a:prstClr val="white"/>
+                </a:duotone>
+                <a:extLst>
+                  <a:ext uri="{28A0092B-C50C-407E-A947-70E740481C1C}">
+                    <a14:useLocalDpi xmlns:a14="http://schemas.microsoft.com/office/drawing/2010/main" val="0"/>
+                  </a:ext>
+                </a:extLst>
+              </a:blip>
+              <a:srcRect/>
+              <a:stretch>
+                <a:fillRect/>
+              </a:stretch>
+            </p:blipFill>
+            <p:spPr bwMode="auto">
+              <a:xfrm rot="1499441">
+                <a:off x="98940" y="3899253"/>
+                <a:ext cx="1223463" cy="1231620"/>
+              </a:xfrm>
+              <a:prstGeom prst="rect">
+                <a:avLst/>
+              </a:prstGeom>
+              <a:noFill/>
+              <a:extLst>
+                <a:ext uri="{909E8E84-426E-40DD-AFC4-6F175D3DCCD1}">
+                  <a14:hiddenFill xmlns:a14="http://schemas.microsoft.com/office/drawing/2010/main">
+                    <a:solidFill>
+                      <a:srgbClr val="FFFFFF"/>
+                    </a:solidFill>
+                  </a14:hiddenFill>
+                </a:ext>
+              </a:extLst>
+            </p:spPr>
+          </p:pic>
+          <p:sp>
+            <p:nvSpPr>
+              <p:cNvPr id="11" name="Multiply 10"/>
+              <p:cNvSpPr/>
+              <p:nvPr/>
+            </p:nvSpPr>
+            <p:spPr>
+              <a:xfrm>
+                <a:off x="-325276" y="3454058"/>
+                <a:ext cx="1988967" cy="2101415"/>
+              </a:xfrm>
+              <a:prstGeom prst="mathMultiply">
+                <a:avLst>
+                  <a:gd name="adj1" fmla="val 3039"/>
+                </a:avLst>
+              </a:prstGeom>
+            </p:spPr>
+            <p:style>
+              <a:lnRef idx="3">
+                <a:schemeClr val="lt1"/>
+              </a:lnRef>
+              <a:fillRef idx="1">
+                <a:schemeClr val="accent4"/>
+              </a:fillRef>
+              <a:effectRef idx="1">
+                <a:schemeClr val="accent4"/>
+              </a:effectRef>
+              <a:fontRef idx="minor">
+                <a:schemeClr val="lt1"/>
+              </a:fontRef>
+            </p:style>
+            <p:txBody>
+              <a:bodyPr rtlCol="0" anchor="ctr"/>
+              <a:lstStyle/>
+              <a:p>
+                <a:pPr algn="ctr"/>
+                <a:endParaRPr lang="en-US"/>
+              </a:p>
+            </p:txBody>
+          </p:sp>
+        </p:grpSp>
+        <p:sp>
+          <p:nvSpPr>
+            <p:cNvPr id="14" name="TextBox 13"/>
+            <p:cNvSpPr txBox="1"/>
+            <p:nvPr/>
+          </p:nvSpPr>
+          <p:spPr>
+            <a:xfrm>
+              <a:off x="-680285" y="4483341"/>
+              <a:ext cx="2978188" cy="400110"/>
+            </a:xfrm>
+            <a:prstGeom prst="rect">
+              <a:avLst/>
+            </a:prstGeom>
+            <a:noFill/>
+          </p:spPr>
+          <p:txBody>
+            <a:bodyPr wrap="none" rtlCol="0">
+              <a:spAutoFit/>
+            </a:bodyPr>
+            <a:lstStyle/>
+            <a:p>
+              <a:r>
+                <a:rPr lang="en-US" sz="2000" dirty="0" smtClean="0">
+                  <a:latin typeface="Cambria" panose="02040503050406030204" pitchFamily="18" charset="0"/>
+                </a:rPr>
+                <a:t>Accuracy not reach 100%</a:t>
+              </a:r>
+              <a:endParaRPr lang="en-US" sz="2000" dirty="0">
+                <a:latin typeface="Cambria" panose="02040503050406030204" pitchFamily="18" charset="0"/>
+              </a:endParaRPr>
+            </a:p>
+          </p:txBody>
+        </p:sp>
+      </p:grpSp>
+    </p:spTree>
+    <p:extLst>
+      <p:ext uri="{BB962C8B-B14F-4D97-AF65-F5344CB8AC3E}">
+        <p14:creationId xmlns:p14="http://schemas.microsoft.com/office/powerpoint/2010/main" val="993726075"/>
+      </p:ext>
+    </p:extLst>
+  </p:cSld>
+  <p:clrMapOvr>
+    <a:masterClrMapping/>
+  </p:clrMapOvr>
+  <p:transition spd="slow">
+    <p:wipe dir="r"/>
+  </p:transition>
+  <p:timing>
+    <p:tnLst>
+      <p:par>
+        <p:cTn id="1" dur="indefinite" restart="never" nodeType="tmRoot">
+          <p:childTnLst>
+            <p:seq concurrent="1" nextAc="seek">
+              <p:cTn id="2" dur="indefinite" nodeType="mainSeq">
+                <p:childTnLst>
+                  <p:par>
+                    <p:cTn id="3" fill="hold">
+                      <p:stCondLst>
+                        <p:cond delay="indefinite"/>
+                      </p:stCondLst>
+                      <p:childTnLst>
+                        <p:par>
+                          <p:cTn id="4" fill="hold">
+                            <p:stCondLst>
+                              <p:cond delay="0"/>
+                            </p:stCondLst>
+                            <p:childTnLst>
+                              <p:par>
+                                <p:cTn id="5" presetID="22" presetClass="entr" presetSubtype="1" fill="hold" nodeType="clickEffect">
+                                  <p:stCondLst>
+                                    <p:cond delay="0"/>
+                                  </p:stCondLst>
+                                  <p:childTnLst>
+                                    <p:set>
+                                      <p:cBhvr>
+                                        <p:cTn id="6" dur="1" fill="hold">
+                                          <p:stCondLst>
+                                            <p:cond delay="0"/>
+                                          </p:stCondLst>
+                                        </p:cTn>
+                                        <p:tgtEl>
+                                          <p:spTgt spid="3"/>
+                                        </p:tgtEl>
+                                        <p:attrNameLst>
+                                          <p:attrName>style.visibility</p:attrName>
+                                        </p:attrNameLst>
+                                      </p:cBhvr>
+                                      <p:to>
+                                        <p:strVal val="visible"/>
+                                      </p:to>
+                                    </p:set>
+                                    <p:animEffect transition="in" filter="wipe(up)">
+                                      <p:cBhvr>
+                                        <p:cTn id="7" dur="500"/>
+                                        <p:tgtEl>
+                                          <p:spTgt spid="3"/>
+                                        </p:tgtEl>
+                                      </p:cBhvr>
+                                    </p:animEffect>
+                                  </p:childTnLst>
+                                </p:cTn>
+                              </p:par>
+                            </p:childTnLst>
+                          </p:cTn>
+                        </p:par>
+                      </p:childTnLst>
+                    </p:cTn>
+                  </p:par>
+                  <p:par>
+                    <p:cTn id="8" fill="hold">
+                      <p:stCondLst>
+                        <p:cond delay="indefinite"/>
+                      </p:stCondLst>
+                      <p:childTnLst>
+                        <p:par>
+                          <p:cTn id="9" fill="hold">
+                            <p:stCondLst>
+                              <p:cond delay="0"/>
+                            </p:stCondLst>
+                            <p:childTnLst>
+                              <p:par>
+                                <p:cTn id="10" presetID="22" presetClass="entr" presetSubtype="1" fill="hold" nodeType="clickEffect">
+                                  <p:stCondLst>
+                                    <p:cond delay="0"/>
+                                  </p:stCondLst>
+                                  <p:childTnLst>
+                                    <p:set>
+                                      <p:cBhvr>
+                                        <p:cTn id="11" dur="1" fill="hold">
+                                          <p:stCondLst>
+                                            <p:cond delay="0"/>
+                                          </p:stCondLst>
+                                        </p:cTn>
+                                        <p:tgtEl>
+                                          <p:spTgt spid="7"/>
+                                        </p:tgtEl>
+                                        <p:attrNameLst>
+                                          <p:attrName>style.visibility</p:attrName>
+                                        </p:attrNameLst>
+                                      </p:cBhvr>
+                                      <p:to>
+                                        <p:strVal val="visible"/>
+                                      </p:to>
+                                    </p:set>
+                                    <p:animEffect transition="in" filter="wipe(up)">
+                                      <p:cBhvr>
+                                        <p:cTn id="12" dur="500"/>
+                                        <p:tgtEl>
+                                          <p:spTgt spid="7"/>
+                                        </p:tgtEl>
+                                      </p:cBhvr>
+                                    </p:animEffect>
+                                  </p:childTnLst>
+                                </p:cTn>
+                              </p:par>
+                            </p:childTnLst>
+                          </p:cTn>
+                        </p:par>
+                      </p:childTnLst>
+                    </p:cTn>
+                  </p:par>
+                  <p:par>
+                    <p:cTn id="13" fill="hold">
+                      <p:stCondLst>
+                        <p:cond delay="indefinite"/>
+                      </p:stCondLst>
+                      <p:childTnLst>
+                        <p:par>
+                          <p:cTn id="14" fill="hold">
+                            <p:stCondLst>
+                              <p:cond delay="0"/>
+                            </p:stCondLst>
+                            <p:childTnLst>
+                              <p:par>
+                                <p:cTn id="15" presetID="22" presetClass="entr" presetSubtype="1" fill="hold" nodeType="clickEffect">
+                                  <p:stCondLst>
+                                    <p:cond delay="0"/>
+                                  </p:stCondLst>
+                                  <p:childTnLst>
+                                    <p:set>
+                                      <p:cBhvr>
+                                        <p:cTn id="16" dur="1" fill="hold">
+                                          <p:stCondLst>
+                                            <p:cond delay="0"/>
+                                          </p:stCondLst>
+                                        </p:cTn>
+                                        <p:tgtEl>
+                                          <p:spTgt spid="15"/>
+                                        </p:tgtEl>
+                                        <p:attrNameLst>
+                                          <p:attrName>style.visibility</p:attrName>
+                                        </p:attrNameLst>
+                                      </p:cBhvr>
+                                      <p:to>
+                                        <p:strVal val="visible"/>
+                                      </p:to>
+                                    </p:set>
+                                    <p:animEffect transition="in" filter="wipe(up)">
+                                      <p:cBhvr>
+                                        <p:cTn id="17" dur="500"/>
+                                        <p:tgtEl>
+                                          <p:spTgt spid="15"/>
+                                        </p:tgtEl>
+                                      </p:cBhvr>
+                                    </p:animEffect>
+                                  </p:childTnLst>
+                                </p:cTn>
+                              </p:par>
+                            </p:childTnLst>
+                          </p:cTn>
+                        </p:par>
+                      </p:childTnLst>
+                    </p:cTn>
+                  </p:par>
+                </p:childTnLst>
+              </p:cTn>
+              <p:prevCondLst>
+                <p:cond evt="onPrev" delay="0">
+                  <p:tgtEl>
+                    <p:sldTgt/>
+                  </p:tgtEl>
+                </p:cond>
+              </p:prevCondLst>
+              <p:nextCondLst>
+                <p:cond evt="onNext" delay="0">
+                  <p:tgtEl>
+                    <p:sldTgt/>
+                  </p:tgtEl>
+                </p:cond>
+              </p:nextCondLst>
+            </p:seq>
+          </p:childTnLst>
+        </p:cTn>
+      </p:par>
+    </p:tnLst>
+  </p:timing>
+</p:sld>
+</file>
+
+<file path=ppt/slides/slide18.xml><?xml version="1.0" encoding="utf-8"?>
 <p:sld xmlns:a="http://schemas.openxmlformats.org/drawingml/2006/main" xmlns:r="http://schemas.openxmlformats.org/officeDocument/2006/relationships" xmlns:p="http://schemas.openxmlformats.org/presentationml/2006/main">
   <p:cSld>
     <p:spTree>
@@ -45996,7 +49388,7 @@
             <a:fld id="{6F0A14D7-2ECC-402F-87CE-D99C4236F396}" type="slidenum">
               <a:rPr lang="en-US" smtClean="0"/>
               <a:pPr/>
-              <a:t>17</a:t>
+              <a:t>18</a:t>
             </a:fld>
             <a:endParaRPr lang="en-US" dirty="0"/>
           </a:p>
@@ -46012,135 +49404,9 @@
   <p:clrMapOvr>
     <a:masterClrMapping/>
   </p:clrMapOvr>
-  <p:timing>
-    <p:tnLst>
-      <p:par>
-        <p:cTn id="1" dur="indefinite" restart="never" nodeType="tmRoot"/>
-      </p:par>
-    </p:tnLst>
-  </p:timing>
-</p:sld>
-</file>
-
-<file path=ppt/slides/slide18.xml><?xml version="1.0" encoding="utf-8"?>
-<p:sld xmlns:a="http://schemas.openxmlformats.org/drawingml/2006/main" xmlns:r="http://schemas.openxmlformats.org/officeDocument/2006/relationships" xmlns:p="http://schemas.openxmlformats.org/presentationml/2006/main">
-  <p:cSld>
-    <p:spTree>
-      <p:nvGrpSpPr>
-        <p:cNvPr id="1" name=""/>
-        <p:cNvGrpSpPr/>
-        <p:nvPr/>
-      </p:nvGrpSpPr>
-      <p:grpSpPr>
-        <a:xfrm>
-          <a:off x="0" y="0"/>
-          <a:ext cx="0" cy="0"/>
-          <a:chOff x="0" y="0"/>
-          <a:chExt cx="0" cy="0"/>
-        </a:xfrm>
-      </p:grpSpPr>
-      <p:sp>
-        <p:nvSpPr>
-          <p:cNvPr id="2" name="Title 1"/>
-          <p:cNvSpPr>
-            <a:spLocks noGrp="1"/>
-          </p:cNvSpPr>
-          <p:nvPr>
-            <p:ph type="title"/>
-          </p:nvPr>
-        </p:nvSpPr>
-        <p:spPr>
-          <a:xfrm>
-            <a:off x="982133" y="457201"/>
-            <a:ext cx="7704667" cy="1153235"/>
-          </a:xfrm>
-        </p:spPr>
-        <p:txBody>
-          <a:bodyPr>
-            <a:normAutofit fontScale="90000"/>
-          </a:bodyPr>
-          <a:lstStyle/>
-          <a:p>
-            <a:pPr lvl="0"/>
-            <a:r>
-              <a:rPr lang="en-US" dirty="0">
-                <a:latin typeface="Cambria" panose="02040503050406030204" pitchFamily="18" charset="0"/>
-              </a:rPr>
-              <a:t>Technology and development </a:t>
-            </a:r>
-            <a:r>
-              <a:rPr lang="en-US" dirty="0" smtClean="0">
-                <a:latin typeface="Cambria" panose="02040503050406030204" pitchFamily="18" charset="0"/>
-              </a:rPr>
-              <a:t>environment</a:t>
-            </a:r>
-            <a:endParaRPr lang="en-US" dirty="0"/>
-          </a:p>
-        </p:txBody>
-      </p:sp>
-      <p:graphicFrame>
-        <p:nvGraphicFramePr>
-          <p:cNvPr id="6" name="Content Placeholder 5"/>
-          <p:cNvGraphicFramePr>
-            <a:graphicFrameLocks noGrp="1"/>
-          </p:cNvGraphicFramePr>
-          <p:nvPr>
-            <p:ph idx="1"/>
-            <p:extLst>
-              <p:ext uri="{D42A27DB-BD31-4B8C-83A1-F6EECF244321}">
-                <p14:modId xmlns:p14="http://schemas.microsoft.com/office/powerpoint/2010/main" val="1257153125"/>
-              </p:ext>
-            </p:extLst>
-          </p:nvPr>
-        </p:nvGraphicFramePr>
-        <p:xfrm>
-          <a:off x="982663" y="1930021"/>
-          <a:ext cx="7704137" cy="3332163"/>
-        </p:xfrm>
-        <a:graphic>
-          <a:graphicData uri="http://schemas.openxmlformats.org/drawingml/2006/diagram">
-            <dgm:relIds xmlns:dgm="http://schemas.openxmlformats.org/drawingml/2006/diagram" xmlns:r="http://schemas.openxmlformats.org/officeDocument/2006/relationships" r:dm="rId2" r:lo="rId3" r:qs="rId4" r:cs="rId5"/>
-          </a:graphicData>
-        </a:graphic>
-      </p:graphicFrame>
-      <p:sp>
-        <p:nvSpPr>
-          <p:cNvPr id="9" name="Slide Number Placeholder 8"/>
-          <p:cNvSpPr>
-            <a:spLocks noGrp="1"/>
-          </p:cNvSpPr>
-          <p:nvPr>
-            <p:ph type="sldNum" sz="quarter" idx="12"/>
-          </p:nvPr>
-        </p:nvSpPr>
-        <p:spPr/>
-        <p:txBody>
-          <a:bodyPr/>
-          <a:lstStyle/>
-          <a:p>
-            <a:r>
-              <a:rPr lang="en-US" smtClean="0"/>
-              <a:t>Slide </a:t>
-            </a:r>
-            <a:fld id="{6F0A14D7-2ECC-402F-87CE-D99C4236F396}" type="slidenum">
-              <a:rPr lang="en-US" smtClean="0"/>
-              <a:pPr/>
-              <a:t>18</a:t>
-            </a:fld>
-            <a:endParaRPr lang="en-US" dirty="0"/>
-          </a:p>
-        </p:txBody>
-      </p:sp>
-    </p:spTree>
-    <p:extLst>
-      <p:ext uri="{BB962C8B-B14F-4D97-AF65-F5344CB8AC3E}">
-        <p14:creationId xmlns:p14="http://schemas.microsoft.com/office/powerpoint/2010/main" val="3845993223"/>
-      </p:ext>
-    </p:extLst>
-  </p:cSld>
-  <p:clrMapOvr>
-    <a:masterClrMapping/>
-  </p:clrMapOvr>
+  <p:transition spd="slow">
+    <p:wipe dir="r"/>
+  </p:transition>
   <p:timing>
     <p:tnLst>
       <p:par>
@@ -46178,25 +49444,18 @@
             <p:ph type="title"/>
           </p:nvPr>
         </p:nvSpPr>
-        <p:spPr>
-          <a:xfrm>
-            <a:off x="859303" y="2640843"/>
-            <a:ext cx="7704667" cy="1981200"/>
-          </a:xfrm>
-        </p:spPr>
+        <p:spPr/>
         <p:txBody>
-          <a:bodyPr>
-            <a:normAutofit/>
-          </a:bodyPr>
+          <a:bodyPr/>
           <a:lstStyle/>
           <a:p>
             <a:r>
-              <a:rPr lang="en-US" sz="8800" dirty="0" smtClean="0">
+              <a:rPr lang="en-US" sz="4400" dirty="0" smtClean="0">
                 <a:latin typeface="Cambria" panose="02040503050406030204" pitchFamily="18" charset="0"/>
               </a:rPr>
-              <a:t>Q&amp;A</a:t>
+              <a:t>Algorithms</a:t>
             </a:r>
-            <a:endParaRPr lang="en-US" sz="8800" dirty="0">
+            <a:endParaRPr lang="en-US" sz="4400" dirty="0">
               <a:latin typeface="Cambria" panose="02040503050406030204" pitchFamily="18" charset="0"/>
             </a:endParaRPr>
           </a:p>
@@ -46204,7 +49463,47 @@
       </p:sp>
       <p:sp>
         <p:nvSpPr>
-          <p:cNvPr id="8" name="Slide Number Placeholder 7"/>
+          <p:cNvPr id="3" name="Content Placeholder 2"/>
+          <p:cNvSpPr>
+            <a:spLocks noGrp="1"/>
+          </p:cNvSpPr>
+          <p:nvPr>
+            <p:ph idx="1"/>
+          </p:nvPr>
+        </p:nvSpPr>
+        <p:spPr>
+          <a:xfrm>
+            <a:off x="1059446" y="2344271"/>
+            <a:ext cx="7704667" cy="3332816"/>
+          </a:xfrm>
+        </p:spPr>
+        <p:txBody>
+          <a:bodyPr/>
+          <a:lstStyle/>
+          <a:p>
+            <a:r>
+              <a:rPr lang="en-US" sz="2800" dirty="0" smtClean="0">
+                <a:latin typeface="Cambria" panose="02040503050406030204" pitchFamily="18" charset="0"/>
+              </a:rPr>
+              <a:t>Viola-Jones: Detect traffic signs</a:t>
+            </a:r>
+          </a:p>
+          <a:p>
+            <a:r>
+              <a:rPr lang="en-US" sz="2800" dirty="0" smtClean="0">
+                <a:latin typeface="Cambria" panose="02040503050406030204" pitchFamily="18" charset="0"/>
+              </a:rPr>
+              <a:t>SVM: Recognize traffic signs</a:t>
+            </a:r>
+            <a:endParaRPr lang="en-US" sz="2800" dirty="0">
+              <a:latin typeface="Cambria" panose="02040503050406030204" pitchFamily="18" charset="0"/>
+            </a:endParaRPr>
+          </a:p>
+        </p:txBody>
+      </p:sp>
+      <p:sp>
+        <p:nvSpPr>
+          <p:cNvPr id="4" name="Slide Number Placeholder 3"/>
           <p:cNvSpPr>
             <a:spLocks noGrp="1"/>
           </p:cNvSpPr>
@@ -46218,28 +49517,31 @@
           <a:lstStyle/>
           <a:p>
             <a:r>
-              <a:rPr lang="en-US" smtClean="0"/>
+              <a:rPr lang="en-US" sz="1800" smtClean="0"/>
               <a:t>Slide </a:t>
             </a:r>
             <a:fld id="{6F0A14D7-2ECC-402F-87CE-D99C4236F396}" type="slidenum">
-              <a:rPr lang="en-US" smtClean="0"/>
+              <a:rPr lang="en-US" sz="1800" smtClean="0"/>
               <a:pPr/>
               <a:t>19</a:t>
             </a:fld>
-            <a:endParaRPr lang="en-US" dirty="0"/>
+            <a:endParaRPr lang="en-US" sz="1800" dirty="0"/>
           </a:p>
         </p:txBody>
       </p:sp>
     </p:spTree>
     <p:extLst>
       <p:ext uri="{BB962C8B-B14F-4D97-AF65-F5344CB8AC3E}">
-        <p14:creationId xmlns:p14="http://schemas.microsoft.com/office/powerpoint/2010/main" val="768656634"/>
+        <p14:creationId xmlns:p14="http://schemas.microsoft.com/office/powerpoint/2010/main" val="764321989"/>
       </p:ext>
     </p:extLst>
   </p:cSld>
   <p:clrMapOvr>
     <a:masterClrMapping/>
   </p:clrMapOvr>
+  <p:transition spd="slow">
+    <p:wipe dir="r"/>
+  </p:transition>
   <p:timing>
     <p:tnLst>
       <p:par>
@@ -46362,6 +49664,9 @@
   <p:clrMapOvr>
     <a:masterClrMapping/>
   </p:clrMapOvr>
+  <p:transition spd="slow">
+    <p:wipe dir="r"/>
+  </p:transition>
   <p:timing>
     <p:tnLst>
       <p:par>
@@ -46373,6 +49678,240 @@
 </file>
 
 <file path=ppt/slides/slide20.xml><?xml version="1.0" encoding="utf-8"?>
+<p:sld xmlns:a="http://schemas.openxmlformats.org/drawingml/2006/main" xmlns:r="http://schemas.openxmlformats.org/officeDocument/2006/relationships" xmlns:p="http://schemas.openxmlformats.org/presentationml/2006/main">
+  <p:cSld>
+    <p:spTree>
+      <p:nvGrpSpPr>
+        <p:cNvPr id="1" name=""/>
+        <p:cNvGrpSpPr/>
+        <p:nvPr/>
+      </p:nvGrpSpPr>
+      <p:grpSpPr>
+        <a:xfrm>
+          <a:off x="0" y="0"/>
+          <a:ext cx="0" cy="0"/>
+          <a:chOff x="0" y="0"/>
+          <a:chExt cx="0" cy="0"/>
+        </a:xfrm>
+      </p:grpSpPr>
+      <p:sp>
+        <p:nvSpPr>
+          <p:cNvPr id="2" name="Title 1"/>
+          <p:cNvSpPr>
+            <a:spLocks noGrp="1"/>
+          </p:cNvSpPr>
+          <p:nvPr>
+            <p:ph type="title"/>
+          </p:nvPr>
+        </p:nvSpPr>
+        <p:spPr>
+          <a:xfrm>
+            <a:off x="982133" y="457201"/>
+            <a:ext cx="7704667" cy="1153235"/>
+          </a:xfrm>
+        </p:spPr>
+        <p:txBody>
+          <a:bodyPr>
+            <a:normAutofit fontScale="90000"/>
+          </a:bodyPr>
+          <a:lstStyle/>
+          <a:p>
+            <a:pPr lvl="0"/>
+            <a:r>
+              <a:rPr lang="en-US" dirty="0">
+                <a:latin typeface="Cambria" panose="02040503050406030204" pitchFamily="18" charset="0"/>
+              </a:rPr>
+              <a:t>Technology and development </a:t>
+            </a:r>
+            <a:r>
+              <a:rPr lang="en-US" dirty="0" smtClean="0">
+                <a:latin typeface="Cambria" panose="02040503050406030204" pitchFamily="18" charset="0"/>
+              </a:rPr>
+              <a:t>environment</a:t>
+            </a:r>
+            <a:endParaRPr lang="en-US" dirty="0"/>
+          </a:p>
+        </p:txBody>
+      </p:sp>
+      <p:graphicFrame>
+        <p:nvGraphicFramePr>
+          <p:cNvPr id="6" name="Content Placeholder 5"/>
+          <p:cNvGraphicFramePr>
+            <a:graphicFrameLocks noGrp="1"/>
+          </p:cNvGraphicFramePr>
+          <p:nvPr>
+            <p:ph idx="1"/>
+            <p:extLst>
+              <p:ext uri="{D42A27DB-BD31-4B8C-83A1-F6EECF244321}">
+                <p14:modId xmlns:p14="http://schemas.microsoft.com/office/powerpoint/2010/main" val="1257153125"/>
+              </p:ext>
+            </p:extLst>
+          </p:nvPr>
+        </p:nvGraphicFramePr>
+        <p:xfrm>
+          <a:off x="982663" y="1930021"/>
+          <a:ext cx="7704137" cy="3332163"/>
+        </p:xfrm>
+        <a:graphic>
+          <a:graphicData uri="http://schemas.openxmlformats.org/drawingml/2006/diagram">
+            <dgm:relIds xmlns:dgm="http://schemas.openxmlformats.org/drawingml/2006/diagram" xmlns:r="http://schemas.openxmlformats.org/officeDocument/2006/relationships" r:dm="rId2" r:lo="rId3" r:qs="rId4" r:cs="rId5"/>
+          </a:graphicData>
+        </a:graphic>
+      </p:graphicFrame>
+      <p:sp>
+        <p:nvSpPr>
+          <p:cNvPr id="9" name="Slide Number Placeholder 8"/>
+          <p:cNvSpPr>
+            <a:spLocks noGrp="1"/>
+          </p:cNvSpPr>
+          <p:nvPr>
+            <p:ph type="sldNum" sz="quarter" idx="12"/>
+          </p:nvPr>
+        </p:nvSpPr>
+        <p:spPr/>
+        <p:txBody>
+          <a:bodyPr/>
+          <a:lstStyle/>
+          <a:p>
+            <a:r>
+              <a:rPr lang="en-US" smtClean="0"/>
+              <a:t>Slide </a:t>
+            </a:r>
+            <a:fld id="{6F0A14D7-2ECC-402F-87CE-D99C4236F396}" type="slidenum">
+              <a:rPr lang="en-US" smtClean="0"/>
+              <a:pPr/>
+              <a:t>20</a:t>
+            </a:fld>
+            <a:endParaRPr lang="en-US" dirty="0"/>
+          </a:p>
+        </p:txBody>
+      </p:sp>
+    </p:spTree>
+    <p:extLst>
+      <p:ext uri="{BB962C8B-B14F-4D97-AF65-F5344CB8AC3E}">
+        <p14:creationId xmlns:p14="http://schemas.microsoft.com/office/powerpoint/2010/main" val="3845993223"/>
+      </p:ext>
+    </p:extLst>
+  </p:cSld>
+  <p:clrMapOvr>
+    <a:masterClrMapping/>
+  </p:clrMapOvr>
+  <p:transition spd="slow">
+    <p:wipe dir="r"/>
+  </p:transition>
+  <p:timing>
+    <p:tnLst>
+      <p:par>
+        <p:cTn id="1" dur="indefinite" restart="never" nodeType="tmRoot"/>
+      </p:par>
+    </p:tnLst>
+  </p:timing>
+</p:sld>
+</file>
+
+<file path=ppt/slides/slide21.xml><?xml version="1.0" encoding="utf-8"?>
+<p:sld xmlns:a="http://schemas.openxmlformats.org/drawingml/2006/main" xmlns:r="http://schemas.openxmlformats.org/officeDocument/2006/relationships" xmlns:p="http://schemas.openxmlformats.org/presentationml/2006/main">
+  <p:cSld>
+    <p:spTree>
+      <p:nvGrpSpPr>
+        <p:cNvPr id="1" name=""/>
+        <p:cNvGrpSpPr/>
+        <p:nvPr/>
+      </p:nvGrpSpPr>
+      <p:grpSpPr>
+        <a:xfrm>
+          <a:off x="0" y="0"/>
+          <a:ext cx="0" cy="0"/>
+          <a:chOff x="0" y="0"/>
+          <a:chExt cx="0" cy="0"/>
+        </a:xfrm>
+      </p:grpSpPr>
+      <p:sp>
+        <p:nvSpPr>
+          <p:cNvPr id="2" name="Title 1"/>
+          <p:cNvSpPr>
+            <a:spLocks noGrp="1"/>
+          </p:cNvSpPr>
+          <p:nvPr>
+            <p:ph type="title"/>
+          </p:nvPr>
+        </p:nvSpPr>
+        <p:spPr>
+          <a:xfrm>
+            <a:off x="859303" y="2640843"/>
+            <a:ext cx="7704667" cy="1981200"/>
+          </a:xfrm>
+        </p:spPr>
+        <p:txBody>
+          <a:bodyPr>
+            <a:normAutofit/>
+          </a:bodyPr>
+          <a:lstStyle/>
+          <a:p>
+            <a:r>
+              <a:rPr lang="en-US" sz="8800" dirty="0" smtClean="0">
+                <a:latin typeface="Cambria" panose="02040503050406030204" pitchFamily="18" charset="0"/>
+              </a:rPr>
+              <a:t>Q&amp;A</a:t>
+            </a:r>
+            <a:endParaRPr lang="en-US" sz="8800" dirty="0">
+              <a:latin typeface="Cambria" panose="02040503050406030204" pitchFamily="18" charset="0"/>
+            </a:endParaRPr>
+          </a:p>
+        </p:txBody>
+      </p:sp>
+      <p:sp>
+        <p:nvSpPr>
+          <p:cNvPr id="8" name="Slide Number Placeholder 7"/>
+          <p:cNvSpPr>
+            <a:spLocks noGrp="1"/>
+          </p:cNvSpPr>
+          <p:nvPr>
+            <p:ph type="sldNum" sz="quarter" idx="12"/>
+          </p:nvPr>
+        </p:nvSpPr>
+        <p:spPr/>
+        <p:txBody>
+          <a:bodyPr/>
+          <a:lstStyle/>
+          <a:p>
+            <a:r>
+              <a:rPr lang="en-US" smtClean="0"/>
+              <a:t>Slide </a:t>
+            </a:r>
+            <a:fld id="{6F0A14D7-2ECC-402F-87CE-D99C4236F396}" type="slidenum">
+              <a:rPr lang="en-US" smtClean="0"/>
+              <a:pPr/>
+              <a:t>21</a:t>
+            </a:fld>
+            <a:endParaRPr lang="en-US" dirty="0"/>
+          </a:p>
+        </p:txBody>
+      </p:sp>
+    </p:spTree>
+    <p:extLst>
+      <p:ext uri="{BB962C8B-B14F-4D97-AF65-F5344CB8AC3E}">
+        <p14:creationId xmlns:p14="http://schemas.microsoft.com/office/powerpoint/2010/main" val="768656634"/>
+      </p:ext>
+    </p:extLst>
+  </p:cSld>
+  <p:clrMapOvr>
+    <a:masterClrMapping/>
+  </p:clrMapOvr>
+  <p:transition spd="slow">
+    <p:wipe dir="r"/>
+  </p:transition>
+  <p:timing>
+    <p:tnLst>
+      <p:par>
+        <p:cTn id="1" dur="indefinite" restart="never" nodeType="tmRoot"/>
+      </p:par>
+    </p:tnLst>
+  </p:timing>
+</p:sld>
+</file>
+
+<file path=ppt/slides/slide22.xml><?xml version="1.0" encoding="utf-8"?>
 <p:sld xmlns:a="http://schemas.openxmlformats.org/drawingml/2006/main" xmlns:r="http://schemas.openxmlformats.org/officeDocument/2006/relationships" xmlns:p="http://schemas.openxmlformats.org/presentationml/2006/main">
   <p:cSld>
     <p:spTree>
@@ -46445,7 +49984,7 @@
             <a:fld id="{6F0A14D7-2ECC-402F-87CE-D99C4236F396}" type="slidenum">
               <a:rPr lang="en-US" smtClean="0"/>
               <a:pPr/>
-              <a:t>20</a:t>
+              <a:t>22</a:t>
             </a:fld>
             <a:endParaRPr lang="en-US" dirty="0"/>
           </a:p>
@@ -46461,6 +50000,9 @@
   <p:clrMapOvr>
     <a:masterClrMapping/>
   </p:clrMapOvr>
+  <p:transition spd="slow">
+    <p:wipe dir="r"/>
+  </p:transition>
   <p:timing>
     <p:tnLst>
       <p:par>
@@ -46582,6 +50124,9 @@
   <p:clrMapOvr>
     <a:masterClrMapping/>
   </p:clrMapOvr>
+  <p:transition spd="slow">
+    <p:wipe dir="r"/>
+  </p:transition>
   <p:timing>
     <p:tnLst>
       <p:par>
@@ -46747,14 +50292,9 @@
   <p:clrMapOvr>
     <a:masterClrMapping/>
   </p:clrMapOvr>
-  <mc:AlternateContent xmlns:mc="http://schemas.openxmlformats.org/markup-compatibility/2006" xmlns:p14="http://schemas.microsoft.com/office/powerpoint/2010/main">
-    <mc:Choice Requires="p14">
-      <p:transition spd="slow" p14:dur="2000"/>
-    </mc:Choice>
-    <mc:Fallback xmlns="">
-      <p:transition spd="slow"/>
-    </mc:Fallback>
-  </mc:AlternateContent>
+  <p:transition spd="slow">
+    <p:wipe dir="r"/>
+  </p:transition>
   <p:timing>
     <p:tnLst>
       <p:par>
@@ -46914,13 +50454,13 @@
           <p:nvPr>
             <p:extLst>
               <p:ext uri="{D42A27DB-BD31-4B8C-83A1-F6EECF244321}">
-                <p14:modId xmlns:p14="http://schemas.microsoft.com/office/powerpoint/2010/main" val="1595480010"/>
+                <p14:modId xmlns:p14="http://schemas.microsoft.com/office/powerpoint/2010/main" val="1397083151"/>
               </p:ext>
             </p:extLst>
           </p:nvPr>
         </p:nvGraphicFramePr>
         <p:xfrm>
-          <a:off x="457694" y="4923549"/>
+          <a:off x="457694" y="4844035"/>
           <a:ext cx="2531167" cy="1477251"/>
         </p:xfrm>
         <a:graphic>
@@ -46936,13 +50476,13 @@
           <p:nvPr>
             <p:extLst>
               <p:ext uri="{D42A27DB-BD31-4B8C-83A1-F6EECF244321}">
-                <p14:modId xmlns:p14="http://schemas.microsoft.com/office/powerpoint/2010/main" val="1448923999"/>
+                <p14:modId xmlns:p14="http://schemas.microsoft.com/office/powerpoint/2010/main" val="176768444"/>
               </p:ext>
             </p:extLst>
           </p:nvPr>
         </p:nvGraphicFramePr>
         <p:xfrm>
-          <a:off x="3427999" y="4877166"/>
+          <a:off x="3427999" y="4844035"/>
           <a:ext cx="2531167" cy="1477251"/>
         </p:xfrm>
         <a:graphic>
@@ -46958,7 +50498,7 @@
           <p:nvPr>
             <p:extLst>
               <p:ext uri="{D42A27DB-BD31-4B8C-83A1-F6EECF244321}">
-                <p14:modId xmlns:p14="http://schemas.microsoft.com/office/powerpoint/2010/main" val="1219598710"/>
+                <p14:modId xmlns:p14="http://schemas.microsoft.com/office/powerpoint/2010/main" val="4093516948"/>
               </p:ext>
             </p:extLst>
           </p:nvPr>
@@ -46981,8 +50521,8 @@
         </p:nvGrpSpPr>
         <p:grpSpPr>
           <a:xfrm>
-            <a:off x="7088633" y="1957782"/>
-            <a:ext cx="1652758" cy="2786198"/>
+            <a:off x="7088633" y="2393576"/>
+            <a:ext cx="1544379" cy="2350404"/>
             <a:chOff x="7088633" y="1957782"/>
             <a:chExt cx="1652758" cy="2786198"/>
           </a:xfrm>
@@ -47061,6 +50601,9 @@
   <p:clrMapOvr>
     <a:masterClrMapping/>
   </p:clrMapOvr>
+  <p:transition spd="slow">
+    <p:wipe dir="r"/>
+  </p:transition>
   <p:timing>
     <p:tnLst>
       <p:par>
@@ -47922,6 +51465,9 @@
   <p:clrMapOvr>
     <a:masterClrMapping/>
   </p:clrMapOvr>
+  <p:transition spd="slow">
+    <p:wipe dir="r"/>
+  </p:transition>
   <p:timing>
     <p:tnLst>
       <p:par>
@@ -48637,6 +52183,9 @@
   <p:clrMapOvr>
     <a:masterClrMapping/>
   </p:clrMapOvr>
+  <p:transition spd="slow">
+    <p:wipe dir="r"/>
+  </p:transition>
   <p:timing>
     <p:tnLst>
       <p:par>
@@ -48755,6 +52304,9 @@
   <p:clrMapOvr>
     <a:masterClrMapping/>
   </p:clrMapOvr>
+  <p:transition spd="slow">
+    <p:wipe dir="r"/>
+  </p:transition>
   <p:timing>
     <p:tnLst>
       <p:par>
@@ -48808,13 +52360,7 @@
               <a:rPr lang="en-US" dirty="0" smtClean="0">
                 <a:latin typeface="Cambria" panose="02040503050406030204" pitchFamily="18" charset="0"/>
               </a:rPr>
-              <a:t>How </a:t>
-            </a:r>
-            <a:r>
-              <a:rPr lang="en-US" dirty="0" smtClean="0">
-                <a:latin typeface="Cambria" panose="02040503050406030204" pitchFamily="18" charset="0"/>
-              </a:rPr>
-              <a:t>detection and recognition work</a:t>
+              <a:t>How detection and recognition work</a:t>
             </a:r>
             <a:endParaRPr lang="en-US" dirty="0">
               <a:latin typeface="Cambria" panose="02040503050406030204" pitchFamily="18" charset="0"/>
@@ -48906,10 +52452,14 @@
             <a:p>
               <a:pPr algn="ctr"/>
               <a:r>
-                <a:rPr lang="en-US" dirty="0" smtClean="0"/>
+                <a:rPr lang="en-US" dirty="0" smtClean="0">
+                  <a:latin typeface="Cambria" panose="02040503050406030204" pitchFamily="18" charset="0"/>
+                </a:rPr>
                 <a:t>Detect</a:t>
               </a:r>
-              <a:endParaRPr lang="en-US" dirty="0"/>
+              <a:endParaRPr lang="en-US" dirty="0">
+                <a:latin typeface="Cambria" panose="02040503050406030204" pitchFamily="18" charset="0"/>
+              </a:endParaRPr>
             </a:p>
           </p:txBody>
         </p:sp>
@@ -48998,10 +52548,14 @@
             <a:p>
               <a:pPr algn="ctr"/>
               <a:r>
-                <a:rPr lang="en-US" sz="1400" dirty="0" smtClean="0"/>
+                <a:rPr lang="en-US" sz="1400" dirty="0" smtClean="0">
+                  <a:latin typeface="Cambria" panose="02040503050406030204" pitchFamily="18" charset="0"/>
+                </a:rPr>
                 <a:t>Detected Area</a:t>
               </a:r>
-              <a:endParaRPr lang="en-US" sz="1400" dirty="0"/>
+              <a:endParaRPr lang="en-US" sz="1400" dirty="0">
+                <a:latin typeface="Cambria" panose="02040503050406030204" pitchFamily="18" charset="0"/>
+              </a:endParaRPr>
             </a:p>
           </p:txBody>
         </p:sp>
@@ -49090,10 +52644,14 @@
             <a:p>
               <a:pPr algn="ctr"/>
               <a:r>
-                <a:rPr lang="en-US" dirty="0" smtClean="0"/>
+                <a:rPr lang="en-US" dirty="0" smtClean="0">
+                  <a:latin typeface="Cambria" panose="02040503050406030204" pitchFamily="18" charset="0"/>
+                </a:rPr>
                 <a:t>Recognize</a:t>
               </a:r>
-              <a:endParaRPr lang="en-US" dirty="0"/>
+              <a:endParaRPr lang="en-US" dirty="0">
+                <a:latin typeface="Cambria" panose="02040503050406030204" pitchFamily="18" charset="0"/>
+              </a:endParaRPr>
             </a:p>
           </p:txBody>
         </p:sp>
@@ -49290,10 +52848,14 @@
             <a:p>
               <a:pPr algn="ctr"/>
               <a:r>
-                <a:rPr lang="en-US" dirty="0" smtClean="0"/>
+                <a:rPr lang="en-US" sz="1600" dirty="0" smtClean="0">
+                  <a:latin typeface="Cambria" panose="02040503050406030204" pitchFamily="18" charset="0"/>
+                </a:rPr>
                 <a:t>Traffic sign</a:t>
               </a:r>
-              <a:endParaRPr lang="en-US" dirty="0"/>
+              <a:endParaRPr lang="en-US" sz="1600" dirty="0">
+                <a:latin typeface="Cambria" panose="02040503050406030204" pitchFamily="18" charset="0"/>
+              </a:endParaRPr>
             </a:p>
           </p:txBody>
         </p:sp>
@@ -49371,10 +52933,14 @@
           <a:p>
             <a:pPr algn="ctr"/>
             <a:r>
-              <a:rPr lang="en-US" dirty="0" smtClean="0"/>
+              <a:rPr lang="en-US" dirty="0" smtClean="0">
+                <a:latin typeface="Cambria" panose="02040503050406030204" pitchFamily="18" charset="0"/>
+              </a:rPr>
               <a:t>Start</a:t>
             </a:r>
-            <a:endParaRPr lang="en-US" dirty="0"/>
+            <a:endParaRPr lang="en-US" dirty="0">
+              <a:latin typeface="Cambria" panose="02040503050406030204" pitchFamily="18" charset="0"/>
+            </a:endParaRPr>
           </a:p>
         </p:txBody>
       </p:sp>
@@ -49429,10 +52995,14 @@
             <a:p>
               <a:pPr algn="ctr"/>
               <a:r>
-                <a:rPr lang="en-US" dirty="0" smtClean="0"/>
+                <a:rPr lang="en-US" dirty="0" smtClean="0">
+                  <a:latin typeface="Cambria" panose="02040503050406030204" pitchFamily="18" charset="0"/>
+                </a:rPr>
                 <a:t>Image</a:t>
               </a:r>
-              <a:endParaRPr lang="en-US" dirty="0"/>
+              <a:endParaRPr lang="en-US" dirty="0">
+                <a:latin typeface="Cambria" panose="02040503050406030204" pitchFamily="18" charset="0"/>
+              </a:endParaRPr>
             </a:p>
           </p:txBody>
         </p:sp>
@@ -49521,10 +53091,14 @@
             <a:p>
               <a:pPr algn="ctr"/>
               <a:r>
-                <a:rPr lang="en-US" dirty="0" smtClean="0"/>
+                <a:rPr lang="en-US" dirty="0" smtClean="0">
+                  <a:latin typeface="Cambria" panose="02040503050406030204" pitchFamily="18" charset="0"/>
+                </a:rPr>
                 <a:t>Finish</a:t>
               </a:r>
-              <a:endParaRPr lang="en-US" dirty="0"/>
+              <a:endParaRPr lang="en-US" dirty="0">
+                <a:latin typeface="Cambria" panose="02040503050406030204" pitchFamily="18" charset="0"/>
+              </a:endParaRPr>
             </a:p>
           </p:txBody>
         </p:sp>
@@ -49843,6 +53417,9 @@
   <p:clrMapOvr>
     <a:masterClrMapping/>
   </p:clrMapOvr>
+  <p:transition spd="slow">
+    <p:wipe dir="r"/>
+  </p:transition>
   <p:timing>
     <p:tnLst>
       <p:par>
@@ -49864,7 +53441,7 @@
                             </p:stCondLst>
                             <p:childTnLst>
                               <p:par>
-                                <p:cTn id="5" presetID="22" presetClass="entr" presetSubtype="8" fill="hold" grpId="0" nodeType="clickEffect">
+                                <p:cTn id="5" presetID="47" presetClass="entr" presetSubtype="0" fill="hold" nodeType="clickEffect">
                                   <p:stCondLst>
                                     <p:cond delay="0"/>
                                   </p:stCondLst>
@@ -49872,359 +53449,6 @@
                                     <p:set>
                                       <p:cBhvr>
                                         <p:cTn id="6" dur="1" fill="hold">
-                                          <p:stCondLst>
-                                            <p:cond delay="0"/>
-                                          </p:stCondLst>
-                                        </p:cTn>
-                                        <p:tgtEl>
-                                          <p:spTgt spid="57"/>
-                                        </p:tgtEl>
-                                        <p:attrNameLst>
-                                          <p:attrName>style.visibility</p:attrName>
-                                        </p:attrNameLst>
-                                      </p:cBhvr>
-                                      <p:to>
-                                        <p:strVal val="visible"/>
-                                      </p:to>
-                                    </p:set>
-                                    <p:animEffect transition="in" filter="wipe(left)">
-                                      <p:cBhvr>
-                                        <p:cTn id="7" dur="500"/>
-                                        <p:tgtEl>
-                                          <p:spTgt spid="57"/>
-                                        </p:tgtEl>
-                                      </p:cBhvr>
-                                    </p:animEffect>
-                                  </p:childTnLst>
-                                </p:cTn>
-                              </p:par>
-                            </p:childTnLst>
-                          </p:cTn>
-                        </p:par>
-                        <p:par>
-                          <p:cTn id="8" fill="hold">
-                            <p:stCondLst>
-                              <p:cond delay="500"/>
-                            </p:stCondLst>
-                            <p:childTnLst>
-                              <p:par>
-                                <p:cTn id="9" presetID="22" presetClass="entr" presetSubtype="8" fill="hold" nodeType="afterEffect">
-                                  <p:stCondLst>
-                                    <p:cond delay="0"/>
-                                  </p:stCondLst>
-                                  <p:childTnLst>
-                                    <p:set>
-                                      <p:cBhvr>
-                                        <p:cTn id="10" dur="1" fill="hold">
-                                          <p:stCondLst>
-                                            <p:cond delay="0"/>
-                                          </p:stCondLst>
-                                        </p:cTn>
-                                        <p:tgtEl>
-                                          <p:spTgt spid="71"/>
-                                        </p:tgtEl>
-                                        <p:attrNameLst>
-                                          <p:attrName>style.visibility</p:attrName>
-                                        </p:attrNameLst>
-                                      </p:cBhvr>
-                                      <p:to>
-                                        <p:strVal val="visible"/>
-                                      </p:to>
-                                    </p:set>
-                                    <p:animEffect transition="in" filter="wipe(left)">
-                                      <p:cBhvr>
-                                        <p:cTn id="11" dur="500"/>
-                                        <p:tgtEl>
-                                          <p:spTgt spid="71"/>
-                                        </p:tgtEl>
-                                      </p:cBhvr>
-                                    </p:animEffect>
-                                  </p:childTnLst>
-                                </p:cTn>
-                              </p:par>
-                            </p:childTnLst>
-                          </p:cTn>
-                        </p:par>
-                      </p:childTnLst>
-                    </p:cTn>
-                  </p:par>
-                  <p:par>
-                    <p:cTn id="12" fill="hold">
-                      <p:stCondLst>
-                        <p:cond delay="indefinite"/>
-                      </p:stCondLst>
-                      <p:childTnLst>
-                        <p:par>
-                          <p:cTn id="13" fill="hold">
-                            <p:stCondLst>
-                              <p:cond delay="0"/>
-                            </p:stCondLst>
-                            <p:childTnLst>
-                              <p:par>
-                                <p:cTn id="14" presetID="22" presetClass="entr" presetSubtype="8" fill="hold" nodeType="clickEffect">
-                                  <p:stCondLst>
-                                    <p:cond delay="0"/>
-                                  </p:stCondLst>
-                                  <p:childTnLst>
-                                    <p:set>
-                                      <p:cBhvr>
-                                        <p:cTn id="15" dur="1" fill="hold">
-                                          <p:stCondLst>
-                                            <p:cond delay="0"/>
-                                          </p:stCondLst>
-                                        </p:cTn>
-                                        <p:tgtEl>
-                                          <p:spTgt spid="72"/>
-                                        </p:tgtEl>
-                                        <p:attrNameLst>
-                                          <p:attrName>style.visibility</p:attrName>
-                                        </p:attrNameLst>
-                                      </p:cBhvr>
-                                      <p:to>
-                                        <p:strVal val="visible"/>
-                                      </p:to>
-                                    </p:set>
-                                    <p:animEffect transition="in" filter="wipe(left)">
-                                      <p:cBhvr>
-                                        <p:cTn id="16" dur="500"/>
-                                        <p:tgtEl>
-                                          <p:spTgt spid="72"/>
-                                        </p:tgtEl>
-                                      </p:cBhvr>
-                                    </p:animEffect>
-                                  </p:childTnLst>
-                                </p:cTn>
-                              </p:par>
-                            </p:childTnLst>
-                          </p:cTn>
-                        </p:par>
-                      </p:childTnLst>
-                    </p:cTn>
-                  </p:par>
-                  <p:par>
-                    <p:cTn id="17" fill="hold">
-                      <p:stCondLst>
-                        <p:cond delay="indefinite"/>
-                      </p:stCondLst>
-                      <p:childTnLst>
-                        <p:par>
-                          <p:cTn id="18" fill="hold">
-                            <p:stCondLst>
-                              <p:cond delay="0"/>
-                            </p:stCondLst>
-                            <p:childTnLst>
-                              <p:par>
-                                <p:cTn id="19" presetID="22" presetClass="entr" presetSubtype="8" fill="hold" nodeType="clickEffect">
-                                  <p:stCondLst>
-                                    <p:cond delay="0"/>
-                                  </p:stCondLst>
-                                  <p:childTnLst>
-                                    <p:set>
-                                      <p:cBhvr>
-                                        <p:cTn id="20" dur="1" fill="hold">
-                                          <p:stCondLst>
-                                            <p:cond delay="0"/>
-                                          </p:stCondLst>
-                                        </p:cTn>
-                                        <p:tgtEl>
-                                          <p:spTgt spid="73"/>
-                                        </p:tgtEl>
-                                        <p:attrNameLst>
-                                          <p:attrName>style.visibility</p:attrName>
-                                        </p:attrNameLst>
-                                      </p:cBhvr>
-                                      <p:to>
-                                        <p:strVal val="visible"/>
-                                      </p:to>
-                                    </p:set>
-                                    <p:animEffect transition="in" filter="wipe(left)">
-                                      <p:cBhvr>
-                                        <p:cTn id="21" dur="500"/>
-                                        <p:tgtEl>
-                                          <p:spTgt spid="73"/>
-                                        </p:tgtEl>
-                                      </p:cBhvr>
-                                    </p:animEffect>
-                                  </p:childTnLst>
-                                </p:cTn>
-                              </p:par>
-                            </p:childTnLst>
-                          </p:cTn>
-                        </p:par>
-                      </p:childTnLst>
-                    </p:cTn>
-                  </p:par>
-                  <p:par>
-                    <p:cTn id="22" fill="hold">
-                      <p:stCondLst>
-                        <p:cond delay="indefinite"/>
-                      </p:stCondLst>
-                      <p:childTnLst>
-                        <p:par>
-                          <p:cTn id="23" fill="hold">
-                            <p:stCondLst>
-                              <p:cond delay="0"/>
-                            </p:stCondLst>
-                            <p:childTnLst>
-                              <p:par>
-                                <p:cTn id="24" presetID="22" presetClass="entr" presetSubtype="1" fill="hold" nodeType="clickEffect">
-                                  <p:stCondLst>
-                                    <p:cond delay="0"/>
-                                  </p:stCondLst>
-                                  <p:childTnLst>
-                                    <p:set>
-                                      <p:cBhvr>
-                                        <p:cTn id="25" dur="1" fill="hold">
-                                          <p:stCondLst>
-                                            <p:cond delay="0"/>
-                                          </p:stCondLst>
-                                        </p:cTn>
-                                        <p:tgtEl>
-                                          <p:spTgt spid="74"/>
-                                        </p:tgtEl>
-                                        <p:attrNameLst>
-                                          <p:attrName>style.visibility</p:attrName>
-                                        </p:attrNameLst>
-                                      </p:cBhvr>
-                                      <p:to>
-                                        <p:strVal val="visible"/>
-                                      </p:to>
-                                    </p:set>
-                                    <p:animEffect transition="in" filter="wipe(up)">
-                                      <p:cBhvr>
-                                        <p:cTn id="26" dur="500"/>
-                                        <p:tgtEl>
-                                          <p:spTgt spid="74"/>
-                                        </p:tgtEl>
-                                      </p:cBhvr>
-                                    </p:animEffect>
-                                  </p:childTnLst>
-                                </p:cTn>
-                              </p:par>
-                            </p:childTnLst>
-                          </p:cTn>
-                        </p:par>
-                      </p:childTnLst>
-                    </p:cTn>
-                  </p:par>
-                  <p:par>
-                    <p:cTn id="27" fill="hold">
-                      <p:stCondLst>
-                        <p:cond delay="indefinite"/>
-                      </p:stCondLst>
-                      <p:childTnLst>
-                        <p:par>
-                          <p:cTn id="28" fill="hold">
-                            <p:stCondLst>
-                              <p:cond delay="0"/>
-                            </p:stCondLst>
-                            <p:childTnLst>
-                              <p:par>
-                                <p:cTn id="29" presetID="22" presetClass="entr" presetSubtype="2" fill="hold" nodeType="clickEffect">
-                                  <p:stCondLst>
-                                    <p:cond delay="0"/>
-                                  </p:stCondLst>
-                                  <p:childTnLst>
-                                    <p:set>
-                                      <p:cBhvr>
-                                        <p:cTn id="30" dur="1" fill="hold">
-                                          <p:stCondLst>
-                                            <p:cond delay="0"/>
-                                          </p:stCondLst>
-                                        </p:cTn>
-                                        <p:tgtEl>
-                                          <p:spTgt spid="75"/>
-                                        </p:tgtEl>
-                                        <p:attrNameLst>
-                                          <p:attrName>style.visibility</p:attrName>
-                                        </p:attrNameLst>
-                                      </p:cBhvr>
-                                      <p:to>
-                                        <p:strVal val="visible"/>
-                                      </p:to>
-                                    </p:set>
-                                    <p:animEffect transition="in" filter="wipe(right)">
-                                      <p:cBhvr>
-                                        <p:cTn id="31" dur="500"/>
-                                        <p:tgtEl>
-                                          <p:spTgt spid="75"/>
-                                        </p:tgtEl>
-                                      </p:cBhvr>
-                                    </p:animEffect>
-                                  </p:childTnLst>
-                                </p:cTn>
-                              </p:par>
-                            </p:childTnLst>
-                          </p:cTn>
-                        </p:par>
-                        <p:par>
-                          <p:cTn id="32" fill="hold">
-                            <p:stCondLst>
-                              <p:cond delay="500"/>
-                            </p:stCondLst>
-                            <p:childTnLst>
-                              <p:par>
-                                <p:cTn id="33" presetID="22" presetClass="entr" presetSubtype="2" fill="hold" nodeType="afterEffect">
-                                  <p:stCondLst>
-                                    <p:cond delay="0"/>
-                                  </p:stCondLst>
-                                  <p:childTnLst>
-                                    <p:set>
-                                      <p:cBhvr>
-                                        <p:cTn id="34" dur="1" fill="hold">
-                                          <p:stCondLst>
-                                            <p:cond delay="0"/>
-                                          </p:stCondLst>
-                                        </p:cTn>
-                                        <p:tgtEl>
-                                          <p:spTgt spid="76"/>
-                                        </p:tgtEl>
-                                        <p:attrNameLst>
-                                          <p:attrName>style.visibility</p:attrName>
-                                        </p:attrNameLst>
-                                      </p:cBhvr>
-                                      <p:to>
-                                        <p:strVal val="visible"/>
-                                      </p:to>
-                                    </p:set>
-                                    <p:animEffect transition="in" filter="wipe(right)">
-                                      <p:cBhvr>
-                                        <p:cTn id="35" dur="500"/>
-                                        <p:tgtEl>
-                                          <p:spTgt spid="76"/>
-                                        </p:tgtEl>
-                                      </p:cBhvr>
-                                    </p:animEffect>
-                                  </p:childTnLst>
-                                </p:cTn>
-                              </p:par>
-                            </p:childTnLst>
-                          </p:cTn>
-                        </p:par>
-                      </p:childTnLst>
-                    </p:cTn>
-                  </p:par>
-                  <p:par>
-                    <p:cTn id="36" fill="hold">
-                      <p:stCondLst>
-                        <p:cond delay="indefinite"/>
-                      </p:stCondLst>
-                      <p:childTnLst>
-                        <p:par>
-                          <p:cTn id="37" fill="hold">
-                            <p:stCondLst>
-                              <p:cond delay="0"/>
-                            </p:stCondLst>
-                            <p:childTnLst>
-                              <p:par>
-                                <p:cTn id="38" presetID="47" presetClass="entr" presetSubtype="0" fill="hold" nodeType="clickEffect">
-                                  <p:stCondLst>
-                                    <p:cond delay="0"/>
-                                  </p:stCondLst>
-                                  <p:childTnLst>
-                                    <p:set>
-                                      <p:cBhvr>
-                                        <p:cTn id="39" dur="1" fill="hold">
                                           <p:stCondLst>
                                             <p:cond delay="0"/>
                                           </p:stCondLst>
@@ -50242,7 +53466,7 @@
                                     </p:set>
                                     <p:animEffect transition="in" filter="fade">
                                       <p:cBhvr>
-                                        <p:cTn id="40" dur="1000"/>
+                                        <p:cTn id="7" dur="1000"/>
                                         <p:tgtEl>
                                           <p:spTgt spid="21"/>
                                         </p:tgtEl>
@@ -50250,7 +53474,7 @@
                                     </p:animEffect>
                                     <p:anim calcmode="lin" valueType="num">
                                       <p:cBhvr>
-                                        <p:cTn id="41" dur="1000" fill="hold"/>
+                                        <p:cTn id="8" dur="1000" fill="hold"/>
                                         <p:tgtEl>
                                           <p:spTgt spid="21"/>
                                         </p:tgtEl>
@@ -50273,7 +53497,7 @@
                                     </p:anim>
                                     <p:anim calcmode="lin" valueType="num">
                                       <p:cBhvr>
-                                        <p:cTn id="42" dur="1000" fill="hold"/>
+                                        <p:cTn id="9" dur="1000" fill="hold"/>
                                         <p:tgtEl>
                                           <p:spTgt spid="21"/>
                                         </p:tgtEl>
@@ -50304,26 +53528,26 @@
                     </p:cTn>
                   </p:par>
                   <p:par>
-                    <p:cTn id="43" fill="hold">
+                    <p:cTn id="10" fill="hold">
                       <p:stCondLst>
                         <p:cond delay="indefinite"/>
                       </p:stCondLst>
                       <p:childTnLst>
                         <p:par>
-                          <p:cTn id="44" fill="hold">
+                          <p:cTn id="11" fill="hold">
                             <p:stCondLst>
                               <p:cond delay="0"/>
                             </p:stCondLst>
                             <p:childTnLst>
                               <p:par>
-                                <p:cTn id="45" presetID="26" presetClass="emph" presetSubtype="0" fill="hold" nodeType="clickEffect">
+                                <p:cTn id="12" presetID="26" presetClass="emph" presetSubtype="0" fill="hold" nodeType="clickEffect">
                                   <p:stCondLst>
                                     <p:cond delay="0"/>
                                   </p:stCondLst>
                                   <p:childTnLst>
                                     <p:animEffect transition="out" filter="fade">
                                       <p:cBhvr>
-                                        <p:cTn id="46" dur="500" tmFilter="0, 0; .2, .5; .8, .5; 1, 0"/>
+                                        <p:cTn id="13" dur="500" tmFilter="0, 0; .2, .5; .8, .5; 1, 0"/>
                                         <p:tgtEl>
                                           <p:spTgt spid="72"/>
                                         </p:tgtEl>
@@ -50331,7 +53555,7 @@
                                     </p:animEffect>
                                     <p:animScale>
                                       <p:cBhvr>
-                                        <p:cTn id="47" dur="250" autoRev="1" fill="hold"/>
+                                        <p:cTn id="14" dur="250" autoRev="1" fill="hold"/>
                                         <p:tgtEl>
                                           <p:spTgt spid="72"/>
                                         </p:tgtEl>
@@ -50348,26 +53572,26 @@
                     </p:cTn>
                   </p:par>
                   <p:par>
-                    <p:cTn id="48" fill="hold">
+                    <p:cTn id="15" fill="hold">
                       <p:stCondLst>
                         <p:cond delay="indefinite"/>
                       </p:stCondLst>
                       <p:childTnLst>
                         <p:par>
-                          <p:cTn id="49" fill="hold">
+                          <p:cTn id="16" fill="hold">
                             <p:stCondLst>
                               <p:cond delay="0"/>
                             </p:stCondLst>
                             <p:childTnLst>
                               <p:par>
-                                <p:cTn id="50" presetID="47" presetClass="entr" presetSubtype="0" fill="hold" nodeType="clickEffect">
+                                <p:cTn id="17" presetID="47" presetClass="entr" presetSubtype="0" fill="hold" nodeType="clickEffect">
                                   <p:stCondLst>
                                     <p:cond delay="0"/>
                                   </p:stCondLst>
                                   <p:childTnLst>
                                     <p:set>
                                       <p:cBhvr>
-                                        <p:cTn id="51" dur="1" fill="hold">
+                                        <p:cTn id="18" dur="1" fill="hold">
                                           <p:stCondLst>
                                             <p:cond delay="0"/>
                                           </p:stCondLst>
@@ -50385,7 +53609,7 @@
                                     </p:set>
                                     <p:animEffect transition="in" filter="fade">
                                       <p:cBhvr>
-                                        <p:cTn id="52" dur="1000"/>
+                                        <p:cTn id="19" dur="1000"/>
                                         <p:tgtEl>
                                           <p:spTgt spid="6"/>
                                         </p:tgtEl>
@@ -50393,7 +53617,7 @@
                                     </p:animEffect>
                                     <p:anim calcmode="lin" valueType="num">
                                       <p:cBhvr>
-                                        <p:cTn id="53" dur="1000" fill="hold"/>
+                                        <p:cTn id="20" dur="1000" fill="hold"/>
                                         <p:tgtEl>
                                           <p:spTgt spid="6"/>
                                         </p:tgtEl>
@@ -50416,7 +53640,7 @@
                                     </p:anim>
                                     <p:anim calcmode="lin" valueType="num">
                                       <p:cBhvr>
-                                        <p:cTn id="54" dur="1000" fill="hold"/>
+                                        <p:cTn id="21" dur="1000" fill="hold"/>
                                         <p:tgtEl>
                                           <p:spTgt spid="6"/>
                                         </p:tgtEl>
@@ -50447,26 +53671,26 @@
                     </p:cTn>
                   </p:par>
                   <p:par>
-                    <p:cTn id="55" fill="hold">
+                    <p:cTn id="22" fill="hold">
                       <p:stCondLst>
                         <p:cond delay="indefinite"/>
                       </p:stCondLst>
                       <p:childTnLst>
                         <p:par>
-                          <p:cTn id="56" fill="hold">
+                          <p:cTn id="23" fill="hold">
                             <p:stCondLst>
                               <p:cond delay="0"/>
                             </p:stCondLst>
                             <p:childTnLst>
                               <p:par>
-                                <p:cTn id="57" presetID="47" presetClass="entr" presetSubtype="0" fill="hold" nodeType="clickEffect">
+                                <p:cTn id="24" presetID="47" presetClass="entr" presetSubtype="0" fill="hold" nodeType="clickEffect">
                                   <p:stCondLst>
                                     <p:cond delay="0"/>
                                   </p:stCondLst>
                                   <p:childTnLst>
                                     <p:set>
                                       <p:cBhvr>
-                                        <p:cTn id="58" dur="1" fill="hold">
+                                        <p:cTn id="25" dur="1" fill="hold">
                                           <p:stCondLst>
                                             <p:cond delay="0"/>
                                           </p:stCondLst>
@@ -50484,7 +53708,7 @@
                                     </p:set>
                                     <p:animEffect transition="in" filter="fade">
                                       <p:cBhvr>
-                                        <p:cTn id="59" dur="1000"/>
+                                        <p:cTn id="26" dur="1000"/>
                                         <p:tgtEl>
                                           <p:spTgt spid="70"/>
                                         </p:tgtEl>
@@ -50492,7 +53716,7 @@
                                     </p:animEffect>
                                     <p:anim calcmode="lin" valueType="num">
                                       <p:cBhvr>
-                                        <p:cTn id="60" dur="1000" fill="hold"/>
+                                        <p:cTn id="27" dur="1000" fill="hold"/>
                                         <p:tgtEl>
                                           <p:spTgt spid="70"/>
                                         </p:tgtEl>
@@ -50515,7 +53739,7 @@
                                     </p:anim>
                                     <p:anim calcmode="lin" valueType="num">
                                       <p:cBhvr>
-                                        <p:cTn id="61" dur="1000" fill="hold"/>
+                                        <p:cTn id="28" dur="1000" fill="hold"/>
                                         <p:tgtEl>
                                           <p:spTgt spid="70"/>
                                         </p:tgtEl>
@@ -50546,26 +53770,26 @@
                     </p:cTn>
                   </p:par>
                   <p:par>
-                    <p:cTn id="62" fill="hold">
+                    <p:cTn id="29" fill="hold">
                       <p:stCondLst>
                         <p:cond delay="indefinite"/>
                       </p:stCondLst>
                       <p:childTnLst>
                         <p:par>
-                          <p:cTn id="63" fill="hold">
+                          <p:cTn id="30" fill="hold">
                             <p:stCondLst>
                               <p:cond delay="0"/>
                             </p:stCondLst>
                             <p:childTnLst>
                               <p:par>
-                                <p:cTn id="64" presetID="26" presetClass="emph" presetSubtype="0" fill="hold" nodeType="clickEffect">
+                                <p:cTn id="31" presetID="26" presetClass="emph" presetSubtype="0" fill="hold" nodeType="clickEffect">
                                   <p:stCondLst>
                                     <p:cond delay="0"/>
                                   </p:stCondLst>
                                   <p:childTnLst>
                                     <p:animEffect transition="out" filter="fade">
                                       <p:cBhvr>
-                                        <p:cTn id="65" dur="500" tmFilter="0, 0; .2, .5; .8, .5; 1, 0"/>
+                                        <p:cTn id="32" dur="500" tmFilter="0, 0; .2, .5; .8, .5; 1, 0"/>
                                         <p:tgtEl>
                                           <p:spTgt spid="74"/>
                                         </p:tgtEl>
@@ -50573,7 +53797,7 @@
                                     </p:animEffect>
                                     <p:animScale>
                                       <p:cBhvr>
-                                        <p:cTn id="66" dur="250" autoRev="1" fill="hold"/>
+                                        <p:cTn id="33" dur="250" autoRev="1" fill="hold"/>
                                         <p:tgtEl>
                                           <p:spTgt spid="74"/>
                                         </p:tgtEl>
@@ -50590,26 +53814,26 @@
                     </p:cTn>
                   </p:par>
                   <p:par>
-                    <p:cTn id="67" fill="hold">
+                    <p:cTn id="34" fill="hold">
                       <p:stCondLst>
                         <p:cond delay="indefinite"/>
                       </p:stCondLst>
                       <p:childTnLst>
                         <p:par>
-                          <p:cTn id="68" fill="hold">
+                          <p:cTn id="35" fill="hold">
                             <p:stCondLst>
                               <p:cond delay="0"/>
                             </p:stCondLst>
                             <p:childTnLst>
                               <p:par>
-                                <p:cTn id="69" presetID="47" presetClass="entr" presetSubtype="0" fill="hold" nodeType="clickEffect">
+                                <p:cTn id="36" presetID="47" presetClass="entr" presetSubtype="0" fill="hold" nodeType="clickEffect">
                                   <p:stCondLst>
                                     <p:cond delay="0"/>
                                   </p:stCondLst>
                                   <p:childTnLst>
                                     <p:set>
                                       <p:cBhvr>
-                                        <p:cTn id="70" dur="1" fill="hold">
+                                        <p:cTn id="37" dur="1" fill="hold">
                                           <p:stCondLst>
                                             <p:cond delay="0"/>
                                           </p:stCondLst>
@@ -50627,7 +53851,7 @@
                                     </p:set>
                                     <p:animEffect transition="in" filter="fade">
                                       <p:cBhvr>
-                                        <p:cTn id="71" dur="1000"/>
+                                        <p:cTn id="38" dur="1000"/>
                                         <p:tgtEl>
                                           <p:spTgt spid="69"/>
                                         </p:tgtEl>
@@ -50635,7 +53859,7 @@
                                     </p:animEffect>
                                     <p:anim calcmode="lin" valueType="num">
                                       <p:cBhvr>
-                                        <p:cTn id="72" dur="1000" fill="hold"/>
+                                        <p:cTn id="39" dur="1000" fill="hold"/>
                                         <p:tgtEl>
                                           <p:spTgt spid="69"/>
                                         </p:tgtEl>
@@ -50658,7 +53882,7 @@
                                     </p:anim>
                                     <p:anim calcmode="lin" valueType="num">
                                       <p:cBhvr>
-                                        <p:cTn id="73" dur="1000" fill="hold"/>
+                                        <p:cTn id="40" dur="1000" fill="hold"/>
                                         <p:tgtEl>
                                           <p:spTgt spid="69"/>
                                         </p:tgtEl>
@@ -50689,26 +53913,26 @@
                     </p:cTn>
                   </p:par>
                   <p:par>
-                    <p:cTn id="74" fill="hold">
+                    <p:cTn id="41" fill="hold">
                       <p:stCondLst>
                         <p:cond delay="indefinite"/>
                       </p:stCondLst>
                       <p:childTnLst>
                         <p:par>
-                          <p:cTn id="75" fill="hold">
+                          <p:cTn id="42" fill="hold">
                             <p:stCondLst>
                               <p:cond delay="0"/>
                             </p:stCondLst>
                             <p:childTnLst>
                               <p:par>
-                                <p:cTn id="76" presetID="47" presetClass="entr" presetSubtype="0" fill="hold" nodeType="clickEffect">
+                                <p:cTn id="43" presetID="47" presetClass="entr" presetSubtype="0" fill="hold" nodeType="clickEffect">
                                   <p:stCondLst>
                                     <p:cond delay="0"/>
                                   </p:stCondLst>
                                   <p:childTnLst>
                                     <p:set>
                                       <p:cBhvr>
-                                        <p:cTn id="77" dur="1" fill="hold">
+                                        <p:cTn id="44" dur="1" fill="hold">
                                           <p:stCondLst>
                                             <p:cond delay="0"/>
                                           </p:stCondLst>
@@ -50726,7 +53950,7 @@
                                     </p:set>
                                     <p:animEffect transition="in" filter="fade">
                                       <p:cBhvr>
-                                        <p:cTn id="78" dur="1000"/>
+                                        <p:cTn id="45" dur="1000"/>
                                         <p:tgtEl>
                                           <p:spTgt spid="7"/>
                                         </p:tgtEl>
@@ -50734,7 +53958,7 @@
                                     </p:animEffect>
                                     <p:anim calcmode="lin" valueType="num">
                                       <p:cBhvr>
-                                        <p:cTn id="79" dur="1000" fill="hold"/>
+                                        <p:cTn id="46" dur="1000" fill="hold"/>
                                         <p:tgtEl>
                                           <p:spTgt spid="7"/>
                                         </p:tgtEl>
@@ -50757,7 +53981,7 @@
                                     </p:anim>
                                     <p:anim calcmode="lin" valueType="num">
                                       <p:cBhvr>
-                                        <p:cTn id="80" dur="1000" fill="hold"/>
+                                        <p:cTn id="47" dur="1000" fill="hold"/>
                                         <p:tgtEl>
                                           <p:spTgt spid="7"/>
                                         </p:tgtEl>
@@ -50808,9 +54032,6 @@
         </p:cTn>
       </p:par>
     </p:tnLst>
-    <p:bldLst>
-      <p:bldP spid="57" grpId="0" animBg="1"/>
-    </p:bldLst>
   </p:timing>
 </p:sld>
 </file>

--- a/Other/Tmp/Main Slide.pptx
+++ b/Other/Tmp/Main Slide.pptx
@@ -11545,6 +11545,14 @@
             <a:rPr lang="en-US" sz="1200" dirty="0" smtClean="0">
               <a:latin typeface="Cambria" panose="02040503050406030204" pitchFamily="18" charset="0"/>
             </a:rPr>
+            <a:t>- Slowly</a:t>
+          </a:r>
+        </a:p>
+        <a:p>
+          <a:r>
+            <a:rPr lang="en-US" sz="1200" dirty="0" smtClean="0">
+              <a:latin typeface="Cambria" panose="02040503050406030204" pitchFamily="18" charset="0"/>
+            </a:rPr>
             <a:t>- Too many useless information</a:t>
           </a:r>
         </a:p>
@@ -13366,1138 +13374,6 @@
       <dsp:cNvGrpSpPr/>
     </dsp:nvGrpSpPr>
     <dsp:grpSpPr/>
-    <dsp:sp modelId="{D2012687-56AC-43FE-AF4A-35FCA85D7971}">
-      <dsp:nvSpPr>
-        <dsp:cNvPr id="0" name=""/>
-        <dsp:cNvSpPr/>
-      </dsp:nvSpPr>
-      <dsp:spPr>
-        <a:xfrm rot="5400000">
-          <a:off x="-132864" y="134652"/>
-          <a:ext cx="885763" cy="620034"/>
-        </a:xfrm>
-        <a:prstGeom prst="chevron">
-          <a:avLst/>
-        </a:prstGeom>
-        <a:gradFill rotWithShape="0">
-          <a:gsLst>
-            <a:gs pos="0">
-              <a:schemeClr val="accent1">
-                <a:hueOff val="0"/>
-                <a:satOff val="0"/>
-                <a:lumOff val="0"/>
-                <a:alphaOff val="0"/>
-                <a:tint val="96000"/>
-                <a:lumMod val="102000"/>
-              </a:schemeClr>
-            </a:gs>
-            <a:gs pos="100000">
-              <a:schemeClr val="accent1">
-                <a:hueOff val="0"/>
-                <a:satOff val="0"/>
-                <a:lumOff val="0"/>
-                <a:alphaOff val="0"/>
-                <a:shade val="88000"/>
-                <a:lumMod val="94000"/>
-              </a:schemeClr>
-            </a:gs>
-          </a:gsLst>
-          <a:path path="circle">
-            <a:fillToRect l="50000" t="100000" r="100000" b="50000"/>
-          </a:path>
-        </a:gradFill>
-        <a:ln w="9525" cap="rnd" cmpd="sng" algn="ctr">
-          <a:solidFill>
-            <a:schemeClr val="accent1">
-              <a:hueOff val="0"/>
-              <a:satOff val="0"/>
-              <a:lumOff val="0"/>
-              <a:alphaOff val="0"/>
-            </a:schemeClr>
-          </a:solidFill>
-          <a:prstDash val="solid"/>
-        </a:ln>
-        <a:effectLst>
-          <a:outerShdw blurRad="38100" dist="25400" dir="5400000" rotWithShape="0">
-            <a:srgbClr val="000000">
-              <a:alpha val="64000"/>
-            </a:srgbClr>
-          </a:outerShdw>
-        </a:effectLst>
-        <a:scene3d>
-          <a:camera prst="orthographicFront">
-            <a:rot lat="0" lon="0" rev="0"/>
-          </a:camera>
-          <a:lightRig rig="threePt" dir="tl">
-            <a:rot lat="0" lon="0" rev="1200000"/>
-          </a:lightRig>
-        </a:scene3d>
-        <a:sp3d>
-          <a:bevelT w="25400" h="12700"/>
-        </a:sp3d>
-      </dsp:spPr>
-      <dsp:style>
-        <a:lnRef idx="1">
-          <a:scrgbClr r="0" g="0" b="0"/>
-        </a:lnRef>
-        <a:fillRef idx="3">
-          <a:scrgbClr r="0" g="0" b="0"/>
-        </a:fillRef>
-        <a:effectRef idx="3">
-          <a:scrgbClr r="0" g="0" b="0"/>
-        </a:effectRef>
-        <a:fontRef idx="minor">
-          <a:schemeClr val="lt1"/>
-        </a:fontRef>
-      </dsp:style>
-      <dsp:txBody>
-        <a:bodyPr spcFirstLastPara="0" vert="horz" wrap="square" lIns="11430" tIns="11430" rIns="11430" bIns="11430" numCol="1" spcCol="1270" anchor="ctr" anchorCtr="0">
-          <a:noAutofit/>
-        </a:bodyPr>
-        <a:lstStyle/>
-        <a:p>
-          <a:pPr lvl="0" algn="ctr" defTabSz="800100">
-            <a:lnSpc>
-              <a:spcPct val="90000"/>
-            </a:lnSpc>
-            <a:spcBef>
-              <a:spcPct val="0"/>
-            </a:spcBef>
-            <a:spcAft>
-              <a:spcPct val="35000"/>
-            </a:spcAft>
-          </a:pPr>
-          <a:r>
-            <a:rPr lang="en-US" sz="1800" kern="1200" dirty="0" smtClean="0">
-              <a:latin typeface="Cambria" panose="02040503050406030204" pitchFamily="18" charset="0"/>
-            </a:rPr>
-            <a:t> </a:t>
-          </a:r>
-          <a:endParaRPr lang="en-US" sz="1800" kern="1200" dirty="0">
-            <a:latin typeface="Cambria" panose="02040503050406030204" pitchFamily="18" charset="0"/>
-          </a:endParaRPr>
-        </a:p>
-      </dsp:txBody>
-      <dsp:txXfrm rot="-5400000">
-        <a:off x="1" y="311804"/>
-        <a:ext cx="620034" cy="265729"/>
-      </dsp:txXfrm>
-    </dsp:sp>
-    <dsp:sp modelId="{0E4E9B01-56C4-4A0F-ACB2-7A344554573B}">
-      <dsp:nvSpPr>
-        <dsp:cNvPr id="0" name=""/>
-        <dsp:cNvSpPr/>
-      </dsp:nvSpPr>
-      <dsp:spPr>
-        <a:xfrm rot="5400000">
-          <a:off x="3874212" y="-3252390"/>
-          <a:ext cx="575746" cy="7084102"/>
-        </a:xfrm>
-        <a:prstGeom prst="round2SameRect">
-          <a:avLst/>
-        </a:prstGeom>
-        <a:solidFill>
-          <a:schemeClr val="lt1">
-            <a:alpha val="90000"/>
-            <a:hueOff val="0"/>
-            <a:satOff val="0"/>
-            <a:lumOff val="0"/>
-            <a:alphaOff val="0"/>
-          </a:schemeClr>
-        </a:solidFill>
-        <a:ln w="9525" cap="rnd" cmpd="sng" algn="ctr">
-          <a:solidFill>
-            <a:schemeClr val="accent1">
-              <a:hueOff val="0"/>
-              <a:satOff val="0"/>
-              <a:lumOff val="0"/>
-              <a:alphaOff val="0"/>
-            </a:schemeClr>
-          </a:solidFill>
-          <a:prstDash val="solid"/>
-        </a:ln>
-        <a:effectLst>
-          <a:reflection blurRad="12700" stA="26000" endPos="32000" dist="12700" dir="5400000" sy="-100000" rotWithShape="0"/>
-        </a:effectLst>
-      </dsp:spPr>
-      <dsp:style>
-        <a:lnRef idx="1">
-          <a:scrgbClr r="0" g="0" b="0"/>
-        </a:lnRef>
-        <a:fillRef idx="1">
-          <a:scrgbClr r="0" g="0" b="0"/>
-        </a:fillRef>
-        <a:effectRef idx="2">
-          <a:scrgbClr r="0" g="0" b="0"/>
-        </a:effectRef>
-        <a:fontRef idx="minor"/>
-      </dsp:style>
-      <dsp:txBody>
-        <a:bodyPr spcFirstLastPara="0" vert="horz" wrap="square" lIns="248920" tIns="22225" rIns="22225" bIns="22225" numCol="1" spcCol="1270" anchor="ctr" anchorCtr="0">
-          <a:noAutofit/>
-        </a:bodyPr>
-        <a:lstStyle/>
-        <a:p>
-          <a:pPr marL="285750" lvl="1" indent="-285750" algn="l" defTabSz="1555750">
-            <a:lnSpc>
-              <a:spcPct val="90000"/>
-            </a:lnSpc>
-            <a:spcBef>
-              <a:spcPct val="0"/>
-            </a:spcBef>
-            <a:spcAft>
-              <a:spcPct val="15000"/>
-            </a:spcAft>
-            <a:buChar char="••"/>
-          </a:pPr>
-          <a:r>
-            <a:rPr lang="en-US" sz="3500" b="0" kern="1200" dirty="0" smtClean="0">
-              <a:latin typeface="Cambria" panose="02040503050406030204" pitchFamily="18" charset="0"/>
-            </a:rPr>
-            <a:t>Supervisor: </a:t>
-          </a:r>
-          <a:r>
-            <a:rPr lang="en-US" sz="3500" b="0" kern="1200" dirty="0" err="1" smtClean="0">
-              <a:latin typeface="Cambria" panose="02040503050406030204" pitchFamily="18" charset="0"/>
-            </a:rPr>
-            <a:t>Kiều</a:t>
-          </a:r>
-          <a:r>
-            <a:rPr lang="en-US" sz="3500" b="0" kern="1200" dirty="0" smtClean="0">
-              <a:latin typeface="Cambria" panose="02040503050406030204" pitchFamily="18" charset="0"/>
-            </a:rPr>
-            <a:t> </a:t>
-          </a:r>
-          <a:r>
-            <a:rPr lang="en-US" sz="3500" b="0" kern="1200" dirty="0" err="1" smtClean="0">
-              <a:latin typeface="Cambria" panose="02040503050406030204" pitchFamily="18" charset="0"/>
-            </a:rPr>
-            <a:t>Trọng</a:t>
-          </a:r>
-          <a:r>
-            <a:rPr lang="en-US" sz="3500" b="0" kern="1200" dirty="0" smtClean="0">
-              <a:latin typeface="Cambria" panose="02040503050406030204" pitchFamily="18" charset="0"/>
-            </a:rPr>
-            <a:t> </a:t>
-          </a:r>
-          <a:r>
-            <a:rPr lang="en-US" sz="3500" b="0" kern="1200" dirty="0" err="1" smtClean="0">
-              <a:latin typeface="Cambria" panose="02040503050406030204" pitchFamily="18" charset="0"/>
-            </a:rPr>
-            <a:t>Khánh</a:t>
-          </a:r>
-          <a:endParaRPr lang="en-US" sz="3500" b="0" kern="1200" dirty="0">
-            <a:latin typeface="Cambria" panose="02040503050406030204" pitchFamily="18" charset="0"/>
-          </a:endParaRPr>
-        </a:p>
-      </dsp:txBody>
-      <dsp:txXfrm rot="-5400000">
-        <a:off x="620034" y="29894"/>
-        <a:ext cx="7055996" cy="519534"/>
-      </dsp:txXfrm>
-    </dsp:sp>
-    <dsp:sp modelId="{1F100FA3-D8A8-4043-AB42-12D27DB4F44F}">
-      <dsp:nvSpPr>
-        <dsp:cNvPr id="0" name=""/>
-        <dsp:cNvSpPr/>
-      </dsp:nvSpPr>
-      <dsp:spPr>
-        <a:xfrm rot="5400000">
-          <a:off x="-132864" y="900358"/>
-          <a:ext cx="885763" cy="620034"/>
-        </a:xfrm>
-        <a:prstGeom prst="chevron">
-          <a:avLst/>
-        </a:prstGeom>
-        <a:gradFill rotWithShape="0">
-          <a:gsLst>
-            <a:gs pos="0">
-              <a:schemeClr val="accent1">
-                <a:hueOff val="0"/>
-                <a:satOff val="0"/>
-                <a:lumOff val="0"/>
-                <a:alphaOff val="0"/>
-                <a:tint val="96000"/>
-                <a:lumMod val="102000"/>
-              </a:schemeClr>
-            </a:gs>
-            <a:gs pos="100000">
-              <a:schemeClr val="accent1">
-                <a:hueOff val="0"/>
-                <a:satOff val="0"/>
-                <a:lumOff val="0"/>
-                <a:alphaOff val="0"/>
-                <a:shade val="88000"/>
-                <a:lumMod val="94000"/>
-              </a:schemeClr>
-            </a:gs>
-          </a:gsLst>
-          <a:path path="circle">
-            <a:fillToRect l="50000" t="100000" r="100000" b="50000"/>
-          </a:path>
-        </a:gradFill>
-        <a:ln w="9525" cap="rnd" cmpd="sng" algn="ctr">
-          <a:solidFill>
-            <a:schemeClr val="accent1">
-              <a:hueOff val="0"/>
-              <a:satOff val="0"/>
-              <a:lumOff val="0"/>
-              <a:alphaOff val="0"/>
-            </a:schemeClr>
-          </a:solidFill>
-          <a:prstDash val="solid"/>
-        </a:ln>
-        <a:effectLst>
-          <a:outerShdw blurRad="38100" dist="25400" dir="5400000" rotWithShape="0">
-            <a:srgbClr val="000000">
-              <a:alpha val="64000"/>
-            </a:srgbClr>
-          </a:outerShdw>
-        </a:effectLst>
-        <a:scene3d>
-          <a:camera prst="orthographicFront">
-            <a:rot lat="0" lon="0" rev="0"/>
-          </a:camera>
-          <a:lightRig rig="threePt" dir="tl">
-            <a:rot lat="0" lon="0" rev="1200000"/>
-          </a:lightRig>
-        </a:scene3d>
-        <a:sp3d>
-          <a:bevelT w="25400" h="12700"/>
-        </a:sp3d>
-      </dsp:spPr>
-      <dsp:style>
-        <a:lnRef idx="1">
-          <a:scrgbClr r="0" g="0" b="0"/>
-        </a:lnRef>
-        <a:fillRef idx="3">
-          <a:scrgbClr r="0" g="0" b="0"/>
-        </a:fillRef>
-        <a:effectRef idx="3">
-          <a:scrgbClr r="0" g="0" b="0"/>
-        </a:effectRef>
-        <a:fontRef idx="minor">
-          <a:schemeClr val="lt1"/>
-        </a:fontRef>
-      </dsp:style>
-      <dsp:txBody>
-        <a:bodyPr spcFirstLastPara="0" vert="horz" wrap="square" lIns="11430" tIns="11430" rIns="11430" bIns="11430" numCol="1" spcCol="1270" anchor="ctr" anchorCtr="0">
-          <a:noAutofit/>
-        </a:bodyPr>
-        <a:lstStyle/>
-        <a:p>
-          <a:pPr lvl="0" algn="ctr" defTabSz="800100">
-            <a:lnSpc>
-              <a:spcPct val="90000"/>
-            </a:lnSpc>
-            <a:spcBef>
-              <a:spcPct val="0"/>
-            </a:spcBef>
-            <a:spcAft>
-              <a:spcPct val="35000"/>
-            </a:spcAft>
-          </a:pPr>
-          <a:r>
-            <a:rPr lang="en-US" sz="1800" kern="1200" dirty="0" smtClean="0">
-              <a:latin typeface="Cambria" panose="02040503050406030204" pitchFamily="18" charset="0"/>
-            </a:rPr>
-            <a:t> </a:t>
-          </a:r>
-          <a:endParaRPr lang="en-US" sz="1800" kern="1200" dirty="0">
-            <a:latin typeface="Cambria" panose="02040503050406030204" pitchFamily="18" charset="0"/>
-          </a:endParaRPr>
-        </a:p>
-      </dsp:txBody>
-      <dsp:txXfrm rot="-5400000">
-        <a:off x="1" y="1077510"/>
-        <a:ext cx="620034" cy="265729"/>
-      </dsp:txXfrm>
-    </dsp:sp>
-    <dsp:sp modelId="{2F06C64E-742F-4053-8FED-436E4DAD6980}">
-      <dsp:nvSpPr>
-        <dsp:cNvPr id="0" name=""/>
-        <dsp:cNvSpPr/>
-      </dsp:nvSpPr>
-      <dsp:spPr>
-        <a:xfrm rot="5400000">
-          <a:off x="3874212" y="-2486684"/>
-          <a:ext cx="575746" cy="7084102"/>
-        </a:xfrm>
-        <a:prstGeom prst="round2SameRect">
-          <a:avLst/>
-        </a:prstGeom>
-        <a:solidFill>
-          <a:schemeClr val="lt1">
-            <a:alpha val="90000"/>
-            <a:hueOff val="0"/>
-            <a:satOff val="0"/>
-            <a:lumOff val="0"/>
-            <a:alphaOff val="0"/>
-          </a:schemeClr>
-        </a:solidFill>
-        <a:ln w="9525" cap="rnd" cmpd="sng" algn="ctr">
-          <a:solidFill>
-            <a:schemeClr val="accent1">
-              <a:hueOff val="0"/>
-              <a:satOff val="0"/>
-              <a:lumOff val="0"/>
-              <a:alphaOff val="0"/>
-            </a:schemeClr>
-          </a:solidFill>
-          <a:prstDash val="solid"/>
-        </a:ln>
-        <a:effectLst>
-          <a:reflection blurRad="12700" stA="26000" endPos="32000" dist="12700" dir="5400000" sy="-100000" rotWithShape="0"/>
-        </a:effectLst>
-      </dsp:spPr>
-      <dsp:style>
-        <a:lnRef idx="1">
-          <a:scrgbClr r="0" g="0" b="0"/>
-        </a:lnRef>
-        <a:fillRef idx="1">
-          <a:scrgbClr r="0" g="0" b="0"/>
-        </a:fillRef>
-        <a:effectRef idx="2">
-          <a:scrgbClr r="0" g="0" b="0"/>
-        </a:effectRef>
-        <a:fontRef idx="minor"/>
-      </dsp:style>
-      <dsp:txBody>
-        <a:bodyPr spcFirstLastPara="0" vert="horz" wrap="square" lIns="248920" tIns="22225" rIns="22225" bIns="22225" numCol="1" spcCol="1270" anchor="ctr" anchorCtr="0">
-          <a:noAutofit/>
-        </a:bodyPr>
-        <a:lstStyle/>
-        <a:p>
-          <a:pPr marL="285750" lvl="1" indent="-285750" algn="l" defTabSz="1555750">
-            <a:lnSpc>
-              <a:spcPct val="90000"/>
-            </a:lnSpc>
-            <a:spcBef>
-              <a:spcPct val="0"/>
-            </a:spcBef>
-            <a:spcAft>
-              <a:spcPct val="15000"/>
-            </a:spcAft>
-            <a:buChar char="••"/>
-          </a:pPr>
-          <a:r>
-            <a:rPr lang="en-US" sz="3500" kern="1200" dirty="0" smtClean="0">
-              <a:latin typeface="Cambria" panose="02040503050406030204" pitchFamily="18" charset="0"/>
-            </a:rPr>
-            <a:t>Mai </a:t>
-          </a:r>
-          <a:r>
-            <a:rPr lang="en-US" sz="3500" kern="1200" dirty="0" err="1" smtClean="0">
-              <a:latin typeface="Cambria" panose="02040503050406030204" pitchFamily="18" charset="0"/>
-            </a:rPr>
-            <a:t>Văn</a:t>
-          </a:r>
-          <a:r>
-            <a:rPr lang="en-US" sz="3500" kern="1200" dirty="0" smtClean="0">
-              <a:latin typeface="Cambria" panose="02040503050406030204" pitchFamily="18" charset="0"/>
-            </a:rPr>
-            <a:t> </a:t>
-          </a:r>
-          <a:r>
-            <a:rPr lang="en-US" sz="3500" kern="1200" dirty="0" err="1" smtClean="0">
-              <a:latin typeface="Cambria" panose="02040503050406030204" pitchFamily="18" charset="0"/>
-            </a:rPr>
-            <a:t>Tân</a:t>
-          </a:r>
-          <a:r>
-            <a:rPr lang="en-US" sz="3500" kern="1200" dirty="0" smtClean="0">
-              <a:latin typeface="Cambria" panose="02040503050406030204" pitchFamily="18" charset="0"/>
-            </a:rPr>
-            <a:t> </a:t>
-          </a:r>
-          <a:endParaRPr lang="en-US" sz="3500" kern="1200" dirty="0">
-            <a:latin typeface="Cambria" panose="02040503050406030204" pitchFamily="18" charset="0"/>
-          </a:endParaRPr>
-        </a:p>
-      </dsp:txBody>
-      <dsp:txXfrm rot="-5400000">
-        <a:off x="620034" y="795600"/>
-        <a:ext cx="7055996" cy="519534"/>
-      </dsp:txXfrm>
-    </dsp:sp>
-    <dsp:sp modelId="{5EE27DDE-801B-41A8-8E87-67D01FA7786B}">
-      <dsp:nvSpPr>
-        <dsp:cNvPr id="0" name=""/>
-        <dsp:cNvSpPr/>
-      </dsp:nvSpPr>
-      <dsp:spPr>
-        <a:xfrm rot="5400000">
-          <a:off x="-132864" y="1666064"/>
-          <a:ext cx="885763" cy="620034"/>
-        </a:xfrm>
-        <a:prstGeom prst="chevron">
-          <a:avLst/>
-        </a:prstGeom>
-        <a:gradFill rotWithShape="0">
-          <a:gsLst>
-            <a:gs pos="0">
-              <a:schemeClr val="accent1">
-                <a:hueOff val="0"/>
-                <a:satOff val="0"/>
-                <a:lumOff val="0"/>
-                <a:alphaOff val="0"/>
-                <a:tint val="96000"/>
-                <a:lumMod val="102000"/>
-              </a:schemeClr>
-            </a:gs>
-            <a:gs pos="100000">
-              <a:schemeClr val="accent1">
-                <a:hueOff val="0"/>
-                <a:satOff val="0"/>
-                <a:lumOff val="0"/>
-                <a:alphaOff val="0"/>
-                <a:shade val="88000"/>
-                <a:lumMod val="94000"/>
-              </a:schemeClr>
-            </a:gs>
-          </a:gsLst>
-          <a:path path="circle">
-            <a:fillToRect l="50000" t="100000" r="100000" b="50000"/>
-          </a:path>
-        </a:gradFill>
-        <a:ln w="9525" cap="rnd" cmpd="sng" algn="ctr">
-          <a:solidFill>
-            <a:schemeClr val="accent1">
-              <a:hueOff val="0"/>
-              <a:satOff val="0"/>
-              <a:lumOff val="0"/>
-              <a:alphaOff val="0"/>
-            </a:schemeClr>
-          </a:solidFill>
-          <a:prstDash val="solid"/>
-        </a:ln>
-        <a:effectLst>
-          <a:outerShdw blurRad="38100" dist="25400" dir="5400000" rotWithShape="0">
-            <a:srgbClr val="000000">
-              <a:alpha val="64000"/>
-            </a:srgbClr>
-          </a:outerShdw>
-        </a:effectLst>
-        <a:scene3d>
-          <a:camera prst="orthographicFront">
-            <a:rot lat="0" lon="0" rev="0"/>
-          </a:camera>
-          <a:lightRig rig="threePt" dir="tl">
-            <a:rot lat="0" lon="0" rev="1200000"/>
-          </a:lightRig>
-        </a:scene3d>
-        <a:sp3d>
-          <a:bevelT w="25400" h="12700"/>
-        </a:sp3d>
-      </dsp:spPr>
-      <dsp:style>
-        <a:lnRef idx="1">
-          <a:scrgbClr r="0" g="0" b="0"/>
-        </a:lnRef>
-        <a:fillRef idx="3">
-          <a:scrgbClr r="0" g="0" b="0"/>
-        </a:fillRef>
-        <a:effectRef idx="3">
-          <a:scrgbClr r="0" g="0" b="0"/>
-        </a:effectRef>
-        <a:fontRef idx="minor">
-          <a:schemeClr val="lt1"/>
-        </a:fontRef>
-      </dsp:style>
-      <dsp:txBody>
-        <a:bodyPr spcFirstLastPara="0" vert="horz" wrap="square" lIns="11430" tIns="11430" rIns="11430" bIns="11430" numCol="1" spcCol="1270" anchor="ctr" anchorCtr="0">
-          <a:noAutofit/>
-        </a:bodyPr>
-        <a:lstStyle/>
-        <a:p>
-          <a:pPr lvl="0" algn="ctr" defTabSz="800100">
-            <a:lnSpc>
-              <a:spcPct val="90000"/>
-            </a:lnSpc>
-            <a:spcBef>
-              <a:spcPct val="0"/>
-            </a:spcBef>
-            <a:spcAft>
-              <a:spcPct val="35000"/>
-            </a:spcAft>
-          </a:pPr>
-          <a:r>
-            <a:rPr lang="en-US" sz="1800" kern="1200" dirty="0" smtClean="0">
-              <a:latin typeface="Cambria" panose="02040503050406030204" pitchFamily="18" charset="0"/>
-            </a:rPr>
-            <a:t> </a:t>
-          </a:r>
-          <a:endParaRPr lang="en-US" sz="1800" kern="1200" dirty="0">
-            <a:latin typeface="Cambria" panose="02040503050406030204" pitchFamily="18" charset="0"/>
-          </a:endParaRPr>
-        </a:p>
-      </dsp:txBody>
-      <dsp:txXfrm rot="-5400000">
-        <a:off x="1" y="1843216"/>
-        <a:ext cx="620034" cy="265729"/>
-      </dsp:txXfrm>
-    </dsp:sp>
-    <dsp:sp modelId="{7DB257B0-B7F6-471C-8115-CC560B4AF89B}">
-      <dsp:nvSpPr>
-        <dsp:cNvPr id="0" name=""/>
-        <dsp:cNvSpPr/>
-      </dsp:nvSpPr>
-      <dsp:spPr>
-        <a:xfrm rot="5400000">
-          <a:off x="3874212" y="-1720977"/>
-          <a:ext cx="575746" cy="7084102"/>
-        </a:xfrm>
-        <a:prstGeom prst="round2SameRect">
-          <a:avLst/>
-        </a:prstGeom>
-        <a:solidFill>
-          <a:schemeClr val="lt1">
-            <a:alpha val="90000"/>
-            <a:hueOff val="0"/>
-            <a:satOff val="0"/>
-            <a:lumOff val="0"/>
-            <a:alphaOff val="0"/>
-          </a:schemeClr>
-        </a:solidFill>
-        <a:ln w="9525" cap="rnd" cmpd="sng" algn="ctr">
-          <a:solidFill>
-            <a:schemeClr val="accent1">
-              <a:hueOff val="0"/>
-              <a:satOff val="0"/>
-              <a:lumOff val="0"/>
-              <a:alphaOff val="0"/>
-            </a:schemeClr>
-          </a:solidFill>
-          <a:prstDash val="solid"/>
-        </a:ln>
-        <a:effectLst>
-          <a:reflection blurRad="12700" stA="26000" endPos="32000" dist="12700" dir="5400000" sy="-100000" rotWithShape="0"/>
-        </a:effectLst>
-      </dsp:spPr>
-      <dsp:style>
-        <a:lnRef idx="1">
-          <a:scrgbClr r="0" g="0" b="0"/>
-        </a:lnRef>
-        <a:fillRef idx="1">
-          <a:scrgbClr r="0" g="0" b="0"/>
-        </a:fillRef>
-        <a:effectRef idx="2">
-          <a:scrgbClr r="0" g="0" b="0"/>
-        </a:effectRef>
-        <a:fontRef idx="minor"/>
-      </dsp:style>
-      <dsp:txBody>
-        <a:bodyPr spcFirstLastPara="0" vert="horz" wrap="square" lIns="248920" tIns="22225" rIns="22225" bIns="22225" numCol="1" spcCol="1270" anchor="ctr" anchorCtr="0">
-          <a:noAutofit/>
-        </a:bodyPr>
-        <a:lstStyle/>
-        <a:p>
-          <a:pPr marL="285750" lvl="1" indent="-285750" algn="l" defTabSz="1555750">
-            <a:lnSpc>
-              <a:spcPct val="90000"/>
-            </a:lnSpc>
-            <a:spcBef>
-              <a:spcPct val="0"/>
-            </a:spcBef>
-            <a:spcAft>
-              <a:spcPct val="15000"/>
-            </a:spcAft>
-            <a:buChar char="••"/>
-          </a:pPr>
-          <a:r>
-            <a:rPr lang="en-US" sz="3500" kern="1200" dirty="0" err="1" smtClean="0">
-              <a:latin typeface="Cambria" panose="02040503050406030204" pitchFamily="18" charset="0"/>
-            </a:rPr>
-            <a:t>Bùi</a:t>
-          </a:r>
-          <a:r>
-            <a:rPr lang="en-US" sz="3500" kern="1200" dirty="0" smtClean="0">
-              <a:latin typeface="Cambria" panose="02040503050406030204" pitchFamily="18" charset="0"/>
-            </a:rPr>
-            <a:t> </a:t>
-          </a:r>
-          <a:r>
-            <a:rPr lang="en-US" sz="3500" kern="1200" dirty="0" err="1" smtClean="0">
-              <a:latin typeface="Cambria" panose="02040503050406030204" pitchFamily="18" charset="0"/>
-            </a:rPr>
-            <a:t>Việt</a:t>
-          </a:r>
-          <a:r>
-            <a:rPr lang="en-US" sz="3500" kern="1200" dirty="0" smtClean="0">
-              <a:latin typeface="Cambria" panose="02040503050406030204" pitchFamily="18" charset="0"/>
-            </a:rPr>
-            <a:t> </a:t>
-          </a:r>
-          <a:r>
-            <a:rPr lang="en-US" sz="3500" kern="1200" dirty="0" err="1" smtClean="0">
-              <a:latin typeface="Cambria" panose="02040503050406030204" pitchFamily="18" charset="0"/>
-            </a:rPr>
-            <a:t>Phong</a:t>
-          </a:r>
-          <a:r>
-            <a:rPr lang="en-US" sz="3500" kern="1200" dirty="0" smtClean="0">
-              <a:latin typeface="Cambria" panose="02040503050406030204" pitchFamily="18" charset="0"/>
-            </a:rPr>
-            <a:t> </a:t>
-          </a:r>
-          <a:endParaRPr lang="en-US" sz="3500" kern="1200" dirty="0">
-            <a:latin typeface="Cambria" panose="02040503050406030204" pitchFamily="18" charset="0"/>
-          </a:endParaRPr>
-        </a:p>
-      </dsp:txBody>
-      <dsp:txXfrm rot="-5400000">
-        <a:off x="620034" y="1561307"/>
-        <a:ext cx="7055996" cy="519534"/>
-      </dsp:txXfrm>
-    </dsp:sp>
-    <dsp:sp modelId="{AB695737-B06E-4866-82B1-747CB5C29601}">
-      <dsp:nvSpPr>
-        <dsp:cNvPr id="0" name=""/>
-        <dsp:cNvSpPr/>
-      </dsp:nvSpPr>
-      <dsp:spPr>
-        <a:xfrm rot="5400000">
-          <a:off x="-132864" y="2431770"/>
-          <a:ext cx="885763" cy="620034"/>
-        </a:xfrm>
-        <a:prstGeom prst="chevron">
-          <a:avLst/>
-        </a:prstGeom>
-        <a:gradFill rotWithShape="0">
-          <a:gsLst>
-            <a:gs pos="0">
-              <a:schemeClr val="accent1">
-                <a:hueOff val="0"/>
-                <a:satOff val="0"/>
-                <a:lumOff val="0"/>
-                <a:alphaOff val="0"/>
-                <a:tint val="96000"/>
-                <a:lumMod val="102000"/>
-              </a:schemeClr>
-            </a:gs>
-            <a:gs pos="100000">
-              <a:schemeClr val="accent1">
-                <a:hueOff val="0"/>
-                <a:satOff val="0"/>
-                <a:lumOff val="0"/>
-                <a:alphaOff val="0"/>
-                <a:shade val="88000"/>
-                <a:lumMod val="94000"/>
-              </a:schemeClr>
-            </a:gs>
-          </a:gsLst>
-          <a:path path="circle">
-            <a:fillToRect l="50000" t="100000" r="100000" b="50000"/>
-          </a:path>
-        </a:gradFill>
-        <a:ln w="9525" cap="rnd" cmpd="sng" algn="ctr">
-          <a:solidFill>
-            <a:schemeClr val="accent1">
-              <a:hueOff val="0"/>
-              <a:satOff val="0"/>
-              <a:lumOff val="0"/>
-              <a:alphaOff val="0"/>
-            </a:schemeClr>
-          </a:solidFill>
-          <a:prstDash val="solid"/>
-        </a:ln>
-        <a:effectLst>
-          <a:outerShdw blurRad="38100" dist="25400" dir="5400000" rotWithShape="0">
-            <a:srgbClr val="000000">
-              <a:alpha val="64000"/>
-            </a:srgbClr>
-          </a:outerShdw>
-        </a:effectLst>
-        <a:scene3d>
-          <a:camera prst="orthographicFront">
-            <a:rot lat="0" lon="0" rev="0"/>
-          </a:camera>
-          <a:lightRig rig="threePt" dir="tl">
-            <a:rot lat="0" lon="0" rev="1200000"/>
-          </a:lightRig>
-        </a:scene3d>
-        <a:sp3d>
-          <a:bevelT w="25400" h="12700"/>
-        </a:sp3d>
-      </dsp:spPr>
-      <dsp:style>
-        <a:lnRef idx="1">
-          <a:scrgbClr r="0" g="0" b="0"/>
-        </a:lnRef>
-        <a:fillRef idx="3">
-          <a:scrgbClr r="0" g="0" b="0"/>
-        </a:fillRef>
-        <a:effectRef idx="3">
-          <a:scrgbClr r="0" g="0" b="0"/>
-        </a:effectRef>
-        <a:fontRef idx="minor">
-          <a:schemeClr val="lt1"/>
-        </a:fontRef>
-      </dsp:style>
-      <dsp:txBody>
-        <a:bodyPr spcFirstLastPara="0" vert="horz" wrap="square" lIns="11430" tIns="11430" rIns="11430" bIns="11430" numCol="1" spcCol="1270" anchor="ctr" anchorCtr="0">
-          <a:noAutofit/>
-        </a:bodyPr>
-        <a:lstStyle/>
-        <a:p>
-          <a:pPr lvl="0" algn="ctr" defTabSz="800100">
-            <a:lnSpc>
-              <a:spcPct val="90000"/>
-            </a:lnSpc>
-            <a:spcBef>
-              <a:spcPct val="0"/>
-            </a:spcBef>
-            <a:spcAft>
-              <a:spcPct val="35000"/>
-            </a:spcAft>
-          </a:pPr>
-          <a:endParaRPr lang="en-US" sz="1800" kern="1200" dirty="0">
-            <a:latin typeface="Cambria" panose="02040503050406030204" pitchFamily="18" charset="0"/>
-          </a:endParaRPr>
-        </a:p>
-      </dsp:txBody>
-      <dsp:txXfrm rot="-5400000">
-        <a:off x="1" y="2608922"/>
-        <a:ext cx="620034" cy="265729"/>
-      </dsp:txXfrm>
-    </dsp:sp>
-    <dsp:sp modelId="{7F1043C2-2511-4BEB-8986-CF6B1C6DD81D}">
-      <dsp:nvSpPr>
-        <dsp:cNvPr id="0" name=""/>
-        <dsp:cNvSpPr/>
-      </dsp:nvSpPr>
-      <dsp:spPr>
-        <a:xfrm rot="5400000">
-          <a:off x="3874212" y="-955271"/>
-          <a:ext cx="575746" cy="7084102"/>
-        </a:xfrm>
-        <a:prstGeom prst="round2SameRect">
-          <a:avLst/>
-        </a:prstGeom>
-        <a:solidFill>
-          <a:schemeClr val="lt1">
-            <a:alpha val="90000"/>
-            <a:hueOff val="0"/>
-            <a:satOff val="0"/>
-            <a:lumOff val="0"/>
-            <a:alphaOff val="0"/>
-          </a:schemeClr>
-        </a:solidFill>
-        <a:ln w="9525" cap="rnd" cmpd="sng" algn="ctr">
-          <a:solidFill>
-            <a:schemeClr val="accent1">
-              <a:hueOff val="0"/>
-              <a:satOff val="0"/>
-              <a:lumOff val="0"/>
-              <a:alphaOff val="0"/>
-            </a:schemeClr>
-          </a:solidFill>
-          <a:prstDash val="solid"/>
-        </a:ln>
-        <a:effectLst>
-          <a:reflection blurRad="12700" stA="26000" endPos="32000" dist="12700" dir="5400000" sy="-100000" rotWithShape="0"/>
-        </a:effectLst>
-      </dsp:spPr>
-      <dsp:style>
-        <a:lnRef idx="1">
-          <a:scrgbClr r="0" g="0" b="0"/>
-        </a:lnRef>
-        <a:fillRef idx="1">
-          <a:scrgbClr r="0" g="0" b="0"/>
-        </a:fillRef>
-        <a:effectRef idx="2">
-          <a:scrgbClr r="0" g="0" b="0"/>
-        </a:effectRef>
-        <a:fontRef idx="minor"/>
-      </dsp:style>
-      <dsp:txBody>
-        <a:bodyPr spcFirstLastPara="0" vert="horz" wrap="square" lIns="248920" tIns="22225" rIns="22225" bIns="22225" numCol="1" spcCol="1270" anchor="ctr" anchorCtr="0">
-          <a:noAutofit/>
-        </a:bodyPr>
-        <a:lstStyle/>
-        <a:p>
-          <a:pPr marL="285750" lvl="1" indent="-285750" algn="l" defTabSz="1555750">
-            <a:lnSpc>
-              <a:spcPct val="90000"/>
-            </a:lnSpc>
-            <a:spcBef>
-              <a:spcPct val="0"/>
-            </a:spcBef>
-            <a:spcAft>
-              <a:spcPct val="15000"/>
-            </a:spcAft>
-            <a:buChar char="••"/>
-          </a:pPr>
-          <a:r>
-            <a:rPr lang="en-US" sz="3500" kern="1200" dirty="0" err="1" smtClean="0">
-              <a:latin typeface="Cambria" panose="02040503050406030204" pitchFamily="18" charset="0"/>
-            </a:rPr>
-            <a:t>Hồ</a:t>
-          </a:r>
-          <a:r>
-            <a:rPr lang="en-US" sz="3500" kern="1200" dirty="0" smtClean="0">
-              <a:latin typeface="Cambria" panose="02040503050406030204" pitchFamily="18" charset="0"/>
-            </a:rPr>
-            <a:t> </a:t>
-          </a:r>
-          <a:r>
-            <a:rPr lang="en-US" sz="3500" kern="1200" dirty="0" err="1" smtClean="0">
-              <a:latin typeface="Cambria" panose="02040503050406030204" pitchFamily="18" charset="0"/>
-            </a:rPr>
-            <a:t>Đắc</a:t>
-          </a:r>
-          <a:r>
-            <a:rPr lang="en-US" sz="3500" kern="1200" dirty="0" smtClean="0">
-              <a:latin typeface="Cambria" panose="02040503050406030204" pitchFamily="18" charset="0"/>
-            </a:rPr>
-            <a:t> </a:t>
-          </a:r>
-          <a:r>
-            <a:rPr lang="en-US" sz="3500" kern="1200" dirty="0" err="1" smtClean="0">
-              <a:latin typeface="Cambria" panose="02040503050406030204" pitchFamily="18" charset="0"/>
-            </a:rPr>
-            <a:t>Nghĩa</a:t>
-          </a:r>
-          <a:r>
-            <a:rPr lang="en-US" sz="3500" kern="1200" dirty="0" smtClean="0">
-              <a:latin typeface="Cambria" panose="02040503050406030204" pitchFamily="18" charset="0"/>
-            </a:rPr>
-            <a:t> (drop out) </a:t>
-          </a:r>
-          <a:endParaRPr lang="en-US" sz="3500" kern="1200" dirty="0">
-            <a:latin typeface="Cambria" panose="02040503050406030204" pitchFamily="18" charset="0"/>
-          </a:endParaRPr>
-        </a:p>
-      </dsp:txBody>
-      <dsp:txXfrm rot="-5400000">
-        <a:off x="620034" y="2327013"/>
-        <a:ext cx="7055996" cy="519534"/>
-      </dsp:txXfrm>
-    </dsp:sp>
-    <dsp:sp modelId="{AA191CF1-9D86-417F-97D4-B41AFB7606F7}">
-      <dsp:nvSpPr>
-        <dsp:cNvPr id="0" name=""/>
-        <dsp:cNvSpPr/>
-      </dsp:nvSpPr>
-      <dsp:spPr>
-        <a:xfrm rot="5400000">
-          <a:off x="-132864" y="3197477"/>
-          <a:ext cx="885763" cy="620034"/>
-        </a:xfrm>
-        <a:prstGeom prst="chevron">
-          <a:avLst/>
-        </a:prstGeom>
-        <a:gradFill rotWithShape="0">
-          <a:gsLst>
-            <a:gs pos="0">
-              <a:schemeClr val="accent1">
-                <a:hueOff val="0"/>
-                <a:satOff val="0"/>
-                <a:lumOff val="0"/>
-                <a:alphaOff val="0"/>
-                <a:tint val="96000"/>
-                <a:lumMod val="102000"/>
-              </a:schemeClr>
-            </a:gs>
-            <a:gs pos="100000">
-              <a:schemeClr val="accent1">
-                <a:hueOff val="0"/>
-                <a:satOff val="0"/>
-                <a:lumOff val="0"/>
-                <a:alphaOff val="0"/>
-                <a:shade val="88000"/>
-                <a:lumMod val="94000"/>
-              </a:schemeClr>
-            </a:gs>
-          </a:gsLst>
-          <a:path path="circle">
-            <a:fillToRect l="50000" t="100000" r="100000" b="50000"/>
-          </a:path>
-        </a:gradFill>
-        <a:ln w="9525" cap="rnd" cmpd="sng" algn="ctr">
-          <a:solidFill>
-            <a:schemeClr val="accent1">
-              <a:hueOff val="0"/>
-              <a:satOff val="0"/>
-              <a:lumOff val="0"/>
-              <a:alphaOff val="0"/>
-            </a:schemeClr>
-          </a:solidFill>
-          <a:prstDash val="solid"/>
-        </a:ln>
-        <a:effectLst>
-          <a:outerShdw blurRad="38100" dist="25400" dir="5400000" rotWithShape="0">
-            <a:srgbClr val="000000">
-              <a:alpha val="64000"/>
-            </a:srgbClr>
-          </a:outerShdw>
-        </a:effectLst>
-        <a:scene3d>
-          <a:camera prst="orthographicFront">
-            <a:rot lat="0" lon="0" rev="0"/>
-          </a:camera>
-          <a:lightRig rig="threePt" dir="tl">
-            <a:rot lat="0" lon="0" rev="1200000"/>
-          </a:lightRig>
-        </a:scene3d>
-        <a:sp3d>
-          <a:bevelT w="25400" h="12700"/>
-        </a:sp3d>
-      </dsp:spPr>
-      <dsp:style>
-        <a:lnRef idx="1">
-          <a:scrgbClr r="0" g="0" b="0"/>
-        </a:lnRef>
-        <a:fillRef idx="3">
-          <a:scrgbClr r="0" g="0" b="0"/>
-        </a:fillRef>
-        <a:effectRef idx="3">
-          <a:scrgbClr r="0" g="0" b="0"/>
-        </a:effectRef>
-        <a:fontRef idx="minor">
-          <a:schemeClr val="lt1"/>
-        </a:fontRef>
-      </dsp:style>
-      <dsp:txBody>
-        <a:bodyPr spcFirstLastPara="0" vert="horz" wrap="square" lIns="11430" tIns="11430" rIns="11430" bIns="11430" numCol="1" spcCol="1270" anchor="ctr" anchorCtr="0">
-          <a:noAutofit/>
-        </a:bodyPr>
-        <a:lstStyle/>
-        <a:p>
-          <a:pPr lvl="0" algn="ctr" defTabSz="800100">
-            <a:lnSpc>
-              <a:spcPct val="90000"/>
-            </a:lnSpc>
-            <a:spcBef>
-              <a:spcPct val="0"/>
-            </a:spcBef>
-            <a:spcAft>
-              <a:spcPct val="35000"/>
-            </a:spcAft>
-          </a:pPr>
-          <a:endParaRPr lang="en-US" sz="1800" kern="1200" dirty="0">
-            <a:latin typeface="Cambria" panose="02040503050406030204" pitchFamily="18" charset="0"/>
-          </a:endParaRPr>
-        </a:p>
-      </dsp:txBody>
-      <dsp:txXfrm rot="-5400000">
-        <a:off x="1" y="3374629"/>
-        <a:ext cx="620034" cy="265729"/>
-      </dsp:txXfrm>
-    </dsp:sp>
-    <dsp:sp modelId="{FFED0CA7-B202-4B22-9FB5-1C1B47044921}">
-      <dsp:nvSpPr>
-        <dsp:cNvPr id="0" name=""/>
-        <dsp:cNvSpPr/>
-      </dsp:nvSpPr>
-      <dsp:spPr>
-        <a:xfrm rot="5400000">
-          <a:off x="3874212" y="-189565"/>
-          <a:ext cx="575746" cy="7084102"/>
-        </a:xfrm>
-        <a:prstGeom prst="round2SameRect">
-          <a:avLst/>
-        </a:prstGeom>
-        <a:solidFill>
-          <a:schemeClr val="lt1">
-            <a:alpha val="90000"/>
-            <a:hueOff val="0"/>
-            <a:satOff val="0"/>
-            <a:lumOff val="0"/>
-            <a:alphaOff val="0"/>
-          </a:schemeClr>
-        </a:solidFill>
-        <a:ln w="9525" cap="rnd" cmpd="sng" algn="ctr">
-          <a:solidFill>
-            <a:schemeClr val="accent1">
-              <a:hueOff val="0"/>
-              <a:satOff val="0"/>
-              <a:lumOff val="0"/>
-              <a:alphaOff val="0"/>
-            </a:schemeClr>
-          </a:solidFill>
-          <a:prstDash val="solid"/>
-        </a:ln>
-        <a:effectLst>
-          <a:reflection blurRad="12700" stA="26000" endPos="32000" dist="12700" dir="5400000" sy="-100000" rotWithShape="0"/>
-        </a:effectLst>
-      </dsp:spPr>
-      <dsp:style>
-        <a:lnRef idx="1">
-          <a:scrgbClr r="0" g="0" b="0"/>
-        </a:lnRef>
-        <a:fillRef idx="1">
-          <a:scrgbClr r="0" g="0" b="0"/>
-        </a:fillRef>
-        <a:effectRef idx="2">
-          <a:scrgbClr r="0" g="0" b="0"/>
-        </a:effectRef>
-        <a:fontRef idx="minor"/>
-      </dsp:style>
-      <dsp:txBody>
-        <a:bodyPr spcFirstLastPara="0" vert="horz" wrap="square" lIns="248920" tIns="22225" rIns="22225" bIns="22225" numCol="1" spcCol="1270" anchor="ctr" anchorCtr="0">
-          <a:noAutofit/>
-        </a:bodyPr>
-        <a:lstStyle/>
-        <a:p>
-          <a:pPr marL="285750" lvl="1" indent="-285750" algn="l" defTabSz="1555750">
-            <a:lnSpc>
-              <a:spcPct val="90000"/>
-            </a:lnSpc>
-            <a:spcBef>
-              <a:spcPct val="0"/>
-            </a:spcBef>
-            <a:spcAft>
-              <a:spcPct val="15000"/>
-            </a:spcAft>
-            <a:buChar char="••"/>
-          </a:pPr>
-          <a:r>
-            <a:rPr lang="en-US" sz="3500" kern="1200" dirty="0" err="1" smtClean="0">
-              <a:latin typeface="Cambria" panose="02040503050406030204" pitchFamily="18" charset="0"/>
-            </a:rPr>
-            <a:t>Trần</a:t>
-          </a:r>
-          <a:r>
-            <a:rPr lang="en-US" sz="3500" kern="1200" dirty="0" smtClean="0">
-              <a:latin typeface="Cambria" panose="02040503050406030204" pitchFamily="18" charset="0"/>
-            </a:rPr>
-            <a:t> </a:t>
-          </a:r>
-          <a:r>
-            <a:rPr lang="en-US" sz="3500" kern="1200" dirty="0" err="1" smtClean="0">
-              <a:latin typeface="Cambria" panose="02040503050406030204" pitchFamily="18" charset="0"/>
-            </a:rPr>
-            <a:t>Lê</a:t>
-          </a:r>
-          <a:r>
-            <a:rPr lang="en-US" sz="3500" kern="1200" dirty="0" smtClean="0">
-              <a:latin typeface="Cambria" panose="02040503050406030204" pitchFamily="18" charset="0"/>
-            </a:rPr>
-            <a:t> </a:t>
-          </a:r>
-          <a:r>
-            <a:rPr lang="en-US" sz="3500" kern="1200" dirty="0" err="1" smtClean="0">
-              <a:latin typeface="Cambria" panose="02040503050406030204" pitchFamily="18" charset="0"/>
-            </a:rPr>
-            <a:t>Tuấn</a:t>
-          </a:r>
-          <a:r>
-            <a:rPr lang="en-US" sz="3500" kern="1200" dirty="0" smtClean="0">
-              <a:latin typeface="Cambria" panose="02040503050406030204" pitchFamily="18" charset="0"/>
-            </a:rPr>
-            <a:t> (drop out) </a:t>
-          </a:r>
-          <a:endParaRPr lang="en-US" sz="3500" kern="1200" dirty="0">
-            <a:latin typeface="Cambria" panose="02040503050406030204" pitchFamily="18" charset="0"/>
-          </a:endParaRPr>
-        </a:p>
-      </dsp:txBody>
-      <dsp:txXfrm rot="-5400000">
-        <a:off x="620034" y="3092719"/>
-        <a:ext cx="7055996" cy="519534"/>
-      </dsp:txXfrm>
-    </dsp:sp>
   </dsp:spTree>
 </dsp:drawing>
 </file>
@@ -14510,334 +13386,6 @@
       <dsp:cNvGrpSpPr/>
     </dsp:nvGrpSpPr>
     <dsp:grpSpPr/>
-    <dsp:sp modelId="{73C19F2A-043A-4CF1-8BBC-CDB07368863A}">
-      <dsp:nvSpPr>
-        <dsp:cNvPr id="0" name=""/>
-        <dsp:cNvSpPr/>
-      </dsp:nvSpPr>
-      <dsp:spPr>
-        <a:xfrm>
-          <a:off x="787560" y="1083323"/>
-          <a:ext cx="6435463" cy="3325808"/>
-        </a:xfrm>
-        <a:prstGeom prst="rect">
-          <a:avLst/>
-        </a:prstGeom>
-        <a:solidFill>
-          <a:schemeClr val="accent1">
-            <a:tint val="50000"/>
-            <a:hueOff val="0"/>
-            <a:satOff val="0"/>
-            <a:lumOff val="0"/>
-            <a:alphaOff val="0"/>
-          </a:schemeClr>
-        </a:solidFill>
-        <a:ln w="22225" cap="rnd" cmpd="sng" algn="ctr">
-          <a:solidFill>
-            <a:schemeClr val="lt1">
-              <a:hueOff val="0"/>
-              <a:satOff val="0"/>
-              <a:lumOff val="0"/>
-              <a:alphaOff val="0"/>
-            </a:schemeClr>
-          </a:solidFill>
-          <a:prstDash val="solid"/>
-        </a:ln>
-        <a:effectLst/>
-      </dsp:spPr>
-      <dsp:style>
-        <a:lnRef idx="3">
-          <a:scrgbClr r="0" g="0" b="0"/>
-        </a:lnRef>
-        <a:fillRef idx="1">
-          <a:scrgbClr r="0" g="0" b="0"/>
-        </a:fillRef>
-        <a:effectRef idx="1">
-          <a:scrgbClr r="0" g="0" b="0"/>
-        </a:effectRef>
-        <a:fontRef idx="minor"/>
-      </dsp:style>
-    </dsp:sp>
-    <dsp:sp modelId="{ACA5A3C2-4501-44E9-A7E4-51A1DCCF33ED}">
-      <dsp:nvSpPr>
-        <dsp:cNvPr id="0" name=""/>
-        <dsp:cNvSpPr/>
-      </dsp:nvSpPr>
-      <dsp:spPr>
-        <a:xfrm>
-          <a:off x="858061" y="1458378"/>
-          <a:ext cx="2988422" cy="2845188"/>
-        </a:xfrm>
-        <a:prstGeom prst="rect">
-          <a:avLst/>
-        </a:prstGeom>
-        <a:noFill/>
-        <a:ln>
-          <a:noFill/>
-        </a:ln>
-        <a:effectLst/>
-      </dsp:spPr>
-      <dsp:style>
-        <a:lnRef idx="0">
-          <a:scrgbClr r="0" g="0" b="0"/>
-        </a:lnRef>
-        <a:fillRef idx="0">
-          <a:scrgbClr r="0" g="0" b="0"/>
-        </a:fillRef>
-        <a:effectRef idx="0">
-          <a:scrgbClr r="0" g="0" b="0"/>
-        </a:effectRef>
-        <a:fontRef idx="minor"/>
-      </dsp:style>
-      <dsp:txBody>
-        <a:bodyPr spcFirstLastPara="0" vert="horz" wrap="square" lIns="45720" tIns="45720" rIns="45720" bIns="45720" numCol="1" spcCol="1270" anchor="t" anchorCtr="0">
-          <a:noAutofit/>
-        </a:bodyPr>
-        <a:lstStyle/>
-        <a:p>
-          <a:pPr lvl="0" algn="l" defTabSz="1066800">
-            <a:lnSpc>
-              <a:spcPct val="90000"/>
-            </a:lnSpc>
-            <a:spcBef>
-              <a:spcPct val="0"/>
-            </a:spcBef>
-            <a:spcAft>
-              <a:spcPct val="35000"/>
-            </a:spcAft>
-          </a:pPr>
-          <a:r>
-            <a:rPr lang="en-US" sz="2400" kern="1200" dirty="0" smtClean="0">
-              <a:latin typeface="Cambria" panose="02040503050406030204" pitchFamily="18" charset="0"/>
-            </a:rPr>
-            <a:t> </a:t>
-          </a:r>
-        </a:p>
-      </dsp:txBody>
-      <dsp:txXfrm>
-        <a:off x="858061" y="1458378"/>
-        <a:ext cx="2988422" cy="2845188"/>
-      </dsp:txXfrm>
-    </dsp:sp>
-    <dsp:sp modelId="{A177844E-CD64-4D1C-B08C-3EBC138B7A2B}">
-      <dsp:nvSpPr>
-        <dsp:cNvPr id="0" name=""/>
-        <dsp:cNvSpPr/>
-      </dsp:nvSpPr>
-      <dsp:spPr>
-        <a:xfrm>
-          <a:off x="3913057" y="1458378"/>
-          <a:ext cx="2988422" cy="2845188"/>
-        </a:xfrm>
-        <a:prstGeom prst="rect">
-          <a:avLst/>
-        </a:prstGeom>
-        <a:noFill/>
-        <a:ln>
-          <a:noFill/>
-        </a:ln>
-        <a:effectLst/>
-      </dsp:spPr>
-      <dsp:style>
-        <a:lnRef idx="0">
-          <a:scrgbClr r="0" g="0" b="0"/>
-        </a:lnRef>
-        <a:fillRef idx="0">
-          <a:scrgbClr r="0" g="0" b="0"/>
-        </a:fillRef>
-        <a:effectRef idx="0">
-          <a:scrgbClr r="0" g="0" b="0"/>
-        </a:effectRef>
-        <a:fontRef idx="minor"/>
-      </dsp:style>
-      <dsp:txBody>
-        <a:bodyPr spcFirstLastPara="0" vert="horz" wrap="square" lIns="45720" tIns="45720" rIns="45720" bIns="45720" numCol="1" spcCol="1270" anchor="t" anchorCtr="0">
-          <a:noAutofit/>
-        </a:bodyPr>
-        <a:lstStyle/>
-        <a:p>
-          <a:pPr lvl="0" algn="l" defTabSz="1066800">
-            <a:lnSpc>
-              <a:spcPct val="90000"/>
-            </a:lnSpc>
-            <a:spcBef>
-              <a:spcPct val="0"/>
-            </a:spcBef>
-            <a:spcAft>
-              <a:spcPct val="35000"/>
-            </a:spcAft>
-          </a:pPr>
-          <a:endParaRPr lang="en-US" sz="2400" kern="1200" dirty="0">
-            <a:latin typeface="Cambria" panose="02040503050406030204" pitchFamily="18" charset="0"/>
-          </a:endParaRPr>
-        </a:p>
-      </dsp:txBody>
-      <dsp:txXfrm>
-        <a:off x="3913057" y="1458378"/>
-        <a:ext cx="2988422" cy="2845188"/>
-      </dsp:txXfrm>
-    </dsp:sp>
-    <dsp:sp modelId="{319A43D9-B41D-4B06-B656-4D1C40E4BAA6}">
-      <dsp:nvSpPr>
-        <dsp:cNvPr id="0" name=""/>
-        <dsp:cNvSpPr/>
-      </dsp:nvSpPr>
-      <dsp:spPr>
-        <a:xfrm>
-          <a:off x="0" y="403854"/>
-          <a:ext cx="1257504" cy="1257504"/>
-        </a:xfrm>
-        <a:prstGeom prst="plus">
-          <a:avLst>
-            <a:gd name="adj" fmla="val 32810"/>
-          </a:avLst>
-        </a:prstGeom>
-        <a:gradFill rotWithShape="1">
-          <a:gsLst>
-            <a:gs pos="0">
-              <a:schemeClr val="accent2">
-                <a:tint val="96000"/>
-                <a:lumMod val="102000"/>
-              </a:schemeClr>
-            </a:gs>
-            <a:gs pos="100000">
-              <a:schemeClr val="accent2">
-                <a:shade val="88000"/>
-                <a:lumMod val="94000"/>
-              </a:schemeClr>
-            </a:gs>
-          </a:gsLst>
-          <a:path path="circle">
-            <a:fillToRect l="50000" t="100000" r="100000" b="50000"/>
-          </a:path>
-        </a:gradFill>
-        <a:ln w="9525" cap="rnd" cmpd="sng" algn="ctr">
-          <a:solidFill>
-            <a:schemeClr val="accent2">
-              <a:tint val="60000"/>
-            </a:schemeClr>
-          </a:solidFill>
-          <a:prstDash val="solid"/>
-        </a:ln>
-        <a:effectLst>
-          <a:reflection blurRad="12700" stA="26000" endPos="32000" dist="12700" dir="5400000" sy="-100000" rotWithShape="0"/>
-        </a:effectLst>
-      </dsp:spPr>
-      <dsp:style>
-        <a:lnRef idx="1">
-          <a:schemeClr val="accent2"/>
-        </a:lnRef>
-        <a:fillRef idx="3">
-          <a:schemeClr val="accent2"/>
-        </a:fillRef>
-        <a:effectRef idx="2">
-          <a:schemeClr val="accent2"/>
-        </a:effectRef>
-        <a:fontRef idx="minor">
-          <a:schemeClr val="lt1"/>
-        </a:fontRef>
-      </dsp:style>
-    </dsp:sp>
-    <dsp:sp modelId="{4F579154-C094-46EF-AECB-D0FCFEED5A52}">
-      <dsp:nvSpPr>
-        <dsp:cNvPr id="0" name=""/>
-        <dsp:cNvSpPr/>
-      </dsp:nvSpPr>
-      <dsp:spPr>
-        <a:xfrm>
-          <a:off x="6213551" y="856082"/>
-          <a:ext cx="1183533" cy="405586"/>
-        </a:xfrm>
-        <a:prstGeom prst="rect">
-          <a:avLst/>
-        </a:prstGeom>
-        <a:gradFill rotWithShape="1">
-          <a:gsLst>
-            <a:gs pos="0">
-              <a:schemeClr val="accent4">
-                <a:tint val="96000"/>
-                <a:lumMod val="102000"/>
-              </a:schemeClr>
-            </a:gs>
-            <a:gs pos="100000">
-              <a:schemeClr val="accent4">
-                <a:shade val="88000"/>
-                <a:lumMod val="94000"/>
-              </a:schemeClr>
-            </a:gs>
-          </a:gsLst>
-          <a:path path="circle">
-            <a:fillToRect l="50000" t="100000" r="100000" b="50000"/>
-          </a:path>
-        </a:gradFill>
-        <a:ln w="9525" cap="rnd" cmpd="sng" algn="ctr">
-          <a:solidFill>
-            <a:schemeClr val="accent4">
-              <a:tint val="60000"/>
-            </a:schemeClr>
-          </a:solidFill>
-          <a:prstDash val="solid"/>
-        </a:ln>
-        <a:effectLst>
-          <a:reflection blurRad="12700" stA="26000" endPos="32000" dist="12700" dir="5400000" sy="-100000" rotWithShape="0"/>
-        </a:effectLst>
-      </dsp:spPr>
-      <dsp:style>
-        <a:lnRef idx="1">
-          <a:schemeClr val="accent4"/>
-        </a:lnRef>
-        <a:fillRef idx="3">
-          <a:schemeClr val="accent4"/>
-        </a:fillRef>
-        <a:effectRef idx="2">
-          <a:schemeClr val="accent4"/>
-        </a:effectRef>
-        <a:fontRef idx="minor">
-          <a:schemeClr val="lt1"/>
-        </a:fontRef>
-      </dsp:style>
-    </dsp:sp>
-    <dsp:sp modelId="{6ED2E672-AC4E-4E8D-86EB-593C630AEAA2}">
-      <dsp:nvSpPr>
-        <dsp:cNvPr id="0" name=""/>
-        <dsp:cNvSpPr/>
-      </dsp:nvSpPr>
-      <dsp:spPr>
-        <a:xfrm>
-          <a:off x="3883469" y="1464462"/>
-          <a:ext cx="739" cy="2717428"/>
-        </a:xfrm>
-        <a:prstGeom prst="line">
-          <a:avLst/>
-        </a:prstGeom>
-        <a:noFill/>
-        <a:ln w="15875" cap="rnd" cmpd="sng" algn="ctr">
-          <a:solidFill>
-            <a:schemeClr val="accent1">
-              <a:shade val="60000"/>
-              <a:hueOff val="0"/>
-              <a:satOff val="0"/>
-              <a:lumOff val="0"/>
-              <a:alphaOff val="0"/>
-            </a:schemeClr>
-          </a:solidFill>
-          <a:prstDash val="solid"/>
-        </a:ln>
-        <a:effectLst/>
-      </dsp:spPr>
-      <dsp:style>
-        <a:lnRef idx="2">
-          <a:scrgbClr r="0" g="0" b="0"/>
-        </a:lnRef>
-        <a:fillRef idx="0">
-          <a:scrgbClr r="0" g="0" b="0"/>
-        </a:fillRef>
-        <a:effectRef idx="0">
-          <a:scrgbClr r="0" g="0" b="0"/>
-        </a:effectRef>
-        <a:fontRef idx="minor"/>
-      </dsp:style>
-    </dsp:sp>
   </dsp:spTree>
 </dsp:drawing>
 </file>
@@ -14850,1254 +13398,6 @@
       <dsp:cNvGrpSpPr/>
     </dsp:nvGrpSpPr>
     <dsp:grpSpPr/>
-    <dsp:sp modelId="{6F72C830-02B0-4DC8-BBB0-3BD681190D07}">
-      <dsp:nvSpPr>
-        <dsp:cNvPr id="0" name=""/>
-        <dsp:cNvSpPr/>
-      </dsp:nvSpPr>
-      <dsp:spPr>
-        <a:xfrm>
-          <a:off x="2433" y="351325"/>
-          <a:ext cx="1184464" cy="816096"/>
-        </a:xfrm>
-        <a:prstGeom prst="roundRect">
-          <a:avLst/>
-        </a:prstGeom>
-        <a:blipFill rotWithShape="1">
-          <a:blip xmlns:r="http://schemas.openxmlformats.org/officeDocument/2006/relationships" r:embed="rId1"/>
-          <a:stretch>
-            <a:fillRect/>
-          </a:stretch>
-        </a:blipFill>
-        <a:ln w="15875" cap="rnd" cmpd="sng" algn="ctr">
-          <a:solidFill>
-            <a:schemeClr val="lt1">
-              <a:hueOff val="0"/>
-              <a:satOff val="0"/>
-              <a:lumOff val="0"/>
-              <a:alphaOff val="0"/>
-            </a:schemeClr>
-          </a:solidFill>
-          <a:prstDash val="solid"/>
-        </a:ln>
-        <a:effectLst/>
-      </dsp:spPr>
-      <dsp:style>
-        <a:lnRef idx="2">
-          <a:scrgbClr r="0" g="0" b="0"/>
-        </a:lnRef>
-        <a:fillRef idx="1">
-          <a:scrgbClr r="0" g="0" b="0"/>
-        </a:fillRef>
-        <a:effectRef idx="0">
-          <a:scrgbClr r="0" g="0" b="0"/>
-        </a:effectRef>
-        <a:fontRef idx="minor">
-          <a:schemeClr val="lt1"/>
-        </a:fontRef>
-      </dsp:style>
-    </dsp:sp>
-    <dsp:sp modelId="{A73C110E-41C1-4221-A208-8BB993935EDB}">
-      <dsp:nvSpPr>
-        <dsp:cNvPr id="0" name=""/>
-        <dsp:cNvSpPr/>
-      </dsp:nvSpPr>
-      <dsp:spPr>
-        <a:xfrm>
-          <a:off x="2433" y="1167421"/>
-          <a:ext cx="1184464" cy="439436"/>
-        </a:xfrm>
-        <a:prstGeom prst="rect">
-          <a:avLst/>
-        </a:prstGeom>
-        <a:noFill/>
-        <a:ln>
-          <a:noFill/>
-        </a:ln>
-        <a:effectLst/>
-      </dsp:spPr>
-      <dsp:style>
-        <a:lnRef idx="0">
-          <a:scrgbClr r="0" g="0" b="0"/>
-        </a:lnRef>
-        <a:fillRef idx="0">
-          <a:scrgbClr r="0" g="0" b="0"/>
-        </a:fillRef>
-        <a:effectRef idx="0">
-          <a:scrgbClr r="0" g="0" b="0"/>
-        </a:effectRef>
-        <a:fontRef idx="minor"/>
-      </dsp:style>
-      <dsp:txBody>
-        <a:bodyPr spcFirstLastPara="0" vert="horz" wrap="square" lIns="142240" tIns="142240" rIns="142240" bIns="0" numCol="1" spcCol="1270" anchor="t" anchorCtr="0">
-          <a:noAutofit/>
-        </a:bodyPr>
-        <a:lstStyle/>
-        <a:p>
-          <a:pPr lvl="0" algn="ctr" defTabSz="889000">
-            <a:lnSpc>
-              <a:spcPct val="90000"/>
-            </a:lnSpc>
-            <a:spcBef>
-              <a:spcPct val="0"/>
-            </a:spcBef>
-            <a:spcAft>
-              <a:spcPct val="35000"/>
-            </a:spcAft>
-          </a:pPr>
-          <a:r>
-            <a:rPr lang="en-US" sz="2000" kern="1200" dirty="0" smtClean="0"/>
-            <a:t> </a:t>
-          </a:r>
-          <a:endParaRPr lang="en-US" sz="2000" kern="1200" dirty="0"/>
-        </a:p>
-      </dsp:txBody>
-      <dsp:txXfrm>
-        <a:off x="2433" y="1167421"/>
-        <a:ext cx="1184464" cy="439436"/>
-      </dsp:txXfrm>
-    </dsp:sp>
-    <dsp:sp modelId="{FC3DCFD4-BE83-44FA-8025-10E8123E946D}">
-      <dsp:nvSpPr>
-        <dsp:cNvPr id="0" name=""/>
-        <dsp:cNvSpPr/>
-      </dsp:nvSpPr>
-      <dsp:spPr>
-        <a:xfrm>
-          <a:off x="1305394" y="351325"/>
-          <a:ext cx="1184464" cy="816096"/>
-        </a:xfrm>
-        <a:prstGeom prst="roundRect">
-          <a:avLst/>
-        </a:prstGeom>
-        <a:blipFill rotWithShape="1">
-          <a:blip xmlns:r="http://schemas.openxmlformats.org/officeDocument/2006/relationships" r:embed="rId2"/>
-          <a:stretch>
-            <a:fillRect/>
-          </a:stretch>
-        </a:blipFill>
-        <a:ln w="15875" cap="rnd" cmpd="sng" algn="ctr">
-          <a:solidFill>
-            <a:schemeClr val="lt1">
-              <a:hueOff val="0"/>
-              <a:satOff val="0"/>
-              <a:lumOff val="0"/>
-              <a:alphaOff val="0"/>
-            </a:schemeClr>
-          </a:solidFill>
-          <a:prstDash val="solid"/>
-        </a:ln>
-        <a:effectLst/>
-      </dsp:spPr>
-      <dsp:style>
-        <a:lnRef idx="2">
-          <a:scrgbClr r="0" g="0" b="0"/>
-        </a:lnRef>
-        <a:fillRef idx="1">
-          <a:scrgbClr r="0" g="0" b="0"/>
-        </a:fillRef>
-        <a:effectRef idx="0">
-          <a:scrgbClr r="0" g="0" b="0"/>
-        </a:effectRef>
-        <a:fontRef idx="minor">
-          <a:schemeClr val="lt1"/>
-        </a:fontRef>
-      </dsp:style>
-    </dsp:sp>
-    <dsp:sp modelId="{5882619E-4F9D-43A6-8541-0D37654DA9DA}">
-      <dsp:nvSpPr>
-        <dsp:cNvPr id="0" name=""/>
-        <dsp:cNvSpPr/>
-      </dsp:nvSpPr>
-      <dsp:spPr>
-        <a:xfrm>
-          <a:off x="1305394" y="1167421"/>
-          <a:ext cx="1184464" cy="439436"/>
-        </a:xfrm>
-        <a:prstGeom prst="rect">
-          <a:avLst/>
-        </a:prstGeom>
-        <a:noFill/>
-        <a:ln>
-          <a:noFill/>
-        </a:ln>
-        <a:effectLst/>
-      </dsp:spPr>
-      <dsp:style>
-        <a:lnRef idx="0">
-          <a:scrgbClr r="0" g="0" b="0"/>
-        </a:lnRef>
-        <a:fillRef idx="0">
-          <a:scrgbClr r="0" g="0" b="0"/>
-        </a:fillRef>
-        <a:effectRef idx="0">
-          <a:scrgbClr r="0" g="0" b="0"/>
-        </a:effectRef>
-        <a:fontRef idx="minor"/>
-      </dsp:style>
-      <dsp:txBody>
-        <a:bodyPr spcFirstLastPara="0" vert="horz" wrap="square" lIns="142240" tIns="142240" rIns="142240" bIns="0" numCol="1" spcCol="1270" anchor="t" anchorCtr="0">
-          <a:noAutofit/>
-        </a:bodyPr>
-        <a:lstStyle/>
-        <a:p>
-          <a:pPr lvl="0" algn="ctr" defTabSz="889000">
-            <a:lnSpc>
-              <a:spcPct val="90000"/>
-            </a:lnSpc>
-            <a:spcBef>
-              <a:spcPct val="0"/>
-            </a:spcBef>
-            <a:spcAft>
-              <a:spcPct val="35000"/>
-            </a:spcAft>
-          </a:pPr>
-          <a:r>
-            <a:rPr lang="en-US" sz="2000" kern="1200" dirty="0" smtClean="0"/>
-            <a:t> </a:t>
-          </a:r>
-          <a:endParaRPr lang="en-US" sz="2000" kern="1200" dirty="0"/>
-        </a:p>
-      </dsp:txBody>
-      <dsp:txXfrm>
-        <a:off x="1305394" y="1167421"/>
-        <a:ext cx="1184464" cy="439436"/>
-      </dsp:txXfrm>
-    </dsp:sp>
-    <dsp:sp modelId="{65D8AAA8-D174-4852-A0E5-5F458607BBDB}">
-      <dsp:nvSpPr>
-        <dsp:cNvPr id="0" name=""/>
-        <dsp:cNvSpPr/>
-      </dsp:nvSpPr>
-      <dsp:spPr>
-        <a:xfrm>
-          <a:off x="2608355" y="351325"/>
-          <a:ext cx="1184464" cy="816096"/>
-        </a:xfrm>
-        <a:prstGeom prst="roundRect">
-          <a:avLst/>
-        </a:prstGeom>
-        <a:blipFill rotWithShape="1">
-          <a:blip xmlns:r="http://schemas.openxmlformats.org/officeDocument/2006/relationships" r:embed="rId3"/>
-          <a:stretch>
-            <a:fillRect/>
-          </a:stretch>
-        </a:blipFill>
-        <a:ln w="15875" cap="rnd" cmpd="sng" algn="ctr">
-          <a:solidFill>
-            <a:schemeClr val="lt1">
-              <a:hueOff val="0"/>
-              <a:satOff val="0"/>
-              <a:lumOff val="0"/>
-              <a:alphaOff val="0"/>
-            </a:schemeClr>
-          </a:solidFill>
-          <a:prstDash val="solid"/>
-        </a:ln>
-        <a:effectLst/>
-      </dsp:spPr>
-      <dsp:style>
-        <a:lnRef idx="2">
-          <a:scrgbClr r="0" g="0" b="0"/>
-        </a:lnRef>
-        <a:fillRef idx="1">
-          <a:scrgbClr r="0" g="0" b="0"/>
-        </a:fillRef>
-        <a:effectRef idx="0">
-          <a:scrgbClr r="0" g="0" b="0"/>
-        </a:effectRef>
-        <a:fontRef idx="minor">
-          <a:schemeClr val="lt1"/>
-        </a:fontRef>
-      </dsp:style>
-    </dsp:sp>
-    <dsp:sp modelId="{CA69DDF5-9887-48B6-9196-13283E6C4432}">
-      <dsp:nvSpPr>
-        <dsp:cNvPr id="0" name=""/>
-        <dsp:cNvSpPr/>
-      </dsp:nvSpPr>
-      <dsp:spPr>
-        <a:xfrm>
-          <a:off x="2608355" y="1167421"/>
-          <a:ext cx="1184464" cy="439436"/>
-        </a:xfrm>
-        <a:prstGeom prst="rect">
-          <a:avLst/>
-        </a:prstGeom>
-        <a:noFill/>
-        <a:ln>
-          <a:noFill/>
-        </a:ln>
-        <a:effectLst/>
-      </dsp:spPr>
-      <dsp:style>
-        <a:lnRef idx="0">
-          <a:scrgbClr r="0" g="0" b="0"/>
-        </a:lnRef>
-        <a:fillRef idx="0">
-          <a:scrgbClr r="0" g="0" b="0"/>
-        </a:fillRef>
-        <a:effectRef idx="0">
-          <a:scrgbClr r="0" g="0" b="0"/>
-        </a:effectRef>
-        <a:fontRef idx="minor"/>
-      </dsp:style>
-      <dsp:txBody>
-        <a:bodyPr spcFirstLastPara="0" vert="horz" wrap="square" lIns="142240" tIns="142240" rIns="142240" bIns="0" numCol="1" spcCol="1270" anchor="t" anchorCtr="0">
-          <a:noAutofit/>
-        </a:bodyPr>
-        <a:lstStyle/>
-        <a:p>
-          <a:pPr lvl="0" algn="ctr" defTabSz="889000">
-            <a:lnSpc>
-              <a:spcPct val="90000"/>
-            </a:lnSpc>
-            <a:spcBef>
-              <a:spcPct val="0"/>
-            </a:spcBef>
-            <a:spcAft>
-              <a:spcPct val="35000"/>
-            </a:spcAft>
-          </a:pPr>
-          <a:r>
-            <a:rPr lang="en-US" sz="2000" kern="1200" dirty="0" smtClean="0"/>
-            <a:t>  </a:t>
-          </a:r>
-          <a:endParaRPr lang="en-US" sz="2000" kern="1200" dirty="0"/>
-        </a:p>
-      </dsp:txBody>
-      <dsp:txXfrm>
-        <a:off x="2608355" y="1167421"/>
-        <a:ext cx="1184464" cy="439436"/>
-      </dsp:txXfrm>
-    </dsp:sp>
-    <dsp:sp modelId="{9B57D5D9-BA99-432E-B0CE-D576749DEF6F}">
-      <dsp:nvSpPr>
-        <dsp:cNvPr id="0" name=""/>
-        <dsp:cNvSpPr/>
-      </dsp:nvSpPr>
-      <dsp:spPr>
-        <a:xfrm>
-          <a:off x="3911316" y="351325"/>
-          <a:ext cx="1184464" cy="816096"/>
-        </a:xfrm>
-        <a:prstGeom prst="roundRect">
-          <a:avLst/>
-        </a:prstGeom>
-        <a:blipFill rotWithShape="1">
-          <a:blip xmlns:r="http://schemas.openxmlformats.org/officeDocument/2006/relationships" r:embed="rId4"/>
-          <a:stretch>
-            <a:fillRect/>
-          </a:stretch>
-        </a:blipFill>
-        <a:ln w="15875" cap="rnd" cmpd="sng" algn="ctr">
-          <a:solidFill>
-            <a:schemeClr val="lt1">
-              <a:hueOff val="0"/>
-              <a:satOff val="0"/>
-              <a:lumOff val="0"/>
-              <a:alphaOff val="0"/>
-            </a:schemeClr>
-          </a:solidFill>
-          <a:prstDash val="solid"/>
-        </a:ln>
-        <a:effectLst/>
-      </dsp:spPr>
-      <dsp:style>
-        <a:lnRef idx="2">
-          <a:scrgbClr r="0" g="0" b="0"/>
-        </a:lnRef>
-        <a:fillRef idx="1">
-          <a:scrgbClr r="0" g="0" b="0"/>
-        </a:fillRef>
-        <a:effectRef idx="0">
-          <a:scrgbClr r="0" g="0" b="0"/>
-        </a:effectRef>
-        <a:fontRef idx="minor">
-          <a:schemeClr val="lt1"/>
-        </a:fontRef>
-      </dsp:style>
-    </dsp:sp>
-    <dsp:sp modelId="{5B8DB52C-CF3B-4E59-81F9-0F13FC4DFB1B}">
-      <dsp:nvSpPr>
-        <dsp:cNvPr id="0" name=""/>
-        <dsp:cNvSpPr/>
-      </dsp:nvSpPr>
-      <dsp:spPr>
-        <a:xfrm>
-          <a:off x="3911316" y="1167421"/>
-          <a:ext cx="1184464" cy="439436"/>
-        </a:xfrm>
-        <a:prstGeom prst="rect">
-          <a:avLst/>
-        </a:prstGeom>
-        <a:noFill/>
-        <a:ln>
-          <a:noFill/>
-        </a:ln>
-        <a:effectLst/>
-      </dsp:spPr>
-      <dsp:style>
-        <a:lnRef idx="0">
-          <a:scrgbClr r="0" g="0" b="0"/>
-        </a:lnRef>
-        <a:fillRef idx="0">
-          <a:scrgbClr r="0" g="0" b="0"/>
-        </a:fillRef>
-        <a:effectRef idx="0">
-          <a:scrgbClr r="0" g="0" b="0"/>
-        </a:effectRef>
-        <a:fontRef idx="minor"/>
-      </dsp:style>
-      <dsp:txBody>
-        <a:bodyPr spcFirstLastPara="0" vert="horz" wrap="square" lIns="142240" tIns="142240" rIns="142240" bIns="0" numCol="1" spcCol="1270" anchor="t" anchorCtr="0">
-          <a:noAutofit/>
-        </a:bodyPr>
-        <a:lstStyle/>
-        <a:p>
-          <a:pPr lvl="0" algn="ctr" defTabSz="889000">
-            <a:lnSpc>
-              <a:spcPct val="90000"/>
-            </a:lnSpc>
-            <a:spcBef>
-              <a:spcPct val="0"/>
-            </a:spcBef>
-            <a:spcAft>
-              <a:spcPct val="35000"/>
-            </a:spcAft>
-          </a:pPr>
-          <a:endParaRPr lang="en-US" sz="2000" kern="1200" dirty="0"/>
-        </a:p>
-      </dsp:txBody>
-      <dsp:txXfrm>
-        <a:off x="3911316" y="1167421"/>
-        <a:ext cx="1184464" cy="439436"/>
-      </dsp:txXfrm>
-    </dsp:sp>
-    <dsp:sp modelId="{43D16F40-5E33-4CA4-A309-415A4AFB281A}">
-      <dsp:nvSpPr>
-        <dsp:cNvPr id="0" name=""/>
-        <dsp:cNvSpPr/>
-      </dsp:nvSpPr>
-      <dsp:spPr>
-        <a:xfrm>
-          <a:off x="5214277" y="351325"/>
-          <a:ext cx="1184464" cy="816096"/>
-        </a:xfrm>
-        <a:prstGeom prst="roundRect">
-          <a:avLst/>
-        </a:prstGeom>
-        <a:blipFill rotWithShape="1">
-          <a:blip xmlns:r="http://schemas.openxmlformats.org/officeDocument/2006/relationships" r:embed="rId5"/>
-          <a:stretch>
-            <a:fillRect/>
-          </a:stretch>
-        </a:blipFill>
-        <a:ln w="15875" cap="rnd" cmpd="sng" algn="ctr">
-          <a:solidFill>
-            <a:schemeClr val="lt1">
-              <a:hueOff val="0"/>
-              <a:satOff val="0"/>
-              <a:lumOff val="0"/>
-              <a:alphaOff val="0"/>
-            </a:schemeClr>
-          </a:solidFill>
-          <a:prstDash val="solid"/>
-        </a:ln>
-        <a:effectLst/>
-      </dsp:spPr>
-      <dsp:style>
-        <a:lnRef idx="2">
-          <a:scrgbClr r="0" g="0" b="0"/>
-        </a:lnRef>
-        <a:fillRef idx="1">
-          <a:scrgbClr r="0" g="0" b="0"/>
-        </a:fillRef>
-        <a:effectRef idx="0">
-          <a:scrgbClr r="0" g="0" b="0"/>
-        </a:effectRef>
-        <a:fontRef idx="minor">
-          <a:schemeClr val="lt1"/>
-        </a:fontRef>
-      </dsp:style>
-    </dsp:sp>
-    <dsp:sp modelId="{52340DEF-1578-4CC0-86A7-FE5D030EC1F3}">
-      <dsp:nvSpPr>
-        <dsp:cNvPr id="0" name=""/>
-        <dsp:cNvSpPr/>
-      </dsp:nvSpPr>
-      <dsp:spPr>
-        <a:xfrm>
-          <a:off x="5214277" y="1167421"/>
-          <a:ext cx="1184464" cy="439436"/>
-        </a:xfrm>
-        <a:prstGeom prst="rect">
-          <a:avLst/>
-        </a:prstGeom>
-        <a:noFill/>
-        <a:ln>
-          <a:noFill/>
-        </a:ln>
-        <a:effectLst/>
-      </dsp:spPr>
-      <dsp:style>
-        <a:lnRef idx="0">
-          <a:scrgbClr r="0" g="0" b="0"/>
-        </a:lnRef>
-        <a:fillRef idx="0">
-          <a:scrgbClr r="0" g="0" b="0"/>
-        </a:fillRef>
-        <a:effectRef idx="0">
-          <a:scrgbClr r="0" g="0" b="0"/>
-        </a:effectRef>
-        <a:fontRef idx="minor"/>
-      </dsp:style>
-      <dsp:txBody>
-        <a:bodyPr spcFirstLastPara="0" vert="horz" wrap="square" lIns="142240" tIns="142240" rIns="142240" bIns="0" numCol="1" spcCol="1270" anchor="t" anchorCtr="0">
-          <a:noAutofit/>
-        </a:bodyPr>
-        <a:lstStyle/>
-        <a:p>
-          <a:pPr lvl="0" algn="ctr" defTabSz="889000">
-            <a:lnSpc>
-              <a:spcPct val="90000"/>
-            </a:lnSpc>
-            <a:spcBef>
-              <a:spcPct val="0"/>
-            </a:spcBef>
-            <a:spcAft>
-              <a:spcPct val="35000"/>
-            </a:spcAft>
-          </a:pPr>
-          <a:endParaRPr lang="en-US" sz="2000" kern="1200" dirty="0"/>
-        </a:p>
-      </dsp:txBody>
-      <dsp:txXfrm>
-        <a:off x="5214277" y="1167421"/>
-        <a:ext cx="1184464" cy="439436"/>
-      </dsp:txXfrm>
-    </dsp:sp>
-    <dsp:sp modelId="{BCED213A-7198-452B-B19A-1AA2D3ECA8BC}">
-      <dsp:nvSpPr>
-        <dsp:cNvPr id="0" name=""/>
-        <dsp:cNvSpPr/>
-      </dsp:nvSpPr>
-      <dsp:spPr>
-        <a:xfrm>
-          <a:off x="6517238" y="351325"/>
-          <a:ext cx="1184464" cy="816096"/>
-        </a:xfrm>
-        <a:prstGeom prst="roundRect">
-          <a:avLst/>
-        </a:prstGeom>
-        <a:blipFill rotWithShape="1">
-          <a:blip xmlns:r="http://schemas.openxmlformats.org/officeDocument/2006/relationships" r:embed="rId6"/>
-          <a:stretch>
-            <a:fillRect/>
-          </a:stretch>
-        </a:blipFill>
-        <a:ln w="15875" cap="rnd" cmpd="sng" algn="ctr">
-          <a:solidFill>
-            <a:schemeClr val="lt1">
-              <a:hueOff val="0"/>
-              <a:satOff val="0"/>
-              <a:lumOff val="0"/>
-              <a:alphaOff val="0"/>
-            </a:schemeClr>
-          </a:solidFill>
-          <a:prstDash val="solid"/>
-        </a:ln>
-        <a:effectLst/>
-      </dsp:spPr>
-      <dsp:style>
-        <a:lnRef idx="2">
-          <a:scrgbClr r="0" g="0" b="0"/>
-        </a:lnRef>
-        <a:fillRef idx="1">
-          <a:scrgbClr r="0" g="0" b="0"/>
-        </a:fillRef>
-        <a:effectRef idx="0">
-          <a:scrgbClr r="0" g="0" b="0"/>
-        </a:effectRef>
-        <a:fontRef idx="minor">
-          <a:schemeClr val="lt1"/>
-        </a:fontRef>
-      </dsp:style>
-    </dsp:sp>
-    <dsp:sp modelId="{049F3451-1EB4-4BAB-B60A-5FEE71B08888}">
-      <dsp:nvSpPr>
-        <dsp:cNvPr id="0" name=""/>
-        <dsp:cNvSpPr/>
-      </dsp:nvSpPr>
-      <dsp:spPr>
-        <a:xfrm>
-          <a:off x="6517238" y="1167421"/>
-          <a:ext cx="1184464" cy="439436"/>
-        </a:xfrm>
-        <a:prstGeom prst="rect">
-          <a:avLst/>
-        </a:prstGeom>
-        <a:noFill/>
-        <a:ln>
-          <a:noFill/>
-        </a:ln>
-        <a:effectLst/>
-      </dsp:spPr>
-      <dsp:style>
-        <a:lnRef idx="0">
-          <a:scrgbClr r="0" g="0" b="0"/>
-        </a:lnRef>
-        <a:fillRef idx="0">
-          <a:scrgbClr r="0" g="0" b="0"/>
-        </a:fillRef>
-        <a:effectRef idx="0">
-          <a:scrgbClr r="0" g="0" b="0"/>
-        </a:effectRef>
-        <a:fontRef idx="minor"/>
-      </dsp:style>
-      <dsp:txBody>
-        <a:bodyPr spcFirstLastPara="0" vert="horz" wrap="square" lIns="142240" tIns="142240" rIns="142240" bIns="0" numCol="1" spcCol="1270" anchor="t" anchorCtr="0">
-          <a:noAutofit/>
-        </a:bodyPr>
-        <a:lstStyle/>
-        <a:p>
-          <a:pPr lvl="0" algn="ctr" defTabSz="889000">
-            <a:lnSpc>
-              <a:spcPct val="90000"/>
-            </a:lnSpc>
-            <a:spcBef>
-              <a:spcPct val="0"/>
-            </a:spcBef>
-            <a:spcAft>
-              <a:spcPct val="35000"/>
-            </a:spcAft>
-          </a:pPr>
-          <a:endParaRPr lang="en-US" sz="2000" kern="1200" dirty="0"/>
-        </a:p>
-      </dsp:txBody>
-      <dsp:txXfrm>
-        <a:off x="6517238" y="1167421"/>
-        <a:ext cx="1184464" cy="439436"/>
-      </dsp:txXfrm>
-    </dsp:sp>
-    <dsp:sp modelId="{5E4AF04B-E8E7-44A6-91B6-1061A388537E}">
-      <dsp:nvSpPr>
-        <dsp:cNvPr id="0" name=""/>
-        <dsp:cNvSpPr/>
-      </dsp:nvSpPr>
-      <dsp:spPr>
-        <a:xfrm>
-          <a:off x="2433" y="1725304"/>
-          <a:ext cx="1184464" cy="816096"/>
-        </a:xfrm>
-        <a:prstGeom prst="roundRect">
-          <a:avLst/>
-        </a:prstGeom>
-        <a:blipFill rotWithShape="1">
-          <a:blip xmlns:r="http://schemas.openxmlformats.org/officeDocument/2006/relationships" r:embed="rId7"/>
-          <a:stretch>
-            <a:fillRect/>
-          </a:stretch>
-        </a:blipFill>
-        <a:ln w="15875" cap="rnd" cmpd="sng" algn="ctr">
-          <a:solidFill>
-            <a:schemeClr val="lt1">
-              <a:hueOff val="0"/>
-              <a:satOff val="0"/>
-              <a:lumOff val="0"/>
-              <a:alphaOff val="0"/>
-            </a:schemeClr>
-          </a:solidFill>
-          <a:prstDash val="solid"/>
-        </a:ln>
-        <a:effectLst/>
-      </dsp:spPr>
-      <dsp:style>
-        <a:lnRef idx="2">
-          <a:scrgbClr r="0" g="0" b="0"/>
-        </a:lnRef>
-        <a:fillRef idx="1">
-          <a:scrgbClr r="0" g="0" b="0"/>
-        </a:fillRef>
-        <a:effectRef idx="0">
-          <a:scrgbClr r="0" g="0" b="0"/>
-        </a:effectRef>
-        <a:fontRef idx="minor">
-          <a:schemeClr val="lt1"/>
-        </a:fontRef>
-      </dsp:style>
-    </dsp:sp>
-    <dsp:sp modelId="{4DB34825-00DF-4816-8947-8F093CA8A480}">
-      <dsp:nvSpPr>
-        <dsp:cNvPr id="0" name=""/>
-        <dsp:cNvSpPr/>
-      </dsp:nvSpPr>
-      <dsp:spPr>
-        <a:xfrm>
-          <a:off x="2433" y="2541400"/>
-          <a:ext cx="1184464" cy="439436"/>
-        </a:xfrm>
-        <a:prstGeom prst="rect">
-          <a:avLst/>
-        </a:prstGeom>
-        <a:noFill/>
-        <a:ln>
-          <a:noFill/>
-        </a:ln>
-        <a:effectLst/>
-      </dsp:spPr>
-      <dsp:style>
-        <a:lnRef idx="0">
-          <a:scrgbClr r="0" g="0" b="0"/>
-        </a:lnRef>
-        <a:fillRef idx="0">
-          <a:scrgbClr r="0" g="0" b="0"/>
-        </a:fillRef>
-        <a:effectRef idx="0">
-          <a:scrgbClr r="0" g="0" b="0"/>
-        </a:effectRef>
-        <a:fontRef idx="minor"/>
-      </dsp:style>
-      <dsp:txBody>
-        <a:bodyPr spcFirstLastPara="0" vert="horz" wrap="square" lIns="142240" tIns="142240" rIns="142240" bIns="0" numCol="1" spcCol="1270" anchor="t" anchorCtr="0">
-          <a:noAutofit/>
-        </a:bodyPr>
-        <a:lstStyle/>
-        <a:p>
-          <a:pPr lvl="0" algn="ctr" defTabSz="889000">
-            <a:lnSpc>
-              <a:spcPct val="90000"/>
-            </a:lnSpc>
-            <a:spcBef>
-              <a:spcPct val="0"/>
-            </a:spcBef>
-            <a:spcAft>
-              <a:spcPct val="35000"/>
-            </a:spcAft>
-          </a:pPr>
-          <a:endParaRPr lang="en-US" sz="2000" kern="1200" dirty="0"/>
-        </a:p>
-      </dsp:txBody>
-      <dsp:txXfrm>
-        <a:off x="2433" y="2541400"/>
-        <a:ext cx="1184464" cy="439436"/>
-      </dsp:txXfrm>
-    </dsp:sp>
-    <dsp:sp modelId="{FD68D423-9DB7-417B-BEBE-1943F985AA46}">
-      <dsp:nvSpPr>
-        <dsp:cNvPr id="0" name=""/>
-        <dsp:cNvSpPr/>
-      </dsp:nvSpPr>
-      <dsp:spPr>
-        <a:xfrm>
-          <a:off x="1305394" y="1725304"/>
-          <a:ext cx="1184464" cy="816096"/>
-        </a:xfrm>
-        <a:prstGeom prst="roundRect">
-          <a:avLst/>
-        </a:prstGeom>
-        <a:blipFill rotWithShape="1">
-          <a:blip xmlns:r="http://schemas.openxmlformats.org/officeDocument/2006/relationships" r:embed="rId8"/>
-          <a:stretch>
-            <a:fillRect/>
-          </a:stretch>
-        </a:blipFill>
-        <a:ln w="15875" cap="rnd" cmpd="sng" algn="ctr">
-          <a:solidFill>
-            <a:schemeClr val="lt1">
-              <a:hueOff val="0"/>
-              <a:satOff val="0"/>
-              <a:lumOff val="0"/>
-              <a:alphaOff val="0"/>
-            </a:schemeClr>
-          </a:solidFill>
-          <a:prstDash val="solid"/>
-        </a:ln>
-        <a:effectLst/>
-      </dsp:spPr>
-      <dsp:style>
-        <a:lnRef idx="2">
-          <a:scrgbClr r="0" g="0" b="0"/>
-        </a:lnRef>
-        <a:fillRef idx="1">
-          <a:scrgbClr r="0" g="0" b="0"/>
-        </a:fillRef>
-        <a:effectRef idx="0">
-          <a:scrgbClr r="0" g="0" b="0"/>
-        </a:effectRef>
-        <a:fontRef idx="minor">
-          <a:schemeClr val="lt1"/>
-        </a:fontRef>
-      </dsp:style>
-    </dsp:sp>
-    <dsp:sp modelId="{BA8DDF71-EF81-48DA-870A-17372365162C}">
-      <dsp:nvSpPr>
-        <dsp:cNvPr id="0" name=""/>
-        <dsp:cNvSpPr/>
-      </dsp:nvSpPr>
-      <dsp:spPr>
-        <a:xfrm>
-          <a:off x="1305394" y="2541400"/>
-          <a:ext cx="1184464" cy="439436"/>
-        </a:xfrm>
-        <a:prstGeom prst="rect">
-          <a:avLst/>
-        </a:prstGeom>
-        <a:noFill/>
-        <a:ln>
-          <a:noFill/>
-        </a:ln>
-        <a:effectLst/>
-      </dsp:spPr>
-      <dsp:style>
-        <a:lnRef idx="0">
-          <a:scrgbClr r="0" g="0" b="0"/>
-        </a:lnRef>
-        <a:fillRef idx="0">
-          <a:scrgbClr r="0" g="0" b="0"/>
-        </a:fillRef>
-        <a:effectRef idx="0">
-          <a:scrgbClr r="0" g="0" b="0"/>
-        </a:effectRef>
-        <a:fontRef idx="minor"/>
-      </dsp:style>
-      <dsp:txBody>
-        <a:bodyPr spcFirstLastPara="0" vert="horz" wrap="square" lIns="142240" tIns="142240" rIns="142240" bIns="0" numCol="1" spcCol="1270" anchor="t" anchorCtr="0">
-          <a:noAutofit/>
-        </a:bodyPr>
-        <a:lstStyle/>
-        <a:p>
-          <a:pPr lvl="0" algn="ctr" defTabSz="889000">
-            <a:lnSpc>
-              <a:spcPct val="90000"/>
-            </a:lnSpc>
-            <a:spcBef>
-              <a:spcPct val="0"/>
-            </a:spcBef>
-            <a:spcAft>
-              <a:spcPct val="35000"/>
-            </a:spcAft>
-          </a:pPr>
-          <a:endParaRPr lang="en-US" sz="2000" kern="1200" dirty="0"/>
-        </a:p>
-      </dsp:txBody>
-      <dsp:txXfrm>
-        <a:off x="1305394" y="2541400"/>
-        <a:ext cx="1184464" cy="439436"/>
-      </dsp:txXfrm>
-    </dsp:sp>
-    <dsp:sp modelId="{3F80E4E7-DD89-43CF-B3AC-E931C8C228F5}">
-      <dsp:nvSpPr>
-        <dsp:cNvPr id="0" name=""/>
-        <dsp:cNvSpPr/>
-      </dsp:nvSpPr>
-      <dsp:spPr>
-        <a:xfrm>
-          <a:off x="2608355" y="1725304"/>
-          <a:ext cx="1184464" cy="816096"/>
-        </a:xfrm>
-        <a:prstGeom prst="roundRect">
-          <a:avLst/>
-        </a:prstGeom>
-        <a:blipFill rotWithShape="1">
-          <a:blip xmlns:r="http://schemas.openxmlformats.org/officeDocument/2006/relationships" r:embed="rId9"/>
-          <a:stretch>
-            <a:fillRect/>
-          </a:stretch>
-        </a:blipFill>
-        <a:ln w="15875" cap="rnd" cmpd="sng" algn="ctr">
-          <a:solidFill>
-            <a:schemeClr val="lt1">
-              <a:hueOff val="0"/>
-              <a:satOff val="0"/>
-              <a:lumOff val="0"/>
-              <a:alphaOff val="0"/>
-            </a:schemeClr>
-          </a:solidFill>
-          <a:prstDash val="solid"/>
-        </a:ln>
-        <a:effectLst/>
-      </dsp:spPr>
-      <dsp:style>
-        <a:lnRef idx="2">
-          <a:scrgbClr r="0" g="0" b="0"/>
-        </a:lnRef>
-        <a:fillRef idx="1">
-          <a:scrgbClr r="0" g="0" b="0"/>
-        </a:fillRef>
-        <a:effectRef idx="0">
-          <a:scrgbClr r="0" g="0" b="0"/>
-        </a:effectRef>
-        <a:fontRef idx="minor">
-          <a:schemeClr val="lt1"/>
-        </a:fontRef>
-      </dsp:style>
-    </dsp:sp>
-    <dsp:sp modelId="{84A0E667-FCCB-4D25-80D4-279644BDDB85}">
-      <dsp:nvSpPr>
-        <dsp:cNvPr id="0" name=""/>
-        <dsp:cNvSpPr/>
-      </dsp:nvSpPr>
-      <dsp:spPr>
-        <a:xfrm>
-          <a:off x="2608355" y="2541400"/>
-          <a:ext cx="1184464" cy="439436"/>
-        </a:xfrm>
-        <a:prstGeom prst="rect">
-          <a:avLst/>
-        </a:prstGeom>
-        <a:noFill/>
-        <a:ln>
-          <a:noFill/>
-        </a:ln>
-        <a:effectLst/>
-      </dsp:spPr>
-      <dsp:style>
-        <a:lnRef idx="0">
-          <a:scrgbClr r="0" g="0" b="0"/>
-        </a:lnRef>
-        <a:fillRef idx="0">
-          <a:scrgbClr r="0" g="0" b="0"/>
-        </a:fillRef>
-        <a:effectRef idx="0">
-          <a:scrgbClr r="0" g="0" b="0"/>
-        </a:effectRef>
-        <a:fontRef idx="minor"/>
-      </dsp:style>
-      <dsp:txBody>
-        <a:bodyPr spcFirstLastPara="0" vert="horz" wrap="square" lIns="142240" tIns="142240" rIns="142240" bIns="0" numCol="1" spcCol="1270" anchor="t" anchorCtr="0">
-          <a:noAutofit/>
-        </a:bodyPr>
-        <a:lstStyle/>
-        <a:p>
-          <a:pPr lvl="0" algn="ctr" defTabSz="889000">
-            <a:lnSpc>
-              <a:spcPct val="90000"/>
-            </a:lnSpc>
-            <a:spcBef>
-              <a:spcPct val="0"/>
-            </a:spcBef>
-            <a:spcAft>
-              <a:spcPct val="35000"/>
-            </a:spcAft>
-          </a:pPr>
-          <a:endParaRPr lang="en-US" sz="2000" kern="1200" dirty="0"/>
-        </a:p>
-      </dsp:txBody>
-      <dsp:txXfrm>
-        <a:off x="2608355" y="2541400"/>
-        <a:ext cx="1184464" cy="439436"/>
-      </dsp:txXfrm>
-    </dsp:sp>
-    <dsp:sp modelId="{83B3843F-0B9E-4E7F-B13E-3FCCB9445418}">
-      <dsp:nvSpPr>
-        <dsp:cNvPr id="0" name=""/>
-        <dsp:cNvSpPr/>
-      </dsp:nvSpPr>
-      <dsp:spPr>
-        <a:xfrm>
-          <a:off x="3911316" y="1725304"/>
-          <a:ext cx="1184464" cy="816096"/>
-        </a:xfrm>
-        <a:prstGeom prst="roundRect">
-          <a:avLst/>
-        </a:prstGeom>
-        <a:blipFill rotWithShape="1">
-          <a:blip xmlns:r="http://schemas.openxmlformats.org/officeDocument/2006/relationships" r:embed="rId10"/>
-          <a:stretch>
-            <a:fillRect/>
-          </a:stretch>
-        </a:blipFill>
-        <a:ln w="15875" cap="rnd" cmpd="sng" algn="ctr">
-          <a:solidFill>
-            <a:schemeClr val="lt1">
-              <a:hueOff val="0"/>
-              <a:satOff val="0"/>
-              <a:lumOff val="0"/>
-              <a:alphaOff val="0"/>
-            </a:schemeClr>
-          </a:solidFill>
-          <a:prstDash val="solid"/>
-        </a:ln>
-        <a:effectLst/>
-      </dsp:spPr>
-      <dsp:style>
-        <a:lnRef idx="2">
-          <a:scrgbClr r="0" g="0" b="0"/>
-        </a:lnRef>
-        <a:fillRef idx="1">
-          <a:scrgbClr r="0" g="0" b="0"/>
-        </a:fillRef>
-        <a:effectRef idx="0">
-          <a:scrgbClr r="0" g="0" b="0"/>
-        </a:effectRef>
-        <a:fontRef idx="minor">
-          <a:schemeClr val="lt1"/>
-        </a:fontRef>
-      </dsp:style>
-    </dsp:sp>
-    <dsp:sp modelId="{D88BA2BD-3564-493C-88F7-D761BCE21E06}">
-      <dsp:nvSpPr>
-        <dsp:cNvPr id="0" name=""/>
-        <dsp:cNvSpPr/>
-      </dsp:nvSpPr>
-      <dsp:spPr>
-        <a:xfrm>
-          <a:off x="3911316" y="2541400"/>
-          <a:ext cx="1184464" cy="439436"/>
-        </a:xfrm>
-        <a:prstGeom prst="rect">
-          <a:avLst/>
-        </a:prstGeom>
-        <a:noFill/>
-        <a:ln>
-          <a:noFill/>
-        </a:ln>
-        <a:effectLst/>
-      </dsp:spPr>
-      <dsp:style>
-        <a:lnRef idx="0">
-          <a:scrgbClr r="0" g="0" b="0"/>
-        </a:lnRef>
-        <a:fillRef idx="0">
-          <a:scrgbClr r="0" g="0" b="0"/>
-        </a:fillRef>
-        <a:effectRef idx="0">
-          <a:scrgbClr r="0" g="0" b="0"/>
-        </a:effectRef>
-        <a:fontRef idx="minor"/>
-      </dsp:style>
-      <dsp:txBody>
-        <a:bodyPr spcFirstLastPara="0" vert="horz" wrap="square" lIns="142240" tIns="142240" rIns="142240" bIns="0" numCol="1" spcCol="1270" anchor="t" anchorCtr="0">
-          <a:noAutofit/>
-        </a:bodyPr>
-        <a:lstStyle/>
-        <a:p>
-          <a:pPr lvl="0" algn="ctr" defTabSz="889000">
-            <a:lnSpc>
-              <a:spcPct val="90000"/>
-            </a:lnSpc>
-            <a:spcBef>
-              <a:spcPct val="0"/>
-            </a:spcBef>
-            <a:spcAft>
-              <a:spcPct val="35000"/>
-            </a:spcAft>
-          </a:pPr>
-          <a:endParaRPr lang="en-US" sz="2000" kern="1200" dirty="0"/>
-        </a:p>
-      </dsp:txBody>
-      <dsp:txXfrm>
-        <a:off x="3911316" y="2541400"/>
-        <a:ext cx="1184464" cy="439436"/>
-      </dsp:txXfrm>
-    </dsp:sp>
-    <dsp:sp modelId="{63319770-CBDB-4D5C-A1BC-BCD5E7DB2055}">
-      <dsp:nvSpPr>
-        <dsp:cNvPr id="0" name=""/>
-        <dsp:cNvSpPr/>
-      </dsp:nvSpPr>
-      <dsp:spPr>
-        <a:xfrm>
-          <a:off x="5214277" y="1725304"/>
-          <a:ext cx="1184464" cy="816096"/>
-        </a:xfrm>
-        <a:prstGeom prst="roundRect">
-          <a:avLst/>
-        </a:prstGeom>
-        <a:blipFill rotWithShape="1">
-          <a:blip xmlns:r="http://schemas.openxmlformats.org/officeDocument/2006/relationships" r:embed="rId11"/>
-          <a:stretch>
-            <a:fillRect/>
-          </a:stretch>
-        </a:blipFill>
-        <a:ln w="15875" cap="rnd" cmpd="sng" algn="ctr">
-          <a:solidFill>
-            <a:schemeClr val="lt1">
-              <a:hueOff val="0"/>
-              <a:satOff val="0"/>
-              <a:lumOff val="0"/>
-              <a:alphaOff val="0"/>
-            </a:schemeClr>
-          </a:solidFill>
-          <a:prstDash val="solid"/>
-        </a:ln>
-        <a:effectLst/>
-      </dsp:spPr>
-      <dsp:style>
-        <a:lnRef idx="2">
-          <a:scrgbClr r="0" g="0" b="0"/>
-        </a:lnRef>
-        <a:fillRef idx="1">
-          <a:scrgbClr r="0" g="0" b="0"/>
-        </a:fillRef>
-        <a:effectRef idx="0">
-          <a:scrgbClr r="0" g="0" b="0"/>
-        </a:effectRef>
-        <a:fontRef idx="minor">
-          <a:schemeClr val="lt1"/>
-        </a:fontRef>
-      </dsp:style>
-    </dsp:sp>
-    <dsp:sp modelId="{8D5B077D-EB2D-4C97-8EB7-973129123C72}">
-      <dsp:nvSpPr>
-        <dsp:cNvPr id="0" name=""/>
-        <dsp:cNvSpPr/>
-      </dsp:nvSpPr>
-      <dsp:spPr>
-        <a:xfrm>
-          <a:off x="5214277" y="2541400"/>
-          <a:ext cx="1184464" cy="439436"/>
-        </a:xfrm>
-        <a:prstGeom prst="rect">
-          <a:avLst/>
-        </a:prstGeom>
-        <a:noFill/>
-        <a:ln>
-          <a:noFill/>
-        </a:ln>
-        <a:effectLst/>
-      </dsp:spPr>
-      <dsp:style>
-        <a:lnRef idx="0">
-          <a:scrgbClr r="0" g="0" b="0"/>
-        </a:lnRef>
-        <a:fillRef idx="0">
-          <a:scrgbClr r="0" g="0" b="0"/>
-        </a:fillRef>
-        <a:effectRef idx="0">
-          <a:scrgbClr r="0" g="0" b="0"/>
-        </a:effectRef>
-        <a:fontRef idx="minor"/>
-      </dsp:style>
-      <dsp:txBody>
-        <a:bodyPr spcFirstLastPara="0" vert="horz" wrap="square" lIns="142240" tIns="142240" rIns="142240" bIns="0" numCol="1" spcCol="1270" anchor="t" anchorCtr="0">
-          <a:noAutofit/>
-        </a:bodyPr>
-        <a:lstStyle/>
-        <a:p>
-          <a:pPr lvl="0" algn="ctr" defTabSz="889000">
-            <a:lnSpc>
-              <a:spcPct val="90000"/>
-            </a:lnSpc>
-            <a:spcBef>
-              <a:spcPct val="0"/>
-            </a:spcBef>
-            <a:spcAft>
-              <a:spcPct val="35000"/>
-            </a:spcAft>
-          </a:pPr>
-          <a:endParaRPr lang="en-US" sz="2000" kern="1200" dirty="0"/>
-        </a:p>
-      </dsp:txBody>
-      <dsp:txXfrm>
-        <a:off x="5214277" y="2541400"/>
-        <a:ext cx="1184464" cy="439436"/>
-      </dsp:txXfrm>
-    </dsp:sp>
-    <dsp:sp modelId="{C54D3BC6-BA16-4F44-A634-13907DBC6380}">
-      <dsp:nvSpPr>
-        <dsp:cNvPr id="0" name=""/>
-        <dsp:cNvSpPr/>
-      </dsp:nvSpPr>
-      <dsp:spPr>
-        <a:xfrm>
-          <a:off x="6517238" y="1725304"/>
-          <a:ext cx="1184464" cy="816096"/>
-        </a:xfrm>
-        <a:prstGeom prst="roundRect">
-          <a:avLst/>
-        </a:prstGeom>
-        <a:blipFill rotWithShape="1">
-          <a:blip xmlns:r="http://schemas.openxmlformats.org/officeDocument/2006/relationships" r:embed="rId12"/>
-          <a:stretch>
-            <a:fillRect/>
-          </a:stretch>
-        </a:blipFill>
-        <a:ln w="15875" cap="rnd" cmpd="sng" algn="ctr">
-          <a:solidFill>
-            <a:schemeClr val="lt1">
-              <a:hueOff val="0"/>
-              <a:satOff val="0"/>
-              <a:lumOff val="0"/>
-              <a:alphaOff val="0"/>
-            </a:schemeClr>
-          </a:solidFill>
-          <a:prstDash val="solid"/>
-        </a:ln>
-        <a:effectLst/>
-      </dsp:spPr>
-      <dsp:style>
-        <a:lnRef idx="2">
-          <a:scrgbClr r="0" g="0" b="0"/>
-        </a:lnRef>
-        <a:fillRef idx="1">
-          <a:scrgbClr r="0" g="0" b="0"/>
-        </a:fillRef>
-        <a:effectRef idx="0">
-          <a:scrgbClr r="0" g="0" b="0"/>
-        </a:effectRef>
-        <a:fontRef idx="minor">
-          <a:schemeClr val="lt1"/>
-        </a:fontRef>
-      </dsp:style>
-    </dsp:sp>
-    <dsp:sp modelId="{4686F89C-1405-4996-8E0D-FFEC710AAA48}">
-      <dsp:nvSpPr>
-        <dsp:cNvPr id="0" name=""/>
-        <dsp:cNvSpPr/>
-      </dsp:nvSpPr>
-      <dsp:spPr>
-        <a:xfrm>
-          <a:off x="6517238" y="2541400"/>
-          <a:ext cx="1184464" cy="439436"/>
-        </a:xfrm>
-        <a:prstGeom prst="rect">
-          <a:avLst/>
-        </a:prstGeom>
-        <a:noFill/>
-        <a:ln>
-          <a:noFill/>
-        </a:ln>
-        <a:effectLst/>
-      </dsp:spPr>
-      <dsp:style>
-        <a:lnRef idx="0">
-          <a:scrgbClr r="0" g="0" b="0"/>
-        </a:lnRef>
-        <a:fillRef idx="0">
-          <a:scrgbClr r="0" g="0" b="0"/>
-        </a:fillRef>
-        <a:effectRef idx="0">
-          <a:scrgbClr r="0" g="0" b="0"/>
-        </a:effectRef>
-        <a:fontRef idx="minor"/>
-      </dsp:style>
-      <dsp:txBody>
-        <a:bodyPr spcFirstLastPara="0" vert="horz" wrap="square" lIns="142240" tIns="142240" rIns="142240" bIns="0" numCol="1" spcCol="1270" anchor="t" anchorCtr="0">
-          <a:noAutofit/>
-        </a:bodyPr>
-        <a:lstStyle/>
-        <a:p>
-          <a:pPr lvl="0" algn="ctr" defTabSz="889000">
-            <a:lnSpc>
-              <a:spcPct val="90000"/>
-            </a:lnSpc>
-            <a:spcBef>
-              <a:spcPct val="0"/>
-            </a:spcBef>
-            <a:spcAft>
-              <a:spcPct val="35000"/>
-            </a:spcAft>
-          </a:pPr>
-          <a:endParaRPr lang="en-US" sz="2000" kern="1200" dirty="0"/>
-        </a:p>
-      </dsp:txBody>
-      <dsp:txXfrm>
-        <a:off x="6517238" y="2541400"/>
-        <a:ext cx="1184464" cy="439436"/>
-      </dsp:txXfrm>
-    </dsp:sp>
   </dsp:spTree>
 </dsp:drawing>
 </file>
@@ -17063,342 +14363,6 @@
       <dsp:cNvGrpSpPr/>
     </dsp:nvGrpSpPr>
     <dsp:grpSpPr/>
-    <dsp:sp modelId="{6AB15A4E-709E-43DE-9EEA-6EF81A181430}">
-      <dsp:nvSpPr>
-        <dsp:cNvPr id="0" name=""/>
-        <dsp:cNvSpPr/>
-      </dsp:nvSpPr>
-      <dsp:spPr>
-        <a:xfrm>
-          <a:off x="227805" y="283478"/>
-          <a:ext cx="2202115" cy="1138039"/>
-        </a:xfrm>
-        <a:prstGeom prst="rect">
-          <a:avLst/>
-        </a:prstGeom>
-        <a:solidFill>
-          <a:schemeClr val="accent1">
-            <a:tint val="50000"/>
-            <a:hueOff val="0"/>
-            <a:satOff val="0"/>
-            <a:lumOff val="0"/>
-            <a:alphaOff val="0"/>
-          </a:schemeClr>
-        </a:solidFill>
-        <a:ln w="15875" cap="rnd" cmpd="sng" algn="ctr">
-          <a:solidFill>
-            <a:schemeClr val="lt1">
-              <a:hueOff val="0"/>
-              <a:satOff val="0"/>
-              <a:lumOff val="0"/>
-              <a:alphaOff val="0"/>
-            </a:schemeClr>
-          </a:solidFill>
-          <a:prstDash val="solid"/>
-        </a:ln>
-        <a:effectLst/>
-      </dsp:spPr>
-      <dsp:style>
-        <a:lnRef idx="2">
-          <a:scrgbClr r="0" g="0" b="0"/>
-        </a:lnRef>
-        <a:fillRef idx="1">
-          <a:scrgbClr r="0" g="0" b="0"/>
-        </a:fillRef>
-        <a:effectRef idx="0">
-          <a:scrgbClr r="0" g="0" b="0"/>
-        </a:effectRef>
-        <a:fontRef idx="minor"/>
-      </dsp:style>
-    </dsp:sp>
-    <dsp:sp modelId="{E69268A9-1251-4981-95E9-498E494EFF5C}">
-      <dsp:nvSpPr>
-        <dsp:cNvPr id="0" name=""/>
-        <dsp:cNvSpPr/>
-      </dsp:nvSpPr>
-      <dsp:spPr>
-        <a:xfrm>
-          <a:off x="293615" y="416574"/>
-          <a:ext cx="1022591" cy="973579"/>
-        </a:xfrm>
-        <a:prstGeom prst="rect">
-          <a:avLst/>
-        </a:prstGeom>
-        <a:noFill/>
-        <a:ln>
-          <a:noFill/>
-        </a:ln>
-        <a:effectLst/>
-      </dsp:spPr>
-      <dsp:style>
-        <a:lnRef idx="0">
-          <a:scrgbClr r="0" g="0" b="0"/>
-        </a:lnRef>
-        <a:fillRef idx="0">
-          <a:scrgbClr r="0" g="0" b="0"/>
-        </a:fillRef>
-        <a:effectRef idx="0">
-          <a:scrgbClr r="0" g="0" b="0"/>
-        </a:effectRef>
-        <a:fontRef idx="minor"/>
-      </dsp:style>
-      <dsp:txBody>
-        <a:bodyPr spcFirstLastPara="0" vert="horz" wrap="square" lIns="22860" tIns="22860" rIns="22860" bIns="22860" numCol="1" spcCol="1270" anchor="t" anchorCtr="0">
-          <a:noAutofit/>
-        </a:bodyPr>
-        <a:lstStyle/>
-        <a:p>
-          <a:pPr lvl="0" algn="l" defTabSz="533400">
-            <a:lnSpc>
-              <a:spcPct val="90000"/>
-            </a:lnSpc>
-            <a:spcBef>
-              <a:spcPct val="0"/>
-            </a:spcBef>
-            <a:spcAft>
-              <a:spcPct val="35000"/>
-            </a:spcAft>
-          </a:pPr>
-          <a:r>
-            <a:rPr lang="en-US" sz="1200" kern="1200" dirty="0" smtClean="0">
-              <a:latin typeface="Cambria" panose="02040503050406030204" pitchFamily="18" charset="0"/>
-            </a:rPr>
-            <a:t>- Accurate information</a:t>
-          </a:r>
-          <a:endParaRPr lang="en-US" sz="1200" kern="1200" dirty="0">
-            <a:latin typeface="Cambria" panose="02040503050406030204" pitchFamily="18" charset="0"/>
-          </a:endParaRPr>
-        </a:p>
-      </dsp:txBody>
-      <dsp:txXfrm>
-        <a:off x="293615" y="416574"/>
-        <a:ext cx="1022591" cy="973579"/>
-      </dsp:txXfrm>
-    </dsp:sp>
-    <dsp:sp modelId="{6590E468-E039-4146-89ED-69ABD8075F89}">
-      <dsp:nvSpPr>
-        <dsp:cNvPr id="0" name=""/>
-        <dsp:cNvSpPr/>
-      </dsp:nvSpPr>
-      <dsp:spPr>
-        <a:xfrm>
-          <a:off x="1338987" y="416574"/>
-          <a:ext cx="1022591" cy="973579"/>
-        </a:xfrm>
-        <a:prstGeom prst="rect">
-          <a:avLst/>
-        </a:prstGeom>
-        <a:noFill/>
-        <a:ln>
-          <a:noFill/>
-        </a:ln>
-        <a:effectLst/>
-      </dsp:spPr>
-      <dsp:style>
-        <a:lnRef idx="0">
-          <a:scrgbClr r="0" g="0" b="0"/>
-        </a:lnRef>
-        <a:fillRef idx="0">
-          <a:scrgbClr r="0" g="0" b="0"/>
-        </a:fillRef>
-        <a:effectRef idx="0">
-          <a:scrgbClr r="0" g="0" b="0"/>
-        </a:effectRef>
-        <a:fontRef idx="minor"/>
-      </dsp:style>
-      <dsp:txBody>
-        <a:bodyPr spcFirstLastPara="0" vert="horz" wrap="square" lIns="22860" tIns="22860" rIns="22860" bIns="22860" numCol="1" spcCol="1270" anchor="t" anchorCtr="0">
-          <a:noAutofit/>
-        </a:bodyPr>
-        <a:lstStyle/>
-        <a:p>
-          <a:pPr lvl="0" algn="l" defTabSz="533400">
-            <a:lnSpc>
-              <a:spcPct val="90000"/>
-            </a:lnSpc>
-            <a:spcBef>
-              <a:spcPct val="0"/>
-            </a:spcBef>
-            <a:spcAft>
-              <a:spcPct val="35000"/>
-            </a:spcAft>
-          </a:pPr>
-          <a:r>
-            <a:rPr lang="en-US" sz="1200" kern="1200" dirty="0" smtClean="0">
-              <a:latin typeface="Cambria" panose="02040503050406030204" pitchFamily="18" charset="0"/>
-            </a:rPr>
-            <a:t>- Slowly</a:t>
-          </a:r>
-        </a:p>
-        <a:p>
-          <a:pPr lvl="0" algn="l" defTabSz="533400">
-            <a:lnSpc>
-              <a:spcPct val="90000"/>
-            </a:lnSpc>
-            <a:spcBef>
-              <a:spcPct val="0"/>
-            </a:spcBef>
-            <a:spcAft>
-              <a:spcPct val="35000"/>
-            </a:spcAft>
-          </a:pPr>
-          <a:r>
-            <a:rPr lang="en-US" sz="1200" kern="1200" dirty="0" smtClean="0">
-              <a:latin typeface="Cambria" panose="02040503050406030204" pitchFamily="18" charset="0"/>
-            </a:rPr>
-            <a:t>- Not update regularly</a:t>
-          </a:r>
-          <a:endParaRPr lang="en-US" sz="1200" kern="1200" dirty="0">
-            <a:latin typeface="Cambria" panose="02040503050406030204" pitchFamily="18" charset="0"/>
-          </a:endParaRPr>
-        </a:p>
-      </dsp:txBody>
-      <dsp:txXfrm>
-        <a:off x="1338987" y="416574"/>
-        <a:ext cx="1022591" cy="973579"/>
-      </dsp:txXfrm>
-    </dsp:sp>
-    <dsp:sp modelId="{A6C9ED2E-100A-45F5-ABC8-2A393C977380}">
-      <dsp:nvSpPr>
-        <dsp:cNvPr id="0" name=""/>
-        <dsp:cNvSpPr/>
-      </dsp:nvSpPr>
-      <dsp:spPr>
-        <a:xfrm>
-          <a:off x="0" y="55732"/>
-          <a:ext cx="430298" cy="430298"/>
-        </a:xfrm>
-        <a:prstGeom prst="plus">
-          <a:avLst>
-            <a:gd name="adj" fmla="val 32810"/>
-          </a:avLst>
-        </a:prstGeom>
-        <a:solidFill>
-          <a:schemeClr val="accent1">
-            <a:hueOff val="0"/>
-            <a:satOff val="0"/>
-            <a:lumOff val="0"/>
-            <a:alphaOff val="0"/>
-          </a:schemeClr>
-        </a:solidFill>
-        <a:ln w="15875" cap="rnd" cmpd="sng" algn="ctr">
-          <a:solidFill>
-            <a:schemeClr val="accent1">
-              <a:hueOff val="0"/>
-              <a:satOff val="0"/>
-              <a:lumOff val="0"/>
-              <a:alphaOff val="0"/>
-            </a:schemeClr>
-          </a:solidFill>
-          <a:prstDash val="solid"/>
-        </a:ln>
-        <a:effectLst/>
-      </dsp:spPr>
-      <dsp:style>
-        <a:lnRef idx="2">
-          <a:scrgbClr r="0" g="0" b="0"/>
-        </a:lnRef>
-        <a:fillRef idx="1">
-          <a:scrgbClr r="0" g="0" b="0"/>
-        </a:fillRef>
-        <a:effectRef idx="0">
-          <a:scrgbClr r="0" g="0" b="0"/>
-        </a:effectRef>
-        <a:fontRef idx="minor">
-          <a:schemeClr val="lt1"/>
-        </a:fontRef>
-      </dsp:style>
-    </dsp:sp>
-    <dsp:sp modelId="{A9A8DFEB-C307-4C0A-A8A5-2270527B8796}">
-      <dsp:nvSpPr>
-        <dsp:cNvPr id="0" name=""/>
-        <dsp:cNvSpPr/>
-      </dsp:nvSpPr>
-      <dsp:spPr>
-        <a:xfrm>
-          <a:off x="2126180" y="210477"/>
-          <a:ext cx="404986" cy="138785"/>
-        </a:xfrm>
-        <a:prstGeom prst="rect">
-          <a:avLst/>
-        </a:prstGeom>
-        <a:solidFill>
-          <a:schemeClr val="accent1">
-            <a:hueOff val="0"/>
-            <a:satOff val="0"/>
-            <a:lumOff val="0"/>
-            <a:alphaOff val="0"/>
-          </a:schemeClr>
-        </a:solidFill>
-        <a:ln w="15875" cap="rnd" cmpd="sng" algn="ctr">
-          <a:solidFill>
-            <a:schemeClr val="accent1">
-              <a:hueOff val="0"/>
-              <a:satOff val="0"/>
-              <a:lumOff val="0"/>
-              <a:alphaOff val="0"/>
-            </a:schemeClr>
-          </a:solidFill>
-          <a:prstDash val="solid"/>
-        </a:ln>
-        <a:effectLst/>
-      </dsp:spPr>
-      <dsp:style>
-        <a:lnRef idx="2">
-          <a:scrgbClr r="0" g="0" b="0"/>
-        </a:lnRef>
-        <a:fillRef idx="1">
-          <a:scrgbClr r="0" g="0" b="0"/>
-        </a:fillRef>
-        <a:effectRef idx="0">
-          <a:scrgbClr r="0" g="0" b="0"/>
-        </a:effectRef>
-        <a:fontRef idx="minor">
-          <a:schemeClr val="lt1"/>
-        </a:fontRef>
-      </dsp:style>
-    </dsp:sp>
-    <dsp:sp modelId="{2C1675AD-A0FA-417F-915E-DEFFB7E2E85F}">
-      <dsp:nvSpPr>
-        <dsp:cNvPr id="0" name=""/>
-        <dsp:cNvSpPr/>
-      </dsp:nvSpPr>
-      <dsp:spPr>
-        <a:xfrm>
-          <a:off x="1328862" y="418655"/>
-          <a:ext cx="253" cy="929861"/>
-        </a:xfrm>
-        <a:prstGeom prst="line">
-          <a:avLst/>
-        </a:prstGeom>
-        <a:noFill/>
-        <a:ln w="15875" cap="rnd" cmpd="sng" algn="ctr">
-          <a:solidFill>
-            <a:schemeClr val="accent1">
-              <a:shade val="60000"/>
-              <a:hueOff val="0"/>
-              <a:satOff val="0"/>
-              <a:lumOff val="0"/>
-              <a:alphaOff val="0"/>
-            </a:schemeClr>
-          </a:solidFill>
-          <a:prstDash val="solid"/>
-        </a:ln>
-        <a:effectLst/>
-      </dsp:spPr>
-      <dsp:style>
-        <a:lnRef idx="2">
-          <a:scrgbClr r="0" g="0" b="0"/>
-        </a:lnRef>
-        <a:fillRef idx="0">
-          <a:scrgbClr r="0" g="0" b="0"/>
-        </a:fillRef>
-        <a:effectRef idx="0">
-          <a:scrgbClr r="0" g="0" b="0"/>
-        </a:effectRef>
-        <a:fontRef idx="minor"/>
-      </dsp:style>
-    </dsp:sp>
   </dsp:spTree>
 </dsp:drawing>
 </file>
@@ -17411,320 +14375,6 @@
       <dsp:cNvGrpSpPr/>
     </dsp:nvGrpSpPr>
     <dsp:grpSpPr/>
-    <dsp:sp modelId="{6AB15A4E-709E-43DE-9EEA-6EF81A181430}">
-      <dsp:nvSpPr>
-        <dsp:cNvPr id="0" name=""/>
-        <dsp:cNvSpPr/>
-      </dsp:nvSpPr>
-      <dsp:spPr>
-        <a:xfrm>
-          <a:off x="227805" y="283478"/>
-          <a:ext cx="2202115" cy="1138039"/>
-        </a:xfrm>
-        <a:prstGeom prst="rect">
-          <a:avLst/>
-        </a:prstGeom>
-        <a:solidFill>
-          <a:schemeClr val="accent1">
-            <a:tint val="50000"/>
-            <a:hueOff val="0"/>
-            <a:satOff val="0"/>
-            <a:lumOff val="0"/>
-            <a:alphaOff val="0"/>
-          </a:schemeClr>
-        </a:solidFill>
-        <a:ln w="15875" cap="rnd" cmpd="sng" algn="ctr">
-          <a:solidFill>
-            <a:schemeClr val="lt1">
-              <a:hueOff val="0"/>
-              <a:satOff val="0"/>
-              <a:lumOff val="0"/>
-              <a:alphaOff val="0"/>
-            </a:schemeClr>
-          </a:solidFill>
-          <a:prstDash val="solid"/>
-        </a:ln>
-        <a:effectLst/>
-      </dsp:spPr>
-      <dsp:style>
-        <a:lnRef idx="2">
-          <a:scrgbClr r="0" g="0" b="0"/>
-        </a:lnRef>
-        <a:fillRef idx="1">
-          <a:scrgbClr r="0" g="0" b="0"/>
-        </a:fillRef>
-        <a:effectRef idx="0">
-          <a:scrgbClr r="0" g="0" b="0"/>
-        </a:effectRef>
-        <a:fontRef idx="minor"/>
-      </dsp:style>
-    </dsp:sp>
-    <dsp:sp modelId="{E69268A9-1251-4981-95E9-498E494EFF5C}">
-      <dsp:nvSpPr>
-        <dsp:cNvPr id="0" name=""/>
-        <dsp:cNvSpPr/>
-      </dsp:nvSpPr>
-      <dsp:spPr>
-        <a:xfrm>
-          <a:off x="293615" y="416574"/>
-          <a:ext cx="1022591" cy="973579"/>
-        </a:xfrm>
-        <a:prstGeom prst="rect">
-          <a:avLst/>
-        </a:prstGeom>
-        <a:noFill/>
-        <a:ln>
-          <a:noFill/>
-        </a:ln>
-        <a:effectLst/>
-      </dsp:spPr>
-      <dsp:style>
-        <a:lnRef idx="0">
-          <a:scrgbClr r="0" g="0" b="0"/>
-        </a:lnRef>
-        <a:fillRef idx="0">
-          <a:scrgbClr r="0" g="0" b="0"/>
-        </a:fillRef>
-        <a:effectRef idx="0">
-          <a:scrgbClr r="0" g="0" b="0"/>
-        </a:effectRef>
-        <a:fontRef idx="minor"/>
-      </dsp:style>
-      <dsp:txBody>
-        <a:bodyPr spcFirstLastPara="0" vert="horz" wrap="square" lIns="22860" tIns="22860" rIns="22860" bIns="22860" numCol="1" spcCol="1270" anchor="t" anchorCtr="0">
-          <a:noAutofit/>
-        </a:bodyPr>
-        <a:lstStyle/>
-        <a:p>
-          <a:pPr lvl="0" algn="l" defTabSz="533400">
-            <a:lnSpc>
-              <a:spcPct val="90000"/>
-            </a:lnSpc>
-            <a:spcBef>
-              <a:spcPct val="0"/>
-            </a:spcBef>
-            <a:spcAft>
-              <a:spcPct val="35000"/>
-            </a:spcAft>
-          </a:pPr>
-          <a:r>
-            <a:rPr lang="en-US" sz="1200" kern="1200" dirty="0" smtClean="0">
-              <a:latin typeface="Cambria" panose="02040503050406030204" pitchFamily="18" charset="0"/>
-            </a:rPr>
-            <a:t>- Updated information</a:t>
-          </a:r>
-          <a:endParaRPr lang="en-US" sz="1200" kern="1200" dirty="0">
-            <a:latin typeface="Cambria" panose="02040503050406030204" pitchFamily="18" charset="0"/>
-          </a:endParaRPr>
-        </a:p>
-      </dsp:txBody>
-      <dsp:txXfrm>
-        <a:off x="293615" y="416574"/>
-        <a:ext cx="1022591" cy="973579"/>
-      </dsp:txXfrm>
-    </dsp:sp>
-    <dsp:sp modelId="{6590E468-E039-4146-89ED-69ABD8075F89}">
-      <dsp:nvSpPr>
-        <dsp:cNvPr id="0" name=""/>
-        <dsp:cNvSpPr/>
-      </dsp:nvSpPr>
-      <dsp:spPr>
-        <a:xfrm>
-          <a:off x="1338987" y="416574"/>
-          <a:ext cx="1022591" cy="973579"/>
-        </a:xfrm>
-        <a:prstGeom prst="rect">
-          <a:avLst/>
-        </a:prstGeom>
-        <a:noFill/>
-        <a:ln>
-          <a:noFill/>
-        </a:ln>
-        <a:effectLst/>
-      </dsp:spPr>
-      <dsp:style>
-        <a:lnRef idx="0">
-          <a:scrgbClr r="0" g="0" b="0"/>
-        </a:lnRef>
-        <a:fillRef idx="0">
-          <a:scrgbClr r="0" g="0" b="0"/>
-        </a:fillRef>
-        <a:effectRef idx="0">
-          <a:scrgbClr r="0" g="0" b="0"/>
-        </a:effectRef>
-        <a:fontRef idx="minor"/>
-      </dsp:style>
-      <dsp:txBody>
-        <a:bodyPr spcFirstLastPara="0" vert="horz" wrap="square" lIns="22860" tIns="22860" rIns="22860" bIns="22860" numCol="1" spcCol="1270" anchor="t" anchorCtr="0">
-          <a:noAutofit/>
-        </a:bodyPr>
-        <a:lstStyle/>
-        <a:p>
-          <a:pPr lvl="0" algn="l" defTabSz="533400">
-            <a:lnSpc>
-              <a:spcPct val="90000"/>
-            </a:lnSpc>
-            <a:spcBef>
-              <a:spcPct val="0"/>
-            </a:spcBef>
-            <a:spcAft>
-              <a:spcPct val="35000"/>
-            </a:spcAft>
-          </a:pPr>
-          <a:r>
-            <a:rPr lang="en-US" sz="1200" kern="1200" dirty="0" smtClean="0">
-              <a:latin typeface="Cambria" panose="02040503050406030204" pitchFamily="18" charset="0"/>
-            </a:rPr>
-            <a:t>- Too many useless information</a:t>
-          </a:r>
-        </a:p>
-      </dsp:txBody>
-      <dsp:txXfrm>
-        <a:off x="1338987" y="416574"/>
-        <a:ext cx="1022591" cy="973579"/>
-      </dsp:txXfrm>
-    </dsp:sp>
-    <dsp:sp modelId="{A6C9ED2E-100A-45F5-ABC8-2A393C977380}">
-      <dsp:nvSpPr>
-        <dsp:cNvPr id="0" name=""/>
-        <dsp:cNvSpPr/>
-      </dsp:nvSpPr>
-      <dsp:spPr>
-        <a:xfrm>
-          <a:off x="0" y="55732"/>
-          <a:ext cx="430298" cy="430298"/>
-        </a:xfrm>
-        <a:prstGeom prst="plus">
-          <a:avLst>
-            <a:gd name="adj" fmla="val 32810"/>
-          </a:avLst>
-        </a:prstGeom>
-        <a:solidFill>
-          <a:schemeClr val="accent1">
-            <a:hueOff val="0"/>
-            <a:satOff val="0"/>
-            <a:lumOff val="0"/>
-            <a:alphaOff val="0"/>
-          </a:schemeClr>
-        </a:solidFill>
-        <a:ln w="15875" cap="rnd" cmpd="sng" algn="ctr">
-          <a:solidFill>
-            <a:schemeClr val="accent1">
-              <a:hueOff val="0"/>
-              <a:satOff val="0"/>
-              <a:lumOff val="0"/>
-              <a:alphaOff val="0"/>
-            </a:schemeClr>
-          </a:solidFill>
-          <a:prstDash val="solid"/>
-        </a:ln>
-        <a:effectLst/>
-      </dsp:spPr>
-      <dsp:style>
-        <a:lnRef idx="2">
-          <a:scrgbClr r="0" g="0" b="0"/>
-        </a:lnRef>
-        <a:fillRef idx="1">
-          <a:scrgbClr r="0" g="0" b="0"/>
-        </a:fillRef>
-        <a:effectRef idx="0">
-          <a:scrgbClr r="0" g="0" b="0"/>
-        </a:effectRef>
-        <a:fontRef idx="minor">
-          <a:schemeClr val="lt1"/>
-        </a:fontRef>
-      </dsp:style>
-    </dsp:sp>
-    <dsp:sp modelId="{A9A8DFEB-C307-4C0A-A8A5-2270527B8796}">
-      <dsp:nvSpPr>
-        <dsp:cNvPr id="0" name=""/>
-        <dsp:cNvSpPr/>
-      </dsp:nvSpPr>
-      <dsp:spPr>
-        <a:xfrm>
-          <a:off x="2126180" y="210477"/>
-          <a:ext cx="404986" cy="138785"/>
-        </a:xfrm>
-        <a:prstGeom prst="rect">
-          <a:avLst/>
-        </a:prstGeom>
-        <a:solidFill>
-          <a:schemeClr val="accent1">
-            <a:hueOff val="0"/>
-            <a:satOff val="0"/>
-            <a:lumOff val="0"/>
-            <a:alphaOff val="0"/>
-          </a:schemeClr>
-        </a:solidFill>
-        <a:ln w="15875" cap="rnd" cmpd="sng" algn="ctr">
-          <a:solidFill>
-            <a:schemeClr val="accent1">
-              <a:hueOff val="0"/>
-              <a:satOff val="0"/>
-              <a:lumOff val="0"/>
-              <a:alphaOff val="0"/>
-            </a:schemeClr>
-          </a:solidFill>
-          <a:prstDash val="solid"/>
-        </a:ln>
-        <a:effectLst/>
-      </dsp:spPr>
-      <dsp:style>
-        <a:lnRef idx="2">
-          <a:scrgbClr r="0" g="0" b="0"/>
-        </a:lnRef>
-        <a:fillRef idx="1">
-          <a:scrgbClr r="0" g="0" b="0"/>
-        </a:fillRef>
-        <a:effectRef idx="0">
-          <a:scrgbClr r="0" g="0" b="0"/>
-        </a:effectRef>
-        <a:fontRef idx="minor">
-          <a:schemeClr val="lt1"/>
-        </a:fontRef>
-      </dsp:style>
-    </dsp:sp>
-    <dsp:sp modelId="{2C1675AD-A0FA-417F-915E-DEFFB7E2E85F}">
-      <dsp:nvSpPr>
-        <dsp:cNvPr id="0" name=""/>
-        <dsp:cNvSpPr/>
-      </dsp:nvSpPr>
-      <dsp:spPr>
-        <a:xfrm>
-          <a:off x="1328862" y="418655"/>
-          <a:ext cx="253" cy="929861"/>
-        </a:xfrm>
-        <a:prstGeom prst="line">
-          <a:avLst/>
-        </a:prstGeom>
-        <a:noFill/>
-        <a:ln w="15875" cap="rnd" cmpd="sng" algn="ctr">
-          <a:solidFill>
-            <a:schemeClr val="accent1">
-              <a:shade val="60000"/>
-              <a:hueOff val="0"/>
-              <a:satOff val="0"/>
-              <a:lumOff val="0"/>
-              <a:alphaOff val="0"/>
-            </a:schemeClr>
-          </a:solidFill>
-          <a:prstDash val="solid"/>
-        </a:ln>
-        <a:effectLst/>
-      </dsp:spPr>
-      <dsp:style>
-        <a:lnRef idx="2">
-          <a:scrgbClr r="0" g="0" b="0"/>
-        </a:lnRef>
-        <a:fillRef idx="0">
-          <a:scrgbClr r="0" g="0" b="0"/>
-        </a:fillRef>
-        <a:effectRef idx="0">
-          <a:scrgbClr r="0" g="0" b="0"/>
-        </a:effectRef>
-        <a:fontRef idx="minor"/>
-      </dsp:style>
-    </dsp:sp>
   </dsp:spTree>
 </dsp:drawing>
 </file>
@@ -17737,342 +14387,6 @@
       <dsp:cNvGrpSpPr/>
     </dsp:nvGrpSpPr>
     <dsp:grpSpPr/>
-    <dsp:sp modelId="{6AB15A4E-709E-43DE-9EEA-6EF81A181430}">
-      <dsp:nvSpPr>
-        <dsp:cNvPr id="0" name=""/>
-        <dsp:cNvSpPr/>
-      </dsp:nvSpPr>
-      <dsp:spPr>
-        <a:xfrm>
-          <a:off x="227805" y="283478"/>
-          <a:ext cx="2202115" cy="1138039"/>
-        </a:xfrm>
-        <a:prstGeom prst="rect">
-          <a:avLst/>
-        </a:prstGeom>
-        <a:solidFill>
-          <a:schemeClr val="accent1">
-            <a:tint val="50000"/>
-            <a:hueOff val="0"/>
-            <a:satOff val="0"/>
-            <a:lumOff val="0"/>
-            <a:alphaOff val="0"/>
-          </a:schemeClr>
-        </a:solidFill>
-        <a:ln w="15875" cap="rnd" cmpd="sng" algn="ctr">
-          <a:solidFill>
-            <a:schemeClr val="lt1">
-              <a:hueOff val="0"/>
-              <a:satOff val="0"/>
-              <a:lumOff val="0"/>
-              <a:alphaOff val="0"/>
-            </a:schemeClr>
-          </a:solidFill>
-          <a:prstDash val="solid"/>
-        </a:ln>
-        <a:effectLst/>
-      </dsp:spPr>
-      <dsp:style>
-        <a:lnRef idx="2">
-          <a:scrgbClr r="0" g="0" b="0"/>
-        </a:lnRef>
-        <a:fillRef idx="1">
-          <a:scrgbClr r="0" g="0" b="0"/>
-        </a:fillRef>
-        <a:effectRef idx="0">
-          <a:scrgbClr r="0" g="0" b="0"/>
-        </a:effectRef>
-        <a:fontRef idx="minor"/>
-      </dsp:style>
-    </dsp:sp>
-    <dsp:sp modelId="{E69268A9-1251-4981-95E9-498E494EFF5C}">
-      <dsp:nvSpPr>
-        <dsp:cNvPr id="0" name=""/>
-        <dsp:cNvSpPr/>
-      </dsp:nvSpPr>
-      <dsp:spPr>
-        <a:xfrm>
-          <a:off x="293615" y="416574"/>
-          <a:ext cx="1022591" cy="973579"/>
-        </a:xfrm>
-        <a:prstGeom prst="rect">
-          <a:avLst/>
-        </a:prstGeom>
-        <a:noFill/>
-        <a:ln>
-          <a:noFill/>
-        </a:ln>
-        <a:effectLst/>
-      </dsp:spPr>
-      <dsp:style>
-        <a:lnRef idx="0">
-          <a:scrgbClr r="0" g="0" b="0"/>
-        </a:lnRef>
-        <a:fillRef idx="0">
-          <a:scrgbClr r="0" g="0" b="0"/>
-        </a:fillRef>
-        <a:effectRef idx="0">
-          <a:scrgbClr r="0" g="0" b="0"/>
-        </a:effectRef>
-        <a:fontRef idx="minor"/>
-      </dsp:style>
-      <dsp:txBody>
-        <a:bodyPr spcFirstLastPara="0" vert="horz" wrap="square" lIns="22860" tIns="22860" rIns="22860" bIns="22860" numCol="1" spcCol="1270" anchor="t" anchorCtr="0">
-          <a:noAutofit/>
-        </a:bodyPr>
-        <a:lstStyle/>
-        <a:p>
-          <a:pPr lvl="0" algn="l" defTabSz="533400">
-            <a:lnSpc>
-              <a:spcPct val="90000"/>
-            </a:lnSpc>
-            <a:spcBef>
-              <a:spcPct val="0"/>
-            </a:spcBef>
-            <a:spcAft>
-              <a:spcPct val="35000"/>
-            </a:spcAft>
-          </a:pPr>
-          <a:r>
-            <a:rPr lang="en-US" sz="1200" kern="1200" dirty="0" smtClean="0">
-              <a:latin typeface="Cambria" panose="02040503050406030204" pitchFamily="18" charset="0"/>
-            </a:rPr>
-            <a:t>- Easy to user</a:t>
-          </a:r>
-          <a:endParaRPr lang="en-US" sz="1200" kern="1200" dirty="0">
-            <a:latin typeface="Cambria" panose="02040503050406030204" pitchFamily="18" charset="0"/>
-          </a:endParaRPr>
-        </a:p>
-      </dsp:txBody>
-      <dsp:txXfrm>
-        <a:off x="293615" y="416574"/>
-        <a:ext cx="1022591" cy="973579"/>
-      </dsp:txXfrm>
-    </dsp:sp>
-    <dsp:sp modelId="{6590E468-E039-4146-89ED-69ABD8075F89}">
-      <dsp:nvSpPr>
-        <dsp:cNvPr id="0" name=""/>
-        <dsp:cNvSpPr/>
-      </dsp:nvSpPr>
-      <dsp:spPr>
-        <a:xfrm>
-          <a:off x="1338987" y="416574"/>
-          <a:ext cx="1022591" cy="973579"/>
-        </a:xfrm>
-        <a:prstGeom prst="rect">
-          <a:avLst/>
-        </a:prstGeom>
-        <a:noFill/>
-        <a:ln>
-          <a:noFill/>
-        </a:ln>
-        <a:effectLst/>
-      </dsp:spPr>
-      <dsp:style>
-        <a:lnRef idx="0">
-          <a:scrgbClr r="0" g="0" b="0"/>
-        </a:lnRef>
-        <a:fillRef idx="0">
-          <a:scrgbClr r="0" g="0" b="0"/>
-        </a:fillRef>
-        <a:effectRef idx="0">
-          <a:scrgbClr r="0" g="0" b="0"/>
-        </a:effectRef>
-        <a:fontRef idx="minor"/>
-      </dsp:style>
-      <dsp:txBody>
-        <a:bodyPr spcFirstLastPara="0" vert="horz" wrap="square" lIns="22860" tIns="22860" rIns="22860" bIns="22860" numCol="1" spcCol="1270" anchor="t" anchorCtr="0">
-          <a:noAutofit/>
-        </a:bodyPr>
-        <a:lstStyle/>
-        <a:p>
-          <a:pPr lvl="0" algn="l" defTabSz="533400">
-            <a:lnSpc>
-              <a:spcPct val="90000"/>
-            </a:lnSpc>
-            <a:spcBef>
-              <a:spcPct val="0"/>
-            </a:spcBef>
-            <a:spcAft>
-              <a:spcPct val="35000"/>
-            </a:spcAft>
-          </a:pPr>
-          <a:r>
-            <a:rPr lang="en-US" sz="1200" kern="1200" dirty="0" smtClean="0">
-              <a:latin typeface="Cambria" panose="02040503050406030204" pitchFamily="18" charset="0"/>
-            </a:rPr>
-            <a:t>- Slowly</a:t>
-          </a:r>
-        </a:p>
-        <a:p>
-          <a:pPr lvl="0" algn="l" defTabSz="533400">
-            <a:lnSpc>
-              <a:spcPct val="90000"/>
-            </a:lnSpc>
-            <a:spcBef>
-              <a:spcPct val="0"/>
-            </a:spcBef>
-            <a:spcAft>
-              <a:spcPct val="35000"/>
-            </a:spcAft>
-          </a:pPr>
-          <a:r>
-            <a:rPr lang="en-US" sz="1200" kern="1200" dirty="0" smtClean="0">
-              <a:latin typeface="Cambria" panose="02040503050406030204" pitchFamily="18" charset="0"/>
-            </a:rPr>
-            <a:t>- Few information</a:t>
-          </a:r>
-          <a:endParaRPr lang="en-US" sz="1200" kern="1200" dirty="0">
-            <a:latin typeface="Cambria" panose="02040503050406030204" pitchFamily="18" charset="0"/>
-          </a:endParaRPr>
-        </a:p>
-      </dsp:txBody>
-      <dsp:txXfrm>
-        <a:off x="1338987" y="416574"/>
-        <a:ext cx="1022591" cy="973579"/>
-      </dsp:txXfrm>
-    </dsp:sp>
-    <dsp:sp modelId="{A6C9ED2E-100A-45F5-ABC8-2A393C977380}">
-      <dsp:nvSpPr>
-        <dsp:cNvPr id="0" name=""/>
-        <dsp:cNvSpPr/>
-      </dsp:nvSpPr>
-      <dsp:spPr>
-        <a:xfrm>
-          <a:off x="0" y="55732"/>
-          <a:ext cx="430298" cy="430298"/>
-        </a:xfrm>
-        <a:prstGeom prst="plus">
-          <a:avLst>
-            <a:gd name="adj" fmla="val 32810"/>
-          </a:avLst>
-        </a:prstGeom>
-        <a:solidFill>
-          <a:schemeClr val="accent1">
-            <a:hueOff val="0"/>
-            <a:satOff val="0"/>
-            <a:lumOff val="0"/>
-            <a:alphaOff val="0"/>
-          </a:schemeClr>
-        </a:solidFill>
-        <a:ln w="15875" cap="rnd" cmpd="sng" algn="ctr">
-          <a:solidFill>
-            <a:schemeClr val="accent1">
-              <a:hueOff val="0"/>
-              <a:satOff val="0"/>
-              <a:lumOff val="0"/>
-              <a:alphaOff val="0"/>
-            </a:schemeClr>
-          </a:solidFill>
-          <a:prstDash val="solid"/>
-        </a:ln>
-        <a:effectLst/>
-      </dsp:spPr>
-      <dsp:style>
-        <a:lnRef idx="2">
-          <a:scrgbClr r="0" g="0" b="0"/>
-        </a:lnRef>
-        <a:fillRef idx="1">
-          <a:scrgbClr r="0" g="0" b="0"/>
-        </a:fillRef>
-        <a:effectRef idx="0">
-          <a:scrgbClr r="0" g="0" b="0"/>
-        </a:effectRef>
-        <a:fontRef idx="minor">
-          <a:schemeClr val="lt1"/>
-        </a:fontRef>
-      </dsp:style>
-    </dsp:sp>
-    <dsp:sp modelId="{A9A8DFEB-C307-4C0A-A8A5-2270527B8796}">
-      <dsp:nvSpPr>
-        <dsp:cNvPr id="0" name=""/>
-        <dsp:cNvSpPr/>
-      </dsp:nvSpPr>
-      <dsp:spPr>
-        <a:xfrm>
-          <a:off x="2126180" y="210477"/>
-          <a:ext cx="404986" cy="138785"/>
-        </a:xfrm>
-        <a:prstGeom prst="rect">
-          <a:avLst/>
-        </a:prstGeom>
-        <a:solidFill>
-          <a:schemeClr val="accent1">
-            <a:hueOff val="0"/>
-            <a:satOff val="0"/>
-            <a:lumOff val="0"/>
-            <a:alphaOff val="0"/>
-          </a:schemeClr>
-        </a:solidFill>
-        <a:ln w="15875" cap="rnd" cmpd="sng" algn="ctr">
-          <a:solidFill>
-            <a:schemeClr val="accent1">
-              <a:hueOff val="0"/>
-              <a:satOff val="0"/>
-              <a:lumOff val="0"/>
-              <a:alphaOff val="0"/>
-            </a:schemeClr>
-          </a:solidFill>
-          <a:prstDash val="solid"/>
-        </a:ln>
-        <a:effectLst/>
-      </dsp:spPr>
-      <dsp:style>
-        <a:lnRef idx="2">
-          <a:scrgbClr r="0" g="0" b="0"/>
-        </a:lnRef>
-        <a:fillRef idx="1">
-          <a:scrgbClr r="0" g="0" b="0"/>
-        </a:fillRef>
-        <a:effectRef idx="0">
-          <a:scrgbClr r="0" g="0" b="0"/>
-        </a:effectRef>
-        <a:fontRef idx="minor">
-          <a:schemeClr val="lt1"/>
-        </a:fontRef>
-      </dsp:style>
-    </dsp:sp>
-    <dsp:sp modelId="{2C1675AD-A0FA-417F-915E-DEFFB7E2E85F}">
-      <dsp:nvSpPr>
-        <dsp:cNvPr id="0" name=""/>
-        <dsp:cNvSpPr/>
-      </dsp:nvSpPr>
-      <dsp:spPr>
-        <a:xfrm>
-          <a:off x="1328862" y="418655"/>
-          <a:ext cx="253" cy="929861"/>
-        </a:xfrm>
-        <a:prstGeom prst="line">
-          <a:avLst/>
-        </a:prstGeom>
-        <a:noFill/>
-        <a:ln w="15875" cap="rnd" cmpd="sng" algn="ctr">
-          <a:solidFill>
-            <a:schemeClr val="accent1">
-              <a:shade val="60000"/>
-              <a:hueOff val="0"/>
-              <a:satOff val="0"/>
-              <a:lumOff val="0"/>
-              <a:alphaOff val="0"/>
-            </a:schemeClr>
-          </a:solidFill>
-          <a:prstDash val="solid"/>
-        </a:ln>
-        <a:effectLst/>
-      </dsp:spPr>
-      <dsp:style>
-        <a:lnRef idx="2">
-          <a:scrgbClr r="0" g="0" b="0"/>
-        </a:lnRef>
-        <a:fillRef idx="0">
-          <a:scrgbClr r="0" g="0" b="0"/>
-        </a:fillRef>
-        <a:effectRef idx="0">
-          <a:scrgbClr r="0" g="0" b="0"/>
-        </a:effectRef>
-        <a:fontRef idx="minor"/>
-      </dsp:style>
-    </dsp:sp>
   </dsp:spTree>
 </dsp:drawing>
 </file>
@@ -18376,633 +14690,6 @@
       <dsp:cNvGrpSpPr/>
     </dsp:nvGrpSpPr>
     <dsp:grpSpPr/>
-    <dsp:sp modelId="{854D71A8-36EA-4778-98B0-40BC2D62D853}">
-      <dsp:nvSpPr>
-        <dsp:cNvPr id="0" name=""/>
-        <dsp:cNvSpPr/>
-      </dsp:nvSpPr>
-      <dsp:spPr>
-        <a:xfrm>
-          <a:off x="798" y="935838"/>
-          <a:ext cx="1769779" cy="1499523"/>
-        </a:xfrm>
-        <a:prstGeom prst="rect">
-          <a:avLst/>
-        </a:prstGeom>
-        <a:blipFill rotWithShape="1">
-          <a:blip xmlns:r="http://schemas.openxmlformats.org/officeDocument/2006/relationships" r:embed="rId1"/>
-          <a:stretch>
-            <a:fillRect/>
-          </a:stretch>
-        </a:blipFill>
-        <a:ln w="15875" cap="rnd" cmpd="sng" algn="ctr">
-          <a:solidFill>
-            <a:schemeClr val="lt1">
-              <a:hueOff val="0"/>
-              <a:satOff val="0"/>
-              <a:lumOff val="0"/>
-              <a:alphaOff val="0"/>
-            </a:schemeClr>
-          </a:solidFill>
-          <a:prstDash val="solid"/>
-        </a:ln>
-        <a:effectLst/>
-      </dsp:spPr>
-      <dsp:style>
-        <a:lnRef idx="2">
-          <a:scrgbClr r="0" g="0" b="0"/>
-        </a:lnRef>
-        <a:fillRef idx="1">
-          <a:scrgbClr r="0" g="0" b="0"/>
-        </a:fillRef>
-        <a:effectRef idx="0">
-          <a:scrgbClr r="0" g="0" b="0"/>
-        </a:effectRef>
-        <a:fontRef idx="minor"/>
-      </dsp:style>
-    </dsp:sp>
-    <dsp:sp modelId="{AE1D5346-67F4-4737-8792-EB905252FC43}">
-      <dsp:nvSpPr>
-        <dsp:cNvPr id="0" name=""/>
-        <dsp:cNvSpPr/>
-      </dsp:nvSpPr>
-      <dsp:spPr>
-        <a:xfrm>
-          <a:off x="798" y="649911"/>
-          <a:ext cx="1769779" cy="258212"/>
-        </a:xfrm>
-        <a:prstGeom prst="rect">
-          <a:avLst/>
-        </a:prstGeom>
-        <a:solidFill>
-          <a:schemeClr val="accent1">
-            <a:hueOff val="0"/>
-            <a:satOff val="0"/>
-            <a:lumOff val="0"/>
-            <a:alphaOff val="0"/>
-          </a:schemeClr>
-        </a:solidFill>
-        <a:ln w="15875" cap="rnd" cmpd="sng" algn="ctr">
-          <a:solidFill>
-            <a:schemeClr val="lt1">
-              <a:hueOff val="0"/>
-              <a:satOff val="0"/>
-              <a:lumOff val="0"/>
-              <a:alphaOff val="0"/>
-            </a:schemeClr>
-          </a:solidFill>
-          <a:prstDash val="solid"/>
-        </a:ln>
-        <a:effectLst/>
-      </dsp:spPr>
-      <dsp:style>
-        <a:lnRef idx="2">
-          <a:scrgbClr r="0" g="0" b="0"/>
-        </a:lnRef>
-        <a:fillRef idx="1">
-          <a:scrgbClr r="0" g="0" b="0"/>
-        </a:fillRef>
-        <a:effectRef idx="0">
-          <a:scrgbClr r="0" g="0" b="0"/>
-        </a:effectRef>
-        <a:fontRef idx="minor">
-          <a:schemeClr val="lt1"/>
-        </a:fontRef>
-      </dsp:style>
-      <dsp:txBody>
-        <a:bodyPr spcFirstLastPara="0" vert="horz" wrap="square" lIns="45720" tIns="45720" rIns="45720" bIns="45720" numCol="1" spcCol="1270" anchor="ctr" anchorCtr="0">
-          <a:noAutofit/>
-        </a:bodyPr>
-        <a:lstStyle/>
-        <a:p>
-          <a:pPr lvl="0" algn="ctr" defTabSz="533400">
-            <a:lnSpc>
-              <a:spcPct val="90000"/>
-            </a:lnSpc>
-            <a:spcBef>
-              <a:spcPct val="0"/>
-            </a:spcBef>
-            <a:spcAft>
-              <a:spcPct val="35000"/>
-            </a:spcAft>
-          </a:pPr>
-          <a:r>
-            <a:rPr lang="en-US" sz="1200" kern="1200" dirty="0" smtClean="0">
-              <a:latin typeface="Cambria" panose="02040503050406030204" pitchFamily="18" charset="0"/>
-            </a:rPr>
-            <a:t>Recognition</a:t>
-          </a:r>
-          <a:endParaRPr lang="en-US" sz="1200" kern="1200" dirty="0">
-            <a:latin typeface="Cambria" panose="02040503050406030204" pitchFamily="18" charset="0"/>
-          </a:endParaRPr>
-        </a:p>
-      </dsp:txBody>
-      <dsp:txXfrm>
-        <a:off x="798" y="649911"/>
-        <a:ext cx="1769779" cy="258212"/>
-      </dsp:txXfrm>
-    </dsp:sp>
-    <dsp:sp modelId="{49DED74B-2D8F-4997-B467-01E4313E4674}">
-      <dsp:nvSpPr>
-        <dsp:cNvPr id="0" name=""/>
-        <dsp:cNvSpPr/>
-      </dsp:nvSpPr>
-      <dsp:spPr>
-        <a:xfrm>
-          <a:off x="2682484" y="935838"/>
-          <a:ext cx="1692439" cy="1499523"/>
-        </a:xfrm>
-        <a:prstGeom prst="rect">
-          <a:avLst/>
-        </a:prstGeom>
-        <a:blipFill rotWithShape="1">
-          <a:blip xmlns:r="http://schemas.openxmlformats.org/officeDocument/2006/relationships" r:embed="rId2"/>
-          <a:stretch>
-            <a:fillRect/>
-          </a:stretch>
-        </a:blipFill>
-        <a:ln w="15875" cap="rnd" cmpd="sng" algn="ctr">
-          <a:solidFill>
-            <a:schemeClr val="lt1">
-              <a:hueOff val="0"/>
-              <a:satOff val="0"/>
-              <a:lumOff val="0"/>
-              <a:alphaOff val="0"/>
-            </a:schemeClr>
-          </a:solidFill>
-          <a:prstDash val="solid"/>
-        </a:ln>
-        <a:effectLst/>
-      </dsp:spPr>
-      <dsp:style>
-        <a:lnRef idx="2">
-          <a:scrgbClr r="0" g="0" b="0"/>
-        </a:lnRef>
-        <a:fillRef idx="1">
-          <a:scrgbClr r="0" g="0" b="0"/>
-        </a:fillRef>
-        <a:effectRef idx="0">
-          <a:scrgbClr r="0" g="0" b="0"/>
-        </a:effectRef>
-        <a:fontRef idx="minor"/>
-      </dsp:style>
-    </dsp:sp>
-    <dsp:sp modelId="{C26CC18F-A850-4080-987C-291C12581110}">
-      <dsp:nvSpPr>
-        <dsp:cNvPr id="0" name=""/>
-        <dsp:cNvSpPr/>
-      </dsp:nvSpPr>
-      <dsp:spPr>
-        <a:xfrm>
-          <a:off x="2643815" y="649911"/>
-          <a:ext cx="1769779" cy="258212"/>
-        </a:xfrm>
-        <a:prstGeom prst="rect">
-          <a:avLst/>
-        </a:prstGeom>
-        <a:solidFill>
-          <a:schemeClr val="accent1">
-            <a:hueOff val="0"/>
-            <a:satOff val="0"/>
-            <a:lumOff val="0"/>
-            <a:alphaOff val="0"/>
-          </a:schemeClr>
-        </a:solidFill>
-        <a:ln w="15875" cap="rnd" cmpd="sng" algn="ctr">
-          <a:solidFill>
-            <a:schemeClr val="lt1">
-              <a:hueOff val="0"/>
-              <a:satOff val="0"/>
-              <a:lumOff val="0"/>
-              <a:alphaOff val="0"/>
-            </a:schemeClr>
-          </a:solidFill>
-          <a:prstDash val="solid"/>
-        </a:ln>
-        <a:effectLst/>
-      </dsp:spPr>
-      <dsp:style>
-        <a:lnRef idx="2">
-          <a:scrgbClr r="0" g="0" b="0"/>
-        </a:lnRef>
-        <a:fillRef idx="1">
-          <a:scrgbClr r="0" g="0" b="0"/>
-        </a:fillRef>
-        <a:effectRef idx="0">
-          <a:scrgbClr r="0" g="0" b="0"/>
-        </a:effectRef>
-        <a:fontRef idx="minor">
-          <a:schemeClr val="lt1"/>
-        </a:fontRef>
-      </dsp:style>
-      <dsp:txBody>
-        <a:bodyPr spcFirstLastPara="0" vert="horz" wrap="square" lIns="45720" tIns="45720" rIns="45720" bIns="45720" numCol="1" spcCol="1270" anchor="ctr" anchorCtr="0">
-          <a:noAutofit/>
-        </a:bodyPr>
-        <a:lstStyle/>
-        <a:p>
-          <a:pPr lvl="0" algn="ctr" defTabSz="533400">
-            <a:lnSpc>
-              <a:spcPct val="90000"/>
-            </a:lnSpc>
-            <a:spcBef>
-              <a:spcPct val="0"/>
-            </a:spcBef>
-            <a:spcAft>
-              <a:spcPct val="35000"/>
-            </a:spcAft>
-          </a:pPr>
-          <a:r>
-            <a:rPr lang="en-US" sz="1200" kern="1200" dirty="0" smtClean="0">
-              <a:latin typeface="Cambria" panose="02040503050406030204" pitchFamily="18" charset="0"/>
-            </a:rPr>
-            <a:t>Application</a:t>
-          </a:r>
-          <a:endParaRPr lang="en-US" sz="1200" kern="1200" dirty="0">
-            <a:latin typeface="Cambria" panose="02040503050406030204" pitchFamily="18" charset="0"/>
-          </a:endParaRPr>
-        </a:p>
-      </dsp:txBody>
-      <dsp:txXfrm>
-        <a:off x="2643815" y="649911"/>
-        <a:ext cx="1769779" cy="258212"/>
-      </dsp:txXfrm>
-    </dsp:sp>
-    <dsp:sp modelId="{E5891906-60E8-4B57-94FB-33B3A6A919F6}">
-      <dsp:nvSpPr>
-        <dsp:cNvPr id="0" name=""/>
-        <dsp:cNvSpPr/>
-      </dsp:nvSpPr>
-      <dsp:spPr>
-        <a:xfrm>
-          <a:off x="5286831" y="935838"/>
-          <a:ext cx="1769779" cy="1499523"/>
-        </a:xfrm>
-        <a:prstGeom prst="rect">
-          <a:avLst/>
-        </a:prstGeom>
-        <a:blipFill rotWithShape="1">
-          <a:blip xmlns:r="http://schemas.openxmlformats.org/officeDocument/2006/relationships" r:embed="rId3"/>
-          <a:stretch>
-            <a:fillRect/>
-          </a:stretch>
-        </a:blipFill>
-        <a:ln w="15875" cap="rnd" cmpd="sng" algn="ctr">
-          <a:solidFill>
-            <a:schemeClr val="lt1">
-              <a:hueOff val="0"/>
-              <a:satOff val="0"/>
-              <a:lumOff val="0"/>
-              <a:alphaOff val="0"/>
-            </a:schemeClr>
-          </a:solidFill>
-          <a:prstDash val="solid"/>
-        </a:ln>
-        <a:effectLst/>
-      </dsp:spPr>
-      <dsp:style>
-        <a:lnRef idx="2">
-          <a:scrgbClr r="0" g="0" b="0"/>
-        </a:lnRef>
-        <a:fillRef idx="1">
-          <a:scrgbClr r="0" g="0" b="0"/>
-        </a:fillRef>
-        <a:effectRef idx="0">
-          <a:scrgbClr r="0" g="0" b="0"/>
-        </a:effectRef>
-        <a:fontRef idx="minor"/>
-      </dsp:style>
-    </dsp:sp>
-    <dsp:sp modelId="{1BD4E228-817F-48B2-8F08-BD3C5B6C086F}">
-      <dsp:nvSpPr>
-        <dsp:cNvPr id="0" name=""/>
-        <dsp:cNvSpPr/>
-      </dsp:nvSpPr>
-      <dsp:spPr>
-        <a:xfrm>
-          <a:off x="5286831" y="649911"/>
-          <a:ext cx="1769779" cy="258212"/>
-        </a:xfrm>
-        <a:prstGeom prst="rect">
-          <a:avLst/>
-        </a:prstGeom>
-        <a:solidFill>
-          <a:schemeClr val="accent1">
-            <a:hueOff val="0"/>
-            <a:satOff val="0"/>
-            <a:lumOff val="0"/>
-            <a:alphaOff val="0"/>
-          </a:schemeClr>
-        </a:solidFill>
-        <a:ln w="15875" cap="rnd" cmpd="sng" algn="ctr">
-          <a:solidFill>
-            <a:schemeClr val="lt1">
-              <a:hueOff val="0"/>
-              <a:satOff val="0"/>
-              <a:lumOff val="0"/>
-              <a:alphaOff val="0"/>
-            </a:schemeClr>
-          </a:solidFill>
-          <a:prstDash val="solid"/>
-        </a:ln>
-        <a:effectLst/>
-      </dsp:spPr>
-      <dsp:style>
-        <a:lnRef idx="2">
-          <a:scrgbClr r="0" g="0" b="0"/>
-        </a:lnRef>
-        <a:fillRef idx="1">
-          <a:scrgbClr r="0" g="0" b="0"/>
-        </a:fillRef>
-        <a:effectRef idx="0">
-          <a:scrgbClr r="0" g="0" b="0"/>
-        </a:effectRef>
-        <a:fontRef idx="minor">
-          <a:schemeClr val="lt1"/>
-        </a:fontRef>
-      </dsp:style>
-      <dsp:txBody>
-        <a:bodyPr spcFirstLastPara="0" vert="horz" wrap="square" lIns="41910" tIns="41910" rIns="41910" bIns="41910" numCol="1" spcCol="1270" anchor="ctr" anchorCtr="0">
-          <a:noAutofit/>
-        </a:bodyPr>
-        <a:lstStyle/>
-        <a:p>
-          <a:pPr lvl="0" algn="ctr" defTabSz="488950">
-            <a:lnSpc>
-              <a:spcPct val="90000"/>
-            </a:lnSpc>
-            <a:spcBef>
-              <a:spcPct val="0"/>
-            </a:spcBef>
-            <a:spcAft>
-              <a:spcPct val="35000"/>
-            </a:spcAft>
-          </a:pPr>
-          <a:r>
-            <a:rPr lang="en-US" sz="1100" kern="1200" dirty="0" smtClean="0">
-              <a:latin typeface="Cambria" panose="02040503050406030204" pitchFamily="18" charset="0"/>
-            </a:rPr>
-            <a:t>Training traffic sign</a:t>
-          </a:r>
-        </a:p>
-      </dsp:txBody>
-      <dsp:txXfrm>
-        <a:off x="5286831" y="649911"/>
-        <a:ext cx="1769779" cy="258212"/>
-      </dsp:txXfrm>
-    </dsp:sp>
-    <dsp:sp modelId="{1941AA1A-C5F1-473E-BE11-7918CDAD83C2}">
-      <dsp:nvSpPr>
-        <dsp:cNvPr id="0" name=""/>
-        <dsp:cNvSpPr/>
-      </dsp:nvSpPr>
-      <dsp:spPr>
-        <a:xfrm>
-          <a:off x="1322306" y="2958619"/>
-          <a:ext cx="1769779" cy="1499523"/>
-        </a:xfrm>
-        <a:prstGeom prst="rect">
-          <a:avLst/>
-        </a:prstGeom>
-        <a:blipFill rotWithShape="1">
-          <a:blip xmlns:r="http://schemas.openxmlformats.org/officeDocument/2006/relationships" r:embed="rId4"/>
-          <a:stretch>
-            <a:fillRect/>
-          </a:stretch>
-        </a:blipFill>
-        <a:ln w="15875" cap="rnd" cmpd="sng" algn="ctr">
-          <a:solidFill>
-            <a:schemeClr val="lt1">
-              <a:hueOff val="0"/>
-              <a:satOff val="0"/>
-              <a:lumOff val="0"/>
-              <a:alphaOff val="0"/>
-            </a:schemeClr>
-          </a:solidFill>
-          <a:prstDash val="solid"/>
-        </a:ln>
-        <a:effectLst/>
-      </dsp:spPr>
-      <dsp:style>
-        <a:lnRef idx="2">
-          <a:scrgbClr r="0" g="0" b="0"/>
-        </a:lnRef>
-        <a:fillRef idx="1">
-          <a:scrgbClr r="0" g="0" b="0"/>
-        </a:fillRef>
-        <a:effectRef idx="0">
-          <a:scrgbClr r="0" g="0" b="0"/>
-        </a:effectRef>
-        <a:fontRef idx="minor"/>
-      </dsp:style>
-    </dsp:sp>
-    <dsp:sp modelId="{3F95C737-58AE-48F3-B57F-11148DF1767D}">
-      <dsp:nvSpPr>
-        <dsp:cNvPr id="0" name=""/>
-        <dsp:cNvSpPr/>
-      </dsp:nvSpPr>
-      <dsp:spPr>
-        <a:xfrm>
-          <a:off x="1322306" y="2672692"/>
-          <a:ext cx="1769779" cy="258212"/>
-        </a:xfrm>
-        <a:prstGeom prst="rect">
-          <a:avLst/>
-        </a:prstGeom>
-        <a:solidFill>
-          <a:schemeClr val="accent1">
-            <a:hueOff val="0"/>
-            <a:satOff val="0"/>
-            <a:lumOff val="0"/>
-            <a:alphaOff val="0"/>
-          </a:schemeClr>
-        </a:solidFill>
-        <a:ln w="15875" cap="rnd" cmpd="sng" algn="ctr">
-          <a:solidFill>
-            <a:schemeClr val="lt1">
-              <a:hueOff val="0"/>
-              <a:satOff val="0"/>
-              <a:lumOff val="0"/>
-              <a:alphaOff val="0"/>
-            </a:schemeClr>
-          </a:solidFill>
-          <a:prstDash val="solid"/>
-        </a:ln>
-        <a:effectLst/>
-      </dsp:spPr>
-      <dsp:style>
-        <a:lnRef idx="2">
-          <a:scrgbClr r="0" g="0" b="0"/>
-        </a:lnRef>
-        <a:fillRef idx="1">
-          <a:scrgbClr r="0" g="0" b="0"/>
-        </a:fillRef>
-        <a:effectRef idx="0">
-          <a:scrgbClr r="0" g="0" b="0"/>
-        </a:effectRef>
-        <a:fontRef idx="minor">
-          <a:schemeClr val="lt1"/>
-        </a:fontRef>
-      </dsp:style>
-      <dsp:txBody>
-        <a:bodyPr spcFirstLastPara="0" vert="horz" wrap="square" lIns="45720" tIns="45720" rIns="45720" bIns="45720" numCol="1" spcCol="1270" anchor="ctr" anchorCtr="0">
-          <a:noAutofit/>
-        </a:bodyPr>
-        <a:lstStyle/>
-        <a:p>
-          <a:pPr lvl="0" algn="ctr" defTabSz="533400">
-            <a:lnSpc>
-              <a:spcPct val="90000"/>
-            </a:lnSpc>
-            <a:spcBef>
-              <a:spcPct val="0"/>
-            </a:spcBef>
-            <a:spcAft>
-              <a:spcPct val="35000"/>
-            </a:spcAft>
-          </a:pPr>
-          <a:r>
-            <a:rPr lang="en-US" sz="1200" kern="1200" dirty="0" smtClean="0">
-              <a:latin typeface="Cambria" panose="02040503050406030204" pitchFamily="18" charset="0"/>
-            </a:rPr>
-            <a:t>Learning</a:t>
-          </a:r>
-          <a:endParaRPr lang="en-US" sz="1200" kern="1200" dirty="0">
-            <a:latin typeface="Cambria" panose="02040503050406030204" pitchFamily="18" charset="0"/>
-          </a:endParaRPr>
-        </a:p>
-      </dsp:txBody>
-      <dsp:txXfrm>
-        <a:off x="1322306" y="2672692"/>
-        <a:ext cx="1769779" cy="258212"/>
-      </dsp:txXfrm>
-    </dsp:sp>
-    <dsp:sp modelId="{8FDBD94E-4974-489B-949D-115A82B808D3}">
-      <dsp:nvSpPr>
-        <dsp:cNvPr id="0" name=""/>
-        <dsp:cNvSpPr/>
-      </dsp:nvSpPr>
-      <dsp:spPr>
-        <a:xfrm>
-          <a:off x="3965323" y="2958619"/>
-          <a:ext cx="1769779" cy="1499523"/>
-        </a:xfrm>
-        <a:prstGeom prst="rect">
-          <a:avLst/>
-        </a:prstGeom>
-        <a:blipFill rotWithShape="1">
-          <a:blip xmlns:r="http://schemas.openxmlformats.org/officeDocument/2006/relationships" r:embed="rId5"/>
-          <a:stretch>
-            <a:fillRect/>
-          </a:stretch>
-        </a:blipFill>
-        <a:ln w="15875" cap="rnd" cmpd="sng" algn="ctr">
-          <a:solidFill>
-            <a:schemeClr val="lt1">
-              <a:hueOff val="0"/>
-              <a:satOff val="0"/>
-              <a:lumOff val="0"/>
-              <a:alphaOff val="0"/>
-            </a:schemeClr>
-          </a:solidFill>
-          <a:prstDash val="solid"/>
-        </a:ln>
-        <a:effectLst/>
-      </dsp:spPr>
-      <dsp:style>
-        <a:lnRef idx="2">
-          <a:scrgbClr r="0" g="0" b="0"/>
-        </a:lnRef>
-        <a:fillRef idx="1">
-          <a:scrgbClr r="0" g="0" b="0"/>
-        </a:fillRef>
-        <a:effectRef idx="0">
-          <a:scrgbClr r="0" g="0" b="0"/>
-        </a:effectRef>
-        <a:fontRef idx="minor"/>
-      </dsp:style>
-    </dsp:sp>
-    <dsp:sp modelId="{28784374-6893-4735-AB63-AEB290250270}">
-      <dsp:nvSpPr>
-        <dsp:cNvPr id="0" name=""/>
-        <dsp:cNvSpPr/>
-      </dsp:nvSpPr>
-      <dsp:spPr>
-        <a:xfrm>
-          <a:off x="3965323" y="2672692"/>
-          <a:ext cx="1769779" cy="258212"/>
-        </a:xfrm>
-        <a:prstGeom prst="rect">
-          <a:avLst/>
-        </a:prstGeom>
-        <a:solidFill>
-          <a:schemeClr val="accent1">
-            <a:hueOff val="0"/>
-            <a:satOff val="0"/>
-            <a:lumOff val="0"/>
-            <a:alphaOff val="0"/>
-          </a:schemeClr>
-        </a:solidFill>
-        <a:ln w="15875" cap="rnd" cmpd="sng" algn="ctr">
-          <a:solidFill>
-            <a:schemeClr val="lt1">
-              <a:hueOff val="0"/>
-              <a:satOff val="0"/>
-              <a:lumOff val="0"/>
-              <a:alphaOff val="0"/>
-            </a:schemeClr>
-          </a:solidFill>
-          <a:prstDash val="solid"/>
-        </a:ln>
-        <a:effectLst/>
-      </dsp:spPr>
-      <dsp:style>
-        <a:lnRef idx="2">
-          <a:scrgbClr r="0" g="0" b="0"/>
-        </a:lnRef>
-        <a:fillRef idx="1">
-          <a:scrgbClr r="0" g="0" b="0"/>
-        </a:fillRef>
-        <a:effectRef idx="0">
-          <a:scrgbClr r="0" g="0" b="0"/>
-        </a:effectRef>
-        <a:fontRef idx="minor">
-          <a:schemeClr val="lt1"/>
-        </a:fontRef>
-      </dsp:style>
-      <dsp:txBody>
-        <a:bodyPr spcFirstLastPara="0" vert="horz" wrap="square" lIns="45720" tIns="45720" rIns="45720" bIns="45720" numCol="1" spcCol="1270" anchor="ctr" anchorCtr="0">
-          <a:noAutofit/>
-        </a:bodyPr>
-        <a:lstStyle/>
-        <a:p>
-          <a:pPr lvl="0" algn="ctr" defTabSz="533400">
-            <a:lnSpc>
-              <a:spcPct val="90000"/>
-            </a:lnSpc>
-            <a:spcBef>
-              <a:spcPct val="0"/>
-            </a:spcBef>
-            <a:spcAft>
-              <a:spcPct val="35000"/>
-            </a:spcAft>
-          </a:pPr>
-          <a:r>
-            <a:rPr lang="en-US" sz="1200" kern="1200" dirty="0" smtClean="0">
-              <a:latin typeface="Cambria" panose="02040503050406030204" pitchFamily="18" charset="0"/>
-            </a:rPr>
-            <a:t>Sync data</a:t>
-          </a:r>
-          <a:endParaRPr lang="en-US" sz="1200" kern="1200" dirty="0">
-            <a:latin typeface="Cambria" panose="02040503050406030204" pitchFamily="18" charset="0"/>
-          </a:endParaRPr>
-        </a:p>
-      </dsp:txBody>
-      <dsp:txXfrm>
-        <a:off x="3965323" y="2672692"/>
-        <a:ext cx="1769779" cy="258212"/>
-      </dsp:txXfrm>
-    </dsp:sp>
   </dsp:spTree>
 </dsp:drawing>
 </file>
@@ -19015,741 +14702,6 @@
       <dsp:cNvGrpSpPr/>
     </dsp:nvGrpSpPr>
     <dsp:grpSpPr/>
-    <dsp:sp modelId="{EB065398-9C37-4F94-9D59-DA82D72594F3}">
-      <dsp:nvSpPr>
-        <dsp:cNvPr id="0" name=""/>
-        <dsp:cNvSpPr/>
-      </dsp:nvSpPr>
-      <dsp:spPr>
-        <a:xfrm>
-          <a:off x="0" y="0"/>
-          <a:ext cx="6410353" cy="662394"/>
-        </a:xfrm>
-        <a:prstGeom prst="roundRect">
-          <a:avLst>
-            <a:gd name="adj" fmla="val 10000"/>
-          </a:avLst>
-        </a:prstGeom>
-        <a:solidFill>
-          <a:schemeClr val="accent1">
-            <a:hueOff val="0"/>
-            <a:satOff val="0"/>
-            <a:lumOff val="0"/>
-            <a:alphaOff val="0"/>
-          </a:schemeClr>
-        </a:solidFill>
-        <a:ln w="15875" cap="rnd" cmpd="sng" algn="ctr">
-          <a:solidFill>
-            <a:schemeClr val="lt1">
-              <a:hueOff val="0"/>
-              <a:satOff val="0"/>
-              <a:lumOff val="0"/>
-              <a:alphaOff val="0"/>
-            </a:schemeClr>
-          </a:solidFill>
-          <a:prstDash val="solid"/>
-        </a:ln>
-        <a:effectLst/>
-      </dsp:spPr>
-      <dsp:style>
-        <a:lnRef idx="2">
-          <a:scrgbClr r="0" g="0" b="0"/>
-        </a:lnRef>
-        <a:fillRef idx="1">
-          <a:scrgbClr r="0" g="0" b="0"/>
-        </a:fillRef>
-        <a:effectRef idx="0">
-          <a:scrgbClr r="0" g="0" b="0"/>
-        </a:effectRef>
-        <a:fontRef idx="minor">
-          <a:schemeClr val="lt1"/>
-        </a:fontRef>
-      </dsp:style>
-      <dsp:txBody>
-        <a:bodyPr spcFirstLastPara="0" vert="horz" wrap="square" lIns="110490" tIns="110490" rIns="110490" bIns="110490" numCol="1" spcCol="1270" anchor="ctr" anchorCtr="0">
-          <a:noAutofit/>
-        </a:bodyPr>
-        <a:lstStyle/>
-        <a:p>
-          <a:pPr lvl="0" algn="l" defTabSz="1289050">
-            <a:lnSpc>
-              <a:spcPct val="90000"/>
-            </a:lnSpc>
-            <a:spcBef>
-              <a:spcPct val="0"/>
-            </a:spcBef>
-            <a:spcAft>
-              <a:spcPct val="35000"/>
-            </a:spcAft>
-          </a:pPr>
-          <a:r>
-            <a:rPr lang="en-US" sz="2900" kern="1200" dirty="0" smtClean="0">
-              <a:latin typeface="Cambria" panose="02040503050406030204" pitchFamily="18" charset="0"/>
-            </a:rPr>
-            <a:t>Search auto in many conditions	</a:t>
-          </a:r>
-          <a:endParaRPr lang="en-US" sz="2900" kern="1200" dirty="0">
-            <a:latin typeface="Cambria" panose="02040503050406030204" pitchFamily="18" charset="0"/>
-          </a:endParaRPr>
-        </a:p>
-      </dsp:txBody>
-      <dsp:txXfrm>
-        <a:off x="19401" y="19401"/>
-        <a:ext cx="5618077" cy="623592"/>
-      </dsp:txXfrm>
-    </dsp:sp>
-    <dsp:sp modelId="{B608854C-5D96-4C1A-BCAB-FE71F8A024AB}">
-      <dsp:nvSpPr>
-        <dsp:cNvPr id="0" name=""/>
-        <dsp:cNvSpPr/>
-      </dsp:nvSpPr>
-      <dsp:spPr>
-        <a:xfrm>
-          <a:off x="478695" y="754393"/>
-          <a:ext cx="6410353" cy="662394"/>
-        </a:xfrm>
-        <a:prstGeom prst="roundRect">
-          <a:avLst>
-            <a:gd name="adj" fmla="val 10000"/>
-          </a:avLst>
-        </a:prstGeom>
-        <a:solidFill>
-          <a:schemeClr val="accent1">
-            <a:hueOff val="0"/>
-            <a:satOff val="0"/>
-            <a:lumOff val="0"/>
-            <a:alphaOff val="0"/>
-          </a:schemeClr>
-        </a:solidFill>
-        <a:ln w="15875" cap="rnd" cmpd="sng" algn="ctr">
-          <a:solidFill>
-            <a:schemeClr val="lt1">
-              <a:hueOff val="0"/>
-              <a:satOff val="0"/>
-              <a:lumOff val="0"/>
-              <a:alphaOff val="0"/>
-            </a:schemeClr>
-          </a:solidFill>
-          <a:prstDash val="solid"/>
-        </a:ln>
-        <a:effectLst/>
-      </dsp:spPr>
-      <dsp:style>
-        <a:lnRef idx="2">
-          <a:scrgbClr r="0" g="0" b="0"/>
-        </a:lnRef>
-        <a:fillRef idx="1">
-          <a:scrgbClr r="0" g="0" b="0"/>
-        </a:fillRef>
-        <a:effectRef idx="0">
-          <a:scrgbClr r="0" g="0" b="0"/>
-        </a:effectRef>
-        <a:fontRef idx="minor">
-          <a:schemeClr val="lt1"/>
-        </a:fontRef>
-      </dsp:style>
-      <dsp:txBody>
-        <a:bodyPr spcFirstLastPara="0" vert="horz" wrap="square" lIns="110490" tIns="110490" rIns="110490" bIns="110490" numCol="1" spcCol="1270" anchor="ctr" anchorCtr="0">
-          <a:noAutofit/>
-        </a:bodyPr>
-        <a:lstStyle/>
-        <a:p>
-          <a:pPr lvl="0" algn="l" defTabSz="1289050">
-            <a:lnSpc>
-              <a:spcPct val="90000"/>
-            </a:lnSpc>
-            <a:spcBef>
-              <a:spcPct val="0"/>
-            </a:spcBef>
-            <a:spcAft>
-              <a:spcPct val="35000"/>
-            </a:spcAft>
-          </a:pPr>
-          <a:r>
-            <a:rPr lang="en-US" sz="2900" kern="1200" dirty="0" smtClean="0">
-              <a:latin typeface="Cambria" panose="02040503050406030204" pitchFamily="18" charset="0"/>
-            </a:rPr>
-            <a:t>Fix wrong recognize</a:t>
-          </a:r>
-          <a:endParaRPr lang="en-US" sz="2900" kern="1200" dirty="0">
-            <a:latin typeface="Cambria" panose="02040503050406030204" pitchFamily="18" charset="0"/>
-          </a:endParaRPr>
-        </a:p>
-      </dsp:txBody>
-      <dsp:txXfrm>
-        <a:off x="498096" y="773794"/>
-        <a:ext cx="5462299" cy="623592"/>
-      </dsp:txXfrm>
-    </dsp:sp>
-    <dsp:sp modelId="{3A558C0A-6E46-4BAF-B4B6-983EBD5C2BA0}">
-      <dsp:nvSpPr>
-        <dsp:cNvPr id="0" name=""/>
-        <dsp:cNvSpPr/>
-      </dsp:nvSpPr>
-      <dsp:spPr>
-        <a:xfrm>
-          <a:off x="957390" y="1508786"/>
-          <a:ext cx="6410353" cy="662394"/>
-        </a:xfrm>
-        <a:prstGeom prst="roundRect">
-          <a:avLst>
-            <a:gd name="adj" fmla="val 10000"/>
-          </a:avLst>
-        </a:prstGeom>
-        <a:solidFill>
-          <a:schemeClr val="accent1">
-            <a:hueOff val="0"/>
-            <a:satOff val="0"/>
-            <a:lumOff val="0"/>
-            <a:alphaOff val="0"/>
-          </a:schemeClr>
-        </a:solidFill>
-        <a:ln w="15875" cap="rnd" cmpd="sng" algn="ctr">
-          <a:solidFill>
-            <a:schemeClr val="lt1">
-              <a:hueOff val="0"/>
-              <a:satOff val="0"/>
-              <a:lumOff val="0"/>
-              <a:alphaOff val="0"/>
-            </a:schemeClr>
-          </a:solidFill>
-          <a:prstDash val="solid"/>
-        </a:ln>
-        <a:effectLst/>
-      </dsp:spPr>
-      <dsp:style>
-        <a:lnRef idx="2">
-          <a:scrgbClr r="0" g="0" b="0"/>
-        </a:lnRef>
-        <a:fillRef idx="1">
-          <a:scrgbClr r="0" g="0" b="0"/>
-        </a:fillRef>
-        <a:effectRef idx="0">
-          <a:scrgbClr r="0" g="0" b="0"/>
-        </a:effectRef>
-        <a:fontRef idx="minor">
-          <a:schemeClr val="lt1"/>
-        </a:fontRef>
-      </dsp:style>
-      <dsp:txBody>
-        <a:bodyPr spcFirstLastPara="0" vert="horz" wrap="square" lIns="110490" tIns="110490" rIns="110490" bIns="110490" numCol="1" spcCol="1270" anchor="ctr" anchorCtr="0">
-          <a:noAutofit/>
-        </a:bodyPr>
-        <a:lstStyle/>
-        <a:p>
-          <a:pPr lvl="0" algn="l" defTabSz="1289050">
-            <a:lnSpc>
-              <a:spcPct val="90000"/>
-            </a:lnSpc>
-            <a:spcBef>
-              <a:spcPct val="0"/>
-            </a:spcBef>
-            <a:spcAft>
-              <a:spcPct val="35000"/>
-            </a:spcAft>
-          </a:pPr>
-          <a:r>
-            <a:rPr lang="en-US" sz="2900" kern="1200" dirty="0" smtClean="0">
-              <a:latin typeface="Cambria" panose="02040503050406030204" pitchFamily="18" charset="0"/>
-            </a:rPr>
-            <a:t>Add new traffic sign (if any)</a:t>
-          </a:r>
-          <a:endParaRPr lang="en-US" sz="2900" kern="1200" dirty="0">
-            <a:latin typeface="Cambria" panose="02040503050406030204" pitchFamily="18" charset="0"/>
-          </a:endParaRPr>
-        </a:p>
-      </dsp:txBody>
-      <dsp:txXfrm>
-        <a:off x="976791" y="1528187"/>
-        <a:ext cx="5462299" cy="623592"/>
-      </dsp:txXfrm>
-    </dsp:sp>
-    <dsp:sp modelId="{ECC1B4D3-F138-465F-B4BE-8A906F7A87C2}">
-      <dsp:nvSpPr>
-        <dsp:cNvPr id="0" name=""/>
-        <dsp:cNvSpPr/>
-      </dsp:nvSpPr>
-      <dsp:spPr>
-        <a:xfrm>
-          <a:off x="1436085" y="2263179"/>
-          <a:ext cx="6410353" cy="662394"/>
-        </a:xfrm>
-        <a:prstGeom prst="roundRect">
-          <a:avLst>
-            <a:gd name="adj" fmla="val 10000"/>
-          </a:avLst>
-        </a:prstGeom>
-        <a:solidFill>
-          <a:schemeClr val="accent1">
-            <a:hueOff val="0"/>
-            <a:satOff val="0"/>
-            <a:lumOff val="0"/>
-            <a:alphaOff val="0"/>
-          </a:schemeClr>
-        </a:solidFill>
-        <a:ln w="15875" cap="rnd" cmpd="sng" algn="ctr">
-          <a:solidFill>
-            <a:schemeClr val="lt1">
-              <a:hueOff val="0"/>
-              <a:satOff val="0"/>
-              <a:lumOff val="0"/>
-              <a:alphaOff val="0"/>
-            </a:schemeClr>
-          </a:solidFill>
-          <a:prstDash val="solid"/>
-        </a:ln>
-        <a:effectLst/>
-      </dsp:spPr>
-      <dsp:style>
-        <a:lnRef idx="2">
-          <a:scrgbClr r="0" g="0" b="0"/>
-        </a:lnRef>
-        <a:fillRef idx="1">
-          <a:scrgbClr r="0" g="0" b="0"/>
-        </a:fillRef>
-        <a:effectRef idx="0">
-          <a:scrgbClr r="0" g="0" b="0"/>
-        </a:effectRef>
-        <a:fontRef idx="minor">
-          <a:schemeClr val="lt1"/>
-        </a:fontRef>
-      </dsp:style>
-      <dsp:txBody>
-        <a:bodyPr spcFirstLastPara="0" vert="horz" wrap="square" lIns="110490" tIns="110490" rIns="110490" bIns="110490" numCol="1" spcCol="1270" anchor="ctr" anchorCtr="0">
-          <a:noAutofit/>
-        </a:bodyPr>
-        <a:lstStyle/>
-        <a:p>
-          <a:pPr lvl="0" algn="l" defTabSz="1289050">
-            <a:lnSpc>
-              <a:spcPct val="90000"/>
-            </a:lnSpc>
-            <a:spcBef>
-              <a:spcPct val="0"/>
-            </a:spcBef>
-            <a:spcAft>
-              <a:spcPct val="35000"/>
-            </a:spcAft>
-          </a:pPr>
-          <a:r>
-            <a:rPr lang="en-US" sz="2900" kern="1200" dirty="0" smtClean="0">
-              <a:latin typeface="Cambria" panose="02040503050406030204" pitchFamily="18" charset="0"/>
-            </a:rPr>
-            <a:t>Sync favorite</a:t>
-          </a:r>
-          <a:endParaRPr lang="en-US" sz="2900" kern="1200" dirty="0">
-            <a:latin typeface="Cambria" panose="02040503050406030204" pitchFamily="18" charset="0"/>
-          </a:endParaRPr>
-        </a:p>
-      </dsp:txBody>
-      <dsp:txXfrm>
-        <a:off x="1455486" y="2282580"/>
-        <a:ext cx="5462299" cy="623592"/>
-      </dsp:txXfrm>
-    </dsp:sp>
-    <dsp:sp modelId="{4BB465ED-D5C7-4D89-8C32-85715B6EFD1A}">
-      <dsp:nvSpPr>
-        <dsp:cNvPr id="0" name=""/>
-        <dsp:cNvSpPr/>
-      </dsp:nvSpPr>
-      <dsp:spPr>
-        <a:xfrm>
-          <a:off x="1914780" y="3017572"/>
-          <a:ext cx="6410353" cy="662394"/>
-        </a:xfrm>
-        <a:prstGeom prst="roundRect">
-          <a:avLst>
-            <a:gd name="adj" fmla="val 10000"/>
-          </a:avLst>
-        </a:prstGeom>
-        <a:solidFill>
-          <a:schemeClr val="accent1">
-            <a:hueOff val="0"/>
-            <a:satOff val="0"/>
-            <a:lumOff val="0"/>
-            <a:alphaOff val="0"/>
-          </a:schemeClr>
-        </a:solidFill>
-        <a:ln w="15875" cap="rnd" cmpd="sng" algn="ctr">
-          <a:solidFill>
-            <a:schemeClr val="lt1">
-              <a:hueOff val="0"/>
-              <a:satOff val="0"/>
-              <a:lumOff val="0"/>
-              <a:alphaOff val="0"/>
-            </a:schemeClr>
-          </a:solidFill>
-          <a:prstDash val="solid"/>
-        </a:ln>
-        <a:effectLst/>
-      </dsp:spPr>
-      <dsp:style>
-        <a:lnRef idx="2">
-          <a:scrgbClr r="0" g="0" b="0"/>
-        </a:lnRef>
-        <a:fillRef idx="1">
-          <a:scrgbClr r="0" g="0" b="0"/>
-        </a:fillRef>
-        <a:effectRef idx="0">
-          <a:scrgbClr r="0" g="0" b="0"/>
-        </a:effectRef>
-        <a:fontRef idx="minor">
-          <a:schemeClr val="lt1"/>
-        </a:fontRef>
-      </dsp:style>
-      <dsp:txBody>
-        <a:bodyPr spcFirstLastPara="0" vert="horz" wrap="square" lIns="110490" tIns="110490" rIns="110490" bIns="110490" numCol="1" spcCol="1270" anchor="ctr" anchorCtr="0">
-          <a:noAutofit/>
-        </a:bodyPr>
-        <a:lstStyle/>
-        <a:p>
-          <a:pPr lvl="0" algn="l" defTabSz="1289050">
-            <a:lnSpc>
-              <a:spcPct val="90000"/>
-            </a:lnSpc>
-            <a:spcBef>
-              <a:spcPct val="0"/>
-            </a:spcBef>
-            <a:spcAft>
-              <a:spcPct val="35000"/>
-            </a:spcAft>
-          </a:pPr>
-          <a:r>
-            <a:rPr lang="en-US" sz="2900" kern="1200" dirty="0" smtClean="0">
-              <a:latin typeface="Cambria" panose="02040503050406030204" pitchFamily="18" charset="0"/>
-            </a:rPr>
-            <a:t>Offline search</a:t>
-          </a:r>
-          <a:endParaRPr lang="en-US" sz="2900" kern="1200" dirty="0">
-            <a:latin typeface="Cambria" panose="02040503050406030204" pitchFamily="18" charset="0"/>
-          </a:endParaRPr>
-        </a:p>
-      </dsp:txBody>
-      <dsp:txXfrm>
-        <a:off x="1934181" y="3036973"/>
-        <a:ext cx="5462299" cy="623592"/>
-      </dsp:txXfrm>
-    </dsp:sp>
-    <dsp:sp modelId="{9BA3438D-13B4-4C62-A04C-4EC5A42FF332}">
-      <dsp:nvSpPr>
-        <dsp:cNvPr id="0" name=""/>
-        <dsp:cNvSpPr/>
-      </dsp:nvSpPr>
-      <dsp:spPr>
-        <a:xfrm>
-          <a:off x="5979797" y="483915"/>
-          <a:ext cx="430556" cy="430556"/>
-        </a:xfrm>
-        <a:prstGeom prst="downArrow">
-          <a:avLst>
-            <a:gd name="adj1" fmla="val 55000"/>
-            <a:gd name="adj2" fmla="val 45000"/>
-          </a:avLst>
-        </a:prstGeom>
-        <a:solidFill>
-          <a:schemeClr val="accent1">
-            <a:alpha val="90000"/>
-            <a:tint val="40000"/>
-            <a:hueOff val="0"/>
-            <a:satOff val="0"/>
-            <a:lumOff val="0"/>
-            <a:alphaOff val="0"/>
-          </a:schemeClr>
-        </a:solidFill>
-        <a:ln w="15875" cap="rnd" cmpd="sng" algn="ctr">
-          <a:solidFill>
-            <a:schemeClr val="accent1">
-              <a:alpha val="90000"/>
-              <a:tint val="40000"/>
-              <a:hueOff val="0"/>
-              <a:satOff val="0"/>
-              <a:lumOff val="0"/>
-              <a:alphaOff val="0"/>
-            </a:schemeClr>
-          </a:solidFill>
-          <a:prstDash val="solid"/>
-        </a:ln>
-        <a:effectLst/>
-      </dsp:spPr>
-      <dsp:style>
-        <a:lnRef idx="2">
-          <a:scrgbClr r="0" g="0" b="0"/>
-        </a:lnRef>
-        <a:fillRef idx="1">
-          <a:scrgbClr r="0" g="0" b="0"/>
-        </a:fillRef>
-        <a:effectRef idx="0">
-          <a:scrgbClr r="0" g="0" b="0"/>
-        </a:effectRef>
-        <a:fontRef idx="minor"/>
-      </dsp:style>
-      <dsp:txBody>
-        <a:bodyPr spcFirstLastPara="0" vert="horz" wrap="square" lIns="25400" tIns="25400" rIns="25400" bIns="25400" numCol="1" spcCol="1270" anchor="ctr" anchorCtr="0">
-          <a:noAutofit/>
-        </a:bodyPr>
-        <a:lstStyle/>
-        <a:p>
-          <a:pPr lvl="0" algn="ctr" defTabSz="889000">
-            <a:lnSpc>
-              <a:spcPct val="90000"/>
-            </a:lnSpc>
-            <a:spcBef>
-              <a:spcPct val="0"/>
-            </a:spcBef>
-            <a:spcAft>
-              <a:spcPct val="35000"/>
-            </a:spcAft>
-          </a:pPr>
-          <a:endParaRPr lang="en-US" sz="2000" kern="1200" dirty="0">
-            <a:latin typeface="Cambria" panose="02040503050406030204" pitchFamily="18" charset="0"/>
-          </a:endParaRPr>
-        </a:p>
-      </dsp:txBody>
-      <dsp:txXfrm>
-        <a:off x="6076672" y="483915"/>
-        <a:ext cx="236806" cy="323993"/>
-      </dsp:txXfrm>
-    </dsp:sp>
-    <dsp:sp modelId="{8EB5DA64-5BE3-4406-99AC-C539581B500B}">
-      <dsp:nvSpPr>
-        <dsp:cNvPr id="0" name=""/>
-        <dsp:cNvSpPr/>
-      </dsp:nvSpPr>
-      <dsp:spPr>
-        <a:xfrm>
-          <a:off x="6458492" y="1238308"/>
-          <a:ext cx="430556" cy="430556"/>
-        </a:xfrm>
-        <a:prstGeom prst="downArrow">
-          <a:avLst>
-            <a:gd name="adj1" fmla="val 55000"/>
-            <a:gd name="adj2" fmla="val 45000"/>
-          </a:avLst>
-        </a:prstGeom>
-        <a:solidFill>
-          <a:schemeClr val="accent1">
-            <a:alpha val="90000"/>
-            <a:tint val="40000"/>
-            <a:hueOff val="0"/>
-            <a:satOff val="0"/>
-            <a:lumOff val="0"/>
-            <a:alphaOff val="0"/>
-          </a:schemeClr>
-        </a:solidFill>
-        <a:ln w="15875" cap="rnd" cmpd="sng" algn="ctr">
-          <a:solidFill>
-            <a:schemeClr val="accent1">
-              <a:alpha val="90000"/>
-              <a:tint val="40000"/>
-              <a:hueOff val="0"/>
-              <a:satOff val="0"/>
-              <a:lumOff val="0"/>
-              <a:alphaOff val="0"/>
-            </a:schemeClr>
-          </a:solidFill>
-          <a:prstDash val="solid"/>
-        </a:ln>
-        <a:effectLst/>
-      </dsp:spPr>
-      <dsp:style>
-        <a:lnRef idx="2">
-          <a:scrgbClr r="0" g="0" b="0"/>
-        </a:lnRef>
-        <a:fillRef idx="1">
-          <a:scrgbClr r="0" g="0" b="0"/>
-        </a:fillRef>
-        <a:effectRef idx="0">
-          <a:scrgbClr r="0" g="0" b="0"/>
-        </a:effectRef>
-        <a:fontRef idx="minor"/>
-      </dsp:style>
-      <dsp:txBody>
-        <a:bodyPr spcFirstLastPara="0" vert="horz" wrap="square" lIns="25400" tIns="25400" rIns="25400" bIns="25400" numCol="1" spcCol="1270" anchor="ctr" anchorCtr="0">
-          <a:noAutofit/>
-        </a:bodyPr>
-        <a:lstStyle/>
-        <a:p>
-          <a:pPr lvl="0" algn="ctr" defTabSz="889000">
-            <a:lnSpc>
-              <a:spcPct val="90000"/>
-            </a:lnSpc>
-            <a:spcBef>
-              <a:spcPct val="0"/>
-            </a:spcBef>
-            <a:spcAft>
-              <a:spcPct val="35000"/>
-            </a:spcAft>
-          </a:pPr>
-          <a:endParaRPr lang="en-US" sz="2000" kern="1200">
-            <a:latin typeface="Cambria" panose="02040503050406030204" pitchFamily="18" charset="0"/>
-          </a:endParaRPr>
-        </a:p>
-      </dsp:txBody>
-      <dsp:txXfrm>
-        <a:off x="6555367" y="1238308"/>
-        <a:ext cx="236806" cy="323993"/>
-      </dsp:txXfrm>
-    </dsp:sp>
-    <dsp:sp modelId="{CA69C83E-C20C-4295-8230-B8BE0BA94C76}">
-      <dsp:nvSpPr>
-        <dsp:cNvPr id="0" name=""/>
-        <dsp:cNvSpPr/>
-      </dsp:nvSpPr>
-      <dsp:spPr>
-        <a:xfrm>
-          <a:off x="6937187" y="1981662"/>
-          <a:ext cx="430556" cy="430556"/>
-        </a:xfrm>
-        <a:prstGeom prst="downArrow">
-          <a:avLst>
-            <a:gd name="adj1" fmla="val 55000"/>
-            <a:gd name="adj2" fmla="val 45000"/>
-          </a:avLst>
-        </a:prstGeom>
-        <a:solidFill>
-          <a:schemeClr val="accent1">
-            <a:alpha val="90000"/>
-            <a:tint val="40000"/>
-            <a:hueOff val="0"/>
-            <a:satOff val="0"/>
-            <a:lumOff val="0"/>
-            <a:alphaOff val="0"/>
-          </a:schemeClr>
-        </a:solidFill>
-        <a:ln w="15875" cap="rnd" cmpd="sng" algn="ctr">
-          <a:solidFill>
-            <a:schemeClr val="accent1">
-              <a:alpha val="90000"/>
-              <a:tint val="40000"/>
-              <a:hueOff val="0"/>
-              <a:satOff val="0"/>
-              <a:lumOff val="0"/>
-              <a:alphaOff val="0"/>
-            </a:schemeClr>
-          </a:solidFill>
-          <a:prstDash val="solid"/>
-        </a:ln>
-        <a:effectLst/>
-      </dsp:spPr>
-      <dsp:style>
-        <a:lnRef idx="2">
-          <a:scrgbClr r="0" g="0" b="0"/>
-        </a:lnRef>
-        <a:fillRef idx="1">
-          <a:scrgbClr r="0" g="0" b="0"/>
-        </a:fillRef>
-        <a:effectRef idx="0">
-          <a:scrgbClr r="0" g="0" b="0"/>
-        </a:effectRef>
-        <a:fontRef idx="minor"/>
-      </dsp:style>
-      <dsp:txBody>
-        <a:bodyPr spcFirstLastPara="0" vert="horz" wrap="square" lIns="25400" tIns="25400" rIns="25400" bIns="25400" numCol="1" spcCol="1270" anchor="ctr" anchorCtr="0">
-          <a:noAutofit/>
-        </a:bodyPr>
-        <a:lstStyle/>
-        <a:p>
-          <a:pPr lvl="0" algn="ctr" defTabSz="889000">
-            <a:lnSpc>
-              <a:spcPct val="90000"/>
-            </a:lnSpc>
-            <a:spcBef>
-              <a:spcPct val="0"/>
-            </a:spcBef>
-            <a:spcAft>
-              <a:spcPct val="35000"/>
-            </a:spcAft>
-          </a:pPr>
-          <a:endParaRPr lang="en-US" sz="2000" kern="1200">
-            <a:latin typeface="Cambria" panose="02040503050406030204" pitchFamily="18" charset="0"/>
-          </a:endParaRPr>
-        </a:p>
-      </dsp:txBody>
-      <dsp:txXfrm>
-        <a:off x="7034062" y="1981662"/>
-        <a:ext cx="236806" cy="323993"/>
-      </dsp:txXfrm>
-    </dsp:sp>
-    <dsp:sp modelId="{88315E7D-9400-42B0-A73E-4886836205F0}">
-      <dsp:nvSpPr>
-        <dsp:cNvPr id="0" name=""/>
-        <dsp:cNvSpPr/>
-      </dsp:nvSpPr>
-      <dsp:spPr>
-        <a:xfrm>
-          <a:off x="7415882" y="2743415"/>
-          <a:ext cx="430556" cy="430556"/>
-        </a:xfrm>
-        <a:prstGeom prst="downArrow">
-          <a:avLst>
-            <a:gd name="adj1" fmla="val 55000"/>
-            <a:gd name="adj2" fmla="val 45000"/>
-          </a:avLst>
-        </a:prstGeom>
-        <a:solidFill>
-          <a:schemeClr val="accent1">
-            <a:alpha val="90000"/>
-            <a:tint val="40000"/>
-            <a:hueOff val="0"/>
-            <a:satOff val="0"/>
-            <a:lumOff val="0"/>
-            <a:alphaOff val="0"/>
-          </a:schemeClr>
-        </a:solidFill>
-        <a:ln w="15875" cap="rnd" cmpd="sng" algn="ctr">
-          <a:solidFill>
-            <a:schemeClr val="accent1">
-              <a:alpha val="90000"/>
-              <a:tint val="40000"/>
-              <a:hueOff val="0"/>
-              <a:satOff val="0"/>
-              <a:lumOff val="0"/>
-              <a:alphaOff val="0"/>
-            </a:schemeClr>
-          </a:solidFill>
-          <a:prstDash val="solid"/>
-        </a:ln>
-        <a:effectLst/>
-      </dsp:spPr>
-      <dsp:style>
-        <a:lnRef idx="2">
-          <a:scrgbClr r="0" g="0" b="0"/>
-        </a:lnRef>
-        <a:fillRef idx="1">
-          <a:scrgbClr r="0" g="0" b="0"/>
-        </a:fillRef>
-        <a:effectRef idx="0">
-          <a:scrgbClr r="0" g="0" b="0"/>
-        </a:effectRef>
-        <a:fontRef idx="minor"/>
-      </dsp:style>
-      <dsp:txBody>
-        <a:bodyPr spcFirstLastPara="0" vert="horz" wrap="square" lIns="25400" tIns="25400" rIns="25400" bIns="25400" numCol="1" spcCol="1270" anchor="ctr" anchorCtr="0">
-          <a:noAutofit/>
-        </a:bodyPr>
-        <a:lstStyle/>
-        <a:p>
-          <a:pPr lvl="0" algn="ctr" defTabSz="889000">
-            <a:lnSpc>
-              <a:spcPct val="90000"/>
-            </a:lnSpc>
-            <a:spcBef>
-              <a:spcPct val="0"/>
-            </a:spcBef>
-            <a:spcAft>
-              <a:spcPct val="35000"/>
-            </a:spcAft>
-          </a:pPr>
-          <a:endParaRPr lang="en-US" sz="2000" kern="1200">
-            <a:latin typeface="Cambria" panose="02040503050406030204" pitchFamily="18" charset="0"/>
-          </a:endParaRPr>
-        </a:p>
-      </dsp:txBody>
-      <dsp:txXfrm>
-        <a:off x="7512757" y="2743415"/>
-        <a:ext cx="236806" cy="323993"/>
-      </dsp:txXfrm>
-    </dsp:sp>
   </dsp:spTree>
 </dsp:drawing>
 </file>
@@ -19762,355 +14714,6 @@
       <dsp:cNvGrpSpPr/>
     </dsp:nvGrpSpPr>
     <dsp:grpSpPr/>
-    <dsp:sp modelId="{73C19F2A-043A-4CF1-8BBC-CDB07368863A}">
-      <dsp:nvSpPr>
-        <dsp:cNvPr id="0" name=""/>
-        <dsp:cNvSpPr/>
-      </dsp:nvSpPr>
-      <dsp:spPr>
-        <a:xfrm>
-          <a:off x="665737" y="1083057"/>
-          <a:ext cx="6435463" cy="3325808"/>
-        </a:xfrm>
-        <a:prstGeom prst="rect">
-          <a:avLst/>
-        </a:prstGeom>
-        <a:solidFill>
-          <a:schemeClr val="accent1">
-            <a:tint val="50000"/>
-            <a:hueOff val="0"/>
-            <a:satOff val="0"/>
-            <a:lumOff val="0"/>
-            <a:alphaOff val="0"/>
-          </a:schemeClr>
-        </a:solidFill>
-        <a:ln w="22225" cap="rnd" cmpd="sng" algn="ctr">
-          <a:solidFill>
-            <a:schemeClr val="lt1">
-              <a:hueOff val="0"/>
-              <a:satOff val="0"/>
-              <a:lumOff val="0"/>
-              <a:alphaOff val="0"/>
-            </a:schemeClr>
-          </a:solidFill>
-          <a:prstDash val="solid"/>
-        </a:ln>
-        <a:effectLst/>
-      </dsp:spPr>
-      <dsp:style>
-        <a:lnRef idx="3">
-          <a:scrgbClr r="0" g="0" b="0"/>
-        </a:lnRef>
-        <a:fillRef idx="1">
-          <a:scrgbClr r="0" g="0" b="0"/>
-        </a:fillRef>
-        <a:effectRef idx="1">
-          <a:scrgbClr r="0" g="0" b="0"/>
-        </a:effectRef>
-        <a:fontRef idx="minor"/>
-      </dsp:style>
-    </dsp:sp>
-    <dsp:sp modelId="{ACA5A3C2-4501-44E9-A7E4-51A1DCCF33ED}">
-      <dsp:nvSpPr>
-        <dsp:cNvPr id="0" name=""/>
-        <dsp:cNvSpPr/>
-      </dsp:nvSpPr>
-      <dsp:spPr>
-        <a:xfrm>
-          <a:off x="858061" y="1458378"/>
-          <a:ext cx="2988422" cy="2845188"/>
-        </a:xfrm>
-        <a:prstGeom prst="rect">
-          <a:avLst/>
-        </a:prstGeom>
-        <a:noFill/>
-        <a:ln>
-          <a:noFill/>
-        </a:ln>
-        <a:effectLst/>
-      </dsp:spPr>
-      <dsp:style>
-        <a:lnRef idx="0">
-          <a:scrgbClr r="0" g="0" b="0"/>
-        </a:lnRef>
-        <a:fillRef idx="0">
-          <a:scrgbClr r="0" g="0" b="0"/>
-        </a:fillRef>
-        <a:effectRef idx="0">
-          <a:scrgbClr r="0" g="0" b="0"/>
-        </a:effectRef>
-        <a:fontRef idx="minor"/>
-      </dsp:style>
-      <dsp:txBody>
-        <a:bodyPr spcFirstLastPara="0" vert="horz" wrap="square" lIns="45720" tIns="45720" rIns="45720" bIns="45720" numCol="1" spcCol="1270" anchor="t" anchorCtr="0">
-          <a:noAutofit/>
-        </a:bodyPr>
-        <a:lstStyle/>
-        <a:p>
-          <a:pPr lvl="0" algn="l" defTabSz="1066800">
-            <a:lnSpc>
-              <a:spcPct val="90000"/>
-            </a:lnSpc>
-            <a:spcBef>
-              <a:spcPct val="0"/>
-            </a:spcBef>
-            <a:spcAft>
-              <a:spcPct val="35000"/>
-            </a:spcAft>
-          </a:pPr>
-          <a:r>
-            <a:rPr lang="en-US" sz="2400" kern="1200" dirty="0" smtClean="0">
-              <a:latin typeface="Cambria" panose="02040503050406030204" pitchFamily="18" charset="0"/>
-            </a:rPr>
-            <a:t> - Automatically</a:t>
-          </a:r>
-        </a:p>
-        <a:p>
-          <a:pPr lvl="0" algn="l" defTabSz="1066800">
-            <a:lnSpc>
-              <a:spcPct val="90000"/>
-            </a:lnSpc>
-            <a:spcBef>
-              <a:spcPct val="0"/>
-            </a:spcBef>
-            <a:spcAft>
-              <a:spcPct val="35000"/>
-            </a:spcAft>
-          </a:pPr>
-          <a:r>
-            <a:rPr lang="en-US" sz="2400" kern="1200" dirty="0" smtClean="0">
-              <a:latin typeface="Cambria" panose="02040503050406030204" pitchFamily="18" charset="0"/>
-            </a:rPr>
-            <a:t>- Support learn</a:t>
-          </a:r>
-        </a:p>
-        <a:p>
-          <a:pPr lvl="0" algn="l" defTabSz="1066800">
-            <a:lnSpc>
-              <a:spcPct val="90000"/>
-            </a:lnSpc>
-            <a:spcBef>
-              <a:spcPct val="0"/>
-            </a:spcBef>
-            <a:spcAft>
-              <a:spcPct val="35000"/>
-            </a:spcAft>
-          </a:pPr>
-          <a:endParaRPr lang="en-US" sz="2400" kern="1200" dirty="0" smtClean="0">
-            <a:latin typeface="Cambria" panose="02040503050406030204" pitchFamily="18" charset="0"/>
-          </a:endParaRPr>
-        </a:p>
-      </dsp:txBody>
-      <dsp:txXfrm>
-        <a:off x="858061" y="1458378"/>
-        <a:ext cx="2988422" cy="2845188"/>
-      </dsp:txXfrm>
-    </dsp:sp>
-    <dsp:sp modelId="{A177844E-CD64-4D1C-B08C-3EBC138B7A2B}">
-      <dsp:nvSpPr>
-        <dsp:cNvPr id="0" name=""/>
-        <dsp:cNvSpPr/>
-      </dsp:nvSpPr>
-      <dsp:spPr>
-        <a:xfrm>
-          <a:off x="3913057" y="1458378"/>
-          <a:ext cx="2988422" cy="2845188"/>
-        </a:xfrm>
-        <a:prstGeom prst="rect">
-          <a:avLst/>
-        </a:prstGeom>
-        <a:noFill/>
-        <a:ln>
-          <a:noFill/>
-        </a:ln>
-        <a:effectLst/>
-      </dsp:spPr>
-      <dsp:style>
-        <a:lnRef idx="0">
-          <a:scrgbClr r="0" g="0" b="0"/>
-        </a:lnRef>
-        <a:fillRef idx="0">
-          <a:scrgbClr r="0" g="0" b="0"/>
-        </a:fillRef>
-        <a:effectRef idx="0">
-          <a:scrgbClr r="0" g="0" b="0"/>
-        </a:effectRef>
-        <a:fontRef idx="minor"/>
-      </dsp:style>
-      <dsp:txBody>
-        <a:bodyPr spcFirstLastPara="0" vert="horz" wrap="square" lIns="45720" tIns="45720" rIns="45720" bIns="45720" numCol="1" spcCol="1270" anchor="t" anchorCtr="0">
-          <a:noAutofit/>
-        </a:bodyPr>
-        <a:lstStyle/>
-        <a:p>
-          <a:pPr lvl="0" algn="l" defTabSz="1066800">
-            <a:lnSpc>
-              <a:spcPct val="90000"/>
-            </a:lnSpc>
-            <a:spcBef>
-              <a:spcPct val="0"/>
-            </a:spcBef>
-            <a:spcAft>
-              <a:spcPct val="35000"/>
-            </a:spcAft>
-          </a:pPr>
-          <a:r>
-            <a:rPr lang="en-US" sz="2400" kern="1200" dirty="0" smtClean="0">
-              <a:latin typeface="Cambria" panose="02040503050406030204" pitchFamily="18" charset="0"/>
-            </a:rPr>
-            <a:t>- The accuracy not reach 100%</a:t>
-          </a:r>
-          <a:endParaRPr lang="en-US" sz="2400" kern="1200" dirty="0">
-            <a:latin typeface="Cambria" panose="02040503050406030204" pitchFamily="18" charset="0"/>
-          </a:endParaRPr>
-        </a:p>
-      </dsp:txBody>
-      <dsp:txXfrm>
-        <a:off x="3913057" y="1458378"/>
-        <a:ext cx="2988422" cy="2845188"/>
-      </dsp:txXfrm>
-    </dsp:sp>
-    <dsp:sp modelId="{319A43D9-B41D-4B06-B656-4D1C40E4BAA6}">
-      <dsp:nvSpPr>
-        <dsp:cNvPr id="0" name=""/>
-        <dsp:cNvSpPr/>
-      </dsp:nvSpPr>
-      <dsp:spPr>
-        <a:xfrm>
-          <a:off x="0" y="403854"/>
-          <a:ext cx="1257504" cy="1257504"/>
-        </a:xfrm>
-        <a:prstGeom prst="plus">
-          <a:avLst>
-            <a:gd name="adj" fmla="val 32810"/>
-          </a:avLst>
-        </a:prstGeom>
-        <a:solidFill>
-          <a:schemeClr val="accent1">
-            <a:hueOff val="0"/>
-            <a:satOff val="0"/>
-            <a:lumOff val="0"/>
-            <a:alphaOff val="0"/>
-          </a:schemeClr>
-        </a:solidFill>
-        <a:ln w="15875" cap="rnd" cmpd="sng" algn="ctr">
-          <a:solidFill>
-            <a:schemeClr val="accent1">
-              <a:hueOff val="0"/>
-              <a:satOff val="0"/>
-              <a:lumOff val="0"/>
-              <a:alphaOff val="0"/>
-            </a:schemeClr>
-          </a:solidFill>
-          <a:prstDash val="solid"/>
-        </a:ln>
-        <a:effectLst/>
-      </dsp:spPr>
-      <dsp:style>
-        <a:lnRef idx="2">
-          <a:scrgbClr r="0" g="0" b="0"/>
-        </a:lnRef>
-        <a:fillRef idx="1">
-          <a:scrgbClr r="0" g="0" b="0"/>
-        </a:fillRef>
-        <a:effectRef idx="1">
-          <a:scrgbClr r="0" g="0" b="0"/>
-        </a:effectRef>
-        <a:fontRef idx="minor">
-          <a:schemeClr val="lt1"/>
-        </a:fontRef>
-      </dsp:style>
-    </dsp:sp>
-    <dsp:sp modelId="{4F579154-C094-46EF-AECB-D0FCFEED5A52}">
-      <dsp:nvSpPr>
-        <dsp:cNvPr id="0" name=""/>
-        <dsp:cNvSpPr/>
-      </dsp:nvSpPr>
-      <dsp:spPr>
-        <a:xfrm>
-          <a:off x="6213551" y="856082"/>
-          <a:ext cx="1183533" cy="405586"/>
-        </a:xfrm>
-        <a:prstGeom prst="rect">
-          <a:avLst/>
-        </a:prstGeom>
-        <a:solidFill>
-          <a:schemeClr val="accent1">
-            <a:hueOff val="0"/>
-            <a:satOff val="0"/>
-            <a:lumOff val="0"/>
-            <a:alphaOff val="0"/>
-          </a:schemeClr>
-        </a:solidFill>
-        <a:ln w="15875" cap="rnd" cmpd="sng" algn="ctr">
-          <a:solidFill>
-            <a:schemeClr val="accent1">
-              <a:hueOff val="0"/>
-              <a:satOff val="0"/>
-              <a:lumOff val="0"/>
-              <a:alphaOff val="0"/>
-            </a:schemeClr>
-          </a:solidFill>
-          <a:prstDash val="solid"/>
-        </a:ln>
-        <a:effectLst/>
-      </dsp:spPr>
-      <dsp:style>
-        <a:lnRef idx="2">
-          <a:scrgbClr r="0" g="0" b="0"/>
-        </a:lnRef>
-        <a:fillRef idx="1">
-          <a:scrgbClr r="0" g="0" b="0"/>
-        </a:fillRef>
-        <a:effectRef idx="1">
-          <a:scrgbClr r="0" g="0" b="0"/>
-        </a:effectRef>
-        <a:fontRef idx="minor">
-          <a:schemeClr val="lt1"/>
-        </a:fontRef>
-      </dsp:style>
-    </dsp:sp>
-    <dsp:sp modelId="{6ED2E672-AC4E-4E8D-86EB-593C630AEAA2}">
-      <dsp:nvSpPr>
-        <dsp:cNvPr id="0" name=""/>
-        <dsp:cNvSpPr/>
-      </dsp:nvSpPr>
-      <dsp:spPr>
-        <a:xfrm>
-          <a:off x="3883469" y="1464462"/>
-          <a:ext cx="739" cy="2717428"/>
-        </a:xfrm>
-        <a:prstGeom prst="line">
-          <a:avLst/>
-        </a:prstGeom>
-        <a:noFill/>
-        <a:ln w="15875" cap="rnd" cmpd="sng" algn="ctr">
-          <a:solidFill>
-            <a:schemeClr val="accent1">
-              <a:shade val="60000"/>
-              <a:hueOff val="0"/>
-              <a:satOff val="0"/>
-              <a:lumOff val="0"/>
-              <a:alphaOff val="0"/>
-            </a:schemeClr>
-          </a:solidFill>
-          <a:prstDash val="solid"/>
-        </a:ln>
-        <a:effectLst/>
-      </dsp:spPr>
-      <dsp:style>
-        <a:lnRef idx="2">
-          <a:scrgbClr r="0" g="0" b="0"/>
-        </a:lnRef>
-        <a:fillRef idx="0">
-          <a:scrgbClr r="0" g="0" b="0"/>
-        </a:fillRef>
-        <a:effectRef idx="0">
-          <a:scrgbClr r="0" g="0" b="0"/>
-        </a:effectRef>
-        <a:fontRef idx="minor"/>
-      </dsp:style>
-    </dsp:sp>
   </dsp:spTree>
 </dsp:drawing>
 </file>
@@ -50476,7 +45079,7 @@
           <p:nvPr>
             <p:extLst>
               <p:ext uri="{D42A27DB-BD31-4B8C-83A1-F6EECF244321}">
-                <p14:modId xmlns:p14="http://schemas.microsoft.com/office/powerpoint/2010/main" val="176768444"/>
+                <p14:modId xmlns:p14="http://schemas.microsoft.com/office/powerpoint/2010/main" val="2061095217"/>
               </p:ext>
             </p:extLst>
           </p:nvPr>

--- a/Other/Tmp/Main Slide.pptx
+++ b/Other/Tmp/Main Slide.pptx
@@ -31,8 +31,8 @@
     <p:sldId id="267" r:id="rId19"/>
     <p:sldId id="277" r:id="rId20"/>
     <p:sldId id="265" r:id="rId21"/>
-    <p:sldId id="268" r:id="rId22"/>
-    <p:sldId id="269" r:id="rId23"/>
+    <p:sldId id="269" r:id="rId22"/>
+    <p:sldId id="268" r:id="rId23"/>
   </p:sldIdLst>
   <p:sldSz cx="9144000" cy="6858000" type="screen4x3"/>
   <p:notesSz cx="6858000" cy="9144000"/>
@@ -9302,9 +9302,9 @@
     <dgm:cxn modelId="{EEB86E28-F141-4027-9F05-99303895F1EA}" srcId="{D779D713-23C1-4C6A-91A6-8255CD37F33D}" destId="{67A3017F-00B1-4666-AA1A-1593816C5AD8}" srcOrd="0" destOrd="0" parTransId="{843C4E78-EF3D-4BFC-BEB9-F41B68D2861C}" sibTransId="{FE6A7D7B-7D92-44A5-8204-509E008FE416}"/>
     <dgm:cxn modelId="{AB6DBB2D-96FD-45D2-811D-87380140308F}" srcId="{C48915BD-4F32-4AB9-A6B8-6ADAACC7D7C9}" destId="{81CB462E-DE1A-4473-A886-987D12A5B5B1}" srcOrd="0" destOrd="0" parTransId="{C1BD1181-28B4-43F8-BD59-78E9B9A4D59E}" sibTransId="{E9547D32-A3F9-4769-8BBE-34071DABCC79}"/>
     <dgm:cxn modelId="{C277E6F3-3150-49C3-A28C-466EAEFF4480}" type="presOf" srcId="{F2D08D5E-6BA1-435C-8873-9B17E4E8D3C2}" destId="{0E4E9B01-56C4-4A0F-ACB2-7A344554573B}" srcOrd="0" destOrd="0" presId="urn:microsoft.com/office/officeart/2005/8/layout/chevron2"/>
+    <dgm:cxn modelId="{9A4B8272-0D7C-4480-9218-0F8C0183AE13}" srcId="{4D670F15-8379-4AD8-BDB0-E824ED8CD3CE}" destId="{4C83956D-0E7E-42C2-8999-31F10ADD4122}" srcOrd="0" destOrd="0" parTransId="{DE3DFC50-5DF5-4E4E-84C5-42A59C437954}" sibTransId="{C19F3D1E-C12F-4568-858A-AA9F1EE69C4D}"/>
+    <dgm:cxn modelId="{DC0141F9-CA74-4B9E-A92B-66C1D31C9C86}" srcId="{D779D713-23C1-4C6A-91A6-8255CD37F33D}" destId="{C1D9983E-926E-48DC-92D4-1131E58A863A}" srcOrd="3" destOrd="0" parTransId="{B6139B12-51A8-4A08-93E9-7D8F01BF8A14}" sibTransId="{ED02EA9E-47AC-48DD-B15B-34B077A789A2}"/>
     <dgm:cxn modelId="{0065A203-439A-43D9-8390-2C940275F55B}" srcId="{098B8B68-050C-4C8D-BDD5-9FD267B81D5C}" destId="{746292BA-7DFC-48DD-A4D8-7600FC7ABBB7}" srcOrd="0" destOrd="0" parTransId="{5B3413F0-24DD-4D80-A73A-A74F7ECF001F}" sibTransId="{D5C45B51-7501-4736-9452-76876ACEFD39}"/>
-    <dgm:cxn modelId="{DC0141F9-CA74-4B9E-A92B-66C1D31C9C86}" srcId="{D779D713-23C1-4C6A-91A6-8255CD37F33D}" destId="{C1D9983E-926E-48DC-92D4-1131E58A863A}" srcOrd="3" destOrd="0" parTransId="{B6139B12-51A8-4A08-93E9-7D8F01BF8A14}" sibTransId="{ED02EA9E-47AC-48DD-B15B-34B077A789A2}"/>
-    <dgm:cxn modelId="{9A4B8272-0D7C-4480-9218-0F8C0183AE13}" srcId="{4D670F15-8379-4AD8-BDB0-E824ED8CD3CE}" destId="{4C83956D-0E7E-42C2-8999-31F10ADD4122}" srcOrd="0" destOrd="0" parTransId="{DE3DFC50-5DF5-4E4E-84C5-42A59C437954}" sibTransId="{C19F3D1E-C12F-4568-858A-AA9F1EE69C4D}"/>
     <dgm:cxn modelId="{AEF71FAD-75BB-4E10-B75F-DB3333D2D964}" type="presParOf" srcId="{DFA773E7-44D5-4AB5-98B5-C6160B26EA89}" destId="{91D09EC1-C475-40FB-ADE2-4B9A7BA219B2}" srcOrd="0" destOrd="0" presId="urn:microsoft.com/office/officeart/2005/8/layout/chevron2"/>
     <dgm:cxn modelId="{0A0A676D-A761-4090-A296-5A1FE1A5F9EB}" type="presParOf" srcId="{91D09EC1-C475-40FB-ADE2-4B9A7BA219B2}" destId="{D2012687-56AC-43FE-AF4A-35FCA85D7971}" srcOrd="0" destOrd="0" presId="urn:microsoft.com/office/officeart/2005/8/layout/chevron2"/>
     <dgm:cxn modelId="{4A927F23-690D-4C86-A667-F4C2BC6BCDAB}" type="presParOf" srcId="{91D09EC1-C475-40FB-ADE2-4B9A7BA219B2}" destId="{0E4E9B01-56C4-4A0F-ACB2-7A344554573B}" srcOrd="1" destOrd="0" presId="urn:microsoft.com/office/officeart/2005/8/layout/chevron2"/>
@@ -13374,6 +13374,1138 @@
       <dsp:cNvGrpSpPr/>
     </dsp:nvGrpSpPr>
     <dsp:grpSpPr/>
+    <dsp:sp modelId="{D2012687-56AC-43FE-AF4A-35FCA85D7971}">
+      <dsp:nvSpPr>
+        <dsp:cNvPr id="0" name=""/>
+        <dsp:cNvSpPr/>
+      </dsp:nvSpPr>
+      <dsp:spPr>
+        <a:xfrm rot="5400000">
+          <a:off x="-132864" y="134652"/>
+          <a:ext cx="885763" cy="620034"/>
+        </a:xfrm>
+        <a:prstGeom prst="chevron">
+          <a:avLst/>
+        </a:prstGeom>
+        <a:gradFill rotWithShape="0">
+          <a:gsLst>
+            <a:gs pos="0">
+              <a:schemeClr val="accent1">
+                <a:hueOff val="0"/>
+                <a:satOff val="0"/>
+                <a:lumOff val="0"/>
+                <a:alphaOff val="0"/>
+                <a:tint val="96000"/>
+                <a:lumMod val="102000"/>
+              </a:schemeClr>
+            </a:gs>
+            <a:gs pos="100000">
+              <a:schemeClr val="accent1">
+                <a:hueOff val="0"/>
+                <a:satOff val="0"/>
+                <a:lumOff val="0"/>
+                <a:alphaOff val="0"/>
+                <a:shade val="88000"/>
+                <a:lumMod val="94000"/>
+              </a:schemeClr>
+            </a:gs>
+          </a:gsLst>
+          <a:path path="circle">
+            <a:fillToRect l="50000" t="100000" r="100000" b="50000"/>
+          </a:path>
+        </a:gradFill>
+        <a:ln w="9525" cap="rnd" cmpd="sng" algn="ctr">
+          <a:solidFill>
+            <a:schemeClr val="accent1">
+              <a:hueOff val="0"/>
+              <a:satOff val="0"/>
+              <a:lumOff val="0"/>
+              <a:alphaOff val="0"/>
+            </a:schemeClr>
+          </a:solidFill>
+          <a:prstDash val="solid"/>
+        </a:ln>
+        <a:effectLst>
+          <a:outerShdw blurRad="38100" dist="25400" dir="5400000" rotWithShape="0">
+            <a:srgbClr val="000000">
+              <a:alpha val="64000"/>
+            </a:srgbClr>
+          </a:outerShdw>
+        </a:effectLst>
+        <a:scene3d>
+          <a:camera prst="orthographicFront">
+            <a:rot lat="0" lon="0" rev="0"/>
+          </a:camera>
+          <a:lightRig rig="threePt" dir="tl">
+            <a:rot lat="0" lon="0" rev="1200000"/>
+          </a:lightRig>
+        </a:scene3d>
+        <a:sp3d>
+          <a:bevelT w="25400" h="12700"/>
+        </a:sp3d>
+      </dsp:spPr>
+      <dsp:style>
+        <a:lnRef idx="1">
+          <a:scrgbClr r="0" g="0" b="0"/>
+        </a:lnRef>
+        <a:fillRef idx="3">
+          <a:scrgbClr r="0" g="0" b="0"/>
+        </a:fillRef>
+        <a:effectRef idx="3">
+          <a:scrgbClr r="0" g="0" b="0"/>
+        </a:effectRef>
+        <a:fontRef idx="minor">
+          <a:schemeClr val="lt1"/>
+        </a:fontRef>
+      </dsp:style>
+      <dsp:txBody>
+        <a:bodyPr spcFirstLastPara="0" vert="horz" wrap="square" lIns="11430" tIns="11430" rIns="11430" bIns="11430" numCol="1" spcCol="1270" anchor="ctr" anchorCtr="0">
+          <a:noAutofit/>
+        </a:bodyPr>
+        <a:lstStyle/>
+        <a:p>
+          <a:pPr lvl="0" algn="ctr" defTabSz="800100">
+            <a:lnSpc>
+              <a:spcPct val="90000"/>
+            </a:lnSpc>
+            <a:spcBef>
+              <a:spcPct val="0"/>
+            </a:spcBef>
+            <a:spcAft>
+              <a:spcPct val="35000"/>
+            </a:spcAft>
+          </a:pPr>
+          <a:r>
+            <a:rPr lang="en-US" sz="1800" kern="1200" dirty="0" smtClean="0">
+              <a:latin typeface="Cambria" panose="02040503050406030204" pitchFamily="18" charset="0"/>
+            </a:rPr>
+            <a:t> </a:t>
+          </a:r>
+          <a:endParaRPr lang="en-US" sz="1800" kern="1200" dirty="0">
+            <a:latin typeface="Cambria" panose="02040503050406030204" pitchFamily="18" charset="0"/>
+          </a:endParaRPr>
+        </a:p>
+      </dsp:txBody>
+      <dsp:txXfrm rot="-5400000">
+        <a:off x="1" y="311804"/>
+        <a:ext cx="620034" cy="265729"/>
+      </dsp:txXfrm>
+    </dsp:sp>
+    <dsp:sp modelId="{0E4E9B01-56C4-4A0F-ACB2-7A344554573B}">
+      <dsp:nvSpPr>
+        <dsp:cNvPr id="0" name=""/>
+        <dsp:cNvSpPr/>
+      </dsp:nvSpPr>
+      <dsp:spPr>
+        <a:xfrm rot="5400000">
+          <a:off x="3874212" y="-3252390"/>
+          <a:ext cx="575746" cy="7084102"/>
+        </a:xfrm>
+        <a:prstGeom prst="round2SameRect">
+          <a:avLst/>
+        </a:prstGeom>
+        <a:solidFill>
+          <a:schemeClr val="lt1">
+            <a:alpha val="90000"/>
+            <a:hueOff val="0"/>
+            <a:satOff val="0"/>
+            <a:lumOff val="0"/>
+            <a:alphaOff val="0"/>
+          </a:schemeClr>
+        </a:solidFill>
+        <a:ln w="9525" cap="rnd" cmpd="sng" algn="ctr">
+          <a:solidFill>
+            <a:schemeClr val="accent1">
+              <a:hueOff val="0"/>
+              <a:satOff val="0"/>
+              <a:lumOff val="0"/>
+              <a:alphaOff val="0"/>
+            </a:schemeClr>
+          </a:solidFill>
+          <a:prstDash val="solid"/>
+        </a:ln>
+        <a:effectLst>
+          <a:reflection blurRad="12700" stA="26000" endPos="32000" dist="12700" dir="5400000" sy="-100000" rotWithShape="0"/>
+        </a:effectLst>
+      </dsp:spPr>
+      <dsp:style>
+        <a:lnRef idx="1">
+          <a:scrgbClr r="0" g="0" b="0"/>
+        </a:lnRef>
+        <a:fillRef idx="1">
+          <a:scrgbClr r="0" g="0" b="0"/>
+        </a:fillRef>
+        <a:effectRef idx="2">
+          <a:scrgbClr r="0" g="0" b="0"/>
+        </a:effectRef>
+        <a:fontRef idx="minor"/>
+      </dsp:style>
+      <dsp:txBody>
+        <a:bodyPr spcFirstLastPara="0" vert="horz" wrap="square" lIns="248920" tIns="22225" rIns="22225" bIns="22225" numCol="1" spcCol="1270" anchor="ctr" anchorCtr="0">
+          <a:noAutofit/>
+        </a:bodyPr>
+        <a:lstStyle/>
+        <a:p>
+          <a:pPr marL="285750" lvl="1" indent="-285750" algn="l" defTabSz="1555750">
+            <a:lnSpc>
+              <a:spcPct val="90000"/>
+            </a:lnSpc>
+            <a:spcBef>
+              <a:spcPct val="0"/>
+            </a:spcBef>
+            <a:spcAft>
+              <a:spcPct val="15000"/>
+            </a:spcAft>
+            <a:buChar char="••"/>
+          </a:pPr>
+          <a:r>
+            <a:rPr lang="en-US" sz="3500" b="0" kern="1200" dirty="0" smtClean="0">
+              <a:latin typeface="Cambria" panose="02040503050406030204" pitchFamily="18" charset="0"/>
+            </a:rPr>
+            <a:t>Supervisor: </a:t>
+          </a:r>
+          <a:r>
+            <a:rPr lang="en-US" sz="3500" b="0" kern="1200" dirty="0" err="1" smtClean="0">
+              <a:latin typeface="Cambria" panose="02040503050406030204" pitchFamily="18" charset="0"/>
+            </a:rPr>
+            <a:t>Kiều</a:t>
+          </a:r>
+          <a:r>
+            <a:rPr lang="en-US" sz="3500" b="0" kern="1200" dirty="0" smtClean="0">
+              <a:latin typeface="Cambria" panose="02040503050406030204" pitchFamily="18" charset="0"/>
+            </a:rPr>
+            <a:t> </a:t>
+          </a:r>
+          <a:r>
+            <a:rPr lang="en-US" sz="3500" b="0" kern="1200" dirty="0" err="1" smtClean="0">
+              <a:latin typeface="Cambria" panose="02040503050406030204" pitchFamily="18" charset="0"/>
+            </a:rPr>
+            <a:t>Trọng</a:t>
+          </a:r>
+          <a:r>
+            <a:rPr lang="en-US" sz="3500" b="0" kern="1200" dirty="0" smtClean="0">
+              <a:latin typeface="Cambria" panose="02040503050406030204" pitchFamily="18" charset="0"/>
+            </a:rPr>
+            <a:t> </a:t>
+          </a:r>
+          <a:r>
+            <a:rPr lang="en-US" sz="3500" b="0" kern="1200" dirty="0" err="1" smtClean="0">
+              <a:latin typeface="Cambria" panose="02040503050406030204" pitchFamily="18" charset="0"/>
+            </a:rPr>
+            <a:t>Khánh</a:t>
+          </a:r>
+          <a:endParaRPr lang="en-US" sz="3500" b="0" kern="1200" dirty="0">
+            <a:latin typeface="Cambria" panose="02040503050406030204" pitchFamily="18" charset="0"/>
+          </a:endParaRPr>
+        </a:p>
+      </dsp:txBody>
+      <dsp:txXfrm rot="-5400000">
+        <a:off x="620034" y="29894"/>
+        <a:ext cx="7055996" cy="519534"/>
+      </dsp:txXfrm>
+    </dsp:sp>
+    <dsp:sp modelId="{1F100FA3-D8A8-4043-AB42-12D27DB4F44F}">
+      <dsp:nvSpPr>
+        <dsp:cNvPr id="0" name=""/>
+        <dsp:cNvSpPr/>
+      </dsp:nvSpPr>
+      <dsp:spPr>
+        <a:xfrm rot="5400000">
+          <a:off x="-132864" y="900358"/>
+          <a:ext cx="885763" cy="620034"/>
+        </a:xfrm>
+        <a:prstGeom prst="chevron">
+          <a:avLst/>
+        </a:prstGeom>
+        <a:gradFill rotWithShape="0">
+          <a:gsLst>
+            <a:gs pos="0">
+              <a:schemeClr val="accent1">
+                <a:hueOff val="0"/>
+                <a:satOff val="0"/>
+                <a:lumOff val="0"/>
+                <a:alphaOff val="0"/>
+                <a:tint val="96000"/>
+                <a:lumMod val="102000"/>
+              </a:schemeClr>
+            </a:gs>
+            <a:gs pos="100000">
+              <a:schemeClr val="accent1">
+                <a:hueOff val="0"/>
+                <a:satOff val="0"/>
+                <a:lumOff val="0"/>
+                <a:alphaOff val="0"/>
+                <a:shade val="88000"/>
+                <a:lumMod val="94000"/>
+              </a:schemeClr>
+            </a:gs>
+          </a:gsLst>
+          <a:path path="circle">
+            <a:fillToRect l="50000" t="100000" r="100000" b="50000"/>
+          </a:path>
+        </a:gradFill>
+        <a:ln w="9525" cap="rnd" cmpd="sng" algn="ctr">
+          <a:solidFill>
+            <a:schemeClr val="accent1">
+              <a:hueOff val="0"/>
+              <a:satOff val="0"/>
+              <a:lumOff val="0"/>
+              <a:alphaOff val="0"/>
+            </a:schemeClr>
+          </a:solidFill>
+          <a:prstDash val="solid"/>
+        </a:ln>
+        <a:effectLst>
+          <a:outerShdw blurRad="38100" dist="25400" dir="5400000" rotWithShape="0">
+            <a:srgbClr val="000000">
+              <a:alpha val="64000"/>
+            </a:srgbClr>
+          </a:outerShdw>
+        </a:effectLst>
+        <a:scene3d>
+          <a:camera prst="orthographicFront">
+            <a:rot lat="0" lon="0" rev="0"/>
+          </a:camera>
+          <a:lightRig rig="threePt" dir="tl">
+            <a:rot lat="0" lon="0" rev="1200000"/>
+          </a:lightRig>
+        </a:scene3d>
+        <a:sp3d>
+          <a:bevelT w="25400" h="12700"/>
+        </a:sp3d>
+      </dsp:spPr>
+      <dsp:style>
+        <a:lnRef idx="1">
+          <a:scrgbClr r="0" g="0" b="0"/>
+        </a:lnRef>
+        <a:fillRef idx="3">
+          <a:scrgbClr r="0" g="0" b="0"/>
+        </a:fillRef>
+        <a:effectRef idx="3">
+          <a:scrgbClr r="0" g="0" b="0"/>
+        </a:effectRef>
+        <a:fontRef idx="minor">
+          <a:schemeClr val="lt1"/>
+        </a:fontRef>
+      </dsp:style>
+      <dsp:txBody>
+        <a:bodyPr spcFirstLastPara="0" vert="horz" wrap="square" lIns="11430" tIns="11430" rIns="11430" bIns="11430" numCol="1" spcCol="1270" anchor="ctr" anchorCtr="0">
+          <a:noAutofit/>
+        </a:bodyPr>
+        <a:lstStyle/>
+        <a:p>
+          <a:pPr lvl="0" algn="ctr" defTabSz="800100">
+            <a:lnSpc>
+              <a:spcPct val="90000"/>
+            </a:lnSpc>
+            <a:spcBef>
+              <a:spcPct val="0"/>
+            </a:spcBef>
+            <a:spcAft>
+              <a:spcPct val="35000"/>
+            </a:spcAft>
+          </a:pPr>
+          <a:r>
+            <a:rPr lang="en-US" sz="1800" kern="1200" dirty="0" smtClean="0">
+              <a:latin typeface="Cambria" panose="02040503050406030204" pitchFamily="18" charset="0"/>
+            </a:rPr>
+            <a:t> </a:t>
+          </a:r>
+          <a:endParaRPr lang="en-US" sz="1800" kern="1200" dirty="0">
+            <a:latin typeface="Cambria" panose="02040503050406030204" pitchFamily="18" charset="0"/>
+          </a:endParaRPr>
+        </a:p>
+      </dsp:txBody>
+      <dsp:txXfrm rot="-5400000">
+        <a:off x="1" y="1077510"/>
+        <a:ext cx="620034" cy="265729"/>
+      </dsp:txXfrm>
+    </dsp:sp>
+    <dsp:sp modelId="{2F06C64E-742F-4053-8FED-436E4DAD6980}">
+      <dsp:nvSpPr>
+        <dsp:cNvPr id="0" name=""/>
+        <dsp:cNvSpPr/>
+      </dsp:nvSpPr>
+      <dsp:spPr>
+        <a:xfrm rot="5400000">
+          <a:off x="3874212" y="-2486684"/>
+          <a:ext cx="575746" cy="7084102"/>
+        </a:xfrm>
+        <a:prstGeom prst="round2SameRect">
+          <a:avLst/>
+        </a:prstGeom>
+        <a:solidFill>
+          <a:schemeClr val="lt1">
+            <a:alpha val="90000"/>
+            <a:hueOff val="0"/>
+            <a:satOff val="0"/>
+            <a:lumOff val="0"/>
+            <a:alphaOff val="0"/>
+          </a:schemeClr>
+        </a:solidFill>
+        <a:ln w="9525" cap="rnd" cmpd="sng" algn="ctr">
+          <a:solidFill>
+            <a:schemeClr val="accent1">
+              <a:hueOff val="0"/>
+              <a:satOff val="0"/>
+              <a:lumOff val="0"/>
+              <a:alphaOff val="0"/>
+            </a:schemeClr>
+          </a:solidFill>
+          <a:prstDash val="solid"/>
+        </a:ln>
+        <a:effectLst>
+          <a:reflection blurRad="12700" stA="26000" endPos="32000" dist="12700" dir="5400000" sy="-100000" rotWithShape="0"/>
+        </a:effectLst>
+      </dsp:spPr>
+      <dsp:style>
+        <a:lnRef idx="1">
+          <a:scrgbClr r="0" g="0" b="0"/>
+        </a:lnRef>
+        <a:fillRef idx="1">
+          <a:scrgbClr r="0" g="0" b="0"/>
+        </a:fillRef>
+        <a:effectRef idx="2">
+          <a:scrgbClr r="0" g="0" b="0"/>
+        </a:effectRef>
+        <a:fontRef idx="minor"/>
+      </dsp:style>
+      <dsp:txBody>
+        <a:bodyPr spcFirstLastPara="0" vert="horz" wrap="square" lIns="248920" tIns="22225" rIns="22225" bIns="22225" numCol="1" spcCol="1270" anchor="ctr" anchorCtr="0">
+          <a:noAutofit/>
+        </a:bodyPr>
+        <a:lstStyle/>
+        <a:p>
+          <a:pPr marL="285750" lvl="1" indent="-285750" algn="l" defTabSz="1555750">
+            <a:lnSpc>
+              <a:spcPct val="90000"/>
+            </a:lnSpc>
+            <a:spcBef>
+              <a:spcPct val="0"/>
+            </a:spcBef>
+            <a:spcAft>
+              <a:spcPct val="15000"/>
+            </a:spcAft>
+            <a:buChar char="••"/>
+          </a:pPr>
+          <a:r>
+            <a:rPr lang="en-US" sz="3500" kern="1200" dirty="0" smtClean="0">
+              <a:latin typeface="Cambria" panose="02040503050406030204" pitchFamily="18" charset="0"/>
+            </a:rPr>
+            <a:t>Mai </a:t>
+          </a:r>
+          <a:r>
+            <a:rPr lang="en-US" sz="3500" kern="1200" dirty="0" err="1" smtClean="0">
+              <a:latin typeface="Cambria" panose="02040503050406030204" pitchFamily="18" charset="0"/>
+            </a:rPr>
+            <a:t>Văn</a:t>
+          </a:r>
+          <a:r>
+            <a:rPr lang="en-US" sz="3500" kern="1200" dirty="0" smtClean="0">
+              <a:latin typeface="Cambria" panose="02040503050406030204" pitchFamily="18" charset="0"/>
+            </a:rPr>
+            <a:t> </a:t>
+          </a:r>
+          <a:r>
+            <a:rPr lang="en-US" sz="3500" kern="1200" dirty="0" err="1" smtClean="0">
+              <a:latin typeface="Cambria" panose="02040503050406030204" pitchFamily="18" charset="0"/>
+            </a:rPr>
+            <a:t>Tân</a:t>
+          </a:r>
+          <a:r>
+            <a:rPr lang="en-US" sz="3500" kern="1200" dirty="0" smtClean="0">
+              <a:latin typeface="Cambria" panose="02040503050406030204" pitchFamily="18" charset="0"/>
+            </a:rPr>
+            <a:t> </a:t>
+          </a:r>
+          <a:endParaRPr lang="en-US" sz="3500" kern="1200" dirty="0">
+            <a:latin typeface="Cambria" panose="02040503050406030204" pitchFamily="18" charset="0"/>
+          </a:endParaRPr>
+        </a:p>
+      </dsp:txBody>
+      <dsp:txXfrm rot="-5400000">
+        <a:off x="620034" y="795600"/>
+        <a:ext cx="7055996" cy="519534"/>
+      </dsp:txXfrm>
+    </dsp:sp>
+    <dsp:sp modelId="{5EE27DDE-801B-41A8-8E87-67D01FA7786B}">
+      <dsp:nvSpPr>
+        <dsp:cNvPr id="0" name=""/>
+        <dsp:cNvSpPr/>
+      </dsp:nvSpPr>
+      <dsp:spPr>
+        <a:xfrm rot="5400000">
+          <a:off x="-132864" y="1666064"/>
+          <a:ext cx="885763" cy="620034"/>
+        </a:xfrm>
+        <a:prstGeom prst="chevron">
+          <a:avLst/>
+        </a:prstGeom>
+        <a:gradFill rotWithShape="0">
+          <a:gsLst>
+            <a:gs pos="0">
+              <a:schemeClr val="accent1">
+                <a:hueOff val="0"/>
+                <a:satOff val="0"/>
+                <a:lumOff val="0"/>
+                <a:alphaOff val="0"/>
+                <a:tint val="96000"/>
+                <a:lumMod val="102000"/>
+              </a:schemeClr>
+            </a:gs>
+            <a:gs pos="100000">
+              <a:schemeClr val="accent1">
+                <a:hueOff val="0"/>
+                <a:satOff val="0"/>
+                <a:lumOff val="0"/>
+                <a:alphaOff val="0"/>
+                <a:shade val="88000"/>
+                <a:lumMod val="94000"/>
+              </a:schemeClr>
+            </a:gs>
+          </a:gsLst>
+          <a:path path="circle">
+            <a:fillToRect l="50000" t="100000" r="100000" b="50000"/>
+          </a:path>
+        </a:gradFill>
+        <a:ln w="9525" cap="rnd" cmpd="sng" algn="ctr">
+          <a:solidFill>
+            <a:schemeClr val="accent1">
+              <a:hueOff val="0"/>
+              <a:satOff val="0"/>
+              <a:lumOff val="0"/>
+              <a:alphaOff val="0"/>
+            </a:schemeClr>
+          </a:solidFill>
+          <a:prstDash val="solid"/>
+        </a:ln>
+        <a:effectLst>
+          <a:outerShdw blurRad="38100" dist="25400" dir="5400000" rotWithShape="0">
+            <a:srgbClr val="000000">
+              <a:alpha val="64000"/>
+            </a:srgbClr>
+          </a:outerShdw>
+        </a:effectLst>
+        <a:scene3d>
+          <a:camera prst="orthographicFront">
+            <a:rot lat="0" lon="0" rev="0"/>
+          </a:camera>
+          <a:lightRig rig="threePt" dir="tl">
+            <a:rot lat="0" lon="0" rev="1200000"/>
+          </a:lightRig>
+        </a:scene3d>
+        <a:sp3d>
+          <a:bevelT w="25400" h="12700"/>
+        </a:sp3d>
+      </dsp:spPr>
+      <dsp:style>
+        <a:lnRef idx="1">
+          <a:scrgbClr r="0" g="0" b="0"/>
+        </a:lnRef>
+        <a:fillRef idx="3">
+          <a:scrgbClr r="0" g="0" b="0"/>
+        </a:fillRef>
+        <a:effectRef idx="3">
+          <a:scrgbClr r="0" g="0" b="0"/>
+        </a:effectRef>
+        <a:fontRef idx="minor">
+          <a:schemeClr val="lt1"/>
+        </a:fontRef>
+      </dsp:style>
+      <dsp:txBody>
+        <a:bodyPr spcFirstLastPara="0" vert="horz" wrap="square" lIns="11430" tIns="11430" rIns="11430" bIns="11430" numCol="1" spcCol="1270" anchor="ctr" anchorCtr="0">
+          <a:noAutofit/>
+        </a:bodyPr>
+        <a:lstStyle/>
+        <a:p>
+          <a:pPr lvl="0" algn="ctr" defTabSz="800100">
+            <a:lnSpc>
+              <a:spcPct val="90000"/>
+            </a:lnSpc>
+            <a:spcBef>
+              <a:spcPct val="0"/>
+            </a:spcBef>
+            <a:spcAft>
+              <a:spcPct val="35000"/>
+            </a:spcAft>
+          </a:pPr>
+          <a:r>
+            <a:rPr lang="en-US" sz="1800" kern="1200" dirty="0" smtClean="0">
+              <a:latin typeface="Cambria" panose="02040503050406030204" pitchFamily="18" charset="0"/>
+            </a:rPr>
+            <a:t> </a:t>
+          </a:r>
+          <a:endParaRPr lang="en-US" sz="1800" kern="1200" dirty="0">
+            <a:latin typeface="Cambria" panose="02040503050406030204" pitchFamily="18" charset="0"/>
+          </a:endParaRPr>
+        </a:p>
+      </dsp:txBody>
+      <dsp:txXfrm rot="-5400000">
+        <a:off x="1" y="1843216"/>
+        <a:ext cx="620034" cy="265729"/>
+      </dsp:txXfrm>
+    </dsp:sp>
+    <dsp:sp modelId="{7DB257B0-B7F6-471C-8115-CC560B4AF89B}">
+      <dsp:nvSpPr>
+        <dsp:cNvPr id="0" name=""/>
+        <dsp:cNvSpPr/>
+      </dsp:nvSpPr>
+      <dsp:spPr>
+        <a:xfrm rot="5400000">
+          <a:off x="3874212" y="-1720977"/>
+          <a:ext cx="575746" cy="7084102"/>
+        </a:xfrm>
+        <a:prstGeom prst="round2SameRect">
+          <a:avLst/>
+        </a:prstGeom>
+        <a:solidFill>
+          <a:schemeClr val="lt1">
+            <a:alpha val="90000"/>
+            <a:hueOff val="0"/>
+            <a:satOff val="0"/>
+            <a:lumOff val="0"/>
+            <a:alphaOff val="0"/>
+          </a:schemeClr>
+        </a:solidFill>
+        <a:ln w="9525" cap="rnd" cmpd="sng" algn="ctr">
+          <a:solidFill>
+            <a:schemeClr val="accent1">
+              <a:hueOff val="0"/>
+              <a:satOff val="0"/>
+              <a:lumOff val="0"/>
+              <a:alphaOff val="0"/>
+            </a:schemeClr>
+          </a:solidFill>
+          <a:prstDash val="solid"/>
+        </a:ln>
+        <a:effectLst>
+          <a:reflection blurRad="12700" stA="26000" endPos="32000" dist="12700" dir="5400000" sy="-100000" rotWithShape="0"/>
+        </a:effectLst>
+      </dsp:spPr>
+      <dsp:style>
+        <a:lnRef idx="1">
+          <a:scrgbClr r="0" g="0" b="0"/>
+        </a:lnRef>
+        <a:fillRef idx="1">
+          <a:scrgbClr r="0" g="0" b="0"/>
+        </a:fillRef>
+        <a:effectRef idx="2">
+          <a:scrgbClr r="0" g="0" b="0"/>
+        </a:effectRef>
+        <a:fontRef idx="minor"/>
+      </dsp:style>
+      <dsp:txBody>
+        <a:bodyPr spcFirstLastPara="0" vert="horz" wrap="square" lIns="248920" tIns="22225" rIns="22225" bIns="22225" numCol="1" spcCol="1270" anchor="ctr" anchorCtr="0">
+          <a:noAutofit/>
+        </a:bodyPr>
+        <a:lstStyle/>
+        <a:p>
+          <a:pPr marL="285750" lvl="1" indent="-285750" algn="l" defTabSz="1555750">
+            <a:lnSpc>
+              <a:spcPct val="90000"/>
+            </a:lnSpc>
+            <a:spcBef>
+              <a:spcPct val="0"/>
+            </a:spcBef>
+            <a:spcAft>
+              <a:spcPct val="15000"/>
+            </a:spcAft>
+            <a:buChar char="••"/>
+          </a:pPr>
+          <a:r>
+            <a:rPr lang="en-US" sz="3500" kern="1200" dirty="0" err="1" smtClean="0">
+              <a:latin typeface="Cambria" panose="02040503050406030204" pitchFamily="18" charset="0"/>
+            </a:rPr>
+            <a:t>Bùi</a:t>
+          </a:r>
+          <a:r>
+            <a:rPr lang="en-US" sz="3500" kern="1200" dirty="0" smtClean="0">
+              <a:latin typeface="Cambria" panose="02040503050406030204" pitchFamily="18" charset="0"/>
+            </a:rPr>
+            <a:t> </a:t>
+          </a:r>
+          <a:r>
+            <a:rPr lang="en-US" sz="3500" kern="1200" dirty="0" err="1" smtClean="0">
+              <a:latin typeface="Cambria" panose="02040503050406030204" pitchFamily="18" charset="0"/>
+            </a:rPr>
+            <a:t>Việt</a:t>
+          </a:r>
+          <a:r>
+            <a:rPr lang="en-US" sz="3500" kern="1200" dirty="0" smtClean="0">
+              <a:latin typeface="Cambria" panose="02040503050406030204" pitchFamily="18" charset="0"/>
+            </a:rPr>
+            <a:t> </a:t>
+          </a:r>
+          <a:r>
+            <a:rPr lang="en-US" sz="3500" kern="1200" dirty="0" err="1" smtClean="0">
+              <a:latin typeface="Cambria" panose="02040503050406030204" pitchFamily="18" charset="0"/>
+            </a:rPr>
+            <a:t>Phong</a:t>
+          </a:r>
+          <a:r>
+            <a:rPr lang="en-US" sz="3500" kern="1200" dirty="0" smtClean="0">
+              <a:latin typeface="Cambria" panose="02040503050406030204" pitchFamily="18" charset="0"/>
+            </a:rPr>
+            <a:t> </a:t>
+          </a:r>
+          <a:endParaRPr lang="en-US" sz="3500" kern="1200" dirty="0">
+            <a:latin typeface="Cambria" panose="02040503050406030204" pitchFamily="18" charset="0"/>
+          </a:endParaRPr>
+        </a:p>
+      </dsp:txBody>
+      <dsp:txXfrm rot="-5400000">
+        <a:off x="620034" y="1561307"/>
+        <a:ext cx="7055996" cy="519534"/>
+      </dsp:txXfrm>
+    </dsp:sp>
+    <dsp:sp modelId="{AB695737-B06E-4866-82B1-747CB5C29601}">
+      <dsp:nvSpPr>
+        <dsp:cNvPr id="0" name=""/>
+        <dsp:cNvSpPr/>
+      </dsp:nvSpPr>
+      <dsp:spPr>
+        <a:xfrm rot="5400000">
+          <a:off x="-132864" y="2431770"/>
+          <a:ext cx="885763" cy="620034"/>
+        </a:xfrm>
+        <a:prstGeom prst="chevron">
+          <a:avLst/>
+        </a:prstGeom>
+        <a:gradFill rotWithShape="0">
+          <a:gsLst>
+            <a:gs pos="0">
+              <a:schemeClr val="accent1">
+                <a:hueOff val="0"/>
+                <a:satOff val="0"/>
+                <a:lumOff val="0"/>
+                <a:alphaOff val="0"/>
+                <a:tint val="96000"/>
+                <a:lumMod val="102000"/>
+              </a:schemeClr>
+            </a:gs>
+            <a:gs pos="100000">
+              <a:schemeClr val="accent1">
+                <a:hueOff val="0"/>
+                <a:satOff val="0"/>
+                <a:lumOff val="0"/>
+                <a:alphaOff val="0"/>
+                <a:shade val="88000"/>
+                <a:lumMod val="94000"/>
+              </a:schemeClr>
+            </a:gs>
+          </a:gsLst>
+          <a:path path="circle">
+            <a:fillToRect l="50000" t="100000" r="100000" b="50000"/>
+          </a:path>
+        </a:gradFill>
+        <a:ln w="9525" cap="rnd" cmpd="sng" algn="ctr">
+          <a:solidFill>
+            <a:schemeClr val="accent1">
+              <a:hueOff val="0"/>
+              <a:satOff val="0"/>
+              <a:lumOff val="0"/>
+              <a:alphaOff val="0"/>
+            </a:schemeClr>
+          </a:solidFill>
+          <a:prstDash val="solid"/>
+        </a:ln>
+        <a:effectLst>
+          <a:outerShdw blurRad="38100" dist="25400" dir="5400000" rotWithShape="0">
+            <a:srgbClr val="000000">
+              <a:alpha val="64000"/>
+            </a:srgbClr>
+          </a:outerShdw>
+        </a:effectLst>
+        <a:scene3d>
+          <a:camera prst="orthographicFront">
+            <a:rot lat="0" lon="0" rev="0"/>
+          </a:camera>
+          <a:lightRig rig="threePt" dir="tl">
+            <a:rot lat="0" lon="0" rev="1200000"/>
+          </a:lightRig>
+        </a:scene3d>
+        <a:sp3d>
+          <a:bevelT w="25400" h="12700"/>
+        </a:sp3d>
+      </dsp:spPr>
+      <dsp:style>
+        <a:lnRef idx="1">
+          <a:scrgbClr r="0" g="0" b="0"/>
+        </a:lnRef>
+        <a:fillRef idx="3">
+          <a:scrgbClr r="0" g="0" b="0"/>
+        </a:fillRef>
+        <a:effectRef idx="3">
+          <a:scrgbClr r="0" g="0" b="0"/>
+        </a:effectRef>
+        <a:fontRef idx="minor">
+          <a:schemeClr val="lt1"/>
+        </a:fontRef>
+      </dsp:style>
+      <dsp:txBody>
+        <a:bodyPr spcFirstLastPara="0" vert="horz" wrap="square" lIns="11430" tIns="11430" rIns="11430" bIns="11430" numCol="1" spcCol="1270" anchor="ctr" anchorCtr="0">
+          <a:noAutofit/>
+        </a:bodyPr>
+        <a:lstStyle/>
+        <a:p>
+          <a:pPr lvl="0" algn="ctr" defTabSz="800100">
+            <a:lnSpc>
+              <a:spcPct val="90000"/>
+            </a:lnSpc>
+            <a:spcBef>
+              <a:spcPct val="0"/>
+            </a:spcBef>
+            <a:spcAft>
+              <a:spcPct val="35000"/>
+            </a:spcAft>
+          </a:pPr>
+          <a:endParaRPr lang="en-US" sz="1800" kern="1200" dirty="0">
+            <a:latin typeface="Cambria" panose="02040503050406030204" pitchFamily="18" charset="0"/>
+          </a:endParaRPr>
+        </a:p>
+      </dsp:txBody>
+      <dsp:txXfrm rot="-5400000">
+        <a:off x="1" y="2608922"/>
+        <a:ext cx="620034" cy="265729"/>
+      </dsp:txXfrm>
+    </dsp:sp>
+    <dsp:sp modelId="{7F1043C2-2511-4BEB-8986-CF6B1C6DD81D}">
+      <dsp:nvSpPr>
+        <dsp:cNvPr id="0" name=""/>
+        <dsp:cNvSpPr/>
+      </dsp:nvSpPr>
+      <dsp:spPr>
+        <a:xfrm rot="5400000">
+          <a:off x="3874212" y="-955271"/>
+          <a:ext cx="575746" cy="7084102"/>
+        </a:xfrm>
+        <a:prstGeom prst="round2SameRect">
+          <a:avLst/>
+        </a:prstGeom>
+        <a:solidFill>
+          <a:schemeClr val="lt1">
+            <a:alpha val="90000"/>
+            <a:hueOff val="0"/>
+            <a:satOff val="0"/>
+            <a:lumOff val="0"/>
+            <a:alphaOff val="0"/>
+          </a:schemeClr>
+        </a:solidFill>
+        <a:ln w="9525" cap="rnd" cmpd="sng" algn="ctr">
+          <a:solidFill>
+            <a:schemeClr val="accent1">
+              <a:hueOff val="0"/>
+              <a:satOff val="0"/>
+              <a:lumOff val="0"/>
+              <a:alphaOff val="0"/>
+            </a:schemeClr>
+          </a:solidFill>
+          <a:prstDash val="solid"/>
+        </a:ln>
+        <a:effectLst>
+          <a:reflection blurRad="12700" stA="26000" endPos="32000" dist="12700" dir="5400000" sy="-100000" rotWithShape="0"/>
+        </a:effectLst>
+      </dsp:spPr>
+      <dsp:style>
+        <a:lnRef idx="1">
+          <a:scrgbClr r="0" g="0" b="0"/>
+        </a:lnRef>
+        <a:fillRef idx="1">
+          <a:scrgbClr r="0" g="0" b="0"/>
+        </a:fillRef>
+        <a:effectRef idx="2">
+          <a:scrgbClr r="0" g="0" b="0"/>
+        </a:effectRef>
+        <a:fontRef idx="minor"/>
+      </dsp:style>
+      <dsp:txBody>
+        <a:bodyPr spcFirstLastPara="0" vert="horz" wrap="square" lIns="248920" tIns="22225" rIns="22225" bIns="22225" numCol="1" spcCol="1270" anchor="ctr" anchorCtr="0">
+          <a:noAutofit/>
+        </a:bodyPr>
+        <a:lstStyle/>
+        <a:p>
+          <a:pPr marL="285750" lvl="1" indent="-285750" algn="l" defTabSz="1555750">
+            <a:lnSpc>
+              <a:spcPct val="90000"/>
+            </a:lnSpc>
+            <a:spcBef>
+              <a:spcPct val="0"/>
+            </a:spcBef>
+            <a:spcAft>
+              <a:spcPct val="15000"/>
+            </a:spcAft>
+            <a:buChar char="••"/>
+          </a:pPr>
+          <a:r>
+            <a:rPr lang="en-US" sz="3500" kern="1200" dirty="0" err="1" smtClean="0">
+              <a:latin typeface="Cambria" panose="02040503050406030204" pitchFamily="18" charset="0"/>
+            </a:rPr>
+            <a:t>Hồ</a:t>
+          </a:r>
+          <a:r>
+            <a:rPr lang="en-US" sz="3500" kern="1200" dirty="0" smtClean="0">
+              <a:latin typeface="Cambria" panose="02040503050406030204" pitchFamily="18" charset="0"/>
+            </a:rPr>
+            <a:t> </a:t>
+          </a:r>
+          <a:r>
+            <a:rPr lang="en-US" sz="3500" kern="1200" dirty="0" err="1" smtClean="0">
+              <a:latin typeface="Cambria" panose="02040503050406030204" pitchFamily="18" charset="0"/>
+            </a:rPr>
+            <a:t>Đắc</a:t>
+          </a:r>
+          <a:r>
+            <a:rPr lang="en-US" sz="3500" kern="1200" dirty="0" smtClean="0">
+              <a:latin typeface="Cambria" panose="02040503050406030204" pitchFamily="18" charset="0"/>
+            </a:rPr>
+            <a:t> </a:t>
+          </a:r>
+          <a:r>
+            <a:rPr lang="en-US" sz="3500" kern="1200" dirty="0" err="1" smtClean="0">
+              <a:latin typeface="Cambria" panose="02040503050406030204" pitchFamily="18" charset="0"/>
+            </a:rPr>
+            <a:t>Nghĩa</a:t>
+          </a:r>
+          <a:r>
+            <a:rPr lang="en-US" sz="3500" kern="1200" dirty="0" smtClean="0">
+              <a:latin typeface="Cambria" panose="02040503050406030204" pitchFamily="18" charset="0"/>
+            </a:rPr>
+            <a:t> (drop out) </a:t>
+          </a:r>
+          <a:endParaRPr lang="en-US" sz="3500" kern="1200" dirty="0">
+            <a:latin typeface="Cambria" panose="02040503050406030204" pitchFamily="18" charset="0"/>
+          </a:endParaRPr>
+        </a:p>
+      </dsp:txBody>
+      <dsp:txXfrm rot="-5400000">
+        <a:off x="620034" y="2327013"/>
+        <a:ext cx="7055996" cy="519534"/>
+      </dsp:txXfrm>
+    </dsp:sp>
+    <dsp:sp modelId="{AA191CF1-9D86-417F-97D4-B41AFB7606F7}">
+      <dsp:nvSpPr>
+        <dsp:cNvPr id="0" name=""/>
+        <dsp:cNvSpPr/>
+      </dsp:nvSpPr>
+      <dsp:spPr>
+        <a:xfrm rot="5400000">
+          <a:off x="-132864" y="3197477"/>
+          <a:ext cx="885763" cy="620034"/>
+        </a:xfrm>
+        <a:prstGeom prst="chevron">
+          <a:avLst/>
+        </a:prstGeom>
+        <a:gradFill rotWithShape="0">
+          <a:gsLst>
+            <a:gs pos="0">
+              <a:schemeClr val="accent1">
+                <a:hueOff val="0"/>
+                <a:satOff val="0"/>
+                <a:lumOff val="0"/>
+                <a:alphaOff val="0"/>
+                <a:tint val="96000"/>
+                <a:lumMod val="102000"/>
+              </a:schemeClr>
+            </a:gs>
+            <a:gs pos="100000">
+              <a:schemeClr val="accent1">
+                <a:hueOff val="0"/>
+                <a:satOff val="0"/>
+                <a:lumOff val="0"/>
+                <a:alphaOff val="0"/>
+                <a:shade val="88000"/>
+                <a:lumMod val="94000"/>
+              </a:schemeClr>
+            </a:gs>
+          </a:gsLst>
+          <a:path path="circle">
+            <a:fillToRect l="50000" t="100000" r="100000" b="50000"/>
+          </a:path>
+        </a:gradFill>
+        <a:ln w="9525" cap="rnd" cmpd="sng" algn="ctr">
+          <a:solidFill>
+            <a:schemeClr val="accent1">
+              <a:hueOff val="0"/>
+              <a:satOff val="0"/>
+              <a:lumOff val="0"/>
+              <a:alphaOff val="0"/>
+            </a:schemeClr>
+          </a:solidFill>
+          <a:prstDash val="solid"/>
+        </a:ln>
+        <a:effectLst>
+          <a:outerShdw blurRad="38100" dist="25400" dir="5400000" rotWithShape="0">
+            <a:srgbClr val="000000">
+              <a:alpha val="64000"/>
+            </a:srgbClr>
+          </a:outerShdw>
+        </a:effectLst>
+        <a:scene3d>
+          <a:camera prst="orthographicFront">
+            <a:rot lat="0" lon="0" rev="0"/>
+          </a:camera>
+          <a:lightRig rig="threePt" dir="tl">
+            <a:rot lat="0" lon="0" rev="1200000"/>
+          </a:lightRig>
+        </a:scene3d>
+        <a:sp3d>
+          <a:bevelT w="25400" h="12700"/>
+        </a:sp3d>
+      </dsp:spPr>
+      <dsp:style>
+        <a:lnRef idx="1">
+          <a:scrgbClr r="0" g="0" b="0"/>
+        </a:lnRef>
+        <a:fillRef idx="3">
+          <a:scrgbClr r="0" g="0" b="0"/>
+        </a:fillRef>
+        <a:effectRef idx="3">
+          <a:scrgbClr r="0" g="0" b="0"/>
+        </a:effectRef>
+        <a:fontRef idx="minor">
+          <a:schemeClr val="lt1"/>
+        </a:fontRef>
+      </dsp:style>
+      <dsp:txBody>
+        <a:bodyPr spcFirstLastPara="0" vert="horz" wrap="square" lIns="11430" tIns="11430" rIns="11430" bIns="11430" numCol="1" spcCol="1270" anchor="ctr" anchorCtr="0">
+          <a:noAutofit/>
+        </a:bodyPr>
+        <a:lstStyle/>
+        <a:p>
+          <a:pPr lvl="0" algn="ctr" defTabSz="800100">
+            <a:lnSpc>
+              <a:spcPct val="90000"/>
+            </a:lnSpc>
+            <a:spcBef>
+              <a:spcPct val="0"/>
+            </a:spcBef>
+            <a:spcAft>
+              <a:spcPct val="35000"/>
+            </a:spcAft>
+          </a:pPr>
+          <a:endParaRPr lang="en-US" sz="1800" kern="1200" dirty="0">
+            <a:latin typeface="Cambria" panose="02040503050406030204" pitchFamily="18" charset="0"/>
+          </a:endParaRPr>
+        </a:p>
+      </dsp:txBody>
+      <dsp:txXfrm rot="-5400000">
+        <a:off x="1" y="3374629"/>
+        <a:ext cx="620034" cy="265729"/>
+      </dsp:txXfrm>
+    </dsp:sp>
+    <dsp:sp modelId="{FFED0CA7-B202-4B22-9FB5-1C1B47044921}">
+      <dsp:nvSpPr>
+        <dsp:cNvPr id="0" name=""/>
+        <dsp:cNvSpPr/>
+      </dsp:nvSpPr>
+      <dsp:spPr>
+        <a:xfrm rot="5400000">
+          <a:off x="3874212" y="-189565"/>
+          <a:ext cx="575746" cy="7084102"/>
+        </a:xfrm>
+        <a:prstGeom prst="round2SameRect">
+          <a:avLst/>
+        </a:prstGeom>
+        <a:solidFill>
+          <a:schemeClr val="lt1">
+            <a:alpha val="90000"/>
+            <a:hueOff val="0"/>
+            <a:satOff val="0"/>
+            <a:lumOff val="0"/>
+            <a:alphaOff val="0"/>
+          </a:schemeClr>
+        </a:solidFill>
+        <a:ln w="9525" cap="rnd" cmpd="sng" algn="ctr">
+          <a:solidFill>
+            <a:schemeClr val="accent1">
+              <a:hueOff val="0"/>
+              <a:satOff val="0"/>
+              <a:lumOff val="0"/>
+              <a:alphaOff val="0"/>
+            </a:schemeClr>
+          </a:solidFill>
+          <a:prstDash val="solid"/>
+        </a:ln>
+        <a:effectLst>
+          <a:reflection blurRad="12700" stA="26000" endPos="32000" dist="12700" dir="5400000" sy="-100000" rotWithShape="0"/>
+        </a:effectLst>
+      </dsp:spPr>
+      <dsp:style>
+        <a:lnRef idx="1">
+          <a:scrgbClr r="0" g="0" b="0"/>
+        </a:lnRef>
+        <a:fillRef idx="1">
+          <a:scrgbClr r="0" g="0" b="0"/>
+        </a:fillRef>
+        <a:effectRef idx="2">
+          <a:scrgbClr r="0" g="0" b="0"/>
+        </a:effectRef>
+        <a:fontRef idx="minor"/>
+      </dsp:style>
+      <dsp:txBody>
+        <a:bodyPr spcFirstLastPara="0" vert="horz" wrap="square" lIns="248920" tIns="22225" rIns="22225" bIns="22225" numCol="1" spcCol="1270" anchor="ctr" anchorCtr="0">
+          <a:noAutofit/>
+        </a:bodyPr>
+        <a:lstStyle/>
+        <a:p>
+          <a:pPr marL="285750" lvl="1" indent="-285750" algn="l" defTabSz="1555750">
+            <a:lnSpc>
+              <a:spcPct val="90000"/>
+            </a:lnSpc>
+            <a:spcBef>
+              <a:spcPct val="0"/>
+            </a:spcBef>
+            <a:spcAft>
+              <a:spcPct val="15000"/>
+            </a:spcAft>
+            <a:buChar char="••"/>
+          </a:pPr>
+          <a:r>
+            <a:rPr lang="en-US" sz="3500" kern="1200" dirty="0" err="1" smtClean="0">
+              <a:latin typeface="Cambria" panose="02040503050406030204" pitchFamily="18" charset="0"/>
+            </a:rPr>
+            <a:t>Trần</a:t>
+          </a:r>
+          <a:r>
+            <a:rPr lang="en-US" sz="3500" kern="1200" dirty="0" smtClean="0">
+              <a:latin typeface="Cambria" panose="02040503050406030204" pitchFamily="18" charset="0"/>
+            </a:rPr>
+            <a:t> </a:t>
+          </a:r>
+          <a:r>
+            <a:rPr lang="en-US" sz="3500" kern="1200" dirty="0" err="1" smtClean="0">
+              <a:latin typeface="Cambria" panose="02040503050406030204" pitchFamily="18" charset="0"/>
+            </a:rPr>
+            <a:t>Lê</a:t>
+          </a:r>
+          <a:r>
+            <a:rPr lang="en-US" sz="3500" kern="1200" dirty="0" smtClean="0">
+              <a:latin typeface="Cambria" panose="02040503050406030204" pitchFamily="18" charset="0"/>
+            </a:rPr>
+            <a:t> </a:t>
+          </a:r>
+          <a:r>
+            <a:rPr lang="en-US" sz="3500" kern="1200" dirty="0" err="1" smtClean="0">
+              <a:latin typeface="Cambria" panose="02040503050406030204" pitchFamily="18" charset="0"/>
+            </a:rPr>
+            <a:t>Tuấn</a:t>
+          </a:r>
+          <a:r>
+            <a:rPr lang="en-US" sz="3500" kern="1200" dirty="0" smtClean="0">
+              <a:latin typeface="Cambria" panose="02040503050406030204" pitchFamily="18" charset="0"/>
+            </a:rPr>
+            <a:t> (drop out) </a:t>
+          </a:r>
+          <a:endParaRPr lang="en-US" sz="3500" kern="1200" dirty="0">
+            <a:latin typeface="Cambria" panose="02040503050406030204" pitchFamily="18" charset="0"/>
+          </a:endParaRPr>
+        </a:p>
+      </dsp:txBody>
+      <dsp:txXfrm rot="-5400000">
+        <a:off x="620034" y="3092719"/>
+        <a:ext cx="7055996" cy="519534"/>
+      </dsp:txXfrm>
+    </dsp:sp>
   </dsp:spTree>
 </dsp:drawing>
 </file>
@@ -13386,6 +14518,334 @@
       <dsp:cNvGrpSpPr/>
     </dsp:nvGrpSpPr>
     <dsp:grpSpPr/>
+    <dsp:sp modelId="{73C19F2A-043A-4CF1-8BBC-CDB07368863A}">
+      <dsp:nvSpPr>
+        <dsp:cNvPr id="0" name=""/>
+        <dsp:cNvSpPr/>
+      </dsp:nvSpPr>
+      <dsp:spPr>
+        <a:xfrm>
+          <a:off x="787560" y="1083323"/>
+          <a:ext cx="6435463" cy="3325808"/>
+        </a:xfrm>
+        <a:prstGeom prst="rect">
+          <a:avLst/>
+        </a:prstGeom>
+        <a:solidFill>
+          <a:schemeClr val="accent1">
+            <a:tint val="50000"/>
+            <a:hueOff val="0"/>
+            <a:satOff val="0"/>
+            <a:lumOff val="0"/>
+            <a:alphaOff val="0"/>
+          </a:schemeClr>
+        </a:solidFill>
+        <a:ln w="22225" cap="rnd" cmpd="sng" algn="ctr">
+          <a:solidFill>
+            <a:schemeClr val="lt1">
+              <a:hueOff val="0"/>
+              <a:satOff val="0"/>
+              <a:lumOff val="0"/>
+              <a:alphaOff val="0"/>
+            </a:schemeClr>
+          </a:solidFill>
+          <a:prstDash val="solid"/>
+        </a:ln>
+        <a:effectLst/>
+      </dsp:spPr>
+      <dsp:style>
+        <a:lnRef idx="3">
+          <a:scrgbClr r="0" g="0" b="0"/>
+        </a:lnRef>
+        <a:fillRef idx="1">
+          <a:scrgbClr r="0" g="0" b="0"/>
+        </a:fillRef>
+        <a:effectRef idx="1">
+          <a:scrgbClr r="0" g="0" b="0"/>
+        </a:effectRef>
+        <a:fontRef idx="minor"/>
+      </dsp:style>
+    </dsp:sp>
+    <dsp:sp modelId="{ACA5A3C2-4501-44E9-A7E4-51A1DCCF33ED}">
+      <dsp:nvSpPr>
+        <dsp:cNvPr id="0" name=""/>
+        <dsp:cNvSpPr/>
+      </dsp:nvSpPr>
+      <dsp:spPr>
+        <a:xfrm>
+          <a:off x="858061" y="1458378"/>
+          <a:ext cx="2988422" cy="2845188"/>
+        </a:xfrm>
+        <a:prstGeom prst="rect">
+          <a:avLst/>
+        </a:prstGeom>
+        <a:noFill/>
+        <a:ln>
+          <a:noFill/>
+        </a:ln>
+        <a:effectLst/>
+      </dsp:spPr>
+      <dsp:style>
+        <a:lnRef idx="0">
+          <a:scrgbClr r="0" g="0" b="0"/>
+        </a:lnRef>
+        <a:fillRef idx="0">
+          <a:scrgbClr r="0" g="0" b="0"/>
+        </a:fillRef>
+        <a:effectRef idx="0">
+          <a:scrgbClr r="0" g="0" b="0"/>
+        </a:effectRef>
+        <a:fontRef idx="minor"/>
+      </dsp:style>
+      <dsp:txBody>
+        <a:bodyPr spcFirstLastPara="0" vert="horz" wrap="square" lIns="45720" tIns="45720" rIns="45720" bIns="45720" numCol="1" spcCol="1270" anchor="t" anchorCtr="0">
+          <a:noAutofit/>
+        </a:bodyPr>
+        <a:lstStyle/>
+        <a:p>
+          <a:pPr lvl="0" algn="l" defTabSz="1066800">
+            <a:lnSpc>
+              <a:spcPct val="90000"/>
+            </a:lnSpc>
+            <a:spcBef>
+              <a:spcPct val="0"/>
+            </a:spcBef>
+            <a:spcAft>
+              <a:spcPct val="35000"/>
+            </a:spcAft>
+          </a:pPr>
+          <a:r>
+            <a:rPr lang="en-US" sz="2400" kern="1200" dirty="0" smtClean="0">
+              <a:latin typeface="Cambria" panose="02040503050406030204" pitchFamily="18" charset="0"/>
+            </a:rPr>
+            <a:t> </a:t>
+          </a:r>
+        </a:p>
+      </dsp:txBody>
+      <dsp:txXfrm>
+        <a:off x="858061" y="1458378"/>
+        <a:ext cx="2988422" cy="2845188"/>
+      </dsp:txXfrm>
+    </dsp:sp>
+    <dsp:sp modelId="{A177844E-CD64-4D1C-B08C-3EBC138B7A2B}">
+      <dsp:nvSpPr>
+        <dsp:cNvPr id="0" name=""/>
+        <dsp:cNvSpPr/>
+      </dsp:nvSpPr>
+      <dsp:spPr>
+        <a:xfrm>
+          <a:off x="3913057" y="1458378"/>
+          <a:ext cx="2988422" cy="2845188"/>
+        </a:xfrm>
+        <a:prstGeom prst="rect">
+          <a:avLst/>
+        </a:prstGeom>
+        <a:noFill/>
+        <a:ln>
+          <a:noFill/>
+        </a:ln>
+        <a:effectLst/>
+      </dsp:spPr>
+      <dsp:style>
+        <a:lnRef idx="0">
+          <a:scrgbClr r="0" g="0" b="0"/>
+        </a:lnRef>
+        <a:fillRef idx="0">
+          <a:scrgbClr r="0" g="0" b="0"/>
+        </a:fillRef>
+        <a:effectRef idx="0">
+          <a:scrgbClr r="0" g="0" b="0"/>
+        </a:effectRef>
+        <a:fontRef idx="minor"/>
+      </dsp:style>
+      <dsp:txBody>
+        <a:bodyPr spcFirstLastPara="0" vert="horz" wrap="square" lIns="45720" tIns="45720" rIns="45720" bIns="45720" numCol="1" spcCol="1270" anchor="t" anchorCtr="0">
+          <a:noAutofit/>
+        </a:bodyPr>
+        <a:lstStyle/>
+        <a:p>
+          <a:pPr lvl="0" algn="l" defTabSz="1066800">
+            <a:lnSpc>
+              <a:spcPct val="90000"/>
+            </a:lnSpc>
+            <a:spcBef>
+              <a:spcPct val="0"/>
+            </a:spcBef>
+            <a:spcAft>
+              <a:spcPct val="35000"/>
+            </a:spcAft>
+          </a:pPr>
+          <a:endParaRPr lang="en-US" sz="2400" kern="1200" dirty="0">
+            <a:latin typeface="Cambria" panose="02040503050406030204" pitchFamily="18" charset="0"/>
+          </a:endParaRPr>
+        </a:p>
+      </dsp:txBody>
+      <dsp:txXfrm>
+        <a:off x="3913057" y="1458378"/>
+        <a:ext cx="2988422" cy="2845188"/>
+      </dsp:txXfrm>
+    </dsp:sp>
+    <dsp:sp modelId="{319A43D9-B41D-4B06-B656-4D1C40E4BAA6}">
+      <dsp:nvSpPr>
+        <dsp:cNvPr id="0" name=""/>
+        <dsp:cNvSpPr/>
+      </dsp:nvSpPr>
+      <dsp:spPr>
+        <a:xfrm>
+          <a:off x="0" y="403854"/>
+          <a:ext cx="1257504" cy="1257504"/>
+        </a:xfrm>
+        <a:prstGeom prst="plus">
+          <a:avLst>
+            <a:gd name="adj" fmla="val 32810"/>
+          </a:avLst>
+        </a:prstGeom>
+        <a:gradFill rotWithShape="1">
+          <a:gsLst>
+            <a:gs pos="0">
+              <a:schemeClr val="accent2">
+                <a:tint val="96000"/>
+                <a:lumMod val="102000"/>
+              </a:schemeClr>
+            </a:gs>
+            <a:gs pos="100000">
+              <a:schemeClr val="accent2">
+                <a:shade val="88000"/>
+                <a:lumMod val="94000"/>
+              </a:schemeClr>
+            </a:gs>
+          </a:gsLst>
+          <a:path path="circle">
+            <a:fillToRect l="50000" t="100000" r="100000" b="50000"/>
+          </a:path>
+        </a:gradFill>
+        <a:ln w="9525" cap="rnd" cmpd="sng" algn="ctr">
+          <a:solidFill>
+            <a:schemeClr val="accent2">
+              <a:tint val="60000"/>
+            </a:schemeClr>
+          </a:solidFill>
+          <a:prstDash val="solid"/>
+        </a:ln>
+        <a:effectLst>
+          <a:reflection blurRad="12700" stA="26000" endPos="32000" dist="12700" dir="5400000" sy="-100000" rotWithShape="0"/>
+        </a:effectLst>
+      </dsp:spPr>
+      <dsp:style>
+        <a:lnRef idx="1">
+          <a:schemeClr val="accent2"/>
+        </a:lnRef>
+        <a:fillRef idx="3">
+          <a:schemeClr val="accent2"/>
+        </a:fillRef>
+        <a:effectRef idx="2">
+          <a:schemeClr val="accent2"/>
+        </a:effectRef>
+        <a:fontRef idx="minor">
+          <a:schemeClr val="lt1"/>
+        </a:fontRef>
+      </dsp:style>
+    </dsp:sp>
+    <dsp:sp modelId="{4F579154-C094-46EF-AECB-D0FCFEED5A52}">
+      <dsp:nvSpPr>
+        <dsp:cNvPr id="0" name=""/>
+        <dsp:cNvSpPr/>
+      </dsp:nvSpPr>
+      <dsp:spPr>
+        <a:xfrm>
+          <a:off x="6213551" y="856082"/>
+          <a:ext cx="1183533" cy="405586"/>
+        </a:xfrm>
+        <a:prstGeom prst="rect">
+          <a:avLst/>
+        </a:prstGeom>
+        <a:gradFill rotWithShape="1">
+          <a:gsLst>
+            <a:gs pos="0">
+              <a:schemeClr val="accent4">
+                <a:tint val="96000"/>
+                <a:lumMod val="102000"/>
+              </a:schemeClr>
+            </a:gs>
+            <a:gs pos="100000">
+              <a:schemeClr val="accent4">
+                <a:shade val="88000"/>
+                <a:lumMod val="94000"/>
+              </a:schemeClr>
+            </a:gs>
+          </a:gsLst>
+          <a:path path="circle">
+            <a:fillToRect l="50000" t="100000" r="100000" b="50000"/>
+          </a:path>
+        </a:gradFill>
+        <a:ln w="9525" cap="rnd" cmpd="sng" algn="ctr">
+          <a:solidFill>
+            <a:schemeClr val="accent4">
+              <a:tint val="60000"/>
+            </a:schemeClr>
+          </a:solidFill>
+          <a:prstDash val="solid"/>
+        </a:ln>
+        <a:effectLst>
+          <a:reflection blurRad="12700" stA="26000" endPos="32000" dist="12700" dir="5400000" sy="-100000" rotWithShape="0"/>
+        </a:effectLst>
+      </dsp:spPr>
+      <dsp:style>
+        <a:lnRef idx="1">
+          <a:schemeClr val="accent4"/>
+        </a:lnRef>
+        <a:fillRef idx="3">
+          <a:schemeClr val="accent4"/>
+        </a:fillRef>
+        <a:effectRef idx="2">
+          <a:schemeClr val="accent4"/>
+        </a:effectRef>
+        <a:fontRef idx="minor">
+          <a:schemeClr val="lt1"/>
+        </a:fontRef>
+      </dsp:style>
+    </dsp:sp>
+    <dsp:sp modelId="{6ED2E672-AC4E-4E8D-86EB-593C630AEAA2}">
+      <dsp:nvSpPr>
+        <dsp:cNvPr id="0" name=""/>
+        <dsp:cNvSpPr/>
+      </dsp:nvSpPr>
+      <dsp:spPr>
+        <a:xfrm>
+          <a:off x="3883469" y="1464462"/>
+          <a:ext cx="739" cy="2717428"/>
+        </a:xfrm>
+        <a:prstGeom prst="line">
+          <a:avLst/>
+        </a:prstGeom>
+        <a:noFill/>
+        <a:ln w="15875" cap="rnd" cmpd="sng" algn="ctr">
+          <a:solidFill>
+            <a:schemeClr val="accent1">
+              <a:shade val="60000"/>
+              <a:hueOff val="0"/>
+              <a:satOff val="0"/>
+              <a:lumOff val="0"/>
+              <a:alphaOff val="0"/>
+            </a:schemeClr>
+          </a:solidFill>
+          <a:prstDash val="solid"/>
+        </a:ln>
+        <a:effectLst/>
+      </dsp:spPr>
+      <dsp:style>
+        <a:lnRef idx="2">
+          <a:scrgbClr r="0" g="0" b="0"/>
+        </a:lnRef>
+        <a:fillRef idx="0">
+          <a:scrgbClr r="0" g="0" b="0"/>
+        </a:fillRef>
+        <a:effectRef idx="0">
+          <a:scrgbClr r="0" g="0" b="0"/>
+        </a:effectRef>
+        <a:fontRef idx="minor"/>
+      </dsp:style>
+    </dsp:sp>
   </dsp:spTree>
 </dsp:drawing>
 </file>
@@ -13398,6 +14858,1254 @@
       <dsp:cNvGrpSpPr/>
     </dsp:nvGrpSpPr>
     <dsp:grpSpPr/>
+    <dsp:sp modelId="{6F72C830-02B0-4DC8-BBB0-3BD681190D07}">
+      <dsp:nvSpPr>
+        <dsp:cNvPr id="0" name=""/>
+        <dsp:cNvSpPr/>
+      </dsp:nvSpPr>
+      <dsp:spPr>
+        <a:xfrm>
+          <a:off x="2433" y="351325"/>
+          <a:ext cx="1184464" cy="816096"/>
+        </a:xfrm>
+        <a:prstGeom prst="roundRect">
+          <a:avLst/>
+        </a:prstGeom>
+        <a:blipFill rotWithShape="1">
+          <a:blip xmlns:r="http://schemas.openxmlformats.org/officeDocument/2006/relationships" r:embed="rId1"/>
+          <a:stretch>
+            <a:fillRect/>
+          </a:stretch>
+        </a:blipFill>
+        <a:ln w="15875" cap="rnd" cmpd="sng" algn="ctr">
+          <a:solidFill>
+            <a:schemeClr val="lt1">
+              <a:hueOff val="0"/>
+              <a:satOff val="0"/>
+              <a:lumOff val="0"/>
+              <a:alphaOff val="0"/>
+            </a:schemeClr>
+          </a:solidFill>
+          <a:prstDash val="solid"/>
+        </a:ln>
+        <a:effectLst/>
+      </dsp:spPr>
+      <dsp:style>
+        <a:lnRef idx="2">
+          <a:scrgbClr r="0" g="0" b="0"/>
+        </a:lnRef>
+        <a:fillRef idx="1">
+          <a:scrgbClr r="0" g="0" b="0"/>
+        </a:fillRef>
+        <a:effectRef idx="0">
+          <a:scrgbClr r="0" g="0" b="0"/>
+        </a:effectRef>
+        <a:fontRef idx="minor">
+          <a:schemeClr val="lt1"/>
+        </a:fontRef>
+      </dsp:style>
+    </dsp:sp>
+    <dsp:sp modelId="{A73C110E-41C1-4221-A208-8BB993935EDB}">
+      <dsp:nvSpPr>
+        <dsp:cNvPr id="0" name=""/>
+        <dsp:cNvSpPr/>
+      </dsp:nvSpPr>
+      <dsp:spPr>
+        <a:xfrm>
+          <a:off x="2433" y="1167421"/>
+          <a:ext cx="1184464" cy="439436"/>
+        </a:xfrm>
+        <a:prstGeom prst="rect">
+          <a:avLst/>
+        </a:prstGeom>
+        <a:noFill/>
+        <a:ln>
+          <a:noFill/>
+        </a:ln>
+        <a:effectLst/>
+      </dsp:spPr>
+      <dsp:style>
+        <a:lnRef idx="0">
+          <a:scrgbClr r="0" g="0" b="0"/>
+        </a:lnRef>
+        <a:fillRef idx="0">
+          <a:scrgbClr r="0" g="0" b="0"/>
+        </a:fillRef>
+        <a:effectRef idx="0">
+          <a:scrgbClr r="0" g="0" b="0"/>
+        </a:effectRef>
+        <a:fontRef idx="minor"/>
+      </dsp:style>
+      <dsp:txBody>
+        <a:bodyPr spcFirstLastPara="0" vert="horz" wrap="square" lIns="142240" tIns="142240" rIns="142240" bIns="0" numCol="1" spcCol="1270" anchor="t" anchorCtr="0">
+          <a:noAutofit/>
+        </a:bodyPr>
+        <a:lstStyle/>
+        <a:p>
+          <a:pPr lvl="0" algn="ctr" defTabSz="889000">
+            <a:lnSpc>
+              <a:spcPct val="90000"/>
+            </a:lnSpc>
+            <a:spcBef>
+              <a:spcPct val="0"/>
+            </a:spcBef>
+            <a:spcAft>
+              <a:spcPct val="35000"/>
+            </a:spcAft>
+          </a:pPr>
+          <a:r>
+            <a:rPr lang="en-US" sz="2000" kern="1200" dirty="0" smtClean="0"/>
+            <a:t> </a:t>
+          </a:r>
+          <a:endParaRPr lang="en-US" sz="2000" kern="1200" dirty="0"/>
+        </a:p>
+      </dsp:txBody>
+      <dsp:txXfrm>
+        <a:off x="2433" y="1167421"/>
+        <a:ext cx="1184464" cy="439436"/>
+      </dsp:txXfrm>
+    </dsp:sp>
+    <dsp:sp modelId="{FC3DCFD4-BE83-44FA-8025-10E8123E946D}">
+      <dsp:nvSpPr>
+        <dsp:cNvPr id="0" name=""/>
+        <dsp:cNvSpPr/>
+      </dsp:nvSpPr>
+      <dsp:spPr>
+        <a:xfrm>
+          <a:off x="1305394" y="351325"/>
+          <a:ext cx="1184464" cy="816096"/>
+        </a:xfrm>
+        <a:prstGeom prst="roundRect">
+          <a:avLst/>
+        </a:prstGeom>
+        <a:blipFill rotWithShape="1">
+          <a:blip xmlns:r="http://schemas.openxmlformats.org/officeDocument/2006/relationships" r:embed="rId2"/>
+          <a:stretch>
+            <a:fillRect/>
+          </a:stretch>
+        </a:blipFill>
+        <a:ln w="15875" cap="rnd" cmpd="sng" algn="ctr">
+          <a:solidFill>
+            <a:schemeClr val="lt1">
+              <a:hueOff val="0"/>
+              <a:satOff val="0"/>
+              <a:lumOff val="0"/>
+              <a:alphaOff val="0"/>
+            </a:schemeClr>
+          </a:solidFill>
+          <a:prstDash val="solid"/>
+        </a:ln>
+        <a:effectLst/>
+      </dsp:spPr>
+      <dsp:style>
+        <a:lnRef idx="2">
+          <a:scrgbClr r="0" g="0" b="0"/>
+        </a:lnRef>
+        <a:fillRef idx="1">
+          <a:scrgbClr r="0" g="0" b="0"/>
+        </a:fillRef>
+        <a:effectRef idx="0">
+          <a:scrgbClr r="0" g="0" b="0"/>
+        </a:effectRef>
+        <a:fontRef idx="minor">
+          <a:schemeClr val="lt1"/>
+        </a:fontRef>
+      </dsp:style>
+    </dsp:sp>
+    <dsp:sp modelId="{5882619E-4F9D-43A6-8541-0D37654DA9DA}">
+      <dsp:nvSpPr>
+        <dsp:cNvPr id="0" name=""/>
+        <dsp:cNvSpPr/>
+      </dsp:nvSpPr>
+      <dsp:spPr>
+        <a:xfrm>
+          <a:off x="1305394" y="1167421"/>
+          <a:ext cx="1184464" cy="439436"/>
+        </a:xfrm>
+        <a:prstGeom prst="rect">
+          <a:avLst/>
+        </a:prstGeom>
+        <a:noFill/>
+        <a:ln>
+          <a:noFill/>
+        </a:ln>
+        <a:effectLst/>
+      </dsp:spPr>
+      <dsp:style>
+        <a:lnRef idx="0">
+          <a:scrgbClr r="0" g="0" b="0"/>
+        </a:lnRef>
+        <a:fillRef idx="0">
+          <a:scrgbClr r="0" g="0" b="0"/>
+        </a:fillRef>
+        <a:effectRef idx="0">
+          <a:scrgbClr r="0" g="0" b="0"/>
+        </a:effectRef>
+        <a:fontRef idx="minor"/>
+      </dsp:style>
+      <dsp:txBody>
+        <a:bodyPr spcFirstLastPara="0" vert="horz" wrap="square" lIns="142240" tIns="142240" rIns="142240" bIns="0" numCol="1" spcCol="1270" anchor="t" anchorCtr="0">
+          <a:noAutofit/>
+        </a:bodyPr>
+        <a:lstStyle/>
+        <a:p>
+          <a:pPr lvl="0" algn="ctr" defTabSz="889000">
+            <a:lnSpc>
+              <a:spcPct val="90000"/>
+            </a:lnSpc>
+            <a:spcBef>
+              <a:spcPct val="0"/>
+            </a:spcBef>
+            <a:spcAft>
+              <a:spcPct val="35000"/>
+            </a:spcAft>
+          </a:pPr>
+          <a:r>
+            <a:rPr lang="en-US" sz="2000" kern="1200" dirty="0" smtClean="0"/>
+            <a:t> </a:t>
+          </a:r>
+          <a:endParaRPr lang="en-US" sz="2000" kern="1200" dirty="0"/>
+        </a:p>
+      </dsp:txBody>
+      <dsp:txXfrm>
+        <a:off x="1305394" y="1167421"/>
+        <a:ext cx="1184464" cy="439436"/>
+      </dsp:txXfrm>
+    </dsp:sp>
+    <dsp:sp modelId="{65D8AAA8-D174-4852-A0E5-5F458607BBDB}">
+      <dsp:nvSpPr>
+        <dsp:cNvPr id="0" name=""/>
+        <dsp:cNvSpPr/>
+      </dsp:nvSpPr>
+      <dsp:spPr>
+        <a:xfrm>
+          <a:off x="2608355" y="351325"/>
+          <a:ext cx="1184464" cy="816096"/>
+        </a:xfrm>
+        <a:prstGeom prst="roundRect">
+          <a:avLst/>
+        </a:prstGeom>
+        <a:blipFill rotWithShape="1">
+          <a:blip xmlns:r="http://schemas.openxmlformats.org/officeDocument/2006/relationships" r:embed="rId3"/>
+          <a:stretch>
+            <a:fillRect/>
+          </a:stretch>
+        </a:blipFill>
+        <a:ln w="15875" cap="rnd" cmpd="sng" algn="ctr">
+          <a:solidFill>
+            <a:schemeClr val="lt1">
+              <a:hueOff val="0"/>
+              <a:satOff val="0"/>
+              <a:lumOff val="0"/>
+              <a:alphaOff val="0"/>
+            </a:schemeClr>
+          </a:solidFill>
+          <a:prstDash val="solid"/>
+        </a:ln>
+        <a:effectLst/>
+      </dsp:spPr>
+      <dsp:style>
+        <a:lnRef idx="2">
+          <a:scrgbClr r="0" g="0" b="0"/>
+        </a:lnRef>
+        <a:fillRef idx="1">
+          <a:scrgbClr r="0" g="0" b="0"/>
+        </a:fillRef>
+        <a:effectRef idx="0">
+          <a:scrgbClr r="0" g="0" b="0"/>
+        </a:effectRef>
+        <a:fontRef idx="minor">
+          <a:schemeClr val="lt1"/>
+        </a:fontRef>
+      </dsp:style>
+    </dsp:sp>
+    <dsp:sp modelId="{CA69DDF5-9887-48B6-9196-13283E6C4432}">
+      <dsp:nvSpPr>
+        <dsp:cNvPr id="0" name=""/>
+        <dsp:cNvSpPr/>
+      </dsp:nvSpPr>
+      <dsp:spPr>
+        <a:xfrm>
+          <a:off x="2608355" y="1167421"/>
+          <a:ext cx="1184464" cy="439436"/>
+        </a:xfrm>
+        <a:prstGeom prst="rect">
+          <a:avLst/>
+        </a:prstGeom>
+        <a:noFill/>
+        <a:ln>
+          <a:noFill/>
+        </a:ln>
+        <a:effectLst/>
+      </dsp:spPr>
+      <dsp:style>
+        <a:lnRef idx="0">
+          <a:scrgbClr r="0" g="0" b="0"/>
+        </a:lnRef>
+        <a:fillRef idx="0">
+          <a:scrgbClr r="0" g="0" b="0"/>
+        </a:fillRef>
+        <a:effectRef idx="0">
+          <a:scrgbClr r="0" g="0" b="0"/>
+        </a:effectRef>
+        <a:fontRef idx="minor"/>
+      </dsp:style>
+      <dsp:txBody>
+        <a:bodyPr spcFirstLastPara="0" vert="horz" wrap="square" lIns="142240" tIns="142240" rIns="142240" bIns="0" numCol="1" spcCol="1270" anchor="t" anchorCtr="0">
+          <a:noAutofit/>
+        </a:bodyPr>
+        <a:lstStyle/>
+        <a:p>
+          <a:pPr lvl="0" algn="ctr" defTabSz="889000">
+            <a:lnSpc>
+              <a:spcPct val="90000"/>
+            </a:lnSpc>
+            <a:spcBef>
+              <a:spcPct val="0"/>
+            </a:spcBef>
+            <a:spcAft>
+              <a:spcPct val="35000"/>
+            </a:spcAft>
+          </a:pPr>
+          <a:r>
+            <a:rPr lang="en-US" sz="2000" kern="1200" dirty="0" smtClean="0"/>
+            <a:t>  </a:t>
+          </a:r>
+          <a:endParaRPr lang="en-US" sz="2000" kern="1200" dirty="0"/>
+        </a:p>
+      </dsp:txBody>
+      <dsp:txXfrm>
+        <a:off x="2608355" y="1167421"/>
+        <a:ext cx="1184464" cy="439436"/>
+      </dsp:txXfrm>
+    </dsp:sp>
+    <dsp:sp modelId="{9B57D5D9-BA99-432E-B0CE-D576749DEF6F}">
+      <dsp:nvSpPr>
+        <dsp:cNvPr id="0" name=""/>
+        <dsp:cNvSpPr/>
+      </dsp:nvSpPr>
+      <dsp:spPr>
+        <a:xfrm>
+          <a:off x="3911316" y="351325"/>
+          <a:ext cx="1184464" cy="816096"/>
+        </a:xfrm>
+        <a:prstGeom prst="roundRect">
+          <a:avLst/>
+        </a:prstGeom>
+        <a:blipFill rotWithShape="1">
+          <a:blip xmlns:r="http://schemas.openxmlformats.org/officeDocument/2006/relationships" r:embed="rId4"/>
+          <a:stretch>
+            <a:fillRect/>
+          </a:stretch>
+        </a:blipFill>
+        <a:ln w="15875" cap="rnd" cmpd="sng" algn="ctr">
+          <a:solidFill>
+            <a:schemeClr val="lt1">
+              <a:hueOff val="0"/>
+              <a:satOff val="0"/>
+              <a:lumOff val="0"/>
+              <a:alphaOff val="0"/>
+            </a:schemeClr>
+          </a:solidFill>
+          <a:prstDash val="solid"/>
+        </a:ln>
+        <a:effectLst/>
+      </dsp:spPr>
+      <dsp:style>
+        <a:lnRef idx="2">
+          <a:scrgbClr r="0" g="0" b="0"/>
+        </a:lnRef>
+        <a:fillRef idx="1">
+          <a:scrgbClr r="0" g="0" b="0"/>
+        </a:fillRef>
+        <a:effectRef idx="0">
+          <a:scrgbClr r="0" g="0" b="0"/>
+        </a:effectRef>
+        <a:fontRef idx="minor">
+          <a:schemeClr val="lt1"/>
+        </a:fontRef>
+      </dsp:style>
+    </dsp:sp>
+    <dsp:sp modelId="{5B8DB52C-CF3B-4E59-81F9-0F13FC4DFB1B}">
+      <dsp:nvSpPr>
+        <dsp:cNvPr id="0" name=""/>
+        <dsp:cNvSpPr/>
+      </dsp:nvSpPr>
+      <dsp:spPr>
+        <a:xfrm>
+          <a:off x="3911316" y="1167421"/>
+          <a:ext cx="1184464" cy="439436"/>
+        </a:xfrm>
+        <a:prstGeom prst="rect">
+          <a:avLst/>
+        </a:prstGeom>
+        <a:noFill/>
+        <a:ln>
+          <a:noFill/>
+        </a:ln>
+        <a:effectLst/>
+      </dsp:spPr>
+      <dsp:style>
+        <a:lnRef idx="0">
+          <a:scrgbClr r="0" g="0" b="0"/>
+        </a:lnRef>
+        <a:fillRef idx="0">
+          <a:scrgbClr r="0" g="0" b="0"/>
+        </a:fillRef>
+        <a:effectRef idx="0">
+          <a:scrgbClr r="0" g="0" b="0"/>
+        </a:effectRef>
+        <a:fontRef idx="minor"/>
+      </dsp:style>
+      <dsp:txBody>
+        <a:bodyPr spcFirstLastPara="0" vert="horz" wrap="square" lIns="142240" tIns="142240" rIns="142240" bIns="0" numCol="1" spcCol="1270" anchor="t" anchorCtr="0">
+          <a:noAutofit/>
+        </a:bodyPr>
+        <a:lstStyle/>
+        <a:p>
+          <a:pPr lvl="0" algn="ctr" defTabSz="889000">
+            <a:lnSpc>
+              <a:spcPct val="90000"/>
+            </a:lnSpc>
+            <a:spcBef>
+              <a:spcPct val="0"/>
+            </a:spcBef>
+            <a:spcAft>
+              <a:spcPct val="35000"/>
+            </a:spcAft>
+          </a:pPr>
+          <a:endParaRPr lang="en-US" sz="2000" kern="1200" dirty="0"/>
+        </a:p>
+      </dsp:txBody>
+      <dsp:txXfrm>
+        <a:off x="3911316" y="1167421"/>
+        <a:ext cx="1184464" cy="439436"/>
+      </dsp:txXfrm>
+    </dsp:sp>
+    <dsp:sp modelId="{43D16F40-5E33-4CA4-A309-415A4AFB281A}">
+      <dsp:nvSpPr>
+        <dsp:cNvPr id="0" name=""/>
+        <dsp:cNvSpPr/>
+      </dsp:nvSpPr>
+      <dsp:spPr>
+        <a:xfrm>
+          <a:off x="5214277" y="351325"/>
+          <a:ext cx="1184464" cy="816096"/>
+        </a:xfrm>
+        <a:prstGeom prst="roundRect">
+          <a:avLst/>
+        </a:prstGeom>
+        <a:blipFill rotWithShape="1">
+          <a:blip xmlns:r="http://schemas.openxmlformats.org/officeDocument/2006/relationships" r:embed="rId5"/>
+          <a:stretch>
+            <a:fillRect/>
+          </a:stretch>
+        </a:blipFill>
+        <a:ln w="15875" cap="rnd" cmpd="sng" algn="ctr">
+          <a:solidFill>
+            <a:schemeClr val="lt1">
+              <a:hueOff val="0"/>
+              <a:satOff val="0"/>
+              <a:lumOff val="0"/>
+              <a:alphaOff val="0"/>
+            </a:schemeClr>
+          </a:solidFill>
+          <a:prstDash val="solid"/>
+        </a:ln>
+        <a:effectLst/>
+      </dsp:spPr>
+      <dsp:style>
+        <a:lnRef idx="2">
+          <a:scrgbClr r="0" g="0" b="0"/>
+        </a:lnRef>
+        <a:fillRef idx="1">
+          <a:scrgbClr r="0" g="0" b="0"/>
+        </a:fillRef>
+        <a:effectRef idx="0">
+          <a:scrgbClr r="0" g="0" b="0"/>
+        </a:effectRef>
+        <a:fontRef idx="minor">
+          <a:schemeClr val="lt1"/>
+        </a:fontRef>
+      </dsp:style>
+    </dsp:sp>
+    <dsp:sp modelId="{52340DEF-1578-4CC0-86A7-FE5D030EC1F3}">
+      <dsp:nvSpPr>
+        <dsp:cNvPr id="0" name=""/>
+        <dsp:cNvSpPr/>
+      </dsp:nvSpPr>
+      <dsp:spPr>
+        <a:xfrm>
+          <a:off x="5214277" y="1167421"/>
+          <a:ext cx="1184464" cy="439436"/>
+        </a:xfrm>
+        <a:prstGeom prst="rect">
+          <a:avLst/>
+        </a:prstGeom>
+        <a:noFill/>
+        <a:ln>
+          <a:noFill/>
+        </a:ln>
+        <a:effectLst/>
+      </dsp:spPr>
+      <dsp:style>
+        <a:lnRef idx="0">
+          <a:scrgbClr r="0" g="0" b="0"/>
+        </a:lnRef>
+        <a:fillRef idx="0">
+          <a:scrgbClr r="0" g="0" b="0"/>
+        </a:fillRef>
+        <a:effectRef idx="0">
+          <a:scrgbClr r="0" g="0" b="0"/>
+        </a:effectRef>
+        <a:fontRef idx="minor"/>
+      </dsp:style>
+      <dsp:txBody>
+        <a:bodyPr spcFirstLastPara="0" vert="horz" wrap="square" lIns="142240" tIns="142240" rIns="142240" bIns="0" numCol="1" spcCol="1270" anchor="t" anchorCtr="0">
+          <a:noAutofit/>
+        </a:bodyPr>
+        <a:lstStyle/>
+        <a:p>
+          <a:pPr lvl="0" algn="ctr" defTabSz="889000">
+            <a:lnSpc>
+              <a:spcPct val="90000"/>
+            </a:lnSpc>
+            <a:spcBef>
+              <a:spcPct val="0"/>
+            </a:spcBef>
+            <a:spcAft>
+              <a:spcPct val="35000"/>
+            </a:spcAft>
+          </a:pPr>
+          <a:endParaRPr lang="en-US" sz="2000" kern="1200" dirty="0"/>
+        </a:p>
+      </dsp:txBody>
+      <dsp:txXfrm>
+        <a:off x="5214277" y="1167421"/>
+        <a:ext cx="1184464" cy="439436"/>
+      </dsp:txXfrm>
+    </dsp:sp>
+    <dsp:sp modelId="{BCED213A-7198-452B-B19A-1AA2D3ECA8BC}">
+      <dsp:nvSpPr>
+        <dsp:cNvPr id="0" name=""/>
+        <dsp:cNvSpPr/>
+      </dsp:nvSpPr>
+      <dsp:spPr>
+        <a:xfrm>
+          <a:off x="6517238" y="351325"/>
+          <a:ext cx="1184464" cy="816096"/>
+        </a:xfrm>
+        <a:prstGeom prst="roundRect">
+          <a:avLst/>
+        </a:prstGeom>
+        <a:blipFill rotWithShape="1">
+          <a:blip xmlns:r="http://schemas.openxmlformats.org/officeDocument/2006/relationships" r:embed="rId6"/>
+          <a:stretch>
+            <a:fillRect/>
+          </a:stretch>
+        </a:blipFill>
+        <a:ln w="15875" cap="rnd" cmpd="sng" algn="ctr">
+          <a:solidFill>
+            <a:schemeClr val="lt1">
+              <a:hueOff val="0"/>
+              <a:satOff val="0"/>
+              <a:lumOff val="0"/>
+              <a:alphaOff val="0"/>
+            </a:schemeClr>
+          </a:solidFill>
+          <a:prstDash val="solid"/>
+        </a:ln>
+        <a:effectLst/>
+      </dsp:spPr>
+      <dsp:style>
+        <a:lnRef idx="2">
+          <a:scrgbClr r="0" g="0" b="0"/>
+        </a:lnRef>
+        <a:fillRef idx="1">
+          <a:scrgbClr r="0" g="0" b="0"/>
+        </a:fillRef>
+        <a:effectRef idx="0">
+          <a:scrgbClr r="0" g="0" b="0"/>
+        </a:effectRef>
+        <a:fontRef idx="minor">
+          <a:schemeClr val="lt1"/>
+        </a:fontRef>
+      </dsp:style>
+    </dsp:sp>
+    <dsp:sp modelId="{049F3451-1EB4-4BAB-B60A-5FEE71B08888}">
+      <dsp:nvSpPr>
+        <dsp:cNvPr id="0" name=""/>
+        <dsp:cNvSpPr/>
+      </dsp:nvSpPr>
+      <dsp:spPr>
+        <a:xfrm>
+          <a:off x="6517238" y="1167421"/>
+          <a:ext cx="1184464" cy="439436"/>
+        </a:xfrm>
+        <a:prstGeom prst="rect">
+          <a:avLst/>
+        </a:prstGeom>
+        <a:noFill/>
+        <a:ln>
+          <a:noFill/>
+        </a:ln>
+        <a:effectLst/>
+      </dsp:spPr>
+      <dsp:style>
+        <a:lnRef idx="0">
+          <a:scrgbClr r="0" g="0" b="0"/>
+        </a:lnRef>
+        <a:fillRef idx="0">
+          <a:scrgbClr r="0" g="0" b="0"/>
+        </a:fillRef>
+        <a:effectRef idx="0">
+          <a:scrgbClr r="0" g="0" b="0"/>
+        </a:effectRef>
+        <a:fontRef idx="minor"/>
+      </dsp:style>
+      <dsp:txBody>
+        <a:bodyPr spcFirstLastPara="0" vert="horz" wrap="square" lIns="142240" tIns="142240" rIns="142240" bIns="0" numCol="1" spcCol="1270" anchor="t" anchorCtr="0">
+          <a:noAutofit/>
+        </a:bodyPr>
+        <a:lstStyle/>
+        <a:p>
+          <a:pPr lvl="0" algn="ctr" defTabSz="889000">
+            <a:lnSpc>
+              <a:spcPct val="90000"/>
+            </a:lnSpc>
+            <a:spcBef>
+              <a:spcPct val="0"/>
+            </a:spcBef>
+            <a:spcAft>
+              <a:spcPct val="35000"/>
+            </a:spcAft>
+          </a:pPr>
+          <a:endParaRPr lang="en-US" sz="2000" kern="1200" dirty="0"/>
+        </a:p>
+      </dsp:txBody>
+      <dsp:txXfrm>
+        <a:off x="6517238" y="1167421"/>
+        <a:ext cx="1184464" cy="439436"/>
+      </dsp:txXfrm>
+    </dsp:sp>
+    <dsp:sp modelId="{5E4AF04B-E8E7-44A6-91B6-1061A388537E}">
+      <dsp:nvSpPr>
+        <dsp:cNvPr id="0" name=""/>
+        <dsp:cNvSpPr/>
+      </dsp:nvSpPr>
+      <dsp:spPr>
+        <a:xfrm>
+          <a:off x="2433" y="1725304"/>
+          <a:ext cx="1184464" cy="816096"/>
+        </a:xfrm>
+        <a:prstGeom prst="roundRect">
+          <a:avLst/>
+        </a:prstGeom>
+        <a:blipFill rotWithShape="1">
+          <a:blip xmlns:r="http://schemas.openxmlformats.org/officeDocument/2006/relationships" r:embed="rId7"/>
+          <a:stretch>
+            <a:fillRect/>
+          </a:stretch>
+        </a:blipFill>
+        <a:ln w="15875" cap="rnd" cmpd="sng" algn="ctr">
+          <a:solidFill>
+            <a:schemeClr val="lt1">
+              <a:hueOff val="0"/>
+              <a:satOff val="0"/>
+              <a:lumOff val="0"/>
+              <a:alphaOff val="0"/>
+            </a:schemeClr>
+          </a:solidFill>
+          <a:prstDash val="solid"/>
+        </a:ln>
+        <a:effectLst/>
+      </dsp:spPr>
+      <dsp:style>
+        <a:lnRef idx="2">
+          <a:scrgbClr r="0" g="0" b="0"/>
+        </a:lnRef>
+        <a:fillRef idx="1">
+          <a:scrgbClr r="0" g="0" b="0"/>
+        </a:fillRef>
+        <a:effectRef idx="0">
+          <a:scrgbClr r="0" g="0" b="0"/>
+        </a:effectRef>
+        <a:fontRef idx="minor">
+          <a:schemeClr val="lt1"/>
+        </a:fontRef>
+      </dsp:style>
+    </dsp:sp>
+    <dsp:sp modelId="{4DB34825-00DF-4816-8947-8F093CA8A480}">
+      <dsp:nvSpPr>
+        <dsp:cNvPr id="0" name=""/>
+        <dsp:cNvSpPr/>
+      </dsp:nvSpPr>
+      <dsp:spPr>
+        <a:xfrm>
+          <a:off x="2433" y="2541400"/>
+          <a:ext cx="1184464" cy="439436"/>
+        </a:xfrm>
+        <a:prstGeom prst="rect">
+          <a:avLst/>
+        </a:prstGeom>
+        <a:noFill/>
+        <a:ln>
+          <a:noFill/>
+        </a:ln>
+        <a:effectLst/>
+      </dsp:spPr>
+      <dsp:style>
+        <a:lnRef idx="0">
+          <a:scrgbClr r="0" g="0" b="0"/>
+        </a:lnRef>
+        <a:fillRef idx="0">
+          <a:scrgbClr r="0" g="0" b="0"/>
+        </a:fillRef>
+        <a:effectRef idx="0">
+          <a:scrgbClr r="0" g="0" b="0"/>
+        </a:effectRef>
+        <a:fontRef idx="minor"/>
+      </dsp:style>
+      <dsp:txBody>
+        <a:bodyPr spcFirstLastPara="0" vert="horz" wrap="square" lIns="142240" tIns="142240" rIns="142240" bIns="0" numCol="1" spcCol="1270" anchor="t" anchorCtr="0">
+          <a:noAutofit/>
+        </a:bodyPr>
+        <a:lstStyle/>
+        <a:p>
+          <a:pPr lvl="0" algn="ctr" defTabSz="889000">
+            <a:lnSpc>
+              <a:spcPct val="90000"/>
+            </a:lnSpc>
+            <a:spcBef>
+              <a:spcPct val="0"/>
+            </a:spcBef>
+            <a:spcAft>
+              <a:spcPct val="35000"/>
+            </a:spcAft>
+          </a:pPr>
+          <a:endParaRPr lang="en-US" sz="2000" kern="1200" dirty="0"/>
+        </a:p>
+      </dsp:txBody>
+      <dsp:txXfrm>
+        <a:off x="2433" y="2541400"/>
+        <a:ext cx="1184464" cy="439436"/>
+      </dsp:txXfrm>
+    </dsp:sp>
+    <dsp:sp modelId="{FD68D423-9DB7-417B-BEBE-1943F985AA46}">
+      <dsp:nvSpPr>
+        <dsp:cNvPr id="0" name=""/>
+        <dsp:cNvSpPr/>
+      </dsp:nvSpPr>
+      <dsp:spPr>
+        <a:xfrm>
+          <a:off x="1305394" y="1725304"/>
+          <a:ext cx="1184464" cy="816096"/>
+        </a:xfrm>
+        <a:prstGeom prst="roundRect">
+          <a:avLst/>
+        </a:prstGeom>
+        <a:blipFill rotWithShape="1">
+          <a:blip xmlns:r="http://schemas.openxmlformats.org/officeDocument/2006/relationships" r:embed="rId8"/>
+          <a:stretch>
+            <a:fillRect/>
+          </a:stretch>
+        </a:blipFill>
+        <a:ln w="15875" cap="rnd" cmpd="sng" algn="ctr">
+          <a:solidFill>
+            <a:schemeClr val="lt1">
+              <a:hueOff val="0"/>
+              <a:satOff val="0"/>
+              <a:lumOff val="0"/>
+              <a:alphaOff val="0"/>
+            </a:schemeClr>
+          </a:solidFill>
+          <a:prstDash val="solid"/>
+        </a:ln>
+        <a:effectLst/>
+      </dsp:spPr>
+      <dsp:style>
+        <a:lnRef idx="2">
+          <a:scrgbClr r="0" g="0" b="0"/>
+        </a:lnRef>
+        <a:fillRef idx="1">
+          <a:scrgbClr r="0" g="0" b="0"/>
+        </a:fillRef>
+        <a:effectRef idx="0">
+          <a:scrgbClr r="0" g="0" b="0"/>
+        </a:effectRef>
+        <a:fontRef idx="minor">
+          <a:schemeClr val="lt1"/>
+        </a:fontRef>
+      </dsp:style>
+    </dsp:sp>
+    <dsp:sp modelId="{BA8DDF71-EF81-48DA-870A-17372365162C}">
+      <dsp:nvSpPr>
+        <dsp:cNvPr id="0" name=""/>
+        <dsp:cNvSpPr/>
+      </dsp:nvSpPr>
+      <dsp:spPr>
+        <a:xfrm>
+          <a:off x="1305394" y="2541400"/>
+          <a:ext cx="1184464" cy="439436"/>
+        </a:xfrm>
+        <a:prstGeom prst="rect">
+          <a:avLst/>
+        </a:prstGeom>
+        <a:noFill/>
+        <a:ln>
+          <a:noFill/>
+        </a:ln>
+        <a:effectLst/>
+      </dsp:spPr>
+      <dsp:style>
+        <a:lnRef idx="0">
+          <a:scrgbClr r="0" g="0" b="0"/>
+        </a:lnRef>
+        <a:fillRef idx="0">
+          <a:scrgbClr r="0" g="0" b="0"/>
+        </a:fillRef>
+        <a:effectRef idx="0">
+          <a:scrgbClr r="0" g="0" b="0"/>
+        </a:effectRef>
+        <a:fontRef idx="minor"/>
+      </dsp:style>
+      <dsp:txBody>
+        <a:bodyPr spcFirstLastPara="0" vert="horz" wrap="square" lIns="142240" tIns="142240" rIns="142240" bIns="0" numCol="1" spcCol="1270" anchor="t" anchorCtr="0">
+          <a:noAutofit/>
+        </a:bodyPr>
+        <a:lstStyle/>
+        <a:p>
+          <a:pPr lvl="0" algn="ctr" defTabSz="889000">
+            <a:lnSpc>
+              <a:spcPct val="90000"/>
+            </a:lnSpc>
+            <a:spcBef>
+              <a:spcPct val="0"/>
+            </a:spcBef>
+            <a:spcAft>
+              <a:spcPct val="35000"/>
+            </a:spcAft>
+          </a:pPr>
+          <a:endParaRPr lang="en-US" sz="2000" kern="1200" dirty="0"/>
+        </a:p>
+      </dsp:txBody>
+      <dsp:txXfrm>
+        <a:off x="1305394" y="2541400"/>
+        <a:ext cx="1184464" cy="439436"/>
+      </dsp:txXfrm>
+    </dsp:sp>
+    <dsp:sp modelId="{3F80E4E7-DD89-43CF-B3AC-E931C8C228F5}">
+      <dsp:nvSpPr>
+        <dsp:cNvPr id="0" name=""/>
+        <dsp:cNvSpPr/>
+      </dsp:nvSpPr>
+      <dsp:spPr>
+        <a:xfrm>
+          <a:off x="2608355" y="1725304"/>
+          <a:ext cx="1184464" cy="816096"/>
+        </a:xfrm>
+        <a:prstGeom prst="roundRect">
+          <a:avLst/>
+        </a:prstGeom>
+        <a:blipFill rotWithShape="1">
+          <a:blip xmlns:r="http://schemas.openxmlformats.org/officeDocument/2006/relationships" r:embed="rId9"/>
+          <a:stretch>
+            <a:fillRect/>
+          </a:stretch>
+        </a:blipFill>
+        <a:ln w="15875" cap="rnd" cmpd="sng" algn="ctr">
+          <a:solidFill>
+            <a:schemeClr val="lt1">
+              <a:hueOff val="0"/>
+              <a:satOff val="0"/>
+              <a:lumOff val="0"/>
+              <a:alphaOff val="0"/>
+            </a:schemeClr>
+          </a:solidFill>
+          <a:prstDash val="solid"/>
+        </a:ln>
+        <a:effectLst/>
+      </dsp:spPr>
+      <dsp:style>
+        <a:lnRef idx="2">
+          <a:scrgbClr r="0" g="0" b="0"/>
+        </a:lnRef>
+        <a:fillRef idx="1">
+          <a:scrgbClr r="0" g="0" b="0"/>
+        </a:fillRef>
+        <a:effectRef idx="0">
+          <a:scrgbClr r="0" g="0" b="0"/>
+        </a:effectRef>
+        <a:fontRef idx="minor">
+          <a:schemeClr val="lt1"/>
+        </a:fontRef>
+      </dsp:style>
+    </dsp:sp>
+    <dsp:sp modelId="{84A0E667-FCCB-4D25-80D4-279644BDDB85}">
+      <dsp:nvSpPr>
+        <dsp:cNvPr id="0" name=""/>
+        <dsp:cNvSpPr/>
+      </dsp:nvSpPr>
+      <dsp:spPr>
+        <a:xfrm>
+          <a:off x="2608355" y="2541400"/>
+          <a:ext cx="1184464" cy="439436"/>
+        </a:xfrm>
+        <a:prstGeom prst="rect">
+          <a:avLst/>
+        </a:prstGeom>
+        <a:noFill/>
+        <a:ln>
+          <a:noFill/>
+        </a:ln>
+        <a:effectLst/>
+      </dsp:spPr>
+      <dsp:style>
+        <a:lnRef idx="0">
+          <a:scrgbClr r="0" g="0" b="0"/>
+        </a:lnRef>
+        <a:fillRef idx="0">
+          <a:scrgbClr r="0" g="0" b="0"/>
+        </a:fillRef>
+        <a:effectRef idx="0">
+          <a:scrgbClr r="0" g="0" b="0"/>
+        </a:effectRef>
+        <a:fontRef idx="minor"/>
+      </dsp:style>
+      <dsp:txBody>
+        <a:bodyPr spcFirstLastPara="0" vert="horz" wrap="square" lIns="142240" tIns="142240" rIns="142240" bIns="0" numCol="1" spcCol="1270" anchor="t" anchorCtr="0">
+          <a:noAutofit/>
+        </a:bodyPr>
+        <a:lstStyle/>
+        <a:p>
+          <a:pPr lvl="0" algn="ctr" defTabSz="889000">
+            <a:lnSpc>
+              <a:spcPct val="90000"/>
+            </a:lnSpc>
+            <a:spcBef>
+              <a:spcPct val="0"/>
+            </a:spcBef>
+            <a:spcAft>
+              <a:spcPct val="35000"/>
+            </a:spcAft>
+          </a:pPr>
+          <a:endParaRPr lang="en-US" sz="2000" kern="1200" dirty="0"/>
+        </a:p>
+      </dsp:txBody>
+      <dsp:txXfrm>
+        <a:off x="2608355" y="2541400"/>
+        <a:ext cx="1184464" cy="439436"/>
+      </dsp:txXfrm>
+    </dsp:sp>
+    <dsp:sp modelId="{83B3843F-0B9E-4E7F-B13E-3FCCB9445418}">
+      <dsp:nvSpPr>
+        <dsp:cNvPr id="0" name=""/>
+        <dsp:cNvSpPr/>
+      </dsp:nvSpPr>
+      <dsp:spPr>
+        <a:xfrm>
+          <a:off x="3911316" y="1725304"/>
+          <a:ext cx="1184464" cy="816096"/>
+        </a:xfrm>
+        <a:prstGeom prst="roundRect">
+          <a:avLst/>
+        </a:prstGeom>
+        <a:blipFill rotWithShape="1">
+          <a:blip xmlns:r="http://schemas.openxmlformats.org/officeDocument/2006/relationships" r:embed="rId10"/>
+          <a:stretch>
+            <a:fillRect/>
+          </a:stretch>
+        </a:blipFill>
+        <a:ln w="15875" cap="rnd" cmpd="sng" algn="ctr">
+          <a:solidFill>
+            <a:schemeClr val="lt1">
+              <a:hueOff val="0"/>
+              <a:satOff val="0"/>
+              <a:lumOff val="0"/>
+              <a:alphaOff val="0"/>
+            </a:schemeClr>
+          </a:solidFill>
+          <a:prstDash val="solid"/>
+        </a:ln>
+        <a:effectLst/>
+      </dsp:spPr>
+      <dsp:style>
+        <a:lnRef idx="2">
+          <a:scrgbClr r="0" g="0" b="0"/>
+        </a:lnRef>
+        <a:fillRef idx="1">
+          <a:scrgbClr r="0" g="0" b="0"/>
+        </a:fillRef>
+        <a:effectRef idx="0">
+          <a:scrgbClr r="0" g="0" b="0"/>
+        </a:effectRef>
+        <a:fontRef idx="minor">
+          <a:schemeClr val="lt1"/>
+        </a:fontRef>
+      </dsp:style>
+    </dsp:sp>
+    <dsp:sp modelId="{D88BA2BD-3564-493C-88F7-D761BCE21E06}">
+      <dsp:nvSpPr>
+        <dsp:cNvPr id="0" name=""/>
+        <dsp:cNvSpPr/>
+      </dsp:nvSpPr>
+      <dsp:spPr>
+        <a:xfrm>
+          <a:off x="3911316" y="2541400"/>
+          <a:ext cx="1184464" cy="439436"/>
+        </a:xfrm>
+        <a:prstGeom prst="rect">
+          <a:avLst/>
+        </a:prstGeom>
+        <a:noFill/>
+        <a:ln>
+          <a:noFill/>
+        </a:ln>
+        <a:effectLst/>
+      </dsp:spPr>
+      <dsp:style>
+        <a:lnRef idx="0">
+          <a:scrgbClr r="0" g="0" b="0"/>
+        </a:lnRef>
+        <a:fillRef idx="0">
+          <a:scrgbClr r="0" g="0" b="0"/>
+        </a:fillRef>
+        <a:effectRef idx="0">
+          <a:scrgbClr r="0" g="0" b="0"/>
+        </a:effectRef>
+        <a:fontRef idx="minor"/>
+      </dsp:style>
+      <dsp:txBody>
+        <a:bodyPr spcFirstLastPara="0" vert="horz" wrap="square" lIns="142240" tIns="142240" rIns="142240" bIns="0" numCol="1" spcCol="1270" anchor="t" anchorCtr="0">
+          <a:noAutofit/>
+        </a:bodyPr>
+        <a:lstStyle/>
+        <a:p>
+          <a:pPr lvl="0" algn="ctr" defTabSz="889000">
+            <a:lnSpc>
+              <a:spcPct val="90000"/>
+            </a:lnSpc>
+            <a:spcBef>
+              <a:spcPct val="0"/>
+            </a:spcBef>
+            <a:spcAft>
+              <a:spcPct val="35000"/>
+            </a:spcAft>
+          </a:pPr>
+          <a:endParaRPr lang="en-US" sz="2000" kern="1200" dirty="0"/>
+        </a:p>
+      </dsp:txBody>
+      <dsp:txXfrm>
+        <a:off x="3911316" y="2541400"/>
+        <a:ext cx="1184464" cy="439436"/>
+      </dsp:txXfrm>
+    </dsp:sp>
+    <dsp:sp modelId="{63319770-CBDB-4D5C-A1BC-BCD5E7DB2055}">
+      <dsp:nvSpPr>
+        <dsp:cNvPr id="0" name=""/>
+        <dsp:cNvSpPr/>
+      </dsp:nvSpPr>
+      <dsp:spPr>
+        <a:xfrm>
+          <a:off x="5214277" y="1725304"/>
+          <a:ext cx="1184464" cy="816096"/>
+        </a:xfrm>
+        <a:prstGeom prst="roundRect">
+          <a:avLst/>
+        </a:prstGeom>
+        <a:blipFill rotWithShape="1">
+          <a:blip xmlns:r="http://schemas.openxmlformats.org/officeDocument/2006/relationships" r:embed="rId11"/>
+          <a:stretch>
+            <a:fillRect/>
+          </a:stretch>
+        </a:blipFill>
+        <a:ln w="15875" cap="rnd" cmpd="sng" algn="ctr">
+          <a:solidFill>
+            <a:schemeClr val="lt1">
+              <a:hueOff val="0"/>
+              <a:satOff val="0"/>
+              <a:lumOff val="0"/>
+              <a:alphaOff val="0"/>
+            </a:schemeClr>
+          </a:solidFill>
+          <a:prstDash val="solid"/>
+        </a:ln>
+        <a:effectLst/>
+      </dsp:spPr>
+      <dsp:style>
+        <a:lnRef idx="2">
+          <a:scrgbClr r="0" g="0" b="0"/>
+        </a:lnRef>
+        <a:fillRef idx="1">
+          <a:scrgbClr r="0" g="0" b="0"/>
+        </a:fillRef>
+        <a:effectRef idx="0">
+          <a:scrgbClr r="0" g="0" b="0"/>
+        </a:effectRef>
+        <a:fontRef idx="minor">
+          <a:schemeClr val="lt1"/>
+        </a:fontRef>
+      </dsp:style>
+    </dsp:sp>
+    <dsp:sp modelId="{8D5B077D-EB2D-4C97-8EB7-973129123C72}">
+      <dsp:nvSpPr>
+        <dsp:cNvPr id="0" name=""/>
+        <dsp:cNvSpPr/>
+      </dsp:nvSpPr>
+      <dsp:spPr>
+        <a:xfrm>
+          <a:off x="5214277" y="2541400"/>
+          <a:ext cx="1184464" cy="439436"/>
+        </a:xfrm>
+        <a:prstGeom prst="rect">
+          <a:avLst/>
+        </a:prstGeom>
+        <a:noFill/>
+        <a:ln>
+          <a:noFill/>
+        </a:ln>
+        <a:effectLst/>
+      </dsp:spPr>
+      <dsp:style>
+        <a:lnRef idx="0">
+          <a:scrgbClr r="0" g="0" b="0"/>
+        </a:lnRef>
+        <a:fillRef idx="0">
+          <a:scrgbClr r="0" g="0" b="0"/>
+        </a:fillRef>
+        <a:effectRef idx="0">
+          <a:scrgbClr r="0" g="0" b="0"/>
+        </a:effectRef>
+        <a:fontRef idx="minor"/>
+      </dsp:style>
+      <dsp:txBody>
+        <a:bodyPr spcFirstLastPara="0" vert="horz" wrap="square" lIns="142240" tIns="142240" rIns="142240" bIns="0" numCol="1" spcCol="1270" anchor="t" anchorCtr="0">
+          <a:noAutofit/>
+        </a:bodyPr>
+        <a:lstStyle/>
+        <a:p>
+          <a:pPr lvl="0" algn="ctr" defTabSz="889000">
+            <a:lnSpc>
+              <a:spcPct val="90000"/>
+            </a:lnSpc>
+            <a:spcBef>
+              <a:spcPct val="0"/>
+            </a:spcBef>
+            <a:spcAft>
+              <a:spcPct val="35000"/>
+            </a:spcAft>
+          </a:pPr>
+          <a:endParaRPr lang="en-US" sz="2000" kern="1200" dirty="0"/>
+        </a:p>
+      </dsp:txBody>
+      <dsp:txXfrm>
+        <a:off x="5214277" y="2541400"/>
+        <a:ext cx="1184464" cy="439436"/>
+      </dsp:txXfrm>
+    </dsp:sp>
+    <dsp:sp modelId="{C54D3BC6-BA16-4F44-A634-13907DBC6380}">
+      <dsp:nvSpPr>
+        <dsp:cNvPr id="0" name=""/>
+        <dsp:cNvSpPr/>
+      </dsp:nvSpPr>
+      <dsp:spPr>
+        <a:xfrm>
+          <a:off x="6517238" y="1725304"/>
+          <a:ext cx="1184464" cy="816096"/>
+        </a:xfrm>
+        <a:prstGeom prst="roundRect">
+          <a:avLst/>
+        </a:prstGeom>
+        <a:blipFill rotWithShape="1">
+          <a:blip xmlns:r="http://schemas.openxmlformats.org/officeDocument/2006/relationships" r:embed="rId12"/>
+          <a:stretch>
+            <a:fillRect/>
+          </a:stretch>
+        </a:blipFill>
+        <a:ln w="15875" cap="rnd" cmpd="sng" algn="ctr">
+          <a:solidFill>
+            <a:schemeClr val="lt1">
+              <a:hueOff val="0"/>
+              <a:satOff val="0"/>
+              <a:lumOff val="0"/>
+              <a:alphaOff val="0"/>
+            </a:schemeClr>
+          </a:solidFill>
+          <a:prstDash val="solid"/>
+        </a:ln>
+        <a:effectLst/>
+      </dsp:spPr>
+      <dsp:style>
+        <a:lnRef idx="2">
+          <a:scrgbClr r="0" g="0" b="0"/>
+        </a:lnRef>
+        <a:fillRef idx="1">
+          <a:scrgbClr r="0" g="0" b="0"/>
+        </a:fillRef>
+        <a:effectRef idx="0">
+          <a:scrgbClr r="0" g="0" b="0"/>
+        </a:effectRef>
+        <a:fontRef idx="minor">
+          <a:schemeClr val="lt1"/>
+        </a:fontRef>
+      </dsp:style>
+    </dsp:sp>
+    <dsp:sp modelId="{4686F89C-1405-4996-8E0D-FFEC710AAA48}">
+      <dsp:nvSpPr>
+        <dsp:cNvPr id="0" name=""/>
+        <dsp:cNvSpPr/>
+      </dsp:nvSpPr>
+      <dsp:spPr>
+        <a:xfrm>
+          <a:off x="6517238" y="2541400"/>
+          <a:ext cx="1184464" cy="439436"/>
+        </a:xfrm>
+        <a:prstGeom prst="rect">
+          <a:avLst/>
+        </a:prstGeom>
+        <a:noFill/>
+        <a:ln>
+          <a:noFill/>
+        </a:ln>
+        <a:effectLst/>
+      </dsp:spPr>
+      <dsp:style>
+        <a:lnRef idx="0">
+          <a:scrgbClr r="0" g="0" b="0"/>
+        </a:lnRef>
+        <a:fillRef idx="0">
+          <a:scrgbClr r="0" g="0" b="0"/>
+        </a:fillRef>
+        <a:effectRef idx="0">
+          <a:scrgbClr r="0" g="0" b="0"/>
+        </a:effectRef>
+        <a:fontRef idx="minor"/>
+      </dsp:style>
+      <dsp:txBody>
+        <a:bodyPr spcFirstLastPara="0" vert="horz" wrap="square" lIns="142240" tIns="142240" rIns="142240" bIns="0" numCol="1" spcCol="1270" anchor="t" anchorCtr="0">
+          <a:noAutofit/>
+        </a:bodyPr>
+        <a:lstStyle/>
+        <a:p>
+          <a:pPr lvl="0" algn="ctr" defTabSz="889000">
+            <a:lnSpc>
+              <a:spcPct val="90000"/>
+            </a:lnSpc>
+            <a:spcBef>
+              <a:spcPct val="0"/>
+            </a:spcBef>
+            <a:spcAft>
+              <a:spcPct val="35000"/>
+            </a:spcAft>
+          </a:pPr>
+          <a:endParaRPr lang="en-US" sz="2000" kern="1200" dirty="0"/>
+        </a:p>
+      </dsp:txBody>
+      <dsp:txXfrm>
+        <a:off x="6517238" y="2541400"/>
+        <a:ext cx="1184464" cy="439436"/>
+      </dsp:txXfrm>
+    </dsp:sp>
   </dsp:spTree>
 </dsp:drawing>
 </file>
@@ -14363,6 +17071,342 @@
       <dsp:cNvGrpSpPr/>
     </dsp:nvGrpSpPr>
     <dsp:grpSpPr/>
+    <dsp:sp modelId="{6AB15A4E-709E-43DE-9EEA-6EF81A181430}">
+      <dsp:nvSpPr>
+        <dsp:cNvPr id="0" name=""/>
+        <dsp:cNvSpPr/>
+      </dsp:nvSpPr>
+      <dsp:spPr>
+        <a:xfrm>
+          <a:off x="227805" y="283478"/>
+          <a:ext cx="2202115" cy="1138039"/>
+        </a:xfrm>
+        <a:prstGeom prst="rect">
+          <a:avLst/>
+        </a:prstGeom>
+        <a:solidFill>
+          <a:schemeClr val="accent1">
+            <a:tint val="50000"/>
+            <a:hueOff val="0"/>
+            <a:satOff val="0"/>
+            <a:lumOff val="0"/>
+            <a:alphaOff val="0"/>
+          </a:schemeClr>
+        </a:solidFill>
+        <a:ln w="15875" cap="rnd" cmpd="sng" algn="ctr">
+          <a:solidFill>
+            <a:schemeClr val="lt1">
+              <a:hueOff val="0"/>
+              <a:satOff val="0"/>
+              <a:lumOff val="0"/>
+              <a:alphaOff val="0"/>
+            </a:schemeClr>
+          </a:solidFill>
+          <a:prstDash val="solid"/>
+        </a:ln>
+        <a:effectLst/>
+      </dsp:spPr>
+      <dsp:style>
+        <a:lnRef idx="2">
+          <a:scrgbClr r="0" g="0" b="0"/>
+        </a:lnRef>
+        <a:fillRef idx="1">
+          <a:scrgbClr r="0" g="0" b="0"/>
+        </a:fillRef>
+        <a:effectRef idx="0">
+          <a:scrgbClr r="0" g="0" b="0"/>
+        </a:effectRef>
+        <a:fontRef idx="minor"/>
+      </dsp:style>
+    </dsp:sp>
+    <dsp:sp modelId="{E69268A9-1251-4981-95E9-498E494EFF5C}">
+      <dsp:nvSpPr>
+        <dsp:cNvPr id="0" name=""/>
+        <dsp:cNvSpPr/>
+      </dsp:nvSpPr>
+      <dsp:spPr>
+        <a:xfrm>
+          <a:off x="293615" y="416574"/>
+          <a:ext cx="1022591" cy="973579"/>
+        </a:xfrm>
+        <a:prstGeom prst="rect">
+          <a:avLst/>
+        </a:prstGeom>
+        <a:noFill/>
+        <a:ln>
+          <a:noFill/>
+        </a:ln>
+        <a:effectLst/>
+      </dsp:spPr>
+      <dsp:style>
+        <a:lnRef idx="0">
+          <a:scrgbClr r="0" g="0" b="0"/>
+        </a:lnRef>
+        <a:fillRef idx="0">
+          <a:scrgbClr r="0" g="0" b="0"/>
+        </a:fillRef>
+        <a:effectRef idx="0">
+          <a:scrgbClr r="0" g="0" b="0"/>
+        </a:effectRef>
+        <a:fontRef idx="minor"/>
+      </dsp:style>
+      <dsp:txBody>
+        <a:bodyPr spcFirstLastPara="0" vert="horz" wrap="square" lIns="22860" tIns="22860" rIns="22860" bIns="22860" numCol="1" spcCol="1270" anchor="t" anchorCtr="0">
+          <a:noAutofit/>
+        </a:bodyPr>
+        <a:lstStyle/>
+        <a:p>
+          <a:pPr lvl="0" algn="l" defTabSz="533400">
+            <a:lnSpc>
+              <a:spcPct val="90000"/>
+            </a:lnSpc>
+            <a:spcBef>
+              <a:spcPct val="0"/>
+            </a:spcBef>
+            <a:spcAft>
+              <a:spcPct val="35000"/>
+            </a:spcAft>
+          </a:pPr>
+          <a:r>
+            <a:rPr lang="en-US" sz="1200" kern="1200" dirty="0" smtClean="0">
+              <a:latin typeface="Cambria" panose="02040503050406030204" pitchFamily="18" charset="0"/>
+            </a:rPr>
+            <a:t>- Accurate information</a:t>
+          </a:r>
+          <a:endParaRPr lang="en-US" sz="1200" kern="1200" dirty="0">
+            <a:latin typeface="Cambria" panose="02040503050406030204" pitchFamily="18" charset="0"/>
+          </a:endParaRPr>
+        </a:p>
+      </dsp:txBody>
+      <dsp:txXfrm>
+        <a:off x="293615" y="416574"/>
+        <a:ext cx="1022591" cy="973579"/>
+      </dsp:txXfrm>
+    </dsp:sp>
+    <dsp:sp modelId="{6590E468-E039-4146-89ED-69ABD8075F89}">
+      <dsp:nvSpPr>
+        <dsp:cNvPr id="0" name=""/>
+        <dsp:cNvSpPr/>
+      </dsp:nvSpPr>
+      <dsp:spPr>
+        <a:xfrm>
+          <a:off x="1338987" y="416574"/>
+          <a:ext cx="1022591" cy="973579"/>
+        </a:xfrm>
+        <a:prstGeom prst="rect">
+          <a:avLst/>
+        </a:prstGeom>
+        <a:noFill/>
+        <a:ln>
+          <a:noFill/>
+        </a:ln>
+        <a:effectLst/>
+      </dsp:spPr>
+      <dsp:style>
+        <a:lnRef idx="0">
+          <a:scrgbClr r="0" g="0" b="0"/>
+        </a:lnRef>
+        <a:fillRef idx="0">
+          <a:scrgbClr r="0" g="0" b="0"/>
+        </a:fillRef>
+        <a:effectRef idx="0">
+          <a:scrgbClr r="0" g="0" b="0"/>
+        </a:effectRef>
+        <a:fontRef idx="minor"/>
+      </dsp:style>
+      <dsp:txBody>
+        <a:bodyPr spcFirstLastPara="0" vert="horz" wrap="square" lIns="22860" tIns="22860" rIns="22860" bIns="22860" numCol="1" spcCol="1270" anchor="t" anchorCtr="0">
+          <a:noAutofit/>
+        </a:bodyPr>
+        <a:lstStyle/>
+        <a:p>
+          <a:pPr lvl="0" algn="l" defTabSz="533400">
+            <a:lnSpc>
+              <a:spcPct val="90000"/>
+            </a:lnSpc>
+            <a:spcBef>
+              <a:spcPct val="0"/>
+            </a:spcBef>
+            <a:spcAft>
+              <a:spcPct val="35000"/>
+            </a:spcAft>
+          </a:pPr>
+          <a:r>
+            <a:rPr lang="en-US" sz="1200" kern="1200" dirty="0" smtClean="0">
+              <a:latin typeface="Cambria" panose="02040503050406030204" pitchFamily="18" charset="0"/>
+            </a:rPr>
+            <a:t>- Slowly</a:t>
+          </a:r>
+        </a:p>
+        <a:p>
+          <a:pPr lvl="0" algn="l" defTabSz="533400">
+            <a:lnSpc>
+              <a:spcPct val="90000"/>
+            </a:lnSpc>
+            <a:spcBef>
+              <a:spcPct val="0"/>
+            </a:spcBef>
+            <a:spcAft>
+              <a:spcPct val="35000"/>
+            </a:spcAft>
+          </a:pPr>
+          <a:r>
+            <a:rPr lang="en-US" sz="1200" kern="1200" dirty="0" smtClean="0">
+              <a:latin typeface="Cambria" panose="02040503050406030204" pitchFamily="18" charset="0"/>
+            </a:rPr>
+            <a:t>- Not update regularly</a:t>
+          </a:r>
+          <a:endParaRPr lang="en-US" sz="1200" kern="1200" dirty="0">
+            <a:latin typeface="Cambria" panose="02040503050406030204" pitchFamily="18" charset="0"/>
+          </a:endParaRPr>
+        </a:p>
+      </dsp:txBody>
+      <dsp:txXfrm>
+        <a:off x="1338987" y="416574"/>
+        <a:ext cx="1022591" cy="973579"/>
+      </dsp:txXfrm>
+    </dsp:sp>
+    <dsp:sp modelId="{A6C9ED2E-100A-45F5-ABC8-2A393C977380}">
+      <dsp:nvSpPr>
+        <dsp:cNvPr id="0" name=""/>
+        <dsp:cNvSpPr/>
+      </dsp:nvSpPr>
+      <dsp:spPr>
+        <a:xfrm>
+          <a:off x="0" y="55732"/>
+          <a:ext cx="430298" cy="430298"/>
+        </a:xfrm>
+        <a:prstGeom prst="plus">
+          <a:avLst>
+            <a:gd name="adj" fmla="val 32810"/>
+          </a:avLst>
+        </a:prstGeom>
+        <a:solidFill>
+          <a:schemeClr val="accent1">
+            <a:hueOff val="0"/>
+            <a:satOff val="0"/>
+            <a:lumOff val="0"/>
+            <a:alphaOff val="0"/>
+          </a:schemeClr>
+        </a:solidFill>
+        <a:ln w="15875" cap="rnd" cmpd="sng" algn="ctr">
+          <a:solidFill>
+            <a:schemeClr val="accent1">
+              <a:hueOff val="0"/>
+              <a:satOff val="0"/>
+              <a:lumOff val="0"/>
+              <a:alphaOff val="0"/>
+            </a:schemeClr>
+          </a:solidFill>
+          <a:prstDash val="solid"/>
+        </a:ln>
+        <a:effectLst/>
+      </dsp:spPr>
+      <dsp:style>
+        <a:lnRef idx="2">
+          <a:scrgbClr r="0" g="0" b="0"/>
+        </a:lnRef>
+        <a:fillRef idx="1">
+          <a:scrgbClr r="0" g="0" b="0"/>
+        </a:fillRef>
+        <a:effectRef idx="0">
+          <a:scrgbClr r="0" g="0" b="0"/>
+        </a:effectRef>
+        <a:fontRef idx="minor">
+          <a:schemeClr val="lt1"/>
+        </a:fontRef>
+      </dsp:style>
+    </dsp:sp>
+    <dsp:sp modelId="{A9A8DFEB-C307-4C0A-A8A5-2270527B8796}">
+      <dsp:nvSpPr>
+        <dsp:cNvPr id="0" name=""/>
+        <dsp:cNvSpPr/>
+      </dsp:nvSpPr>
+      <dsp:spPr>
+        <a:xfrm>
+          <a:off x="2126180" y="210477"/>
+          <a:ext cx="404986" cy="138785"/>
+        </a:xfrm>
+        <a:prstGeom prst="rect">
+          <a:avLst/>
+        </a:prstGeom>
+        <a:solidFill>
+          <a:schemeClr val="accent1">
+            <a:hueOff val="0"/>
+            <a:satOff val="0"/>
+            <a:lumOff val="0"/>
+            <a:alphaOff val="0"/>
+          </a:schemeClr>
+        </a:solidFill>
+        <a:ln w="15875" cap="rnd" cmpd="sng" algn="ctr">
+          <a:solidFill>
+            <a:schemeClr val="accent1">
+              <a:hueOff val="0"/>
+              <a:satOff val="0"/>
+              <a:lumOff val="0"/>
+              <a:alphaOff val="0"/>
+            </a:schemeClr>
+          </a:solidFill>
+          <a:prstDash val="solid"/>
+        </a:ln>
+        <a:effectLst/>
+      </dsp:spPr>
+      <dsp:style>
+        <a:lnRef idx="2">
+          <a:scrgbClr r="0" g="0" b="0"/>
+        </a:lnRef>
+        <a:fillRef idx="1">
+          <a:scrgbClr r="0" g="0" b="0"/>
+        </a:fillRef>
+        <a:effectRef idx="0">
+          <a:scrgbClr r="0" g="0" b="0"/>
+        </a:effectRef>
+        <a:fontRef idx="minor">
+          <a:schemeClr val="lt1"/>
+        </a:fontRef>
+      </dsp:style>
+    </dsp:sp>
+    <dsp:sp modelId="{2C1675AD-A0FA-417F-915E-DEFFB7E2E85F}">
+      <dsp:nvSpPr>
+        <dsp:cNvPr id="0" name=""/>
+        <dsp:cNvSpPr/>
+      </dsp:nvSpPr>
+      <dsp:spPr>
+        <a:xfrm>
+          <a:off x="1328862" y="418655"/>
+          <a:ext cx="253" cy="929861"/>
+        </a:xfrm>
+        <a:prstGeom prst="line">
+          <a:avLst/>
+        </a:prstGeom>
+        <a:noFill/>
+        <a:ln w="15875" cap="rnd" cmpd="sng" algn="ctr">
+          <a:solidFill>
+            <a:schemeClr val="accent1">
+              <a:shade val="60000"/>
+              <a:hueOff val="0"/>
+              <a:satOff val="0"/>
+              <a:lumOff val="0"/>
+              <a:alphaOff val="0"/>
+            </a:schemeClr>
+          </a:solidFill>
+          <a:prstDash val="solid"/>
+        </a:ln>
+        <a:effectLst/>
+      </dsp:spPr>
+      <dsp:style>
+        <a:lnRef idx="2">
+          <a:scrgbClr r="0" g="0" b="0"/>
+        </a:lnRef>
+        <a:fillRef idx="0">
+          <a:scrgbClr r="0" g="0" b="0"/>
+        </a:fillRef>
+        <a:effectRef idx="0">
+          <a:scrgbClr r="0" g="0" b="0"/>
+        </a:effectRef>
+        <a:fontRef idx="minor"/>
+      </dsp:style>
+    </dsp:sp>
   </dsp:spTree>
 </dsp:drawing>
 </file>
@@ -14375,6 +17419,339 @@
       <dsp:cNvGrpSpPr/>
     </dsp:nvGrpSpPr>
     <dsp:grpSpPr/>
+    <dsp:sp modelId="{6AB15A4E-709E-43DE-9EEA-6EF81A181430}">
+      <dsp:nvSpPr>
+        <dsp:cNvPr id="0" name=""/>
+        <dsp:cNvSpPr/>
+      </dsp:nvSpPr>
+      <dsp:spPr>
+        <a:xfrm>
+          <a:off x="227805" y="283478"/>
+          <a:ext cx="2202115" cy="1138039"/>
+        </a:xfrm>
+        <a:prstGeom prst="rect">
+          <a:avLst/>
+        </a:prstGeom>
+        <a:solidFill>
+          <a:schemeClr val="accent1">
+            <a:tint val="50000"/>
+            <a:hueOff val="0"/>
+            <a:satOff val="0"/>
+            <a:lumOff val="0"/>
+            <a:alphaOff val="0"/>
+          </a:schemeClr>
+        </a:solidFill>
+        <a:ln w="15875" cap="rnd" cmpd="sng" algn="ctr">
+          <a:solidFill>
+            <a:schemeClr val="lt1">
+              <a:hueOff val="0"/>
+              <a:satOff val="0"/>
+              <a:lumOff val="0"/>
+              <a:alphaOff val="0"/>
+            </a:schemeClr>
+          </a:solidFill>
+          <a:prstDash val="solid"/>
+        </a:ln>
+        <a:effectLst/>
+      </dsp:spPr>
+      <dsp:style>
+        <a:lnRef idx="2">
+          <a:scrgbClr r="0" g="0" b="0"/>
+        </a:lnRef>
+        <a:fillRef idx="1">
+          <a:scrgbClr r="0" g="0" b="0"/>
+        </a:fillRef>
+        <a:effectRef idx="0">
+          <a:scrgbClr r="0" g="0" b="0"/>
+        </a:effectRef>
+        <a:fontRef idx="minor"/>
+      </dsp:style>
+    </dsp:sp>
+    <dsp:sp modelId="{E69268A9-1251-4981-95E9-498E494EFF5C}">
+      <dsp:nvSpPr>
+        <dsp:cNvPr id="0" name=""/>
+        <dsp:cNvSpPr/>
+      </dsp:nvSpPr>
+      <dsp:spPr>
+        <a:xfrm>
+          <a:off x="293615" y="416574"/>
+          <a:ext cx="1022591" cy="973579"/>
+        </a:xfrm>
+        <a:prstGeom prst="rect">
+          <a:avLst/>
+        </a:prstGeom>
+        <a:noFill/>
+        <a:ln>
+          <a:noFill/>
+        </a:ln>
+        <a:effectLst/>
+      </dsp:spPr>
+      <dsp:style>
+        <a:lnRef idx="0">
+          <a:scrgbClr r="0" g="0" b="0"/>
+        </a:lnRef>
+        <a:fillRef idx="0">
+          <a:scrgbClr r="0" g="0" b="0"/>
+        </a:fillRef>
+        <a:effectRef idx="0">
+          <a:scrgbClr r="0" g="0" b="0"/>
+        </a:effectRef>
+        <a:fontRef idx="minor"/>
+      </dsp:style>
+      <dsp:txBody>
+        <a:bodyPr spcFirstLastPara="0" vert="horz" wrap="square" lIns="22860" tIns="22860" rIns="22860" bIns="22860" numCol="1" spcCol="1270" anchor="t" anchorCtr="0">
+          <a:noAutofit/>
+        </a:bodyPr>
+        <a:lstStyle/>
+        <a:p>
+          <a:pPr lvl="0" algn="l" defTabSz="533400">
+            <a:lnSpc>
+              <a:spcPct val="90000"/>
+            </a:lnSpc>
+            <a:spcBef>
+              <a:spcPct val="0"/>
+            </a:spcBef>
+            <a:spcAft>
+              <a:spcPct val="35000"/>
+            </a:spcAft>
+          </a:pPr>
+          <a:r>
+            <a:rPr lang="en-US" sz="1200" kern="1200" dirty="0" smtClean="0">
+              <a:latin typeface="Cambria" panose="02040503050406030204" pitchFamily="18" charset="0"/>
+            </a:rPr>
+            <a:t>- Updated information</a:t>
+          </a:r>
+          <a:endParaRPr lang="en-US" sz="1200" kern="1200" dirty="0">
+            <a:latin typeface="Cambria" panose="02040503050406030204" pitchFamily="18" charset="0"/>
+          </a:endParaRPr>
+        </a:p>
+      </dsp:txBody>
+      <dsp:txXfrm>
+        <a:off x="293615" y="416574"/>
+        <a:ext cx="1022591" cy="973579"/>
+      </dsp:txXfrm>
+    </dsp:sp>
+    <dsp:sp modelId="{6590E468-E039-4146-89ED-69ABD8075F89}">
+      <dsp:nvSpPr>
+        <dsp:cNvPr id="0" name=""/>
+        <dsp:cNvSpPr/>
+      </dsp:nvSpPr>
+      <dsp:spPr>
+        <a:xfrm>
+          <a:off x="1338987" y="416574"/>
+          <a:ext cx="1022591" cy="973579"/>
+        </a:xfrm>
+        <a:prstGeom prst="rect">
+          <a:avLst/>
+        </a:prstGeom>
+        <a:noFill/>
+        <a:ln>
+          <a:noFill/>
+        </a:ln>
+        <a:effectLst/>
+      </dsp:spPr>
+      <dsp:style>
+        <a:lnRef idx="0">
+          <a:scrgbClr r="0" g="0" b="0"/>
+        </a:lnRef>
+        <a:fillRef idx="0">
+          <a:scrgbClr r="0" g="0" b="0"/>
+        </a:fillRef>
+        <a:effectRef idx="0">
+          <a:scrgbClr r="0" g="0" b="0"/>
+        </a:effectRef>
+        <a:fontRef idx="minor"/>
+      </dsp:style>
+      <dsp:txBody>
+        <a:bodyPr spcFirstLastPara="0" vert="horz" wrap="square" lIns="22860" tIns="22860" rIns="22860" bIns="22860" numCol="1" spcCol="1270" anchor="t" anchorCtr="0">
+          <a:noAutofit/>
+        </a:bodyPr>
+        <a:lstStyle/>
+        <a:p>
+          <a:pPr lvl="0" algn="l" defTabSz="533400">
+            <a:lnSpc>
+              <a:spcPct val="90000"/>
+            </a:lnSpc>
+            <a:spcBef>
+              <a:spcPct val="0"/>
+            </a:spcBef>
+            <a:spcAft>
+              <a:spcPct val="35000"/>
+            </a:spcAft>
+          </a:pPr>
+          <a:r>
+            <a:rPr lang="en-US" sz="1200" kern="1200" dirty="0" smtClean="0">
+              <a:latin typeface="Cambria" panose="02040503050406030204" pitchFamily="18" charset="0"/>
+            </a:rPr>
+            <a:t>- Slowly</a:t>
+          </a:r>
+        </a:p>
+        <a:p>
+          <a:pPr lvl="0" algn="l" defTabSz="533400">
+            <a:lnSpc>
+              <a:spcPct val="90000"/>
+            </a:lnSpc>
+            <a:spcBef>
+              <a:spcPct val="0"/>
+            </a:spcBef>
+            <a:spcAft>
+              <a:spcPct val="35000"/>
+            </a:spcAft>
+          </a:pPr>
+          <a:r>
+            <a:rPr lang="en-US" sz="1200" kern="1200" dirty="0" smtClean="0">
+              <a:latin typeface="Cambria" panose="02040503050406030204" pitchFamily="18" charset="0"/>
+            </a:rPr>
+            <a:t>- Too many useless information</a:t>
+          </a:r>
+        </a:p>
+      </dsp:txBody>
+      <dsp:txXfrm>
+        <a:off x="1338987" y="416574"/>
+        <a:ext cx="1022591" cy="973579"/>
+      </dsp:txXfrm>
+    </dsp:sp>
+    <dsp:sp modelId="{A6C9ED2E-100A-45F5-ABC8-2A393C977380}">
+      <dsp:nvSpPr>
+        <dsp:cNvPr id="0" name=""/>
+        <dsp:cNvSpPr/>
+      </dsp:nvSpPr>
+      <dsp:spPr>
+        <a:xfrm>
+          <a:off x="0" y="55732"/>
+          <a:ext cx="430298" cy="430298"/>
+        </a:xfrm>
+        <a:prstGeom prst="plus">
+          <a:avLst>
+            <a:gd name="adj" fmla="val 32810"/>
+          </a:avLst>
+        </a:prstGeom>
+        <a:solidFill>
+          <a:schemeClr val="accent1">
+            <a:hueOff val="0"/>
+            <a:satOff val="0"/>
+            <a:lumOff val="0"/>
+            <a:alphaOff val="0"/>
+          </a:schemeClr>
+        </a:solidFill>
+        <a:ln w="15875" cap="rnd" cmpd="sng" algn="ctr">
+          <a:solidFill>
+            <a:schemeClr val="accent1">
+              <a:hueOff val="0"/>
+              <a:satOff val="0"/>
+              <a:lumOff val="0"/>
+              <a:alphaOff val="0"/>
+            </a:schemeClr>
+          </a:solidFill>
+          <a:prstDash val="solid"/>
+        </a:ln>
+        <a:effectLst/>
+      </dsp:spPr>
+      <dsp:style>
+        <a:lnRef idx="2">
+          <a:scrgbClr r="0" g="0" b="0"/>
+        </a:lnRef>
+        <a:fillRef idx="1">
+          <a:scrgbClr r="0" g="0" b="0"/>
+        </a:fillRef>
+        <a:effectRef idx="0">
+          <a:scrgbClr r="0" g="0" b="0"/>
+        </a:effectRef>
+        <a:fontRef idx="minor">
+          <a:schemeClr val="lt1"/>
+        </a:fontRef>
+      </dsp:style>
+    </dsp:sp>
+    <dsp:sp modelId="{A9A8DFEB-C307-4C0A-A8A5-2270527B8796}">
+      <dsp:nvSpPr>
+        <dsp:cNvPr id="0" name=""/>
+        <dsp:cNvSpPr/>
+      </dsp:nvSpPr>
+      <dsp:spPr>
+        <a:xfrm>
+          <a:off x="2126180" y="210477"/>
+          <a:ext cx="404986" cy="138785"/>
+        </a:xfrm>
+        <a:prstGeom prst="rect">
+          <a:avLst/>
+        </a:prstGeom>
+        <a:solidFill>
+          <a:schemeClr val="accent1">
+            <a:hueOff val="0"/>
+            <a:satOff val="0"/>
+            <a:lumOff val="0"/>
+            <a:alphaOff val="0"/>
+          </a:schemeClr>
+        </a:solidFill>
+        <a:ln w="15875" cap="rnd" cmpd="sng" algn="ctr">
+          <a:solidFill>
+            <a:schemeClr val="accent1">
+              <a:hueOff val="0"/>
+              <a:satOff val="0"/>
+              <a:lumOff val="0"/>
+              <a:alphaOff val="0"/>
+            </a:schemeClr>
+          </a:solidFill>
+          <a:prstDash val="solid"/>
+        </a:ln>
+        <a:effectLst/>
+      </dsp:spPr>
+      <dsp:style>
+        <a:lnRef idx="2">
+          <a:scrgbClr r="0" g="0" b="0"/>
+        </a:lnRef>
+        <a:fillRef idx="1">
+          <a:scrgbClr r="0" g="0" b="0"/>
+        </a:fillRef>
+        <a:effectRef idx="0">
+          <a:scrgbClr r="0" g="0" b="0"/>
+        </a:effectRef>
+        <a:fontRef idx="minor">
+          <a:schemeClr val="lt1"/>
+        </a:fontRef>
+      </dsp:style>
+    </dsp:sp>
+    <dsp:sp modelId="{2C1675AD-A0FA-417F-915E-DEFFB7E2E85F}">
+      <dsp:nvSpPr>
+        <dsp:cNvPr id="0" name=""/>
+        <dsp:cNvSpPr/>
+      </dsp:nvSpPr>
+      <dsp:spPr>
+        <a:xfrm>
+          <a:off x="1328862" y="418655"/>
+          <a:ext cx="253" cy="929861"/>
+        </a:xfrm>
+        <a:prstGeom prst="line">
+          <a:avLst/>
+        </a:prstGeom>
+        <a:noFill/>
+        <a:ln w="15875" cap="rnd" cmpd="sng" algn="ctr">
+          <a:solidFill>
+            <a:schemeClr val="accent1">
+              <a:shade val="60000"/>
+              <a:hueOff val="0"/>
+              <a:satOff val="0"/>
+              <a:lumOff val="0"/>
+              <a:alphaOff val="0"/>
+            </a:schemeClr>
+          </a:solidFill>
+          <a:prstDash val="solid"/>
+        </a:ln>
+        <a:effectLst/>
+      </dsp:spPr>
+      <dsp:style>
+        <a:lnRef idx="2">
+          <a:scrgbClr r="0" g="0" b="0"/>
+        </a:lnRef>
+        <a:fillRef idx="0">
+          <a:scrgbClr r="0" g="0" b="0"/>
+        </a:fillRef>
+        <a:effectRef idx="0">
+          <a:scrgbClr r="0" g="0" b="0"/>
+        </a:effectRef>
+        <a:fontRef idx="minor"/>
+      </dsp:style>
+    </dsp:sp>
   </dsp:spTree>
 </dsp:drawing>
 </file>
@@ -14387,6 +17764,342 @@
       <dsp:cNvGrpSpPr/>
     </dsp:nvGrpSpPr>
     <dsp:grpSpPr/>
+    <dsp:sp modelId="{6AB15A4E-709E-43DE-9EEA-6EF81A181430}">
+      <dsp:nvSpPr>
+        <dsp:cNvPr id="0" name=""/>
+        <dsp:cNvSpPr/>
+      </dsp:nvSpPr>
+      <dsp:spPr>
+        <a:xfrm>
+          <a:off x="227805" y="283478"/>
+          <a:ext cx="2202115" cy="1138039"/>
+        </a:xfrm>
+        <a:prstGeom prst="rect">
+          <a:avLst/>
+        </a:prstGeom>
+        <a:solidFill>
+          <a:schemeClr val="accent1">
+            <a:tint val="50000"/>
+            <a:hueOff val="0"/>
+            <a:satOff val="0"/>
+            <a:lumOff val="0"/>
+            <a:alphaOff val="0"/>
+          </a:schemeClr>
+        </a:solidFill>
+        <a:ln w="15875" cap="rnd" cmpd="sng" algn="ctr">
+          <a:solidFill>
+            <a:schemeClr val="lt1">
+              <a:hueOff val="0"/>
+              <a:satOff val="0"/>
+              <a:lumOff val="0"/>
+              <a:alphaOff val="0"/>
+            </a:schemeClr>
+          </a:solidFill>
+          <a:prstDash val="solid"/>
+        </a:ln>
+        <a:effectLst/>
+      </dsp:spPr>
+      <dsp:style>
+        <a:lnRef idx="2">
+          <a:scrgbClr r="0" g="0" b="0"/>
+        </a:lnRef>
+        <a:fillRef idx="1">
+          <a:scrgbClr r="0" g="0" b="0"/>
+        </a:fillRef>
+        <a:effectRef idx="0">
+          <a:scrgbClr r="0" g="0" b="0"/>
+        </a:effectRef>
+        <a:fontRef idx="minor"/>
+      </dsp:style>
+    </dsp:sp>
+    <dsp:sp modelId="{E69268A9-1251-4981-95E9-498E494EFF5C}">
+      <dsp:nvSpPr>
+        <dsp:cNvPr id="0" name=""/>
+        <dsp:cNvSpPr/>
+      </dsp:nvSpPr>
+      <dsp:spPr>
+        <a:xfrm>
+          <a:off x="293615" y="416574"/>
+          <a:ext cx="1022591" cy="973579"/>
+        </a:xfrm>
+        <a:prstGeom prst="rect">
+          <a:avLst/>
+        </a:prstGeom>
+        <a:noFill/>
+        <a:ln>
+          <a:noFill/>
+        </a:ln>
+        <a:effectLst/>
+      </dsp:spPr>
+      <dsp:style>
+        <a:lnRef idx="0">
+          <a:scrgbClr r="0" g="0" b="0"/>
+        </a:lnRef>
+        <a:fillRef idx="0">
+          <a:scrgbClr r="0" g="0" b="0"/>
+        </a:fillRef>
+        <a:effectRef idx="0">
+          <a:scrgbClr r="0" g="0" b="0"/>
+        </a:effectRef>
+        <a:fontRef idx="minor"/>
+      </dsp:style>
+      <dsp:txBody>
+        <a:bodyPr spcFirstLastPara="0" vert="horz" wrap="square" lIns="22860" tIns="22860" rIns="22860" bIns="22860" numCol="1" spcCol="1270" anchor="t" anchorCtr="0">
+          <a:noAutofit/>
+        </a:bodyPr>
+        <a:lstStyle/>
+        <a:p>
+          <a:pPr lvl="0" algn="l" defTabSz="533400">
+            <a:lnSpc>
+              <a:spcPct val="90000"/>
+            </a:lnSpc>
+            <a:spcBef>
+              <a:spcPct val="0"/>
+            </a:spcBef>
+            <a:spcAft>
+              <a:spcPct val="35000"/>
+            </a:spcAft>
+          </a:pPr>
+          <a:r>
+            <a:rPr lang="en-US" sz="1200" kern="1200" dirty="0" smtClean="0">
+              <a:latin typeface="Cambria" panose="02040503050406030204" pitchFamily="18" charset="0"/>
+            </a:rPr>
+            <a:t>- Easy to user</a:t>
+          </a:r>
+          <a:endParaRPr lang="en-US" sz="1200" kern="1200" dirty="0">
+            <a:latin typeface="Cambria" panose="02040503050406030204" pitchFamily="18" charset="0"/>
+          </a:endParaRPr>
+        </a:p>
+      </dsp:txBody>
+      <dsp:txXfrm>
+        <a:off x="293615" y="416574"/>
+        <a:ext cx="1022591" cy="973579"/>
+      </dsp:txXfrm>
+    </dsp:sp>
+    <dsp:sp modelId="{6590E468-E039-4146-89ED-69ABD8075F89}">
+      <dsp:nvSpPr>
+        <dsp:cNvPr id="0" name=""/>
+        <dsp:cNvSpPr/>
+      </dsp:nvSpPr>
+      <dsp:spPr>
+        <a:xfrm>
+          <a:off x="1338987" y="416574"/>
+          <a:ext cx="1022591" cy="973579"/>
+        </a:xfrm>
+        <a:prstGeom prst="rect">
+          <a:avLst/>
+        </a:prstGeom>
+        <a:noFill/>
+        <a:ln>
+          <a:noFill/>
+        </a:ln>
+        <a:effectLst/>
+      </dsp:spPr>
+      <dsp:style>
+        <a:lnRef idx="0">
+          <a:scrgbClr r="0" g="0" b="0"/>
+        </a:lnRef>
+        <a:fillRef idx="0">
+          <a:scrgbClr r="0" g="0" b="0"/>
+        </a:fillRef>
+        <a:effectRef idx="0">
+          <a:scrgbClr r="0" g="0" b="0"/>
+        </a:effectRef>
+        <a:fontRef idx="minor"/>
+      </dsp:style>
+      <dsp:txBody>
+        <a:bodyPr spcFirstLastPara="0" vert="horz" wrap="square" lIns="22860" tIns="22860" rIns="22860" bIns="22860" numCol="1" spcCol="1270" anchor="t" anchorCtr="0">
+          <a:noAutofit/>
+        </a:bodyPr>
+        <a:lstStyle/>
+        <a:p>
+          <a:pPr lvl="0" algn="l" defTabSz="533400">
+            <a:lnSpc>
+              <a:spcPct val="90000"/>
+            </a:lnSpc>
+            <a:spcBef>
+              <a:spcPct val="0"/>
+            </a:spcBef>
+            <a:spcAft>
+              <a:spcPct val="35000"/>
+            </a:spcAft>
+          </a:pPr>
+          <a:r>
+            <a:rPr lang="en-US" sz="1200" kern="1200" dirty="0" smtClean="0">
+              <a:latin typeface="Cambria" panose="02040503050406030204" pitchFamily="18" charset="0"/>
+            </a:rPr>
+            <a:t>- Slowly</a:t>
+          </a:r>
+        </a:p>
+        <a:p>
+          <a:pPr lvl="0" algn="l" defTabSz="533400">
+            <a:lnSpc>
+              <a:spcPct val="90000"/>
+            </a:lnSpc>
+            <a:spcBef>
+              <a:spcPct val="0"/>
+            </a:spcBef>
+            <a:spcAft>
+              <a:spcPct val="35000"/>
+            </a:spcAft>
+          </a:pPr>
+          <a:r>
+            <a:rPr lang="en-US" sz="1200" kern="1200" dirty="0" smtClean="0">
+              <a:latin typeface="Cambria" panose="02040503050406030204" pitchFamily="18" charset="0"/>
+            </a:rPr>
+            <a:t>- Few information</a:t>
+          </a:r>
+          <a:endParaRPr lang="en-US" sz="1200" kern="1200" dirty="0">
+            <a:latin typeface="Cambria" panose="02040503050406030204" pitchFamily="18" charset="0"/>
+          </a:endParaRPr>
+        </a:p>
+      </dsp:txBody>
+      <dsp:txXfrm>
+        <a:off x="1338987" y="416574"/>
+        <a:ext cx="1022591" cy="973579"/>
+      </dsp:txXfrm>
+    </dsp:sp>
+    <dsp:sp modelId="{A6C9ED2E-100A-45F5-ABC8-2A393C977380}">
+      <dsp:nvSpPr>
+        <dsp:cNvPr id="0" name=""/>
+        <dsp:cNvSpPr/>
+      </dsp:nvSpPr>
+      <dsp:spPr>
+        <a:xfrm>
+          <a:off x="0" y="55732"/>
+          <a:ext cx="430298" cy="430298"/>
+        </a:xfrm>
+        <a:prstGeom prst="plus">
+          <a:avLst>
+            <a:gd name="adj" fmla="val 32810"/>
+          </a:avLst>
+        </a:prstGeom>
+        <a:solidFill>
+          <a:schemeClr val="accent1">
+            <a:hueOff val="0"/>
+            <a:satOff val="0"/>
+            <a:lumOff val="0"/>
+            <a:alphaOff val="0"/>
+          </a:schemeClr>
+        </a:solidFill>
+        <a:ln w="15875" cap="rnd" cmpd="sng" algn="ctr">
+          <a:solidFill>
+            <a:schemeClr val="accent1">
+              <a:hueOff val="0"/>
+              <a:satOff val="0"/>
+              <a:lumOff val="0"/>
+              <a:alphaOff val="0"/>
+            </a:schemeClr>
+          </a:solidFill>
+          <a:prstDash val="solid"/>
+        </a:ln>
+        <a:effectLst/>
+      </dsp:spPr>
+      <dsp:style>
+        <a:lnRef idx="2">
+          <a:scrgbClr r="0" g="0" b="0"/>
+        </a:lnRef>
+        <a:fillRef idx="1">
+          <a:scrgbClr r="0" g="0" b="0"/>
+        </a:fillRef>
+        <a:effectRef idx="0">
+          <a:scrgbClr r="0" g="0" b="0"/>
+        </a:effectRef>
+        <a:fontRef idx="minor">
+          <a:schemeClr val="lt1"/>
+        </a:fontRef>
+      </dsp:style>
+    </dsp:sp>
+    <dsp:sp modelId="{A9A8DFEB-C307-4C0A-A8A5-2270527B8796}">
+      <dsp:nvSpPr>
+        <dsp:cNvPr id="0" name=""/>
+        <dsp:cNvSpPr/>
+      </dsp:nvSpPr>
+      <dsp:spPr>
+        <a:xfrm>
+          <a:off x="2126180" y="210477"/>
+          <a:ext cx="404986" cy="138785"/>
+        </a:xfrm>
+        <a:prstGeom prst="rect">
+          <a:avLst/>
+        </a:prstGeom>
+        <a:solidFill>
+          <a:schemeClr val="accent1">
+            <a:hueOff val="0"/>
+            <a:satOff val="0"/>
+            <a:lumOff val="0"/>
+            <a:alphaOff val="0"/>
+          </a:schemeClr>
+        </a:solidFill>
+        <a:ln w="15875" cap="rnd" cmpd="sng" algn="ctr">
+          <a:solidFill>
+            <a:schemeClr val="accent1">
+              <a:hueOff val="0"/>
+              <a:satOff val="0"/>
+              <a:lumOff val="0"/>
+              <a:alphaOff val="0"/>
+            </a:schemeClr>
+          </a:solidFill>
+          <a:prstDash val="solid"/>
+        </a:ln>
+        <a:effectLst/>
+      </dsp:spPr>
+      <dsp:style>
+        <a:lnRef idx="2">
+          <a:scrgbClr r="0" g="0" b="0"/>
+        </a:lnRef>
+        <a:fillRef idx="1">
+          <a:scrgbClr r="0" g="0" b="0"/>
+        </a:fillRef>
+        <a:effectRef idx="0">
+          <a:scrgbClr r="0" g="0" b="0"/>
+        </a:effectRef>
+        <a:fontRef idx="minor">
+          <a:schemeClr val="lt1"/>
+        </a:fontRef>
+      </dsp:style>
+    </dsp:sp>
+    <dsp:sp modelId="{2C1675AD-A0FA-417F-915E-DEFFB7E2E85F}">
+      <dsp:nvSpPr>
+        <dsp:cNvPr id="0" name=""/>
+        <dsp:cNvSpPr/>
+      </dsp:nvSpPr>
+      <dsp:spPr>
+        <a:xfrm>
+          <a:off x="1328862" y="418655"/>
+          <a:ext cx="253" cy="929861"/>
+        </a:xfrm>
+        <a:prstGeom prst="line">
+          <a:avLst/>
+        </a:prstGeom>
+        <a:noFill/>
+        <a:ln w="15875" cap="rnd" cmpd="sng" algn="ctr">
+          <a:solidFill>
+            <a:schemeClr val="accent1">
+              <a:shade val="60000"/>
+              <a:hueOff val="0"/>
+              <a:satOff val="0"/>
+              <a:lumOff val="0"/>
+              <a:alphaOff val="0"/>
+            </a:schemeClr>
+          </a:solidFill>
+          <a:prstDash val="solid"/>
+        </a:ln>
+        <a:effectLst/>
+      </dsp:spPr>
+      <dsp:style>
+        <a:lnRef idx="2">
+          <a:scrgbClr r="0" g="0" b="0"/>
+        </a:lnRef>
+        <a:fillRef idx="0">
+          <a:scrgbClr r="0" g="0" b="0"/>
+        </a:fillRef>
+        <a:effectRef idx="0">
+          <a:scrgbClr r="0" g="0" b="0"/>
+        </a:effectRef>
+        <a:fontRef idx="minor"/>
+      </dsp:style>
+    </dsp:sp>
   </dsp:spTree>
 </dsp:drawing>
 </file>
@@ -14690,6 +18403,633 @@
       <dsp:cNvGrpSpPr/>
     </dsp:nvGrpSpPr>
     <dsp:grpSpPr/>
+    <dsp:sp modelId="{854D71A8-36EA-4778-98B0-40BC2D62D853}">
+      <dsp:nvSpPr>
+        <dsp:cNvPr id="0" name=""/>
+        <dsp:cNvSpPr/>
+      </dsp:nvSpPr>
+      <dsp:spPr>
+        <a:xfrm>
+          <a:off x="798" y="935838"/>
+          <a:ext cx="1769779" cy="1499523"/>
+        </a:xfrm>
+        <a:prstGeom prst="rect">
+          <a:avLst/>
+        </a:prstGeom>
+        <a:blipFill rotWithShape="1">
+          <a:blip xmlns:r="http://schemas.openxmlformats.org/officeDocument/2006/relationships" r:embed="rId1"/>
+          <a:stretch>
+            <a:fillRect/>
+          </a:stretch>
+        </a:blipFill>
+        <a:ln w="15875" cap="rnd" cmpd="sng" algn="ctr">
+          <a:solidFill>
+            <a:schemeClr val="lt1">
+              <a:hueOff val="0"/>
+              <a:satOff val="0"/>
+              <a:lumOff val="0"/>
+              <a:alphaOff val="0"/>
+            </a:schemeClr>
+          </a:solidFill>
+          <a:prstDash val="solid"/>
+        </a:ln>
+        <a:effectLst/>
+      </dsp:spPr>
+      <dsp:style>
+        <a:lnRef idx="2">
+          <a:scrgbClr r="0" g="0" b="0"/>
+        </a:lnRef>
+        <a:fillRef idx="1">
+          <a:scrgbClr r="0" g="0" b="0"/>
+        </a:fillRef>
+        <a:effectRef idx="0">
+          <a:scrgbClr r="0" g="0" b="0"/>
+        </a:effectRef>
+        <a:fontRef idx="minor"/>
+      </dsp:style>
+    </dsp:sp>
+    <dsp:sp modelId="{AE1D5346-67F4-4737-8792-EB905252FC43}">
+      <dsp:nvSpPr>
+        <dsp:cNvPr id="0" name=""/>
+        <dsp:cNvSpPr/>
+      </dsp:nvSpPr>
+      <dsp:spPr>
+        <a:xfrm>
+          <a:off x="798" y="649911"/>
+          <a:ext cx="1769779" cy="258212"/>
+        </a:xfrm>
+        <a:prstGeom prst="rect">
+          <a:avLst/>
+        </a:prstGeom>
+        <a:solidFill>
+          <a:schemeClr val="accent1">
+            <a:hueOff val="0"/>
+            <a:satOff val="0"/>
+            <a:lumOff val="0"/>
+            <a:alphaOff val="0"/>
+          </a:schemeClr>
+        </a:solidFill>
+        <a:ln w="15875" cap="rnd" cmpd="sng" algn="ctr">
+          <a:solidFill>
+            <a:schemeClr val="lt1">
+              <a:hueOff val="0"/>
+              <a:satOff val="0"/>
+              <a:lumOff val="0"/>
+              <a:alphaOff val="0"/>
+            </a:schemeClr>
+          </a:solidFill>
+          <a:prstDash val="solid"/>
+        </a:ln>
+        <a:effectLst/>
+      </dsp:spPr>
+      <dsp:style>
+        <a:lnRef idx="2">
+          <a:scrgbClr r="0" g="0" b="0"/>
+        </a:lnRef>
+        <a:fillRef idx="1">
+          <a:scrgbClr r="0" g="0" b="0"/>
+        </a:fillRef>
+        <a:effectRef idx="0">
+          <a:scrgbClr r="0" g="0" b="0"/>
+        </a:effectRef>
+        <a:fontRef idx="minor">
+          <a:schemeClr val="lt1"/>
+        </a:fontRef>
+      </dsp:style>
+      <dsp:txBody>
+        <a:bodyPr spcFirstLastPara="0" vert="horz" wrap="square" lIns="45720" tIns="45720" rIns="45720" bIns="45720" numCol="1" spcCol="1270" anchor="ctr" anchorCtr="0">
+          <a:noAutofit/>
+        </a:bodyPr>
+        <a:lstStyle/>
+        <a:p>
+          <a:pPr lvl="0" algn="ctr" defTabSz="533400">
+            <a:lnSpc>
+              <a:spcPct val="90000"/>
+            </a:lnSpc>
+            <a:spcBef>
+              <a:spcPct val="0"/>
+            </a:spcBef>
+            <a:spcAft>
+              <a:spcPct val="35000"/>
+            </a:spcAft>
+          </a:pPr>
+          <a:r>
+            <a:rPr lang="en-US" sz="1200" kern="1200" dirty="0" smtClean="0">
+              <a:latin typeface="Cambria" panose="02040503050406030204" pitchFamily="18" charset="0"/>
+            </a:rPr>
+            <a:t>Recognition</a:t>
+          </a:r>
+          <a:endParaRPr lang="en-US" sz="1200" kern="1200" dirty="0">
+            <a:latin typeface="Cambria" panose="02040503050406030204" pitchFamily="18" charset="0"/>
+          </a:endParaRPr>
+        </a:p>
+      </dsp:txBody>
+      <dsp:txXfrm>
+        <a:off x="798" y="649911"/>
+        <a:ext cx="1769779" cy="258212"/>
+      </dsp:txXfrm>
+    </dsp:sp>
+    <dsp:sp modelId="{49DED74B-2D8F-4997-B467-01E4313E4674}">
+      <dsp:nvSpPr>
+        <dsp:cNvPr id="0" name=""/>
+        <dsp:cNvSpPr/>
+      </dsp:nvSpPr>
+      <dsp:spPr>
+        <a:xfrm>
+          <a:off x="2682484" y="935838"/>
+          <a:ext cx="1692439" cy="1499523"/>
+        </a:xfrm>
+        <a:prstGeom prst="rect">
+          <a:avLst/>
+        </a:prstGeom>
+        <a:blipFill rotWithShape="1">
+          <a:blip xmlns:r="http://schemas.openxmlformats.org/officeDocument/2006/relationships" r:embed="rId2"/>
+          <a:stretch>
+            <a:fillRect/>
+          </a:stretch>
+        </a:blipFill>
+        <a:ln w="15875" cap="rnd" cmpd="sng" algn="ctr">
+          <a:solidFill>
+            <a:schemeClr val="lt1">
+              <a:hueOff val="0"/>
+              <a:satOff val="0"/>
+              <a:lumOff val="0"/>
+              <a:alphaOff val="0"/>
+            </a:schemeClr>
+          </a:solidFill>
+          <a:prstDash val="solid"/>
+        </a:ln>
+        <a:effectLst/>
+      </dsp:spPr>
+      <dsp:style>
+        <a:lnRef idx="2">
+          <a:scrgbClr r="0" g="0" b="0"/>
+        </a:lnRef>
+        <a:fillRef idx="1">
+          <a:scrgbClr r="0" g="0" b="0"/>
+        </a:fillRef>
+        <a:effectRef idx="0">
+          <a:scrgbClr r="0" g="0" b="0"/>
+        </a:effectRef>
+        <a:fontRef idx="minor"/>
+      </dsp:style>
+    </dsp:sp>
+    <dsp:sp modelId="{C26CC18F-A850-4080-987C-291C12581110}">
+      <dsp:nvSpPr>
+        <dsp:cNvPr id="0" name=""/>
+        <dsp:cNvSpPr/>
+      </dsp:nvSpPr>
+      <dsp:spPr>
+        <a:xfrm>
+          <a:off x="2643815" y="649911"/>
+          <a:ext cx="1769779" cy="258212"/>
+        </a:xfrm>
+        <a:prstGeom prst="rect">
+          <a:avLst/>
+        </a:prstGeom>
+        <a:solidFill>
+          <a:schemeClr val="accent1">
+            <a:hueOff val="0"/>
+            <a:satOff val="0"/>
+            <a:lumOff val="0"/>
+            <a:alphaOff val="0"/>
+          </a:schemeClr>
+        </a:solidFill>
+        <a:ln w="15875" cap="rnd" cmpd="sng" algn="ctr">
+          <a:solidFill>
+            <a:schemeClr val="lt1">
+              <a:hueOff val="0"/>
+              <a:satOff val="0"/>
+              <a:lumOff val="0"/>
+              <a:alphaOff val="0"/>
+            </a:schemeClr>
+          </a:solidFill>
+          <a:prstDash val="solid"/>
+        </a:ln>
+        <a:effectLst/>
+      </dsp:spPr>
+      <dsp:style>
+        <a:lnRef idx="2">
+          <a:scrgbClr r="0" g="0" b="0"/>
+        </a:lnRef>
+        <a:fillRef idx="1">
+          <a:scrgbClr r="0" g="0" b="0"/>
+        </a:fillRef>
+        <a:effectRef idx="0">
+          <a:scrgbClr r="0" g="0" b="0"/>
+        </a:effectRef>
+        <a:fontRef idx="minor">
+          <a:schemeClr val="lt1"/>
+        </a:fontRef>
+      </dsp:style>
+      <dsp:txBody>
+        <a:bodyPr spcFirstLastPara="0" vert="horz" wrap="square" lIns="45720" tIns="45720" rIns="45720" bIns="45720" numCol="1" spcCol="1270" anchor="ctr" anchorCtr="0">
+          <a:noAutofit/>
+        </a:bodyPr>
+        <a:lstStyle/>
+        <a:p>
+          <a:pPr lvl="0" algn="ctr" defTabSz="533400">
+            <a:lnSpc>
+              <a:spcPct val="90000"/>
+            </a:lnSpc>
+            <a:spcBef>
+              <a:spcPct val="0"/>
+            </a:spcBef>
+            <a:spcAft>
+              <a:spcPct val="35000"/>
+            </a:spcAft>
+          </a:pPr>
+          <a:r>
+            <a:rPr lang="en-US" sz="1200" kern="1200" dirty="0" smtClean="0">
+              <a:latin typeface="Cambria" panose="02040503050406030204" pitchFamily="18" charset="0"/>
+            </a:rPr>
+            <a:t>Application</a:t>
+          </a:r>
+          <a:endParaRPr lang="en-US" sz="1200" kern="1200" dirty="0">
+            <a:latin typeface="Cambria" panose="02040503050406030204" pitchFamily="18" charset="0"/>
+          </a:endParaRPr>
+        </a:p>
+      </dsp:txBody>
+      <dsp:txXfrm>
+        <a:off x="2643815" y="649911"/>
+        <a:ext cx="1769779" cy="258212"/>
+      </dsp:txXfrm>
+    </dsp:sp>
+    <dsp:sp modelId="{E5891906-60E8-4B57-94FB-33B3A6A919F6}">
+      <dsp:nvSpPr>
+        <dsp:cNvPr id="0" name=""/>
+        <dsp:cNvSpPr/>
+      </dsp:nvSpPr>
+      <dsp:spPr>
+        <a:xfrm>
+          <a:off x="5286831" y="935838"/>
+          <a:ext cx="1769779" cy="1499523"/>
+        </a:xfrm>
+        <a:prstGeom prst="rect">
+          <a:avLst/>
+        </a:prstGeom>
+        <a:blipFill rotWithShape="1">
+          <a:blip xmlns:r="http://schemas.openxmlformats.org/officeDocument/2006/relationships" r:embed="rId3"/>
+          <a:stretch>
+            <a:fillRect/>
+          </a:stretch>
+        </a:blipFill>
+        <a:ln w="15875" cap="rnd" cmpd="sng" algn="ctr">
+          <a:solidFill>
+            <a:schemeClr val="lt1">
+              <a:hueOff val="0"/>
+              <a:satOff val="0"/>
+              <a:lumOff val="0"/>
+              <a:alphaOff val="0"/>
+            </a:schemeClr>
+          </a:solidFill>
+          <a:prstDash val="solid"/>
+        </a:ln>
+        <a:effectLst/>
+      </dsp:spPr>
+      <dsp:style>
+        <a:lnRef idx="2">
+          <a:scrgbClr r="0" g="0" b="0"/>
+        </a:lnRef>
+        <a:fillRef idx="1">
+          <a:scrgbClr r="0" g="0" b="0"/>
+        </a:fillRef>
+        <a:effectRef idx="0">
+          <a:scrgbClr r="0" g="0" b="0"/>
+        </a:effectRef>
+        <a:fontRef idx="minor"/>
+      </dsp:style>
+    </dsp:sp>
+    <dsp:sp modelId="{1BD4E228-817F-48B2-8F08-BD3C5B6C086F}">
+      <dsp:nvSpPr>
+        <dsp:cNvPr id="0" name=""/>
+        <dsp:cNvSpPr/>
+      </dsp:nvSpPr>
+      <dsp:spPr>
+        <a:xfrm>
+          <a:off x="5286831" y="649911"/>
+          <a:ext cx="1769779" cy="258212"/>
+        </a:xfrm>
+        <a:prstGeom prst="rect">
+          <a:avLst/>
+        </a:prstGeom>
+        <a:solidFill>
+          <a:schemeClr val="accent1">
+            <a:hueOff val="0"/>
+            <a:satOff val="0"/>
+            <a:lumOff val="0"/>
+            <a:alphaOff val="0"/>
+          </a:schemeClr>
+        </a:solidFill>
+        <a:ln w="15875" cap="rnd" cmpd="sng" algn="ctr">
+          <a:solidFill>
+            <a:schemeClr val="lt1">
+              <a:hueOff val="0"/>
+              <a:satOff val="0"/>
+              <a:lumOff val="0"/>
+              <a:alphaOff val="0"/>
+            </a:schemeClr>
+          </a:solidFill>
+          <a:prstDash val="solid"/>
+        </a:ln>
+        <a:effectLst/>
+      </dsp:spPr>
+      <dsp:style>
+        <a:lnRef idx="2">
+          <a:scrgbClr r="0" g="0" b="0"/>
+        </a:lnRef>
+        <a:fillRef idx="1">
+          <a:scrgbClr r="0" g="0" b="0"/>
+        </a:fillRef>
+        <a:effectRef idx="0">
+          <a:scrgbClr r="0" g="0" b="0"/>
+        </a:effectRef>
+        <a:fontRef idx="minor">
+          <a:schemeClr val="lt1"/>
+        </a:fontRef>
+      </dsp:style>
+      <dsp:txBody>
+        <a:bodyPr spcFirstLastPara="0" vert="horz" wrap="square" lIns="41910" tIns="41910" rIns="41910" bIns="41910" numCol="1" spcCol="1270" anchor="ctr" anchorCtr="0">
+          <a:noAutofit/>
+        </a:bodyPr>
+        <a:lstStyle/>
+        <a:p>
+          <a:pPr lvl="0" algn="ctr" defTabSz="488950">
+            <a:lnSpc>
+              <a:spcPct val="90000"/>
+            </a:lnSpc>
+            <a:spcBef>
+              <a:spcPct val="0"/>
+            </a:spcBef>
+            <a:spcAft>
+              <a:spcPct val="35000"/>
+            </a:spcAft>
+          </a:pPr>
+          <a:r>
+            <a:rPr lang="en-US" sz="1100" kern="1200" dirty="0" smtClean="0">
+              <a:latin typeface="Cambria" panose="02040503050406030204" pitchFamily="18" charset="0"/>
+            </a:rPr>
+            <a:t>Training traffic sign</a:t>
+          </a:r>
+        </a:p>
+      </dsp:txBody>
+      <dsp:txXfrm>
+        <a:off x="5286831" y="649911"/>
+        <a:ext cx="1769779" cy="258212"/>
+      </dsp:txXfrm>
+    </dsp:sp>
+    <dsp:sp modelId="{1941AA1A-C5F1-473E-BE11-7918CDAD83C2}">
+      <dsp:nvSpPr>
+        <dsp:cNvPr id="0" name=""/>
+        <dsp:cNvSpPr/>
+      </dsp:nvSpPr>
+      <dsp:spPr>
+        <a:xfrm>
+          <a:off x="1322306" y="2958619"/>
+          <a:ext cx="1769779" cy="1499523"/>
+        </a:xfrm>
+        <a:prstGeom prst="rect">
+          <a:avLst/>
+        </a:prstGeom>
+        <a:blipFill rotWithShape="1">
+          <a:blip xmlns:r="http://schemas.openxmlformats.org/officeDocument/2006/relationships" r:embed="rId4"/>
+          <a:stretch>
+            <a:fillRect/>
+          </a:stretch>
+        </a:blipFill>
+        <a:ln w="15875" cap="rnd" cmpd="sng" algn="ctr">
+          <a:solidFill>
+            <a:schemeClr val="lt1">
+              <a:hueOff val="0"/>
+              <a:satOff val="0"/>
+              <a:lumOff val="0"/>
+              <a:alphaOff val="0"/>
+            </a:schemeClr>
+          </a:solidFill>
+          <a:prstDash val="solid"/>
+        </a:ln>
+        <a:effectLst/>
+      </dsp:spPr>
+      <dsp:style>
+        <a:lnRef idx="2">
+          <a:scrgbClr r="0" g="0" b="0"/>
+        </a:lnRef>
+        <a:fillRef idx="1">
+          <a:scrgbClr r="0" g="0" b="0"/>
+        </a:fillRef>
+        <a:effectRef idx="0">
+          <a:scrgbClr r="0" g="0" b="0"/>
+        </a:effectRef>
+        <a:fontRef idx="minor"/>
+      </dsp:style>
+    </dsp:sp>
+    <dsp:sp modelId="{3F95C737-58AE-48F3-B57F-11148DF1767D}">
+      <dsp:nvSpPr>
+        <dsp:cNvPr id="0" name=""/>
+        <dsp:cNvSpPr/>
+      </dsp:nvSpPr>
+      <dsp:spPr>
+        <a:xfrm>
+          <a:off x="1322306" y="2672692"/>
+          <a:ext cx="1769779" cy="258212"/>
+        </a:xfrm>
+        <a:prstGeom prst="rect">
+          <a:avLst/>
+        </a:prstGeom>
+        <a:solidFill>
+          <a:schemeClr val="accent1">
+            <a:hueOff val="0"/>
+            <a:satOff val="0"/>
+            <a:lumOff val="0"/>
+            <a:alphaOff val="0"/>
+          </a:schemeClr>
+        </a:solidFill>
+        <a:ln w="15875" cap="rnd" cmpd="sng" algn="ctr">
+          <a:solidFill>
+            <a:schemeClr val="lt1">
+              <a:hueOff val="0"/>
+              <a:satOff val="0"/>
+              <a:lumOff val="0"/>
+              <a:alphaOff val="0"/>
+            </a:schemeClr>
+          </a:solidFill>
+          <a:prstDash val="solid"/>
+        </a:ln>
+        <a:effectLst/>
+      </dsp:spPr>
+      <dsp:style>
+        <a:lnRef idx="2">
+          <a:scrgbClr r="0" g="0" b="0"/>
+        </a:lnRef>
+        <a:fillRef idx="1">
+          <a:scrgbClr r="0" g="0" b="0"/>
+        </a:fillRef>
+        <a:effectRef idx="0">
+          <a:scrgbClr r="0" g="0" b="0"/>
+        </a:effectRef>
+        <a:fontRef idx="minor">
+          <a:schemeClr val="lt1"/>
+        </a:fontRef>
+      </dsp:style>
+      <dsp:txBody>
+        <a:bodyPr spcFirstLastPara="0" vert="horz" wrap="square" lIns="45720" tIns="45720" rIns="45720" bIns="45720" numCol="1" spcCol="1270" anchor="ctr" anchorCtr="0">
+          <a:noAutofit/>
+        </a:bodyPr>
+        <a:lstStyle/>
+        <a:p>
+          <a:pPr lvl="0" algn="ctr" defTabSz="533400">
+            <a:lnSpc>
+              <a:spcPct val="90000"/>
+            </a:lnSpc>
+            <a:spcBef>
+              <a:spcPct val="0"/>
+            </a:spcBef>
+            <a:spcAft>
+              <a:spcPct val="35000"/>
+            </a:spcAft>
+          </a:pPr>
+          <a:r>
+            <a:rPr lang="en-US" sz="1200" kern="1200" dirty="0" smtClean="0">
+              <a:latin typeface="Cambria" panose="02040503050406030204" pitchFamily="18" charset="0"/>
+            </a:rPr>
+            <a:t>Learning</a:t>
+          </a:r>
+          <a:endParaRPr lang="en-US" sz="1200" kern="1200" dirty="0">
+            <a:latin typeface="Cambria" panose="02040503050406030204" pitchFamily="18" charset="0"/>
+          </a:endParaRPr>
+        </a:p>
+      </dsp:txBody>
+      <dsp:txXfrm>
+        <a:off x="1322306" y="2672692"/>
+        <a:ext cx="1769779" cy="258212"/>
+      </dsp:txXfrm>
+    </dsp:sp>
+    <dsp:sp modelId="{8FDBD94E-4974-489B-949D-115A82B808D3}">
+      <dsp:nvSpPr>
+        <dsp:cNvPr id="0" name=""/>
+        <dsp:cNvSpPr/>
+      </dsp:nvSpPr>
+      <dsp:spPr>
+        <a:xfrm>
+          <a:off x="3965323" y="2958619"/>
+          <a:ext cx="1769779" cy="1499523"/>
+        </a:xfrm>
+        <a:prstGeom prst="rect">
+          <a:avLst/>
+        </a:prstGeom>
+        <a:blipFill rotWithShape="1">
+          <a:blip xmlns:r="http://schemas.openxmlformats.org/officeDocument/2006/relationships" r:embed="rId5"/>
+          <a:stretch>
+            <a:fillRect/>
+          </a:stretch>
+        </a:blipFill>
+        <a:ln w="15875" cap="rnd" cmpd="sng" algn="ctr">
+          <a:solidFill>
+            <a:schemeClr val="lt1">
+              <a:hueOff val="0"/>
+              <a:satOff val="0"/>
+              <a:lumOff val="0"/>
+              <a:alphaOff val="0"/>
+            </a:schemeClr>
+          </a:solidFill>
+          <a:prstDash val="solid"/>
+        </a:ln>
+        <a:effectLst/>
+      </dsp:spPr>
+      <dsp:style>
+        <a:lnRef idx="2">
+          <a:scrgbClr r="0" g="0" b="0"/>
+        </a:lnRef>
+        <a:fillRef idx="1">
+          <a:scrgbClr r="0" g="0" b="0"/>
+        </a:fillRef>
+        <a:effectRef idx="0">
+          <a:scrgbClr r="0" g="0" b="0"/>
+        </a:effectRef>
+        <a:fontRef idx="minor"/>
+      </dsp:style>
+    </dsp:sp>
+    <dsp:sp modelId="{28784374-6893-4735-AB63-AEB290250270}">
+      <dsp:nvSpPr>
+        <dsp:cNvPr id="0" name=""/>
+        <dsp:cNvSpPr/>
+      </dsp:nvSpPr>
+      <dsp:spPr>
+        <a:xfrm>
+          <a:off x="3965323" y="2672692"/>
+          <a:ext cx="1769779" cy="258212"/>
+        </a:xfrm>
+        <a:prstGeom prst="rect">
+          <a:avLst/>
+        </a:prstGeom>
+        <a:solidFill>
+          <a:schemeClr val="accent1">
+            <a:hueOff val="0"/>
+            <a:satOff val="0"/>
+            <a:lumOff val="0"/>
+            <a:alphaOff val="0"/>
+          </a:schemeClr>
+        </a:solidFill>
+        <a:ln w="15875" cap="rnd" cmpd="sng" algn="ctr">
+          <a:solidFill>
+            <a:schemeClr val="lt1">
+              <a:hueOff val="0"/>
+              <a:satOff val="0"/>
+              <a:lumOff val="0"/>
+              <a:alphaOff val="0"/>
+            </a:schemeClr>
+          </a:solidFill>
+          <a:prstDash val="solid"/>
+        </a:ln>
+        <a:effectLst/>
+      </dsp:spPr>
+      <dsp:style>
+        <a:lnRef idx="2">
+          <a:scrgbClr r="0" g="0" b="0"/>
+        </a:lnRef>
+        <a:fillRef idx="1">
+          <a:scrgbClr r="0" g="0" b="0"/>
+        </a:fillRef>
+        <a:effectRef idx="0">
+          <a:scrgbClr r="0" g="0" b="0"/>
+        </a:effectRef>
+        <a:fontRef idx="minor">
+          <a:schemeClr val="lt1"/>
+        </a:fontRef>
+      </dsp:style>
+      <dsp:txBody>
+        <a:bodyPr spcFirstLastPara="0" vert="horz" wrap="square" lIns="45720" tIns="45720" rIns="45720" bIns="45720" numCol="1" spcCol="1270" anchor="ctr" anchorCtr="0">
+          <a:noAutofit/>
+        </a:bodyPr>
+        <a:lstStyle/>
+        <a:p>
+          <a:pPr lvl="0" algn="ctr" defTabSz="533400">
+            <a:lnSpc>
+              <a:spcPct val="90000"/>
+            </a:lnSpc>
+            <a:spcBef>
+              <a:spcPct val="0"/>
+            </a:spcBef>
+            <a:spcAft>
+              <a:spcPct val="35000"/>
+            </a:spcAft>
+          </a:pPr>
+          <a:r>
+            <a:rPr lang="en-US" sz="1200" kern="1200" dirty="0" smtClean="0">
+              <a:latin typeface="Cambria" panose="02040503050406030204" pitchFamily="18" charset="0"/>
+            </a:rPr>
+            <a:t>Sync data</a:t>
+          </a:r>
+          <a:endParaRPr lang="en-US" sz="1200" kern="1200" dirty="0">
+            <a:latin typeface="Cambria" panose="02040503050406030204" pitchFamily="18" charset="0"/>
+          </a:endParaRPr>
+        </a:p>
+      </dsp:txBody>
+      <dsp:txXfrm>
+        <a:off x="3965323" y="2672692"/>
+        <a:ext cx="1769779" cy="258212"/>
+      </dsp:txXfrm>
+    </dsp:sp>
   </dsp:spTree>
 </dsp:drawing>
 </file>
@@ -14702,6 +19042,741 @@
       <dsp:cNvGrpSpPr/>
     </dsp:nvGrpSpPr>
     <dsp:grpSpPr/>
+    <dsp:sp modelId="{EB065398-9C37-4F94-9D59-DA82D72594F3}">
+      <dsp:nvSpPr>
+        <dsp:cNvPr id="0" name=""/>
+        <dsp:cNvSpPr/>
+      </dsp:nvSpPr>
+      <dsp:spPr>
+        <a:xfrm>
+          <a:off x="0" y="0"/>
+          <a:ext cx="6410353" cy="662394"/>
+        </a:xfrm>
+        <a:prstGeom prst="roundRect">
+          <a:avLst>
+            <a:gd name="adj" fmla="val 10000"/>
+          </a:avLst>
+        </a:prstGeom>
+        <a:solidFill>
+          <a:schemeClr val="accent1">
+            <a:hueOff val="0"/>
+            <a:satOff val="0"/>
+            <a:lumOff val="0"/>
+            <a:alphaOff val="0"/>
+          </a:schemeClr>
+        </a:solidFill>
+        <a:ln w="15875" cap="rnd" cmpd="sng" algn="ctr">
+          <a:solidFill>
+            <a:schemeClr val="lt1">
+              <a:hueOff val="0"/>
+              <a:satOff val="0"/>
+              <a:lumOff val="0"/>
+              <a:alphaOff val="0"/>
+            </a:schemeClr>
+          </a:solidFill>
+          <a:prstDash val="solid"/>
+        </a:ln>
+        <a:effectLst/>
+      </dsp:spPr>
+      <dsp:style>
+        <a:lnRef idx="2">
+          <a:scrgbClr r="0" g="0" b="0"/>
+        </a:lnRef>
+        <a:fillRef idx="1">
+          <a:scrgbClr r="0" g="0" b="0"/>
+        </a:fillRef>
+        <a:effectRef idx="0">
+          <a:scrgbClr r="0" g="0" b="0"/>
+        </a:effectRef>
+        <a:fontRef idx="minor">
+          <a:schemeClr val="lt1"/>
+        </a:fontRef>
+      </dsp:style>
+      <dsp:txBody>
+        <a:bodyPr spcFirstLastPara="0" vert="horz" wrap="square" lIns="110490" tIns="110490" rIns="110490" bIns="110490" numCol="1" spcCol="1270" anchor="ctr" anchorCtr="0">
+          <a:noAutofit/>
+        </a:bodyPr>
+        <a:lstStyle/>
+        <a:p>
+          <a:pPr lvl="0" algn="l" defTabSz="1289050">
+            <a:lnSpc>
+              <a:spcPct val="90000"/>
+            </a:lnSpc>
+            <a:spcBef>
+              <a:spcPct val="0"/>
+            </a:spcBef>
+            <a:spcAft>
+              <a:spcPct val="35000"/>
+            </a:spcAft>
+          </a:pPr>
+          <a:r>
+            <a:rPr lang="en-US" sz="2900" kern="1200" dirty="0" smtClean="0">
+              <a:latin typeface="Cambria" panose="02040503050406030204" pitchFamily="18" charset="0"/>
+            </a:rPr>
+            <a:t>Search auto in many conditions	</a:t>
+          </a:r>
+          <a:endParaRPr lang="en-US" sz="2900" kern="1200" dirty="0">
+            <a:latin typeface="Cambria" panose="02040503050406030204" pitchFamily="18" charset="0"/>
+          </a:endParaRPr>
+        </a:p>
+      </dsp:txBody>
+      <dsp:txXfrm>
+        <a:off x="19401" y="19401"/>
+        <a:ext cx="5618077" cy="623592"/>
+      </dsp:txXfrm>
+    </dsp:sp>
+    <dsp:sp modelId="{B608854C-5D96-4C1A-BCAB-FE71F8A024AB}">
+      <dsp:nvSpPr>
+        <dsp:cNvPr id="0" name=""/>
+        <dsp:cNvSpPr/>
+      </dsp:nvSpPr>
+      <dsp:spPr>
+        <a:xfrm>
+          <a:off x="478695" y="754393"/>
+          <a:ext cx="6410353" cy="662394"/>
+        </a:xfrm>
+        <a:prstGeom prst="roundRect">
+          <a:avLst>
+            <a:gd name="adj" fmla="val 10000"/>
+          </a:avLst>
+        </a:prstGeom>
+        <a:solidFill>
+          <a:schemeClr val="accent1">
+            <a:hueOff val="0"/>
+            <a:satOff val="0"/>
+            <a:lumOff val="0"/>
+            <a:alphaOff val="0"/>
+          </a:schemeClr>
+        </a:solidFill>
+        <a:ln w="15875" cap="rnd" cmpd="sng" algn="ctr">
+          <a:solidFill>
+            <a:schemeClr val="lt1">
+              <a:hueOff val="0"/>
+              <a:satOff val="0"/>
+              <a:lumOff val="0"/>
+              <a:alphaOff val="0"/>
+            </a:schemeClr>
+          </a:solidFill>
+          <a:prstDash val="solid"/>
+        </a:ln>
+        <a:effectLst/>
+      </dsp:spPr>
+      <dsp:style>
+        <a:lnRef idx="2">
+          <a:scrgbClr r="0" g="0" b="0"/>
+        </a:lnRef>
+        <a:fillRef idx="1">
+          <a:scrgbClr r="0" g="0" b="0"/>
+        </a:fillRef>
+        <a:effectRef idx="0">
+          <a:scrgbClr r="0" g="0" b="0"/>
+        </a:effectRef>
+        <a:fontRef idx="minor">
+          <a:schemeClr val="lt1"/>
+        </a:fontRef>
+      </dsp:style>
+      <dsp:txBody>
+        <a:bodyPr spcFirstLastPara="0" vert="horz" wrap="square" lIns="110490" tIns="110490" rIns="110490" bIns="110490" numCol="1" spcCol="1270" anchor="ctr" anchorCtr="0">
+          <a:noAutofit/>
+        </a:bodyPr>
+        <a:lstStyle/>
+        <a:p>
+          <a:pPr lvl="0" algn="l" defTabSz="1289050">
+            <a:lnSpc>
+              <a:spcPct val="90000"/>
+            </a:lnSpc>
+            <a:spcBef>
+              <a:spcPct val="0"/>
+            </a:spcBef>
+            <a:spcAft>
+              <a:spcPct val="35000"/>
+            </a:spcAft>
+          </a:pPr>
+          <a:r>
+            <a:rPr lang="en-US" sz="2900" kern="1200" dirty="0" smtClean="0">
+              <a:latin typeface="Cambria" panose="02040503050406030204" pitchFamily="18" charset="0"/>
+            </a:rPr>
+            <a:t>Fix wrong recognize</a:t>
+          </a:r>
+          <a:endParaRPr lang="en-US" sz="2900" kern="1200" dirty="0">
+            <a:latin typeface="Cambria" panose="02040503050406030204" pitchFamily="18" charset="0"/>
+          </a:endParaRPr>
+        </a:p>
+      </dsp:txBody>
+      <dsp:txXfrm>
+        <a:off x="498096" y="773794"/>
+        <a:ext cx="5462299" cy="623592"/>
+      </dsp:txXfrm>
+    </dsp:sp>
+    <dsp:sp modelId="{3A558C0A-6E46-4BAF-B4B6-983EBD5C2BA0}">
+      <dsp:nvSpPr>
+        <dsp:cNvPr id="0" name=""/>
+        <dsp:cNvSpPr/>
+      </dsp:nvSpPr>
+      <dsp:spPr>
+        <a:xfrm>
+          <a:off x="957390" y="1508786"/>
+          <a:ext cx="6410353" cy="662394"/>
+        </a:xfrm>
+        <a:prstGeom prst="roundRect">
+          <a:avLst>
+            <a:gd name="adj" fmla="val 10000"/>
+          </a:avLst>
+        </a:prstGeom>
+        <a:solidFill>
+          <a:schemeClr val="accent1">
+            <a:hueOff val="0"/>
+            <a:satOff val="0"/>
+            <a:lumOff val="0"/>
+            <a:alphaOff val="0"/>
+          </a:schemeClr>
+        </a:solidFill>
+        <a:ln w="15875" cap="rnd" cmpd="sng" algn="ctr">
+          <a:solidFill>
+            <a:schemeClr val="lt1">
+              <a:hueOff val="0"/>
+              <a:satOff val="0"/>
+              <a:lumOff val="0"/>
+              <a:alphaOff val="0"/>
+            </a:schemeClr>
+          </a:solidFill>
+          <a:prstDash val="solid"/>
+        </a:ln>
+        <a:effectLst/>
+      </dsp:spPr>
+      <dsp:style>
+        <a:lnRef idx="2">
+          <a:scrgbClr r="0" g="0" b="0"/>
+        </a:lnRef>
+        <a:fillRef idx="1">
+          <a:scrgbClr r="0" g="0" b="0"/>
+        </a:fillRef>
+        <a:effectRef idx="0">
+          <a:scrgbClr r="0" g="0" b="0"/>
+        </a:effectRef>
+        <a:fontRef idx="minor">
+          <a:schemeClr val="lt1"/>
+        </a:fontRef>
+      </dsp:style>
+      <dsp:txBody>
+        <a:bodyPr spcFirstLastPara="0" vert="horz" wrap="square" lIns="110490" tIns="110490" rIns="110490" bIns="110490" numCol="1" spcCol="1270" anchor="ctr" anchorCtr="0">
+          <a:noAutofit/>
+        </a:bodyPr>
+        <a:lstStyle/>
+        <a:p>
+          <a:pPr lvl="0" algn="l" defTabSz="1289050">
+            <a:lnSpc>
+              <a:spcPct val="90000"/>
+            </a:lnSpc>
+            <a:spcBef>
+              <a:spcPct val="0"/>
+            </a:spcBef>
+            <a:spcAft>
+              <a:spcPct val="35000"/>
+            </a:spcAft>
+          </a:pPr>
+          <a:r>
+            <a:rPr lang="en-US" sz="2900" kern="1200" dirty="0" smtClean="0">
+              <a:latin typeface="Cambria" panose="02040503050406030204" pitchFamily="18" charset="0"/>
+            </a:rPr>
+            <a:t>Add new traffic sign (if any)</a:t>
+          </a:r>
+          <a:endParaRPr lang="en-US" sz="2900" kern="1200" dirty="0">
+            <a:latin typeface="Cambria" panose="02040503050406030204" pitchFamily="18" charset="0"/>
+          </a:endParaRPr>
+        </a:p>
+      </dsp:txBody>
+      <dsp:txXfrm>
+        <a:off x="976791" y="1528187"/>
+        <a:ext cx="5462299" cy="623592"/>
+      </dsp:txXfrm>
+    </dsp:sp>
+    <dsp:sp modelId="{ECC1B4D3-F138-465F-B4BE-8A906F7A87C2}">
+      <dsp:nvSpPr>
+        <dsp:cNvPr id="0" name=""/>
+        <dsp:cNvSpPr/>
+      </dsp:nvSpPr>
+      <dsp:spPr>
+        <a:xfrm>
+          <a:off x="1436085" y="2263179"/>
+          <a:ext cx="6410353" cy="662394"/>
+        </a:xfrm>
+        <a:prstGeom prst="roundRect">
+          <a:avLst>
+            <a:gd name="adj" fmla="val 10000"/>
+          </a:avLst>
+        </a:prstGeom>
+        <a:solidFill>
+          <a:schemeClr val="accent1">
+            <a:hueOff val="0"/>
+            <a:satOff val="0"/>
+            <a:lumOff val="0"/>
+            <a:alphaOff val="0"/>
+          </a:schemeClr>
+        </a:solidFill>
+        <a:ln w="15875" cap="rnd" cmpd="sng" algn="ctr">
+          <a:solidFill>
+            <a:schemeClr val="lt1">
+              <a:hueOff val="0"/>
+              <a:satOff val="0"/>
+              <a:lumOff val="0"/>
+              <a:alphaOff val="0"/>
+            </a:schemeClr>
+          </a:solidFill>
+          <a:prstDash val="solid"/>
+        </a:ln>
+        <a:effectLst/>
+      </dsp:spPr>
+      <dsp:style>
+        <a:lnRef idx="2">
+          <a:scrgbClr r="0" g="0" b="0"/>
+        </a:lnRef>
+        <a:fillRef idx="1">
+          <a:scrgbClr r="0" g="0" b="0"/>
+        </a:fillRef>
+        <a:effectRef idx="0">
+          <a:scrgbClr r="0" g="0" b="0"/>
+        </a:effectRef>
+        <a:fontRef idx="minor">
+          <a:schemeClr val="lt1"/>
+        </a:fontRef>
+      </dsp:style>
+      <dsp:txBody>
+        <a:bodyPr spcFirstLastPara="0" vert="horz" wrap="square" lIns="110490" tIns="110490" rIns="110490" bIns="110490" numCol="1" spcCol="1270" anchor="ctr" anchorCtr="0">
+          <a:noAutofit/>
+        </a:bodyPr>
+        <a:lstStyle/>
+        <a:p>
+          <a:pPr lvl="0" algn="l" defTabSz="1289050">
+            <a:lnSpc>
+              <a:spcPct val="90000"/>
+            </a:lnSpc>
+            <a:spcBef>
+              <a:spcPct val="0"/>
+            </a:spcBef>
+            <a:spcAft>
+              <a:spcPct val="35000"/>
+            </a:spcAft>
+          </a:pPr>
+          <a:r>
+            <a:rPr lang="en-US" sz="2900" kern="1200" dirty="0" smtClean="0">
+              <a:latin typeface="Cambria" panose="02040503050406030204" pitchFamily="18" charset="0"/>
+            </a:rPr>
+            <a:t>Sync favorite</a:t>
+          </a:r>
+          <a:endParaRPr lang="en-US" sz="2900" kern="1200" dirty="0">
+            <a:latin typeface="Cambria" panose="02040503050406030204" pitchFamily="18" charset="0"/>
+          </a:endParaRPr>
+        </a:p>
+      </dsp:txBody>
+      <dsp:txXfrm>
+        <a:off x="1455486" y="2282580"/>
+        <a:ext cx="5462299" cy="623592"/>
+      </dsp:txXfrm>
+    </dsp:sp>
+    <dsp:sp modelId="{4BB465ED-D5C7-4D89-8C32-85715B6EFD1A}">
+      <dsp:nvSpPr>
+        <dsp:cNvPr id="0" name=""/>
+        <dsp:cNvSpPr/>
+      </dsp:nvSpPr>
+      <dsp:spPr>
+        <a:xfrm>
+          <a:off x="1914780" y="3017572"/>
+          <a:ext cx="6410353" cy="662394"/>
+        </a:xfrm>
+        <a:prstGeom prst="roundRect">
+          <a:avLst>
+            <a:gd name="adj" fmla="val 10000"/>
+          </a:avLst>
+        </a:prstGeom>
+        <a:solidFill>
+          <a:schemeClr val="accent1">
+            <a:hueOff val="0"/>
+            <a:satOff val="0"/>
+            <a:lumOff val="0"/>
+            <a:alphaOff val="0"/>
+          </a:schemeClr>
+        </a:solidFill>
+        <a:ln w="15875" cap="rnd" cmpd="sng" algn="ctr">
+          <a:solidFill>
+            <a:schemeClr val="lt1">
+              <a:hueOff val="0"/>
+              <a:satOff val="0"/>
+              <a:lumOff val="0"/>
+              <a:alphaOff val="0"/>
+            </a:schemeClr>
+          </a:solidFill>
+          <a:prstDash val="solid"/>
+        </a:ln>
+        <a:effectLst/>
+      </dsp:spPr>
+      <dsp:style>
+        <a:lnRef idx="2">
+          <a:scrgbClr r="0" g="0" b="0"/>
+        </a:lnRef>
+        <a:fillRef idx="1">
+          <a:scrgbClr r="0" g="0" b="0"/>
+        </a:fillRef>
+        <a:effectRef idx="0">
+          <a:scrgbClr r="0" g="0" b="0"/>
+        </a:effectRef>
+        <a:fontRef idx="minor">
+          <a:schemeClr val="lt1"/>
+        </a:fontRef>
+      </dsp:style>
+      <dsp:txBody>
+        <a:bodyPr spcFirstLastPara="0" vert="horz" wrap="square" lIns="110490" tIns="110490" rIns="110490" bIns="110490" numCol="1" spcCol="1270" anchor="ctr" anchorCtr="0">
+          <a:noAutofit/>
+        </a:bodyPr>
+        <a:lstStyle/>
+        <a:p>
+          <a:pPr lvl="0" algn="l" defTabSz="1289050">
+            <a:lnSpc>
+              <a:spcPct val="90000"/>
+            </a:lnSpc>
+            <a:spcBef>
+              <a:spcPct val="0"/>
+            </a:spcBef>
+            <a:spcAft>
+              <a:spcPct val="35000"/>
+            </a:spcAft>
+          </a:pPr>
+          <a:r>
+            <a:rPr lang="en-US" sz="2900" kern="1200" dirty="0" smtClean="0">
+              <a:latin typeface="Cambria" panose="02040503050406030204" pitchFamily="18" charset="0"/>
+            </a:rPr>
+            <a:t>Offline search</a:t>
+          </a:r>
+          <a:endParaRPr lang="en-US" sz="2900" kern="1200" dirty="0">
+            <a:latin typeface="Cambria" panose="02040503050406030204" pitchFamily="18" charset="0"/>
+          </a:endParaRPr>
+        </a:p>
+      </dsp:txBody>
+      <dsp:txXfrm>
+        <a:off x="1934181" y="3036973"/>
+        <a:ext cx="5462299" cy="623592"/>
+      </dsp:txXfrm>
+    </dsp:sp>
+    <dsp:sp modelId="{9BA3438D-13B4-4C62-A04C-4EC5A42FF332}">
+      <dsp:nvSpPr>
+        <dsp:cNvPr id="0" name=""/>
+        <dsp:cNvSpPr/>
+      </dsp:nvSpPr>
+      <dsp:spPr>
+        <a:xfrm>
+          <a:off x="5979797" y="483915"/>
+          <a:ext cx="430556" cy="430556"/>
+        </a:xfrm>
+        <a:prstGeom prst="downArrow">
+          <a:avLst>
+            <a:gd name="adj1" fmla="val 55000"/>
+            <a:gd name="adj2" fmla="val 45000"/>
+          </a:avLst>
+        </a:prstGeom>
+        <a:solidFill>
+          <a:schemeClr val="accent1">
+            <a:alpha val="90000"/>
+            <a:tint val="40000"/>
+            <a:hueOff val="0"/>
+            <a:satOff val="0"/>
+            <a:lumOff val="0"/>
+            <a:alphaOff val="0"/>
+          </a:schemeClr>
+        </a:solidFill>
+        <a:ln w="15875" cap="rnd" cmpd="sng" algn="ctr">
+          <a:solidFill>
+            <a:schemeClr val="accent1">
+              <a:alpha val="90000"/>
+              <a:tint val="40000"/>
+              <a:hueOff val="0"/>
+              <a:satOff val="0"/>
+              <a:lumOff val="0"/>
+              <a:alphaOff val="0"/>
+            </a:schemeClr>
+          </a:solidFill>
+          <a:prstDash val="solid"/>
+        </a:ln>
+        <a:effectLst/>
+      </dsp:spPr>
+      <dsp:style>
+        <a:lnRef idx="2">
+          <a:scrgbClr r="0" g="0" b="0"/>
+        </a:lnRef>
+        <a:fillRef idx="1">
+          <a:scrgbClr r="0" g="0" b="0"/>
+        </a:fillRef>
+        <a:effectRef idx="0">
+          <a:scrgbClr r="0" g="0" b="0"/>
+        </a:effectRef>
+        <a:fontRef idx="minor"/>
+      </dsp:style>
+      <dsp:txBody>
+        <a:bodyPr spcFirstLastPara="0" vert="horz" wrap="square" lIns="25400" tIns="25400" rIns="25400" bIns="25400" numCol="1" spcCol="1270" anchor="ctr" anchorCtr="0">
+          <a:noAutofit/>
+        </a:bodyPr>
+        <a:lstStyle/>
+        <a:p>
+          <a:pPr lvl="0" algn="ctr" defTabSz="889000">
+            <a:lnSpc>
+              <a:spcPct val="90000"/>
+            </a:lnSpc>
+            <a:spcBef>
+              <a:spcPct val="0"/>
+            </a:spcBef>
+            <a:spcAft>
+              <a:spcPct val="35000"/>
+            </a:spcAft>
+          </a:pPr>
+          <a:endParaRPr lang="en-US" sz="2000" kern="1200" dirty="0">
+            <a:latin typeface="Cambria" panose="02040503050406030204" pitchFamily="18" charset="0"/>
+          </a:endParaRPr>
+        </a:p>
+      </dsp:txBody>
+      <dsp:txXfrm>
+        <a:off x="6076672" y="483915"/>
+        <a:ext cx="236806" cy="323993"/>
+      </dsp:txXfrm>
+    </dsp:sp>
+    <dsp:sp modelId="{8EB5DA64-5BE3-4406-99AC-C539581B500B}">
+      <dsp:nvSpPr>
+        <dsp:cNvPr id="0" name=""/>
+        <dsp:cNvSpPr/>
+      </dsp:nvSpPr>
+      <dsp:spPr>
+        <a:xfrm>
+          <a:off x="6458492" y="1238308"/>
+          <a:ext cx="430556" cy="430556"/>
+        </a:xfrm>
+        <a:prstGeom prst="downArrow">
+          <a:avLst>
+            <a:gd name="adj1" fmla="val 55000"/>
+            <a:gd name="adj2" fmla="val 45000"/>
+          </a:avLst>
+        </a:prstGeom>
+        <a:solidFill>
+          <a:schemeClr val="accent1">
+            <a:alpha val="90000"/>
+            <a:tint val="40000"/>
+            <a:hueOff val="0"/>
+            <a:satOff val="0"/>
+            <a:lumOff val="0"/>
+            <a:alphaOff val="0"/>
+          </a:schemeClr>
+        </a:solidFill>
+        <a:ln w="15875" cap="rnd" cmpd="sng" algn="ctr">
+          <a:solidFill>
+            <a:schemeClr val="accent1">
+              <a:alpha val="90000"/>
+              <a:tint val="40000"/>
+              <a:hueOff val="0"/>
+              <a:satOff val="0"/>
+              <a:lumOff val="0"/>
+              <a:alphaOff val="0"/>
+            </a:schemeClr>
+          </a:solidFill>
+          <a:prstDash val="solid"/>
+        </a:ln>
+        <a:effectLst/>
+      </dsp:spPr>
+      <dsp:style>
+        <a:lnRef idx="2">
+          <a:scrgbClr r="0" g="0" b="0"/>
+        </a:lnRef>
+        <a:fillRef idx="1">
+          <a:scrgbClr r="0" g="0" b="0"/>
+        </a:fillRef>
+        <a:effectRef idx="0">
+          <a:scrgbClr r="0" g="0" b="0"/>
+        </a:effectRef>
+        <a:fontRef idx="minor"/>
+      </dsp:style>
+      <dsp:txBody>
+        <a:bodyPr spcFirstLastPara="0" vert="horz" wrap="square" lIns="25400" tIns="25400" rIns="25400" bIns="25400" numCol="1" spcCol="1270" anchor="ctr" anchorCtr="0">
+          <a:noAutofit/>
+        </a:bodyPr>
+        <a:lstStyle/>
+        <a:p>
+          <a:pPr lvl="0" algn="ctr" defTabSz="889000">
+            <a:lnSpc>
+              <a:spcPct val="90000"/>
+            </a:lnSpc>
+            <a:spcBef>
+              <a:spcPct val="0"/>
+            </a:spcBef>
+            <a:spcAft>
+              <a:spcPct val="35000"/>
+            </a:spcAft>
+          </a:pPr>
+          <a:endParaRPr lang="en-US" sz="2000" kern="1200">
+            <a:latin typeface="Cambria" panose="02040503050406030204" pitchFamily="18" charset="0"/>
+          </a:endParaRPr>
+        </a:p>
+      </dsp:txBody>
+      <dsp:txXfrm>
+        <a:off x="6555367" y="1238308"/>
+        <a:ext cx="236806" cy="323993"/>
+      </dsp:txXfrm>
+    </dsp:sp>
+    <dsp:sp modelId="{CA69C83E-C20C-4295-8230-B8BE0BA94C76}">
+      <dsp:nvSpPr>
+        <dsp:cNvPr id="0" name=""/>
+        <dsp:cNvSpPr/>
+      </dsp:nvSpPr>
+      <dsp:spPr>
+        <a:xfrm>
+          <a:off x="6937187" y="1981662"/>
+          <a:ext cx="430556" cy="430556"/>
+        </a:xfrm>
+        <a:prstGeom prst="downArrow">
+          <a:avLst>
+            <a:gd name="adj1" fmla="val 55000"/>
+            <a:gd name="adj2" fmla="val 45000"/>
+          </a:avLst>
+        </a:prstGeom>
+        <a:solidFill>
+          <a:schemeClr val="accent1">
+            <a:alpha val="90000"/>
+            <a:tint val="40000"/>
+            <a:hueOff val="0"/>
+            <a:satOff val="0"/>
+            <a:lumOff val="0"/>
+            <a:alphaOff val="0"/>
+          </a:schemeClr>
+        </a:solidFill>
+        <a:ln w="15875" cap="rnd" cmpd="sng" algn="ctr">
+          <a:solidFill>
+            <a:schemeClr val="accent1">
+              <a:alpha val="90000"/>
+              <a:tint val="40000"/>
+              <a:hueOff val="0"/>
+              <a:satOff val="0"/>
+              <a:lumOff val="0"/>
+              <a:alphaOff val="0"/>
+            </a:schemeClr>
+          </a:solidFill>
+          <a:prstDash val="solid"/>
+        </a:ln>
+        <a:effectLst/>
+      </dsp:spPr>
+      <dsp:style>
+        <a:lnRef idx="2">
+          <a:scrgbClr r="0" g="0" b="0"/>
+        </a:lnRef>
+        <a:fillRef idx="1">
+          <a:scrgbClr r="0" g="0" b="0"/>
+        </a:fillRef>
+        <a:effectRef idx="0">
+          <a:scrgbClr r="0" g="0" b="0"/>
+        </a:effectRef>
+        <a:fontRef idx="minor"/>
+      </dsp:style>
+      <dsp:txBody>
+        <a:bodyPr spcFirstLastPara="0" vert="horz" wrap="square" lIns="25400" tIns="25400" rIns="25400" bIns="25400" numCol="1" spcCol="1270" anchor="ctr" anchorCtr="0">
+          <a:noAutofit/>
+        </a:bodyPr>
+        <a:lstStyle/>
+        <a:p>
+          <a:pPr lvl="0" algn="ctr" defTabSz="889000">
+            <a:lnSpc>
+              <a:spcPct val="90000"/>
+            </a:lnSpc>
+            <a:spcBef>
+              <a:spcPct val="0"/>
+            </a:spcBef>
+            <a:spcAft>
+              <a:spcPct val="35000"/>
+            </a:spcAft>
+          </a:pPr>
+          <a:endParaRPr lang="en-US" sz="2000" kern="1200">
+            <a:latin typeface="Cambria" panose="02040503050406030204" pitchFamily="18" charset="0"/>
+          </a:endParaRPr>
+        </a:p>
+      </dsp:txBody>
+      <dsp:txXfrm>
+        <a:off x="7034062" y="1981662"/>
+        <a:ext cx="236806" cy="323993"/>
+      </dsp:txXfrm>
+    </dsp:sp>
+    <dsp:sp modelId="{88315E7D-9400-42B0-A73E-4886836205F0}">
+      <dsp:nvSpPr>
+        <dsp:cNvPr id="0" name=""/>
+        <dsp:cNvSpPr/>
+      </dsp:nvSpPr>
+      <dsp:spPr>
+        <a:xfrm>
+          <a:off x="7415882" y="2743415"/>
+          <a:ext cx="430556" cy="430556"/>
+        </a:xfrm>
+        <a:prstGeom prst="downArrow">
+          <a:avLst>
+            <a:gd name="adj1" fmla="val 55000"/>
+            <a:gd name="adj2" fmla="val 45000"/>
+          </a:avLst>
+        </a:prstGeom>
+        <a:solidFill>
+          <a:schemeClr val="accent1">
+            <a:alpha val="90000"/>
+            <a:tint val="40000"/>
+            <a:hueOff val="0"/>
+            <a:satOff val="0"/>
+            <a:lumOff val="0"/>
+            <a:alphaOff val="0"/>
+          </a:schemeClr>
+        </a:solidFill>
+        <a:ln w="15875" cap="rnd" cmpd="sng" algn="ctr">
+          <a:solidFill>
+            <a:schemeClr val="accent1">
+              <a:alpha val="90000"/>
+              <a:tint val="40000"/>
+              <a:hueOff val="0"/>
+              <a:satOff val="0"/>
+              <a:lumOff val="0"/>
+              <a:alphaOff val="0"/>
+            </a:schemeClr>
+          </a:solidFill>
+          <a:prstDash val="solid"/>
+        </a:ln>
+        <a:effectLst/>
+      </dsp:spPr>
+      <dsp:style>
+        <a:lnRef idx="2">
+          <a:scrgbClr r="0" g="0" b="0"/>
+        </a:lnRef>
+        <a:fillRef idx="1">
+          <a:scrgbClr r="0" g="0" b="0"/>
+        </a:fillRef>
+        <a:effectRef idx="0">
+          <a:scrgbClr r="0" g="0" b="0"/>
+        </a:effectRef>
+        <a:fontRef idx="minor"/>
+      </dsp:style>
+      <dsp:txBody>
+        <a:bodyPr spcFirstLastPara="0" vert="horz" wrap="square" lIns="25400" tIns="25400" rIns="25400" bIns="25400" numCol="1" spcCol="1270" anchor="ctr" anchorCtr="0">
+          <a:noAutofit/>
+        </a:bodyPr>
+        <a:lstStyle/>
+        <a:p>
+          <a:pPr lvl="0" algn="ctr" defTabSz="889000">
+            <a:lnSpc>
+              <a:spcPct val="90000"/>
+            </a:lnSpc>
+            <a:spcBef>
+              <a:spcPct val="0"/>
+            </a:spcBef>
+            <a:spcAft>
+              <a:spcPct val="35000"/>
+            </a:spcAft>
+          </a:pPr>
+          <a:endParaRPr lang="en-US" sz="2000" kern="1200">
+            <a:latin typeface="Cambria" panose="02040503050406030204" pitchFamily="18" charset="0"/>
+          </a:endParaRPr>
+        </a:p>
+      </dsp:txBody>
+      <dsp:txXfrm>
+        <a:off x="7512757" y="2743415"/>
+        <a:ext cx="236806" cy="323993"/>
+      </dsp:txXfrm>
+    </dsp:sp>
   </dsp:spTree>
 </dsp:drawing>
 </file>
@@ -14714,6 +19789,355 @@
       <dsp:cNvGrpSpPr/>
     </dsp:nvGrpSpPr>
     <dsp:grpSpPr/>
+    <dsp:sp modelId="{73C19F2A-043A-4CF1-8BBC-CDB07368863A}">
+      <dsp:nvSpPr>
+        <dsp:cNvPr id="0" name=""/>
+        <dsp:cNvSpPr/>
+      </dsp:nvSpPr>
+      <dsp:spPr>
+        <a:xfrm>
+          <a:off x="665737" y="1083057"/>
+          <a:ext cx="6435463" cy="3325808"/>
+        </a:xfrm>
+        <a:prstGeom prst="rect">
+          <a:avLst/>
+        </a:prstGeom>
+        <a:solidFill>
+          <a:schemeClr val="accent1">
+            <a:tint val="50000"/>
+            <a:hueOff val="0"/>
+            <a:satOff val="0"/>
+            <a:lumOff val="0"/>
+            <a:alphaOff val="0"/>
+          </a:schemeClr>
+        </a:solidFill>
+        <a:ln w="22225" cap="rnd" cmpd="sng" algn="ctr">
+          <a:solidFill>
+            <a:schemeClr val="lt1">
+              <a:hueOff val="0"/>
+              <a:satOff val="0"/>
+              <a:lumOff val="0"/>
+              <a:alphaOff val="0"/>
+            </a:schemeClr>
+          </a:solidFill>
+          <a:prstDash val="solid"/>
+        </a:ln>
+        <a:effectLst/>
+      </dsp:spPr>
+      <dsp:style>
+        <a:lnRef idx="3">
+          <a:scrgbClr r="0" g="0" b="0"/>
+        </a:lnRef>
+        <a:fillRef idx="1">
+          <a:scrgbClr r="0" g="0" b="0"/>
+        </a:fillRef>
+        <a:effectRef idx="1">
+          <a:scrgbClr r="0" g="0" b="0"/>
+        </a:effectRef>
+        <a:fontRef idx="minor"/>
+      </dsp:style>
+    </dsp:sp>
+    <dsp:sp modelId="{ACA5A3C2-4501-44E9-A7E4-51A1DCCF33ED}">
+      <dsp:nvSpPr>
+        <dsp:cNvPr id="0" name=""/>
+        <dsp:cNvSpPr/>
+      </dsp:nvSpPr>
+      <dsp:spPr>
+        <a:xfrm>
+          <a:off x="858061" y="1458378"/>
+          <a:ext cx="2988422" cy="2845188"/>
+        </a:xfrm>
+        <a:prstGeom prst="rect">
+          <a:avLst/>
+        </a:prstGeom>
+        <a:noFill/>
+        <a:ln>
+          <a:noFill/>
+        </a:ln>
+        <a:effectLst/>
+      </dsp:spPr>
+      <dsp:style>
+        <a:lnRef idx="0">
+          <a:scrgbClr r="0" g="0" b="0"/>
+        </a:lnRef>
+        <a:fillRef idx="0">
+          <a:scrgbClr r="0" g="0" b="0"/>
+        </a:fillRef>
+        <a:effectRef idx="0">
+          <a:scrgbClr r="0" g="0" b="0"/>
+        </a:effectRef>
+        <a:fontRef idx="minor"/>
+      </dsp:style>
+      <dsp:txBody>
+        <a:bodyPr spcFirstLastPara="0" vert="horz" wrap="square" lIns="45720" tIns="45720" rIns="45720" bIns="45720" numCol="1" spcCol="1270" anchor="t" anchorCtr="0">
+          <a:noAutofit/>
+        </a:bodyPr>
+        <a:lstStyle/>
+        <a:p>
+          <a:pPr lvl="0" algn="l" defTabSz="1066800">
+            <a:lnSpc>
+              <a:spcPct val="90000"/>
+            </a:lnSpc>
+            <a:spcBef>
+              <a:spcPct val="0"/>
+            </a:spcBef>
+            <a:spcAft>
+              <a:spcPct val="35000"/>
+            </a:spcAft>
+          </a:pPr>
+          <a:r>
+            <a:rPr lang="en-US" sz="2400" kern="1200" dirty="0" smtClean="0">
+              <a:latin typeface="Cambria" panose="02040503050406030204" pitchFamily="18" charset="0"/>
+            </a:rPr>
+            <a:t> - Automatically</a:t>
+          </a:r>
+        </a:p>
+        <a:p>
+          <a:pPr lvl="0" algn="l" defTabSz="1066800">
+            <a:lnSpc>
+              <a:spcPct val="90000"/>
+            </a:lnSpc>
+            <a:spcBef>
+              <a:spcPct val="0"/>
+            </a:spcBef>
+            <a:spcAft>
+              <a:spcPct val="35000"/>
+            </a:spcAft>
+          </a:pPr>
+          <a:r>
+            <a:rPr lang="en-US" sz="2400" kern="1200" dirty="0" smtClean="0">
+              <a:latin typeface="Cambria" panose="02040503050406030204" pitchFamily="18" charset="0"/>
+            </a:rPr>
+            <a:t>- Support learn</a:t>
+          </a:r>
+        </a:p>
+        <a:p>
+          <a:pPr lvl="0" algn="l" defTabSz="1066800">
+            <a:lnSpc>
+              <a:spcPct val="90000"/>
+            </a:lnSpc>
+            <a:spcBef>
+              <a:spcPct val="0"/>
+            </a:spcBef>
+            <a:spcAft>
+              <a:spcPct val="35000"/>
+            </a:spcAft>
+          </a:pPr>
+          <a:endParaRPr lang="en-US" sz="2400" kern="1200" dirty="0" smtClean="0">
+            <a:latin typeface="Cambria" panose="02040503050406030204" pitchFamily="18" charset="0"/>
+          </a:endParaRPr>
+        </a:p>
+      </dsp:txBody>
+      <dsp:txXfrm>
+        <a:off x="858061" y="1458378"/>
+        <a:ext cx="2988422" cy="2845188"/>
+      </dsp:txXfrm>
+    </dsp:sp>
+    <dsp:sp modelId="{A177844E-CD64-4D1C-B08C-3EBC138B7A2B}">
+      <dsp:nvSpPr>
+        <dsp:cNvPr id="0" name=""/>
+        <dsp:cNvSpPr/>
+      </dsp:nvSpPr>
+      <dsp:spPr>
+        <a:xfrm>
+          <a:off x="3913057" y="1458378"/>
+          <a:ext cx="2988422" cy="2845188"/>
+        </a:xfrm>
+        <a:prstGeom prst="rect">
+          <a:avLst/>
+        </a:prstGeom>
+        <a:noFill/>
+        <a:ln>
+          <a:noFill/>
+        </a:ln>
+        <a:effectLst/>
+      </dsp:spPr>
+      <dsp:style>
+        <a:lnRef idx="0">
+          <a:scrgbClr r="0" g="0" b="0"/>
+        </a:lnRef>
+        <a:fillRef idx="0">
+          <a:scrgbClr r="0" g="0" b="0"/>
+        </a:fillRef>
+        <a:effectRef idx="0">
+          <a:scrgbClr r="0" g="0" b="0"/>
+        </a:effectRef>
+        <a:fontRef idx="minor"/>
+      </dsp:style>
+      <dsp:txBody>
+        <a:bodyPr spcFirstLastPara="0" vert="horz" wrap="square" lIns="45720" tIns="45720" rIns="45720" bIns="45720" numCol="1" spcCol="1270" anchor="t" anchorCtr="0">
+          <a:noAutofit/>
+        </a:bodyPr>
+        <a:lstStyle/>
+        <a:p>
+          <a:pPr lvl="0" algn="l" defTabSz="1066800">
+            <a:lnSpc>
+              <a:spcPct val="90000"/>
+            </a:lnSpc>
+            <a:spcBef>
+              <a:spcPct val="0"/>
+            </a:spcBef>
+            <a:spcAft>
+              <a:spcPct val="35000"/>
+            </a:spcAft>
+          </a:pPr>
+          <a:r>
+            <a:rPr lang="en-US" sz="2400" kern="1200" dirty="0" smtClean="0">
+              <a:latin typeface="Cambria" panose="02040503050406030204" pitchFamily="18" charset="0"/>
+            </a:rPr>
+            <a:t>- The accuracy not reach 100%</a:t>
+          </a:r>
+          <a:endParaRPr lang="en-US" sz="2400" kern="1200" dirty="0">
+            <a:latin typeface="Cambria" panose="02040503050406030204" pitchFamily="18" charset="0"/>
+          </a:endParaRPr>
+        </a:p>
+      </dsp:txBody>
+      <dsp:txXfrm>
+        <a:off x="3913057" y="1458378"/>
+        <a:ext cx="2988422" cy="2845188"/>
+      </dsp:txXfrm>
+    </dsp:sp>
+    <dsp:sp modelId="{319A43D9-B41D-4B06-B656-4D1C40E4BAA6}">
+      <dsp:nvSpPr>
+        <dsp:cNvPr id="0" name=""/>
+        <dsp:cNvSpPr/>
+      </dsp:nvSpPr>
+      <dsp:spPr>
+        <a:xfrm>
+          <a:off x="0" y="403854"/>
+          <a:ext cx="1257504" cy="1257504"/>
+        </a:xfrm>
+        <a:prstGeom prst="plus">
+          <a:avLst>
+            <a:gd name="adj" fmla="val 32810"/>
+          </a:avLst>
+        </a:prstGeom>
+        <a:solidFill>
+          <a:schemeClr val="accent1">
+            <a:hueOff val="0"/>
+            <a:satOff val="0"/>
+            <a:lumOff val="0"/>
+            <a:alphaOff val="0"/>
+          </a:schemeClr>
+        </a:solidFill>
+        <a:ln w="15875" cap="rnd" cmpd="sng" algn="ctr">
+          <a:solidFill>
+            <a:schemeClr val="accent1">
+              <a:hueOff val="0"/>
+              <a:satOff val="0"/>
+              <a:lumOff val="0"/>
+              <a:alphaOff val="0"/>
+            </a:schemeClr>
+          </a:solidFill>
+          <a:prstDash val="solid"/>
+        </a:ln>
+        <a:effectLst/>
+      </dsp:spPr>
+      <dsp:style>
+        <a:lnRef idx="2">
+          <a:scrgbClr r="0" g="0" b="0"/>
+        </a:lnRef>
+        <a:fillRef idx="1">
+          <a:scrgbClr r="0" g="0" b="0"/>
+        </a:fillRef>
+        <a:effectRef idx="1">
+          <a:scrgbClr r="0" g="0" b="0"/>
+        </a:effectRef>
+        <a:fontRef idx="minor">
+          <a:schemeClr val="lt1"/>
+        </a:fontRef>
+      </dsp:style>
+    </dsp:sp>
+    <dsp:sp modelId="{4F579154-C094-46EF-AECB-D0FCFEED5A52}">
+      <dsp:nvSpPr>
+        <dsp:cNvPr id="0" name=""/>
+        <dsp:cNvSpPr/>
+      </dsp:nvSpPr>
+      <dsp:spPr>
+        <a:xfrm>
+          <a:off x="6213551" y="856082"/>
+          <a:ext cx="1183533" cy="405586"/>
+        </a:xfrm>
+        <a:prstGeom prst="rect">
+          <a:avLst/>
+        </a:prstGeom>
+        <a:solidFill>
+          <a:schemeClr val="accent1">
+            <a:hueOff val="0"/>
+            <a:satOff val="0"/>
+            <a:lumOff val="0"/>
+            <a:alphaOff val="0"/>
+          </a:schemeClr>
+        </a:solidFill>
+        <a:ln w="15875" cap="rnd" cmpd="sng" algn="ctr">
+          <a:solidFill>
+            <a:schemeClr val="accent1">
+              <a:hueOff val="0"/>
+              <a:satOff val="0"/>
+              <a:lumOff val="0"/>
+              <a:alphaOff val="0"/>
+            </a:schemeClr>
+          </a:solidFill>
+          <a:prstDash val="solid"/>
+        </a:ln>
+        <a:effectLst/>
+      </dsp:spPr>
+      <dsp:style>
+        <a:lnRef idx="2">
+          <a:scrgbClr r="0" g="0" b="0"/>
+        </a:lnRef>
+        <a:fillRef idx="1">
+          <a:scrgbClr r="0" g="0" b="0"/>
+        </a:fillRef>
+        <a:effectRef idx="1">
+          <a:scrgbClr r="0" g="0" b="0"/>
+        </a:effectRef>
+        <a:fontRef idx="minor">
+          <a:schemeClr val="lt1"/>
+        </a:fontRef>
+      </dsp:style>
+    </dsp:sp>
+    <dsp:sp modelId="{6ED2E672-AC4E-4E8D-86EB-593C630AEAA2}">
+      <dsp:nvSpPr>
+        <dsp:cNvPr id="0" name=""/>
+        <dsp:cNvSpPr/>
+      </dsp:nvSpPr>
+      <dsp:spPr>
+        <a:xfrm>
+          <a:off x="3883469" y="1464462"/>
+          <a:ext cx="739" cy="2717428"/>
+        </a:xfrm>
+        <a:prstGeom prst="line">
+          <a:avLst/>
+        </a:prstGeom>
+        <a:noFill/>
+        <a:ln w="15875" cap="rnd" cmpd="sng" algn="ctr">
+          <a:solidFill>
+            <a:schemeClr val="accent1">
+              <a:shade val="60000"/>
+              <a:hueOff val="0"/>
+              <a:satOff val="0"/>
+              <a:lumOff val="0"/>
+              <a:alphaOff val="0"/>
+            </a:schemeClr>
+          </a:solidFill>
+          <a:prstDash val="solid"/>
+        </a:ln>
+        <a:effectLst/>
+      </dsp:spPr>
+      <dsp:style>
+        <a:lnRef idx="2">
+          <a:scrgbClr r="0" g="0" b="0"/>
+        </a:lnRef>
+        <a:fillRef idx="0">
+          <a:scrgbClr r="0" g="0" b="0"/>
+        </a:fillRef>
+        <a:effectRef idx="0">
+          <a:scrgbClr r="0" g="0" b="0"/>
+        </a:effectRef>
+        <a:fontRef idx="minor"/>
+      </dsp:style>
+    </dsp:sp>
   </dsp:spTree>
 </dsp:drawing>
 </file>
@@ -32317,7 +37741,7 @@
           <a:p>
             <a:fld id="{450D95FA-7AD9-4AC8-A47C-2CB87237E074}" type="datetimeFigureOut">
               <a:rPr lang="en-US" smtClean="0"/>
-              <a:t>4/21/2014</a:t>
+              <a:t>5/4/2014</a:t>
             </a:fld>
             <a:endParaRPr lang="en-US"/>
           </a:p>
@@ -32482,7 +37906,7 @@
           <a:p>
             <a:fld id="{F8DFC040-E6DF-4A08-9298-FD407A9AC470}" type="datetimeFigureOut">
               <a:rPr lang="en-US" smtClean="0"/>
-              <a:t>4/21/2014</a:t>
+              <a:t>5/4/2014</a:t>
             </a:fld>
             <a:endParaRPr lang="en-US"/>
           </a:p>
@@ -33350,7 +38774,7 @@
           <a:p>
             <a:fld id="{4C4A2A27-6F46-4BD4-8A6F-67D525C3EF67}" type="datetime1">
               <a:rPr lang="en-US" smtClean="0"/>
-              <a:t>4/21/2014</a:t>
+              <a:t>5/4/2014</a:t>
             </a:fld>
             <a:endParaRPr lang="en-US"/>
           </a:p>
@@ -33462,7 +38886,7 @@
           </a:ln>
           <a:extLst>
             <a:ext uri="{91240B29-F687-4f45-9708-019B960494DF}">
-              <a14:hiddenLine xmlns:a14="http://schemas.microsoft.com/office/drawing/2010/main" xmlns="" w="9525">
+              <a14:hiddenLine xmlns="" xmlns:a14="http://schemas.microsoft.com/office/drawing/2010/main" w="9525">
                 <a:solidFill>
                   <a:srgbClr val="000000"/>
                 </a:solidFill>
@@ -33517,7 +38941,7 @@
           </a:ln>
           <a:extLst>
             <a:ext uri="{91240B29-F687-4f45-9708-019B960494DF}">
-              <a14:hiddenLine xmlns:a14="http://schemas.microsoft.com/office/drawing/2010/main" xmlns="" w="9525">
+              <a14:hiddenLine xmlns="" xmlns:a14="http://schemas.microsoft.com/office/drawing/2010/main" w="9525">
                 <a:solidFill>
                   <a:srgbClr val="000000"/>
                 </a:solidFill>
@@ -33782,7 +39206,7 @@
           <a:p>
             <a:fld id="{94239642-EAA7-49BC-91EF-D5EFAF6C2181}" type="datetime1">
               <a:rPr lang="en-US" smtClean="0"/>
-              <a:t>4/21/2014</a:t>
+              <a:t>5/4/2014</a:t>
             </a:fld>
             <a:endParaRPr lang="en-US"/>
           </a:p>
@@ -34033,7 +39457,7 @@
           <a:p>
             <a:fld id="{2B8EF722-69FF-4CC4-BDBE-604C68C62495}" type="datetime1">
               <a:rPr lang="en-US" smtClean="0"/>
-              <a:t>4/21/2014</a:t>
+              <a:t>5/4/2014</a:t>
             </a:fld>
             <a:endParaRPr lang="en-US"/>
           </a:p>
@@ -34576,7 +40000,7 @@
           <a:p>
             <a:fld id="{5ED60494-3A3E-464C-B237-B935E14D2733}" type="datetime1">
               <a:rPr lang="en-US" smtClean="0"/>
-              <a:t>4/21/2014</a:t>
+              <a:t>5/4/2014</a:t>
             </a:fld>
             <a:endParaRPr lang="en-US"/>
           </a:p>
@@ -34827,7 +40251,7 @@
           <a:p>
             <a:fld id="{3D0C4917-A75B-494C-8F85-AF760C74CB83}" type="datetime1">
               <a:rPr lang="en-US" smtClean="0"/>
-              <a:t>4/21/2014</a:t>
+              <a:t>5/4/2014</a:t>
             </a:fld>
             <a:endParaRPr lang="en-US"/>
           </a:p>
@@ -35362,7 +40786,7 @@
           <a:p>
             <a:fld id="{44980BFC-370E-4C32-8C20-C07049CB4A38}" type="datetime1">
               <a:rPr lang="en-US" smtClean="0"/>
-              <a:t>4/21/2014</a:t>
+              <a:t>5/4/2014</a:t>
             </a:fld>
             <a:endParaRPr lang="en-US"/>
           </a:p>
@@ -35662,7 +41086,7 @@
           <a:p>
             <a:fld id="{53FF20A6-B5C7-4EC5-B1CF-05D07A5AE515}" type="datetime1">
               <a:rPr lang="en-US" smtClean="0"/>
-              <a:t>4/21/2014</a:t>
+              <a:t>5/4/2014</a:t>
             </a:fld>
             <a:endParaRPr lang="en-US"/>
           </a:p>
@@ -35839,7 +41263,7 @@
           <a:p>
             <a:fld id="{198D0EAF-E773-47B0-8BCA-22C101610594}" type="datetime1">
               <a:rPr lang="en-US" smtClean="0"/>
-              <a:t>4/21/2014</a:t>
+              <a:t>5/4/2014</a:t>
             </a:fld>
             <a:endParaRPr lang="en-US"/>
           </a:p>
@@ -36022,7 +41446,7 @@
           <a:p>
             <a:fld id="{1B672D9A-731C-4B17-B5CC-C287D3614998}" type="datetime1">
               <a:rPr lang="en-US" smtClean="0"/>
-              <a:t>4/21/2014</a:t>
+              <a:t>5/4/2014</a:t>
             </a:fld>
             <a:endParaRPr lang="en-US"/>
           </a:p>
@@ -36210,7 +41634,7 @@
           <a:p>
             <a:fld id="{5E0B9076-F3A9-441B-8B02-BFF9AAE93032}" type="datetime1">
               <a:rPr lang="en-US" smtClean="0"/>
-              <a:t>4/21/2014</a:t>
+              <a:t>5/4/2014</a:t>
             </a:fld>
             <a:endParaRPr lang="en-US"/>
           </a:p>
@@ -36501,7 +41925,7 @@
           <a:p>
             <a:fld id="{D1A868A7-87DF-4D82-9758-6FDB5BF92059}" type="datetime1">
               <a:rPr lang="en-US" smtClean="0"/>
-              <a:t>4/21/2014</a:t>
+              <a:t>5/4/2014</a:t>
             </a:fld>
             <a:endParaRPr lang="en-US"/>
           </a:p>
@@ -36928,7 +42352,7 @@
           <a:p>
             <a:fld id="{F89C25AF-2BAE-491F-B102-4398B7CA62AC}" type="datetime1">
               <a:rPr lang="en-US" smtClean="0"/>
-              <a:t>4/21/2014</a:t>
+              <a:t>5/4/2014</a:t>
             </a:fld>
             <a:endParaRPr lang="en-US"/>
           </a:p>
@@ -37380,7 +42804,7 @@
           <a:p>
             <a:fld id="{20DAC587-BFD7-4693-BE3E-82AB6C41DC71}" type="datetime1">
               <a:rPr lang="en-US" smtClean="0"/>
-              <a:t>4/21/2014</a:t>
+              <a:t>5/4/2014</a:t>
             </a:fld>
             <a:endParaRPr lang="en-US"/>
           </a:p>
@@ -37501,7 +42925,7 @@
           <a:p>
             <a:fld id="{6FB8DE7E-2244-4056-A6E2-CDC7E25C06F5}" type="datetime1">
               <a:rPr lang="en-US" smtClean="0"/>
-              <a:t>4/21/2014</a:t>
+              <a:t>5/4/2014</a:t>
             </a:fld>
             <a:endParaRPr lang="en-US"/>
           </a:p>
@@ -37599,7 +43023,7 @@
           <a:p>
             <a:fld id="{A53E9536-73AF-470C-98D2-9A8C29922C98}" type="datetime1">
               <a:rPr lang="en-US" smtClean="0"/>
-              <a:t>4/21/2014</a:t>
+              <a:t>5/4/2014</a:t>
             </a:fld>
             <a:endParaRPr lang="en-US"/>
           </a:p>
@@ -37885,7 +43309,7 @@
           <a:p>
             <a:fld id="{529AA04C-6F6E-4E69-BB9C-F7BA595572B4}" type="datetime1">
               <a:rPr lang="en-US" smtClean="0"/>
-              <a:t>4/21/2014</a:t>
+              <a:t>5/4/2014</a:t>
             </a:fld>
             <a:endParaRPr lang="en-US"/>
           </a:p>
@@ -38179,7 +43603,7 @@
           <a:p>
             <a:fld id="{92985208-2FE9-491A-AFFF-BE8023A7C222}" type="datetime1">
               <a:rPr lang="en-US" smtClean="0"/>
-              <a:t>4/21/2014</a:t>
+              <a:t>5/4/2014</a:t>
             </a:fld>
             <a:endParaRPr lang="en-US"/>
           </a:p>
@@ -38706,7 +44130,7 @@
           <a:p>
             <a:fld id="{B9910A96-6333-426D-AD9A-B814C6DA34E0}" type="datetime1">
               <a:rPr lang="en-US" smtClean="0"/>
-              <a:t>4/21/2014</a:t>
+              <a:t>5/4/2014</a:t>
             </a:fld>
             <a:endParaRPr lang="en-US"/>
           </a:p>
@@ -43263,7 +48687,7 @@
           <p:nvPr>
             <p:extLst>
               <p:ext uri="{D42A27DB-BD31-4B8C-83A1-F6EECF244321}">
-                <p14:modId xmlns:p14="http://schemas.microsoft.com/office/powerpoint/2010/main" val="2412398558"/>
+                <p14:modId xmlns:p14="http://schemas.microsoft.com/office/powerpoint/2010/main" val="1496959595"/>
               </p:ext>
             </p:extLst>
           </p:nvPr>
@@ -44081,15 +49505,59 @@
           </a:xfrm>
         </p:spPr>
         <p:txBody>
-          <a:bodyPr/>
+          <a:bodyPr>
+            <a:normAutofit/>
+          </a:bodyPr>
           <a:lstStyle/>
           <a:p>
             <a:r>
               <a:rPr lang="en-US" sz="2800" dirty="0" smtClean="0">
                 <a:latin typeface="Cambria" panose="02040503050406030204" pitchFamily="18" charset="0"/>
               </a:rPr>
-              <a:t>Viola-Jones: Detect traffic signs</a:t>
+              <a:t>Viola-Jones: Detect traffic </a:t>
             </a:r>
+            <a:r>
+              <a:rPr lang="en-US" sz="2800" dirty="0" smtClean="0">
+                <a:latin typeface="Cambria" panose="02040503050406030204" pitchFamily="18" charset="0"/>
+              </a:rPr>
+              <a:t>signs</a:t>
+            </a:r>
+          </a:p>
+          <a:p>
+            <a:pPr marL="0" indent="0">
+              <a:buNone/>
+            </a:pPr>
+            <a:r>
+              <a:rPr lang="en-US" sz="1600" dirty="0" smtClean="0">
+                <a:latin typeface="Cambria" panose="02040503050406030204" pitchFamily="18" charset="0"/>
+              </a:rPr>
+              <a:t>Reference:</a:t>
+            </a:r>
+            <a:endParaRPr lang="en-US" sz="1600" dirty="0" smtClean="0">
+              <a:latin typeface="Cambria" panose="02040503050406030204" pitchFamily="18" charset="0"/>
+            </a:endParaRPr>
+          </a:p>
+          <a:p>
+            <a:pPr marL="0" indent="0">
+              <a:buNone/>
+            </a:pPr>
+            <a:r>
+              <a:rPr lang="en-US" sz="1600" u="sng" dirty="0" smtClean="0">
+                <a:latin typeface="Cambria" panose="02040503050406030204" pitchFamily="18" charset="0"/>
+                <a:hlinkClick r:id="rId2"/>
+              </a:rPr>
+              <a:t>http</a:t>
+            </a:r>
+            <a:r>
+              <a:rPr lang="en-US" sz="1600" u="sng" dirty="0">
+                <a:latin typeface="Cambria" panose="02040503050406030204" pitchFamily="18" charset="0"/>
+                <a:hlinkClick r:id="rId2"/>
+              </a:rPr>
+              <a:t>://en.wikipedia.org/wiki/Viola%E2%80%93Jones_object_detection_framework</a:t>
+            </a:r>
+            <a:endParaRPr lang="en-US" sz="1600" dirty="0" smtClean="0">
+              <a:latin typeface="Cambria" panose="02040503050406030204" pitchFamily="18" charset="0"/>
+            </a:endParaRPr>
           </a:p>
           <a:p>
             <a:r>
@@ -44098,7 +49566,40 @@
               </a:rPr>
               <a:t>SVM: Recognize traffic signs</a:t>
             </a:r>
-            <a:endParaRPr lang="en-US" sz="2800" dirty="0">
+          </a:p>
+          <a:p>
+            <a:pPr marL="0" indent="0">
+              <a:buNone/>
+            </a:pPr>
+            <a:r>
+              <a:rPr lang="en-US" sz="1600" dirty="0" smtClean="0">
+                <a:latin typeface="Cambria" panose="02040503050406030204" pitchFamily="18" charset="0"/>
+              </a:rPr>
+              <a:t>Reference:</a:t>
+            </a:r>
+            <a:endParaRPr lang="en-US" sz="1600" dirty="0" smtClean="0">
+              <a:latin typeface="Cambria" panose="02040503050406030204" pitchFamily="18" charset="0"/>
+            </a:endParaRPr>
+          </a:p>
+          <a:p>
+            <a:pPr marL="0" indent="0">
+              <a:buNone/>
+            </a:pPr>
+            <a:r>
+              <a:rPr lang="en-US" sz="1600" u="sng" dirty="0" smtClean="0">
+                <a:latin typeface="Cambria" panose="02040503050406030204" pitchFamily="18" charset="0"/>
+                <a:hlinkClick r:id="rId3"/>
+              </a:rPr>
+              <a:t>http</a:t>
+            </a:r>
+            <a:r>
+              <a:rPr lang="en-US" sz="1600" u="sng" dirty="0">
+                <a:latin typeface="Cambria" panose="02040503050406030204" pitchFamily="18" charset="0"/>
+                <a:hlinkClick r:id="rId3"/>
+              </a:rPr>
+              <a:t>://en.wikipedia.org/wiki/Support_Vector_Machine</a:t>
+            </a:r>
+            <a:endParaRPr lang="en-US" sz="1600" dirty="0">
               <a:latin typeface="Cambria" panose="02040503050406030204" pitchFamily="18" charset="0"/>
             </a:endParaRPr>
           </a:p>
@@ -44389,10 +49890,223 @@
           </a:p>
         </p:txBody>
       </p:sp>
+      <p:sp>
+        <p:nvSpPr>
+          <p:cNvPr id="3" name="TextBox 2"/>
+          <p:cNvSpPr txBox="1"/>
+          <p:nvPr/>
+        </p:nvSpPr>
+        <p:spPr>
+          <a:xfrm>
+            <a:off x="1788459" y="5257800"/>
+            <a:ext cx="6360460" cy="646331"/>
+          </a:xfrm>
+          <a:prstGeom prst="rect">
+            <a:avLst/>
+          </a:prstGeom>
+          <a:noFill/>
+        </p:spPr>
+        <p:txBody>
+          <a:bodyPr wrap="square" rtlCol="0">
+            <a:spAutoFit/>
+          </a:bodyPr>
+          <a:lstStyle/>
+          <a:p>
+            <a:pPr algn="ctr"/>
+            <a:r>
+              <a:rPr lang="en-US" sz="3600" b="1" dirty="0" smtClean="0">
+                <a:latin typeface="Cambria" panose="02040503050406030204" pitchFamily="18" charset="0"/>
+              </a:rPr>
+              <a:t>http://bienbaogiaothong.tk</a:t>
+            </a:r>
+          </a:p>
+        </p:txBody>
+      </p:sp>
     </p:spTree>
     <p:extLst>
       <p:ext uri="{BB962C8B-B14F-4D97-AF65-F5344CB8AC3E}">
         <p14:creationId xmlns:p14="http://schemas.microsoft.com/office/powerpoint/2010/main" val="3845993223"/>
+      </p:ext>
+    </p:extLst>
+  </p:cSld>
+  <p:clrMapOvr>
+    <a:masterClrMapping/>
+  </p:clrMapOvr>
+  <p:transition spd="slow">
+    <p:wipe dir="r"/>
+  </p:transition>
+  <p:timing>
+    <p:tnLst>
+      <p:par>
+        <p:cTn id="1" dur="indefinite" restart="never" nodeType="tmRoot">
+          <p:childTnLst>
+            <p:seq concurrent="1" nextAc="seek">
+              <p:cTn id="2" dur="indefinite" nodeType="mainSeq">
+                <p:childTnLst>
+                  <p:par>
+                    <p:cTn id="3" fill="hold">
+                      <p:stCondLst>
+                        <p:cond delay="indefinite"/>
+                      </p:stCondLst>
+                      <p:childTnLst>
+                        <p:par>
+                          <p:cTn id="4" fill="hold">
+                            <p:stCondLst>
+                              <p:cond delay="0"/>
+                            </p:stCondLst>
+                            <p:childTnLst>
+                              <p:par>
+                                <p:cTn id="5" presetID="22" presetClass="entr" presetSubtype="8" fill="hold" grpId="0" nodeType="clickEffect">
+                                  <p:stCondLst>
+                                    <p:cond delay="0"/>
+                                  </p:stCondLst>
+                                  <p:childTnLst>
+                                    <p:set>
+                                      <p:cBhvr>
+                                        <p:cTn id="6" dur="1" fill="hold">
+                                          <p:stCondLst>
+                                            <p:cond delay="0"/>
+                                          </p:stCondLst>
+                                        </p:cTn>
+                                        <p:tgtEl>
+                                          <p:spTgt spid="3"/>
+                                        </p:tgtEl>
+                                        <p:attrNameLst>
+                                          <p:attrName>style.visibility</p:attrName>
+                                        </p:attrNameLst>
+                                      </p:cBhvr>
+                                      <p:to>
+                                        <p:strVal val="visible"/>
+                                      </p:to>
+                                    </p:set>
+                                    <p:animEffect transition="in" filter="wipe(left)">
+                                      <p:cBhvr>
+                                        <p:cTn id="7" dur="500"/>
+                                        <p:tgtEl>
+                                          <p:spTgt spid="3"/>
+                                        </p:tgtEl>
+                                      </p:cBhvr>
+                                    </p:animEffect>
+                                  </p:childTnLst>
+                                </p:cTn>
+                              </p:par>
+                            </p:childTnLst>
+                          </p:cTn>
+                        </p:par>
+                      </p:childTnLst>
+                    </p:cTn>
+                  </p:par>
+                </p:childTnLst>
+              </p:cTn>
+              <p:prevCondLst>
+                <p:cond evt="onPrev" delay="0">
+                  <p:tgtEl>
+                    <p:sldTgt/>
+                  </p:tgtEl>
+                </p:cond>
+              </p:prevCondLst>
+              <p:nextCondLst>
+                <p:cond evt="onNext" delay="0">
+                  <p:tgtEl>
+                    <p:sldTgt/>
+                  </p:tgtEl>
+                </p:cond>
+              </p:nextCondLst>
+            </p:seq>
+          </p:childTnLst>
+        </p:cTn>
+      </p:par>
+    </p:tnLst>
+    <p:bldLst>
+      <p:bldP spid="3" grpId="0"/>
+    </p:bldLst>
+  </p:timing>
+</p:sld>
+</file>
+
+<file path=ppt/slides/slide21.xml><?xml version="1.0" encoding="utf-8"?>
+<p:sld xmlns:a="http://schemas.openxmlformats.org/drawingml/2006/main" xmlns:r="http://schemas.openxmlformats.org/officeDocument/2006/relationships" xmlns:p="http://schemas.openxmlformats.org/presentationml/2006/main">
+  <p:cSld>
+    <p:spTree>
+      <p:nvGrpSpPr>
+        <p:cNvPr id="1" name=""/>
+        <p:cNvGrpSpPr/>
+        <p:nvPr/>
+      </p:nvGrpSpPr>
+      <p:grpSpPr>
+        <a:xfrm>
+          <a:off x="0" y="0"/>
+          <a:ext cx="0" cy="0"/>
+          <a:chOff x="0" y="0"/>
+          <a:chExt cx="0" cy="0"/>
+        </a:xfrm>
+      </p:grpSpPr>
+      <p:sp>
+        <p:nvSpPr>
+          <p:cNvPr id="2" name="Title 1"/>
+          <p:cNvSpPr>
+            <a:spLocks noGrp="1"/>
+          </p:cNvSpPr>
+          <p:nvPr>
+            <p:ph type="title"/>
+          </p:nvPr>
+        </p:nvSpPr>
+        <p:spPr>
+          <a:xfrm>
+            <a:off x="900247" y="2599900"/>
+            <a:ext cx="7704667" cy="1981200"/>
+          </a:xfrm>
+        </p:spPr>
+        <p:txBody>
+          <a:bodyPr>
+            <a:normAutofit/>
+          </a:bodyPr>
+          <a:lstStyle/>
+          <a:p>
+            <a:r>
+              <a:rPr lang="en-US" sz="7200" dirty="0" smtClean="0">
+                <a:latin typeface="Cambria" panose="02040503050406030204" pitchFamily="18" charset="0"/>
+              </a:rPr>
+              <a:t>Thank you</a:t>
+            </a:r>
+            <a:endParaRPr lang="en-US" sz="7200" dirty="0">
+              <a:latin typeface="Cambria" panose="02040503050406030204" pitchFamily="18" charset="0"/>
+            </a:endParaRPr>
+          </a:p>
+        </p:txBody>
+      </p:sp>
+      <p:sp>
+        <p:nvSpPr>
+          <p:cNvPr id="8" name="Slide Number Placeholder 7"/>
+          <p:cNvSpPr>
+            <a:spLocks noGrp="1"/>
+          </p:cNvSpPr>
+          <p:nvPr>
+            <p:ph type="sldNum" sz="quarter" idx="12"/>
+          </p:nvPr>
+        </p:nvSpPr>
+        <p:spPr/>
+        <p:txBody>
+          <a:bodyPr/>
+          <a:lstStyle/>
+          <a:p>
+            <a:r>
+              <a:rPr lang="en-US" dirty="0" smtClean="0"/>
+              <a:t>Slide </a:t>
+            </a:r>
+            <a:fld id="{6F0A14D7-2ECC-402F-87CE-D99C4236F396}" type="slidenum">
+              <a:rPr lang="en-US" smtClean="0"/>
+              <a:pPr/>
+              <a:t>21</a:t>
+            </a:fld>
+            <a:endParaRPr lang="en-US" dirty="0"/>
+          </a:p>
+        </p:txBody>
+      </p:sp>
+    </p:spTree>
+    <p:extLst>
+      <p:ext uri="{BB962C8B-B14F-4D97-AF65-F5344CB8AC3E}">
+        <p14:creationId xmlns:p14="http://schemas.microsoft.com/office/powerpoint/2010/main" val="1887733638"/>
       </p:ext>
     </p:extLst>
   </p:cSld>
@@ -44412,7 +50126,7 @@
 </p:sld>
 </file>
 
-<file path=ppt/slides/slide21.xml><?xml version="1.0" encoding="utf-8"?>
+<file path=ppt/slides/slide22.xml><?xml version="1.0" encoding="utf-8"?>
 <p:sld xmlns:a="http://schemas.openxmlformats.org/drawingml/2006/main" xmlns:r="http://schemas.openxmlformats.org/officeDocument/2006/relationships" xmlns:p="http://schemas.openxmlformats.org/presentationml/2006/main">
   <p:cSld>
     <p:spTree>
@@ -44485,7 +50199,7 @@
             <a:fld id="{6F0A14D7-2ECC-402F-87CE-D99C4236F396}" type="slidenum">
               <a:rPr lang="en-US" smtClean="0"/>
               <a:pPr/>
-              <a:t>21</a:t>
+              <a:t>22</a:t>
             </a:fld>
             <a:endParaRPr lang="en-US" dirty="0"/>
           </a:p>
@@ -44495,108 +50209,6 @@
     <p:extLst>
       <p:ext uri="{BB962C8B-B14F-4D97-AF65-F5344CB8AC3E}">
         <p14:creationId xmlns:p14="http://schemas.microsoft.com/office/powerpoint/2010/main" val="768656634"/>
-      </p:ext>
-    </p:extLst>
-  </p:cSld>
-  <p:clrMapOvr>
-    <a:masterClrMapping/>
-  </p:clrMapOvr>
-  <p:transition spd="slow">
-    <p:wipe dir="r"/>
-  </p:transition>
-  <p:timing>
-    <p:tnLst>
-      <p:par>
-        <p:cTn id="1" dur="indefinite" restart="never" nodeType="tmRoot"/>
-      </p:par>
-    </p:tnLst>
-  </p:timing>
-</p:sld>
-</file>
-
-<file path=ppt/slides/slide22.xml><?xml version="1.0" encoding="utf-8"?>
-<p:sld xmlns:a="http://schemas.openxmlformats.org/drawingml/2006/main" xmlns:r="http://schemas.openxmlformats.org/officeDocument/2006/relationships" xmlns:p="http://schemas.openxmlformats.org/presentationml/2006/main">
-  <p:cSld>
-    <p:spTree>
-      <p:nvGrpSpPr>
-        <p:cNvPr id="1" name=""/>
-        <p:cNvGrpSpPr/>
-        <p:nvPr/>
-      </p:nvGrpSpPr>
-      <p:grpSpPr>
-        <a:xfrm>
-          <a:off x="0" y="0"/>
-          <a:ext cx="0" cy="0"/>
-          <a:chOff x="0" y="0"/>
-          <a:chExt cx="0" cy="0"/>
-        </a:xfrm>
-      </p:grpSpPr>
-      <p:sp>
-        <p:nvSpPr>
-          <p:cNvPr id="2" name="Title 1"/>
-          <p:cNvSpPr>
-            <a:spLocks noGrp="1"/>
-          </p:cNvSpPr>
-          <p:nvPr>
-            <p:ph type="title"/>
-          </p:nvPr>
-        </p:nvSpPr>
-        <p:spPr>
-          <a:xfrm>
-            <a:off x="900247" y="2599900"/>
-            <a:ext cx="7704667" cy="1981200"/>
-          </a:xfrm>
-        </p:spPr>
-        <p:txBody>
-          <a:bodyPr>
-            <a:normAutofit/>
-          </a:bodyPr>
-          <a:lstStyle/>
-          <a:p>
-            <a:r>
-              <a:rPr lang="en-US" sz="7200" dirty="0" smtClean="0">
-                <a:latin typeface="Cambria" panose="02040503050406030204" pitchFamily="18" charset="0"/>
-              </a:rPr>
-              <a:t>Thank you</a:t>
-            </a:r>
-            <a:endParaRPr lang="en-US" sz="7200" dirty="0">
-              <a:latin typeface="Cambria" panose="02040503050406030204" pitchFamily="18" charset="0"/>
-            </a:endParaRPr>
-          </a:p>
-        </p:txBody>
-      </p:sp>
-      <p:sp>
-        <p:nvSpPr>
-          <p:cNvPr id="8" name="Slide Number Placeholder 7"/>
-          <p:cNvSpPr>
-            <a:spLocks noGrp="1"/>
-          </p:cNvSpPr>
-          <p:nvPr>
-            <p:ph type="sldNum" sz="quarter" idx="12"/>
-          </p:nvPr>
-        </p:nvSpPr>
-        <p:spPr/>
-        <p:txBody>
-          <a:bodyPr/>
-          <a:lstStyle/>
-          <a:p>
-            <a:r>
-              <a:rPr lang="en-US" dirty="0" smtClean="0"/>
-              <a:t>Slide </a:t>
-            </a:r>
-            <a:fld id="{6F0A14D7-2ECC-402F-87CE-D99C4236F396}" type="slidenum">
-              <a:rPr lang="en-US" smtClean="0"/>
-              <a:pPr/>
-              <a:t>22</a:t>
-            </a:fld>
-            <a:endParaRPr lang="en-US" dirty="0"/>
-          </a:p>
-        </p:txBody>
-      </p:sp>
-    </p:spTree>
-    <p:extLst>
-      <p:ext uri="{BB962C8B-B14F-4D97-AF65-F5344CB8AC3E}">
-        <p14:creationId xmlns:p14="http://schemas.microsoft.com/office/powerpoint/2010/main" val="1887733638"/>
       </p:ext>
     </p:extLst>
   </p:cSld>
